--- a/presentation/nonlinearLSTM_slides.pptx
+++ b/presentation/nonlinearLSTM_slides.pptx
@@ -12,33 +12,33 @@
   </p:handoutMasterIdLst>
   <p:sldIdLst>
     <p:sldId id="413" r:id="rId5"/>
-    <p:sldId id="389" r:id="rId6"/>
-    <p:sldId id="418" r:id="rId7"/>
-    <p:sldId id="448" r:id="rId8"/>
-    <p:sldId id="449" r:id="rId9"/>
-    <p:sldId id="450" r:id="rId10"/>
-    <p:sldId id="447" r:id="rId11"/>
-    <p:sldId id="452" r:id="rId12"/>
-    <p:sldId id="451" r:id="rId13"/>
-    <p:sldId id="453" r:id="rId14"/>
-    <p:sldId id="457" r:id="rId15"/>
-    <p:sldId id="454" r:id="rId16"/>
-    <p:sldId id="458" r:id="rId17"/>
-    <p:sldId id="459" r:id="rId18"/>
-    <p:sldId id="461" r:id="rId19"/>
-    <p:sldId id="460" r:id="rId20"/>
-    <p:sldId id="462" r:id="rId21"/>
-    <p:sldId id="463" r:id="rId22"/>
-    <p:sldId id="464" r:id="rId23"/>
-    <p:sldId id="465" r:id="rId24"/>
-    <p:sldId id="466" r:id="rId25"/>
-    <p:sldId id="467" r:id="rId26"/>
-    <p:sldId id="456" r:id="rId27"/>
-    <p:sldId id="469" r:id="rId28"/>
-    <p:sldId id="470" r:id="rId29"/>
-    <p:sldId id="471" r:id="rId30"/>
-    <p:sldId id="468" r:id="rId31"/>
-    <p:sldId id="473" r:id="rId32"/>
+    <p:sldId id="475" r:id="rId6"/>
+    <p:sldId id="389" r:id="rId7"/>
+    <p:sldId id="418" r:id="rId8"/>
+    <p:sldId id="448" r:id="rId9"/>
+    <p:sldId id="449" r:id="rId10"/>
+    <p:sldId id="450" r:id="rId11"/>
+    <p:sldId id="447" r:id="rId12"/>
+    <p:sldId id="452" r:id="rId13"/>
+    <p:sldId id="451" r:id="rId14"/>
+    <p:sldId id="453" r:id="rId15"/>
+    <p:sldId id="457" r:id="rId16"/>
+    <p:sldId id="454" r:id="rId17"/>
+    <p:sldId id="458" r:id="rId18"/>
+    <p:sldId id="459" r:id="rId19"/>
+    <p:sldId id="461" r:id="rId20"/>
+    <p:sldId id="460" r:id="rId21"/>
+    <p:sldId id="462" r:id="rId22"/>
+    <p:sldId id="463" r:id="rId23"/>
+    <p:sldId id="464" r:id="rId24"/>
+    <p:sldId id="465" r:id="rId25"/>
+    <p:sldId id="466" r:id="rId26"/>
+    <p:sldId id="467" r:id="rId27"/>
+    <p:sldId id="456" r:id="rId28"/>
+    <p:sldId id="469" r:id="rId29"/>
+    <p:sldId id="470" r:id="rId30"/>
+    <p:sldId id="471" r:id="rId31"/>
+    <p:sldId id="468" r:id="rId32"/>
     <p:sldId id="412" r:id="rId33"/>
     <p:sldId id="474" r:id="rId34"/>
     <p:sldId id="472" r:id="rId35"/>
@@ -246,7 +246,7 @@
           <a:p>
             <a:fld id="{C88CE87A-16FF-4C7D-8292-0CB980715C8B}" type="datetimeFigureOut">
               <a:rPr lang="de-DE" smtClean="0"/>
-              <a:t>15.12.2022</a:t>
+              <a:t>10.01.2023</a:t>
             </a:fld>
             <a:endParaRPr lang="de-DE"/>
           </a:p>
@@ -324,7 +324,7 @@
           <a:p>
             <a:fld id="{252F6222-CCA6-4FA7-88E0-B7BAE53645AA}" type="slidenum">
               <a:rPr lang="de-DE" smtClean="0"/>
-              <a:t>‹#›</a:t>
+              <a:t>‹Nr.›</a:t>
             </a:fld>
             <a:endParaRPr lang="de-DE"/>
           </a:p>
@@ -423,7 +423,7 @@
           <a:p>
             <a:fld id="{9DECA62E-2216-4960-A875-4D2633F4A404}" type="datetimeFigureOut">
               <a:rPr lang="de-DE" smtClean="0"/>
-              <a:t>15.12.2022</a:t>
+              <a:t>10.01.2023</a:t>
             </a:fld>
             <a:endParaRPr lang="de-DE"/>
           </a:p>
@@ -581,7 +581,7 @@
           <a:p>
             <a:fld id="{E1F93703-73BA-47D5-8B02-C172375928DA}" type="slidenum">
               <a:rPr lang="de-DE" smtClean="0"/>
-              <a:t>‹#›</a:t>
+              <a:t>‹Nr.›</a:t>
             </a:fld>
             <a:endParaRPr lang="de-DE"/>
           </a:p>
@@ -690,6 +690,110 @@
 </p:notesMaster>
 </file>
 
+<file path=ppt/notesSlides/notesSlide1.xml><?xml version="1.0" encoding="utf-8"?>
+<p:notes xmlns:a="http://schemas.openxmlformats.org/drawingml/2006/main" xmlns:r="http://schemas.openxmlformats.org/officeDocument/2006/relationships" xmlns:p="http://schemas.openxmlformats.org/presentationml/2006/main">
+  <p:cSld>
+    <p:spTree>
+      <p:nvGrpSpPr>
+        <p:cNvPr id="1" name=""/>
+        <p:cNvGrpSpPr/>
+        <p:nvPr/>
+      </p:nvGrpSpPr>
+      <p:grpSpPr>
+        <a:xfrm>
+          <a:off x="0" y="0"/>
+          <a:ext cx="0" cy="0"/>
+          <a:chOff x="0" y="0"/>
+          <a:chExt cx="0" cy="0"/>
+        </a:xfrm>
+      </p:grpSpPr>
+      <p:sp>
+        <p:nvSpPr>
+          <p:cNvPr id="2" name="Folienbildplatzhalter 1"/>
+          <p:cNvSpPr>
+            <a:spLocks noGrp="1" noRot="1" noChangeAspect="1"/>
+          </p:cNvSpPr>
+          <p:nvPr>
+            <p:ph type="sldImg"/>
+          </p:nvPr>
+        </p:nvSpPr>
+        <p:spPr/>
+      </p:sp>
+      <p:sp>
+        <p:nvSpPr>
+          <p:cNvPr id="3" name="Notizenplatzhalter 2"/>
+          <p:cNvSpPr>
+            <a:spLocks noGrp="1"/>
+          </p:cNvSpPr>
+          <p:nvPr>
+            <p:ph type="body" idx="1"/>
+          </p:nvPr>
+        </p:nvSpPr>
+        <p:spPr/>
+        <p:txBody>
+          <a:bodyPr/>
+          <a:lstStyle/>
+          <a:p>
+            <a:pPr marL="0" marR="0" lvl="0" indent="0" algn="l" defTabSz="914400" rtl="0" eaLnBrk="1" fontAlgn="auto" latinLnBrk="0" hangingPunct="1">
+              <a:lnSpc>
+                <a:spcPct val="100000"/>
+              </a:lnSpc>
+              <a:spcBef>
+                <a:spcPts val="0"/>
+              </a:spcBef>
+              <a:spcAft>
+                <a:spcPts val="0"/>
+              </a:spcAft>
+              <a:buClrTx/>
+              <a:buSzTx/>
+              <a:buFontTx/>
+              <a:buNone/>
+              <a:tabLst/>
+              <a:defRPr/>
+            </a:pPr>
+            <a:r>
+              <a:rPr lang="en-US" dirty="0"/>
+              <a:t>Create better dataset to test specific situations</a:t>
+            </a:r>
+          </a:p>
+        </p:txBody>
+      </p:sp>
+      <p:sp>
+        <p:nvSpPr>
+          <p:cNvPr id="4" name="Foliennummernplatzhalter 3"/>
+          <p:cNvSpPr>
+            <a:spLocks noGrp="1"/>
+          </p:cNvSpPr>
+          <p:nvPr>
+            <p:ph type="sldNum" sz="quarter" idx="5"/>
+          </p:nvPr>
+        </p:nvSpPr>
+        <p:spPr/>
+        <p:txBody>
+          <a:bodyPr/>
+          <a:lstStyle/>
+          <a:p>
+            <a:fld id="{E1F93703-73BA-47D5-8B02-C172375928DA}" type="slidenum">
+              <a:rPr lang="de-DE" smtClean="0"/>
+              <a:t>28</a:t>
+            </a:fld>
+            <a:endParaRPr lang="de-DE"/>
+          </a:p>
+        </p:txBody>
+      </p:sp>
+    </p:spTree>
+    <p:extLst>
+      <p:ext uri="{BB962C8B-B14F-4D97-AF65-F5344CB8AC3E}">
+        <p14:creationId xmlns:p14="http://schemas.microsoft.com/office/powerpoint/2010/main" val="238023975"/>
+      </p:ext>
+    </p:extLst>
+  </p:cSld>
+  <p:clrMapOvr>
+    <a:masterClrMapping/>
+  </p:clrMapOvr>
+</p:notes>
+</file>
+
 <file path=ppt/slideLayouts/slideLayout1.xml><?xml version="1.0" encoding="utf-8"?>
 <p:sldLayout xmlns:a="http://schemas.openxmlformats.org/drawingml/2006/main" xmlns:r="http://schemas.openxmlformats.org/officeDocument/2006/relationships" xmlns:p="http://schemas.openxmlformats.org/presentationml/2006/main" preserve="1" userDrawn="1">
   <p:cSld name="Titelfolie 1">
@@ -819,10 +923,10 @@
           <a:bodyPr/>
           <a:lstStyle/>
           <a:p>
-            <a:fld id="{B8015DB5-16FE-4380-B5BF-46CD18C131D7}" type="datetime8">
-              <a:rPr lang="en-DE" smtClean="0"/>
-              <a:t>15/12/2022 12:38</a:t>
-            </a:fld>
+            <a:r>
+              <a:rPr lang="LID4096"/>
+              <a:t>12/01/2023</a:t>
+            </a:r>
             <a:endParaRPr lang="de-DE" dirty="0"/>
           </a:p>
         </p:txBody>
@@ -880,7 +984,7 @@
             <a:fld id="{D949F9DF-37BD-4CD6-BF49-65BA579E1D7A}" type="slidenum">
               <a:rPr lang="de-DE" smtClean="0"/>
               <a:pPr/>
-              <a:t>‹#›</a:t>
+              <a:t>‹Nr.›</a:t>
             </a:fld>
             <a:endParaRPr lang="de-DE"/>
           </a:p>
@@ -2298,10 +2402,10 @@
             </a:lvl1pPr>
           </a:lstStyle>
           <a:p>
-            <a:fld id="{A2E8877F-2015-4290-957C-06EF82A52242}" type="datetime8">
-              <a:rPr lang="en-DE" smtClean="0"/>
-              <a:t>15/12/2022 12:38</a:t>
-            </a:fld>
+            <a:r>
+              <a:rPr lang="LID4096"/>
+              <a:t>12/01/2023</a:t>
+            </a:r>
             <a:endParaRPr lang="de-DE" dirty="0"/>
           </a:p>
         </p:txBody>
@@ -2380,7 +2484,7 @@
             <a:fld id="{D949F9DF-37BD-4CD6-BF49-65BA579E1D7A}" type="slidenum">
               <a:rPr lang="de-DE" smtClean="0"/>
               <a:pPr/>
-              <a:t>‹#›</a:t>
+              <a:t>‹Nr.›</a:t>
             </a:fld>
             <a:endParaRPr lang="de-DE"/>
           </a:p>
@@ -3976,10 +4080,10 @@
             </a:lvl1pPr>
           </a:lstStyle>
           <a:p>
-            <a:fld id="{2E7C052D-61E6-45C2-BA19-CFB3925CB63C}" type="datetime8">
-              <a:rPr lang="en-DE" smtClean="0"/>
-              <a:t>15/12/2022 12:38</a:t>
-            </a:fld>
+            <a:r>
+              <a:rPr lang="LID4096"/>
+              <a:t>12/01/2023</a:t>
+            </a:r>
             <a:endParaRPr lang="de-DE" dirty="0"/>
           </a:p>
         </p:txBody>
@@ -4053,7 +4157,7 @@
             <a:fld id="{D949F9DF-37BD-4CD6-BF49-65BA579E1D7A}" type="slidenum">
               <a:rPr lang="de-DE" smtClean="0"/>
               <a:pPr/>
-              <a:t>‹#›</a:t>
+              <a:t>‹Nr.›</a:t>
             </a:fld>
             <a:endParaRPr lang="de-DE"/>
           </a:p>
@@ -7027,10 +7131,10 @@
             </a:lvl1pPr>
           </a:lstStyle>
           <a:p>
-            <a:fld id="{E98A7CA8-B4F8-4103-AA95-845AE462A37A}" type="datetime8">
-              <a:rPr lang="en-DE" smtClean="0"/>
-              <a:t>15/12/2022 12:38</a:t>
-            </a:fld>
+            <a:r>
+              <a:rPr lang="LID4096"/>
+              <a:t>12/01/2023</a:t>
+            </a:r>
             <a:endParaRPr lang="de-DE" dirty="0"/>
           </a:p>
         </p:txBody>
@@ -7124,7 +7228,7 @@
             <a:fld id="{D949F9DF-37BD-4CD6-BF49-65BA579E1D7A}" type="slidenum">
               <a:rPr lang="de-DE" smtClean="0"/>
               <a:pPr/>
-              <a:t>‹#›</a:t>
+              <a:t>‹Nr.›</a:t>
             </a:fld>
             <a:endParaRPr lang="de-DE"/>
           </a:p>
@@ -9000,7 +9104,7 @@
             </a:pPr>
             <a:r>
               <a:rPr lang="de-DE" sz="2000" dirty="0"/>
-              <a:t>Sebastian Hirt | 20.10.2022</a:t>
+              <a:t>Sebastian Hirt | 12.01.2023</a:t>
             </a:r>
           </a:p>
           <a:p>
@@ -9067,10 +9171,10 @@
           <a:bodyPr/>
           <a:lstStyle/>
           <a:p>
-            <a:fld id="{A2E8877F-2015-4290-957C-06EF82A52242}" type="datetime8">
-              <a:rPr lang="en-DE" smtClean="0"/>
-              <a:t>15/12/2022 12:38</a:t>
-            </a:fld>
+            <a:r>
+              <a:rPr lang="LID4096"/>
+              <a:t>12/01/2023</a:t>
+            </a:r>
             <a:endParaRPr lang="de-DE" dirty="0"/>
           </a:p>
         </p:txBody>
@@ -9129,6 +9233,245 @@
               <a:rPr lang="de-DE" smtClean="0"/>
               <a:pPr/>
               <a:t>10</a:t>
+            </a:fld>
+            <a:endParaRPr lang="de-DE"/>
+          </a:p>
+        </p:txBody>
+      </p:sp>
+      <p:sp>
+        <p:nvSpPr>
+          <p:cNvPr id="5" name="Title 4">
+            <a:extLst>
+              <a:ext uri="{FF2B5EF4-FFF2-40B4-BE49-F238E27FC236}">
+                <a16:creationId xmlns:a16="http://schemas.microsoft.com/office/drawing/2014/main" id="{BBB354EA-F495-6050-38E7-B27B0D727096}"/>
+              </a:ext>
+            </a:extLst>
+          </p:cNvPr>
+          <p:cNvSpPr>
+            <a:spLocks noGrp="1"/>
+          </p:cNvSpPr>
+          <p:nvPr>
+            <p:ph type="title"/>
+          </p:nvPr>
+        </p:nvSpPr>
+        <p:spPr/>
+        <p:txBody>
+          <a:bodyPr/>
+          <a:lstStyle/>
+          <a:p>
+            <a:r>
+              <a:rPr lang="en-US" dirty="0"/>
+              <a:t>Problem description</a:t>
+            </a:r>
+          </a:p>
+        </p:txBody>
+      </p:sp>
+      <p:sp>
+        <p:nvSpPr>
+          <p:cNvPr id="6" name="Text Placeholder 5">
+            <a:extLst>
+              <a:ext uri="{FF2B5EF4-FFF2-40B4-BE49-F238E27FC236}">
+                <a16:creationId xmlns:a16="http://schemas.microsoft.com/office/drawing/2014/main" id="{4761E152-B7EF-00B5-47FF-110705BBE7D4}"/>
+              </a:ext>
+            </a:extLst>
+          </p:cNvPr>
+          <p:cNvSpPr>
+            <a:spLocks noGrp="1"/>
+          </p:cNvSpPr>
+          <p:nvPr>
+            <p:ph type="body" sz="quarter" idx="17"/>
+          </p:nvPr>
+        </p:nvSpPr>
+        <p:spPr/>
+        <p:txBody>
+          <a:bodyPr/>
+          <a:lstStyle/>
+          <a:p>
+            <a:r>
+              <a:rPr lang="en-US" sz="1800" dirty="0">
+                <a:effectLst/>
+                <a:latin typeface="Calibri" panose="020F0502020204030204" pitchFamily="34" charset="0"/>
+                <a:ea typeface="Calibri" panose="020F0502020204030204" pitchFamily="34" charset="0"/>
+                <a:cs typeface="Arial" panose="020B0604020202020204" pitchFamily="34" charset="0"/>
+              </a:rPr>
+              <a:t>Pushing force on object</a:t>
+            </a:r>
+          </a:p>
+          <a:p>
+            <a:r>
+              <a:rPr lang="en-US" dirty="0">
+                <a:latin typeface="Calibri" panose="020F0502020204030204" pitchFamily="34" charset="0"/>
+                <a:ea typeface="Calibri" panose="020F0502020204030204" pitchFamily="34" charset="0"/>
+                <a:cs typeface="Arial" panose="020B0604020202020204" pitchFamily="34" charset="0"/>
+              </a:rPr>
+              <a:t>Drag on object</a:t>
+            </a:r>
+            <a:endParaRPr lang="en-US" sz="1800" dirty="0">
+              <a:effectLst/>
+              <a:latin typeface="Calibri" panose="020F0502020204030204" pitchFamily="34" charset="0"/>
+              <a:ea typeface="Calibri" panose="020F0502020204030204" pitchFamily="34" charset="0"/>
+              <a:cs typeface="Arial" panose="020B0604020202020204" pitchFamily="34" charset="0"/>
+            </a:endParaRPr>
+          </a:p>
+          <a:p>
+            <a:endParaRPr lang="en-US" sz="1800" dirty="0">
+              <a:effectLst/>
+              <a:latin typeface="Calibri" panose="020F0502020204030204" pitchFamily="34" charset="0"/>
+              <a:ea typeface="Calibri" panose="020F0502020204030204" pitchFamily="34" charset="0"/>
+              <a:cs typeface="Arial" panose="020B0604020202020204" pitchFamily="34" charset="0"/>
+            </a:endParaRPr>
+          </a:p>
+          <a:p>
+            <a:endParaRPr lang="en-US" dirty="0"/>
+          </a:p>
+          <a:p>
+            <a:endParaRPr lang="en-US" dirty="0"/>
+          </a:p>
+        </p:txBody>
+      </p:sp>
+      <p:pic>
+        <p:nvPicPr>
+          <p:cNvPr id="8" name="Picture 7">
+            <a:extLst>
+              <a:ext uri="{FF2B5EF4-FFF2-40B4-BE49-F238E27FC236}">
+                <a16:creationId xmlns:a16="http://schemas.microsoft.com/office/drawing/2014/main" id="{6F9EFDD3-455A-5D88-E91B-55A19B6A2BBD}"/>
+              </a:ext>
+            </a:extLst>
+          </p:cNvPr>
+          <p:cNvPicPr>
+            <a:picLocks noChangeAspect="1"/>
+          </p:cNvPicPr>
+          <p:nvPr/>
+        </p:nvPicPr>
+        <p:blipFill>
+          <a:blip r:embed="rId2"/>
+          <a:stretch>
+            <a:fillRect/>
+          </a:stretch>
+        </p:blipFill>
+        <p:spPr>
+          <a:xfrm>
+            <a:off x="5500915" y="2089245"/>
+            <a:ext cx="4914238" cy="3538785"/>
+          </a:xfrm>
+          <a:prstGeom prst="rect">
+            <a:avLst/>
+          </a:prstGeom>
+        </p:spPr>
+      </p:pic>
+    </p:spTree>
+    <p:extLst>
+      <p:ext uri="{BB962C8B-B14F-4D97-AF65-F5344CB8AC3E}">
+        <p14:creationId xmlns:p14="http://schemas.microsoft.com/office/powerpoint/2010/main" val="637827353"/>
+      </p:ext>
+    </p:extLst>
+  </p:cSld>
+  <p:clrMapOvr>
+    <a:masterClrMapping/>
+  </p:clrMapOvr>
+</p:sld>
+</file>
+
+<file path=ppt/slides/slide11.xml><?xml version="1.0" encoding="utf-8"?>
+<p:sld xmlns:a="http://schemas.openxmlformats.org/drawingml/2006/main" xmlns:r="http://schemas.openxmlformats.org/officeDocument/2006/relationships" xmlns:p="http://schemas.openxmlformats.org/presentationml/2006/main">
+  <p:cSld>
+    <p:spTree>
+      <p:nvGrpSpPr>
+        <p:cNvPr id="1" name=""/>
+        <p:cNvGrpSpPr/>
+        <p:nvPr/>
+      </p:nvGrpSpPr>
+      <p:grpSpPr>
+        <a:xfrm>
+          <a:off x="0" y="0"/>
+          <a:ext cx="0" cy="0"/>
+          <a:chOff x="0" y="0"/>
+          <a:chExt cx="0" cy="0"/>
+        </a:xfrm>
+      </p:grpSpPr>
+      <p:sp>
+        <p:nvSpPr>
+          <p:cNvPr id="2" name="Date Placeholder 1">
+            <a:extLst>
+              <a:ext uri="{FF2B5EF4-FFF2-40B4-BE49-F238E27FC236}">
+                <a16:creationId xmlns:a16="http://schemas.microsoft.com/office/drawing/2014/main" id="{2B8CAAFC-F0E6-F31E-198A-AA24CC49C316}"/>
+              </a:ext>
+            </a:extLst>
+          </p:cNvPr>
+          <p:cNvSpPr>
+            <a:spLocks noGrp="1"/>
+          </p:cNvSpPr>
+          <p:nvPr>
+            <p:ph type="dt" sz="half" idx="10"/>
+          </p:nvPr>
+        </p:nvSpPr>
+        <p:spPr/>
+        <p:txBody>
+          <a:bodyPr/>
+          <a:lstStyle/>
+          <a:p>
+            <a:r>
+              <a:rPr lang="LID4096"/>
+              <a:t>12/01/2023</a:t>
+            </a:r>
+            <a:endParaRPr lang="de-DE" dirty="0"/>
+          </a:p>
+        </p:txBody>
+      </p:sp>
+      <p:sp>
+        <p:nvSpPr>
+          <p:cNvPr id="3" name="Footer Placeholder 2">
+            <a:extLst>
+              <a:ext uri="{FF2B5EF4-FFF2-40B4-BE49-F238E27FC236}">
+                <a16:creationId xmlns:a16="http://schemas.microsoft.com/office/drawing/2014/main" id="{C49146C1-0EFA-7410-35A6-1C2B33E3E160}"/>
+              </a:ext>
+            </a:extLst>
+          </p:cNvPr>
+          <p:cNvSpPr>
+            <a:spLocks noGrp="1"/>
+          </p:cNvSpPr>
+          <p:nvPr>
+            <p:ph type="ftr" sz="quarter" idx="11"/>
+          </p:nvPr>
+        </p:nvSpPr>
+        <p:spPr/>
+        <p:txBody>
+          <a:bodyPr/>
+          <a:lstStyle/>
+          <a:p>
+            <a:r>
+              <a:rPr lang="en-US"/>
+              <a:t>Modeling of nonlinear Systems with LSTMs | Sebastian Hirt</a:t>
+            </a:r>
+            <a:endParaRPr lang="de-DE" dirty="0"/>
+          </a:p>
+        </p:txBody>
+      </p:sp>
+      <p:sp>
+        <p:nvSpPr>
+          <p:cNvPr id="4" name="Slide Number Placeholder 3">
+            <a:extLst>
+              <a:ext uri="{FF2B5EF4-FFF2-40B4-BE49-F238E27FC236}">
+                <a16:creationId xmlns:a16="http://schemas.microsoft.com/office/drawing/2014/main" id="{83EEE9A2-09B3-BA3D-B64B-856A8F226637}"/>
+              </a:ext>
+            </a:extLst>
+          </p:cNvPr>
+          <p:cNvSpPr>
+            <a:spLocks noGrp="1"/>
+          </p:cNvSpPr>
+          <p:nvPr>
+            <p:ph type="sldNum" sz="quarter" idx="12"/>
+          </p:nvPr>
+        </p:nvSpPr>
+        <p:spPr/>
+        <p:txBody>
+          <a:bodyPr/>
+          <a:lstStyle/>
+          <a:p>
+            <a:fld id="{D949F9DF-37BD-4CD6-BF49-65BA579E1D7A}" type="slidenum">
+              <a:rPr lang="de-DE" smtClean="0"/>
+              <a:pPr/>
+              <a:t>11</a:t>
             </a:fld>
             <a:endParaRPr lang="de-DE"/>
           </a:p>
@@ -9252,7 +9595,7 @@
 </p:sld>
 </file>
 
-<file path=ppt/slides/slide11.xml><?xml version="1.0" encoding="utf-8"?>
+<file path=ppt/slides/slide12.xml><?xml version="1.0" encoding="utf-8"?>
 <p:sld xmlns:a="http://schemas.openxmlformats.org/drawingml/2006/main" xmlns:r="http://schemas.openxmlformats.org/officeDocument/2006/relationships" xmlns:p="http://schemas.openxmlformats.org/presentationml/2006/main">
   <p:cSld>
     <p:spTree>
@@ -9290,10 +9633,10 @@
           <a:bodyPr/>
           <a:lstStyle/>
           <a:p>
-            <a:fld id="{A2E8877F-2015-4290-957C-06EF82A52242}" type="datetime8">
-              <a:rPr lang="en-DE" smtClean="0"/>
-              <a:t>15/12/2022 12:38</a:t>
-            </a:fld>
+            <a:r>
+              <a:rPr lang="LID4096"/>
+              <a:t>12/01/2023</a:t>
+            </a:r>
             <a:endParaRPr lang="de-DE" dirty="0"/>
           </a:p>
         </p:txBody>
@@ -9351,7 +9694,7 @@
             <a:fld id="{D949F9DF-37BD-4CD6-BF49-65BA579E1D7A}" type="slidenum">
               <a:rPr lang="de-DE" smtClean="0"/>
               <a:pPr/>
-              <a:t>11</a:t>
+              <a:t>12</a:t>
             </a:fld>
             <a:endParaRPr lang="de-DE"/>
           </a:p>
@@ -9475,7 +9818,7 @@
 </p:sld>
 </file>
 
-<file path=ppt/slides/slide12.xml><?xml version="1.0" encoding="utf-8"?>
+<file path=ppt/slides/slide13.xml><?xml version="1.0" encoding="utf-8"?>
 <p:sld xmlns:a="http://schemas.openxmlformats.org/drawingml/2006/main" xmlns:r="http://schemas.openxmlformats.org/officeDocument/2006/relationships" xmlns:p="http://schemas.openxmlformats.org/presentationml/2006/main">
   <p:cSld>
     <p:spTree>
@@ -9513,10 +9856,10 @@
           <a:bodyPr/>
           <a:lstStyle/>
           <a:p>
-            <a:fld id="{A2E8877F-2015-4290-957C-06EF82A52242}" type="datetime8">
-              <a:rPr lang="en-DE" smtClean="0"/>
-              <a:t>15/12/2022 12:38</a:t>
-            </a:fld>
+            <a:r>
+              <a:rPr lang="LID4096"/>
+              <a:t>12/01/2023</a:t>
+            </a:r>
             <a:endParaRPr lang="de-DE" dirty="0"/>
           </a:p>
         </p:txBody>
@@ -9574,7 +9917,7 @@
             <a:fld id="{D949F9DF-37BD-4CD6-BF49-65BA579E1D7A}" type="slidenum">
               <a:rPr lang="de-DE" smtClean="0"/>
               <a:pPr/>
-              <a:t>12</a:t>
+              <a:t>13</a:t>
             </a:fld>
             <a:endParaRPr lang="de-DE"/>
           </a:p>
@@ -9709,7 +10052,7 @@
 </p:sld>
 </file>
 
-<file path=ppt/slides/slide13.xml><?xml version="1.0" encoding="utf-8"?>
+<file path=ppt/slides/slide14.xml><?xml version="1.0" encoding="utf-8"?>
 <p:sld xmlns:a="http://schemas.openxmlformats.org/drawingml/2006/main" xmlns:r="http://schemas.openxmlformats.org/officeDocument/2006/relationships" xmlns:p="http://schemas.openxmlformats.org/presentationml/2006/main">
   <p:cSld>
     <p:spTree>
@@ -9747,10 +10090,10 @@
           <a:bodyPr/>
           <a:lstStyle/>
           <a:p>
-            <a:fld id="{A2E8877F-2015-4290-957C-06EF82A52242}" type="datetime8">
-              <a:rPr lang="en-DE" smtClean="0"/>
-              <a:t>15/12/2022 12:38</a:t>
-            </a:fld>
+            <a:r>
+              <a:rPr lang="LID4096"/>
+              <a:t>12/01/2023</a:t>
+            </a:r>
             <a:endParaRPr lang="de-DE" dirty="0"/>
           </a:p>
         </p:txBody>
@@ -9808,7 +10151,7 @@
             <a:fld id="{D949F9DF-37BD-4CD6-BF49-65BA579E1D7A}" type="slidenum">
               <a:rPr lang="de-DE" smtClean="0"/>
               <a:pPr/>
-              <a:t>13</a:t>
+              <a:t>14</a:t>
             </a:fld>
             <a:endParaRPr lang="de-DE"/>
           </a:p>
@@ -9962,7 +10305,7 @@
 </p:sld>
 </file>
 
-<file path=ppt/slides/slide14.xml><?xml version="1.0" encoding="utf-8"?>
+<file path=ppt/slides/slide15.xml><?xml version="1.0" encoding="utf-8"?>
 <p:sld xmlns:a="http://schemas.openxmlformats.org/drawingml/2006/main" xmlns:r="http://schemas.openxmlformats.org/officeDocument/2006/relationships" xmlns:p="http://schemas.openxmlformats.org/presentationml/2006/main">
   <p:cSld>
     <p:spTree>
@@ -10000,10 +10343,10 @@
           <a:bodyPr/>
           <a:lstStyle/>
           <a:p>
-            <a:fld id="{A2E8877F-2015-4290-957C-06EF82A52242}" type="datetime8">
-              <a:rPr lang="en-DE" smtClean="0"/>
-              <a:t>15/12/2022 12:38</a:t>
-            </a:fld>
+            <a:r>
+              <a:rPr lang="LID4096"/>
+              <a:t>12/01/2023</a:t>
+            </a:r>
             <a:endParaRPr lang="de-DE" dirty="0"/>
           </a:p>
         </p:txBody>
@@ -10061,7 +10404,7 @@
             <a:fld id="{D949F9DF-37BD-4CD6-BF49-65BA579E1D7A}" type="slidenum">
               <a:rPr lang="de-DE" smtClean="0"/>
               <a:pPr/>
-              <a:t>14</a:t>
+              <a:t>15</a:t>
             </a:fld>
             <a:endParaRPr lang="de-DE"/>
           </a:p>
@@ -10215,7 +10558,7 @@
 </p:sld>
 </file>
 
-<file path=ppt/slides/slide15.xml><?xml version="1.0" encoding="utf-8"?>
+<file path=ppt/slides/slide16.xml><?xml version="1.0" encoding="utf-8"?>
 <p:sld xmlns:a="http://schemas.openxmlformats.org/drawingml/2006/main" xmlns:r="http://schemas.openxmlformats.org/officeDocument/2006/relationships" xmlns:p="http://schemas.openxmlformats.org/presentationml/2006/main">
   <p:cSld>
     <p:spTree>
@@ -10253,10 +10596,10 @@
           <a:bodyPr/>
           <a:lstStyle/>
           <a:p>
-            <a:fld id="{A2E8877F-2015-4290-957C-06EF82A52242}" type="datetime8">
-              <a:rPr lang="en-DE" smtClean="0"/>
-              <a:t>15/12/2022 12:38</a:t>
-            </a:fld>
+            <a:r>
+              <a:rPr lang="LID4096"/>
+              <a:t>12/01/2023</a:t>
+            </a:r>
             <a:endParaRPr lang="de-DE" dirty="0"/>
           </a:p>
         </p:txBody>
@@ -10314,7 +10657,7 @@
             <a:fld id="{D949F9DF-37BD-4CD6-BF49-65BA579E1D7A}" type="slidenum">
               <a:rPr lang="de-DE" smtClean="0"/>
               <a:pPr/>
-              <a:t>15</a:t>
+              <a:t>16</a:t>
             </a:fld>
             <a:endParaRPr lang="de-DE"/>
           </a:p>
@@ -10746,7 +11089,7 @@
 </p:sld>
 </file>
 
-<file path=ppt/slides/slide16.xml><?xml version="1.0" encoding="utf-8"?>
+<file path=ppt/slides/slide17.xml><?xml version="1.0" encoding="utf-8"?>
 <p:sld xmlns:a="http://schemas.openxmlformats.org/drawingml/2006/main" xmlns:r="http://schemas.openxmlformats.org/officeDocument/2006/relationships" xmlns:p="http://schemas.openxmlformats.org/presentationml/2006/main">
   <p:cSld>
     <p:spTree>
@@ -10822,10 +11165,10 @@
           <a:bodyPr/>
           <a:lstStyle/>
           <a:p>
-            <a:fld id="{C683496F-A479-4189-AF7A-49EC797A60BB}" type="datetime8">
-              <a:rPr lang="en-DE" smtClean="0"/>
-              <a:t>15/12/2022 12:38</a:t>
-            </a:fld>
+            <a:r>
+              <a:rPr lang="LID4096"/>
+              <a:t>12/01/2023</a:t>
+            </a:r>
             <a:endParaRPr lang="de-DE" dirty="0"/>
           </a:p>
         </p:txBody>
@@ -10883,7 +11226,7 @@
             <a:fld id="{D949F9DF-37BD-4CD6-BF49-65BA579E1D7A}" type="slidenum">
               <a:rPr lang="de-DE" smtClean="0"/>
               <a:pPr/>
-              <a:t>16</a:t>
+              <a:t>17</a:t>
             </a:fld>
             <a:endParaRPr lang="de-DE"/>
           </a:p>
@@ -10902,7 +11245,7 @@
 </p:sld>
 </file>
 
-<file path=ppt/slides/slide17.xml><?xml version="1.0" encoding="utf-8"?>
+<file path=ppt/slides/slide18.xml><?xml version="1.0" encoding="utf-8"?>
 <p:sld xmlns:a="http://schemas.openxmlformats.org/drawingml/2006/main" xmlns:r="http://schemas.openxmlformats.org/officeDocument/2006/relationships" xmlns:p="http://schemas.openxmlformats.org/presentationml/2006/main">
   <p:cSld>
     <p:spTree>
@@ -10940,10 +11283,10 @@
           <a:bodyPr/>
           <a:lstStyle/>
           <a:p>
-            <a:fld id="{A2E8877F-2015-4290-957C-06EF82A52242}" type="datetime8">
-              <a:rPr lang="en-DE" smtClean="0"/>
-              <a:t>15/12/2022 12:38</a:t>
-            </a:fld>
+            <a:r>
+              <a:rPr lang="LID4096"/>
+              <a:t>12/01/2023</a:t>
+            </a:r>
             <a:endParaRPr lang="de-DE" dirty="0"/>
           </a:p>
         </p:txBody>
@@ -11001,7 +11344,7 @@
             <a:fld id="{D949F9DF-37BD-4CD6-BF49-65BA579E1D7A}" type="slidenum">
               <a:rPr lang="de-DE" smtClean="0"/>
               <a:pPr/>
-              <a:t>17</a:t>
+              <a:t>18</a:t>
             </a:fld>
             <a:endParaRPr lang="de-DE"/>
           </a:p>
@@ -11405,7 +11748,7 @@
 </p:sld>
 </file>
 
-<file path=ppt/slides/slide18.xml><?xml version="1.0" encoding="utf-8"?>
+<file path=ppt/slides/slide19.xml><?xml version="1.0" encoding="utf-8"?>
 <p:sld xmlns:a="http://schemas.openxmlformats.org/drawingml/2006/main" xmlns:r="http://schemas.openxmlformats.org/officeDocument/2006/relationships" xmlns:p="http://schemas.openxmlformats.org/presentationml/2006/main">
   <p:cSld>
     <p:spTree>
@@ -11443,10 +11786,10 @@
           <a:bodyPr/>
           <a:lstStyle/>
           <a:p>
-            <a:fld id="{A2E8877F-2015-4290-957C-06EF82A52242}" type="datetime8">
-              <a:rPr lang="en-DE" smtClean="0"/>
-              <a:t>15/12/2022 12:38</a:t>
-            </a:fld>
+            <a:r>
+              <a:rPr lang="LID4096"/>
+              <a:t>12/01/2023</a:t>
+            </a:r>
             <a:endParaRPr lang="de-DE" dirty="0"/>
           </a:p>
         </p:txBody>
@@ -11504,7 +11847,7 @@
             <a:fld id="{D949F9DF-37BD-4CD6-BF49-65BA579E1D7A}" type="slidenum">
               <a:rPr lang="de-DE" smtClean="0"/>
               <a:pPr/>
-              <a:t>18</a:t>
+              <a:t>19</a:t>
             </a:fld>
             <a:endParaRPr lang="de-DE"/>
           </a:p>
@@ -11877,7 +12220,187 @@
 </p:sld>
 </file>
 
-<file path=ppt/slides/slide19.xml><?xml version="1.0" encoding="utf-8"?>
+<file path=ppt/slides/slide2.xml><?xml version="1.0" encoding="utf-8"?>
+<p:sld xmlns:a="http://schemas.openxmlformats.org/drawingml/2006/main" xmlns:r="http://schemas.openxmlformats.org/officeDocument/2006/relationships" xmlns:p="http://schemas.openxmlformats.org/presentationml/2006/main">
+  <p:cSld>
+    <p:spTree>
+      <p:nvGrpSpPr>
+        <p:cNvPr id="1" name=""/>
+        <p:cNvGrpSpPr/>
+        <p:nvPr/>
+      </p:nvGrpSpPr>
+      <p:grpSpPr>
+        <a:xfrm>
+          <a:off x="0" y="0"/>
+          <a:ext cx="0" cy="0"/>
+          <a:chOff x="0" y="0"/>
+          <a:chExt cx="0" cy="0"/>
+        </a:xfrm>
+      </p:grpSpPr>
+      <p:sp>
+        <p:nvSpPr>
+          <p:cNvPr id="2" name="Datumsplatzhalter 1">
+            <a:extLst>
+              <a:ext uri="{FF2B5EF4-FFF2-40B4-BE49-F238E27FC236}">
+                <a16:creationId xmlns:a16="http://schemas.microsoft.com/office/drawing/2014/main" id="{DA70317D-0F23-D5C4-2C97-6D7F0871509F}"/>
+              </a:ext>
+            </a:extLst>
+          </p:cNvPr>
+          <p:cNvSpPr>
+            <a:spLocks noGrp="1"/>
+          </p:cNvSpPr>
+          <p:nvPr>
+            <p:ph type="dt" sz="half" idx="10"/>
+          </p:nvPr>
+        </p:nvSpPr>
+        <p:spPr/>
+        <p:txBody>
+          <a:bodyPr/>
+          <a:lstStyle/>
+          <a:p>
+            <a:r>
+              <a:rPr lang="LID4096"/>
+              <a:t>12/01/2023</a:t>
+            </a:r>
+            <a:endParaRPr lang="de-DE" dirty="0"/>
+          </a:p>
+        </p:txBody>
+      </p:sp>
+      <p:sp>
+        <p:nvSpPr>
+          <p:cNvPr id="3" name="Fußzeilenplatzhalter 2">
+            <a:extLst>
+              <a:ext uri="{FF2B5EF4-FFF2-40B4-BE49-F238E27FC236}">
+                <a16:creationId xmlns:a16="http://schemas.microsoft.com/office/drawing/2014/main" id="{EE356D28-0B4C-CEA9-A5BB-70C6A8CB8F60}"/>
+              </a:ext>
+            </a:extLst>
+          </p:cNvPr>
+          <p:cNvSpPr>
+            <a:spLocks noGrp="1"/>
+          </p:cNvSpPr>
+          <p:nvPr>
+            <p:ph type="ftr" sz="quarter" idx="11"/>
+          </p:nvPr>
+        </p:nvSpPr>
+        <p:spPr/>
+        <p:txBody>
+          <a:bodyPr/>
+          <a:lstStyle/>
+          <a:p>
+            <a:r>
+              <a:rPr lang="en-US"/>
+              <a:t>Modeling of nonlinear Systems with LSTMs | Sebastian Hirt</a:t>
+            </a:r>
+            <a:endParaRPr lang="de-DE" dirty="0"/>
+          </a:p>
+        </p:txBody>
+      </p:sp>
+      <p:sp>
+        <p:nvSpPr>
+          <p:cNvPr id="4" name="Foliennummernplatzhalter 3">
+            <a:extLst>
+              <a:ext uri="{FF2B5EF4-FFF2-40B4-BE49-F238E27FC236}">
+                <a16:creationId xmlns:a16="http://schemas.microsoft.com/office/drawing/2014/main" id="{5D2B4545-7DC3-302B-B5BA-B1AFF8A67971}"/>
+              </a:ext>
+            </a:extLst>
+          </p:cNvPr>
+          <p:cNvSpPr>
+            <a:spLocks noGrp="1"/>
+          </p:cNvSpPr>
+          <p:nvPr>
+            <p:ph type="sldNum" sz="quarter" idx="12"/>
+          </p:nvPr>
+        </p:nvSpPr>
+        <p:spPr/>
+        <p:txBody>
+          <a:bodyPr/>
+          <a:lstStyle/>
+          <a:p>
+            <a:fld id="{D949F9DF-37BD-4CD6-BF49-65BA579E1D7A}" type="slidenum">
+              <a:rPr lang="de-DE" smtClean="0"/>
+              <a:pPr/>
+              <a:t>2</a:t>
+            </a:fld>
+            <a:endParaRPr lang="de-DE"/>
+          </a:p>
+        </p:txBody>
+      </p:sp>
+      <p:sp>
+        <p:nvSpPr>
+          <p:cNvPr id="5" name="Titel 4">
+            <a:extLst>
+              <a:ext uri="{FF2B5EF4-FFF2-40B4-BE49-F238E27FC236}">
+                <a16:creationId xmlns:a16="http://schemas.microsoft.com/office/drawing/2014/main" id="{38CF73E8-E1FA-9775-4421-83829CA8646F}"/>
+              </a:ext>
+            </a:extLst>
+          </p:cNvPr>
+          <p:cNvSpPr>
+            <a:spLocks noGrp="1"/>
+          </p:cNvSpPr>
+          <p:nvPr>
+            <p:ph type="title"/>
+          </p:nvPr>
+        </p:nvSpPr>
+        <p:spPr/>
+        <p:txBody>
+          <a:bodyPr/>
+          <a:lstStyle/>
+          <a:p>
+            <a:r>
+              <a:rPr lang="en-US" dirty="0"/>
+              <a:t>Motivation</a:t>
+            </a:r>
+          </a:p>
+        </p:txBody>
+      </p:sp>
+      <p:sp>
+        <p:nvSpPr>
+          <p:cNvPr id="6" name="Textplatzhalter 5">
+            <a:extLst>
+              <a:ext uri="{FF2B5EF4-FFF2-40B4-BE49-F238E27FC236}">
+                <a16:creationId xmlns:a16="http://schemas.microsoft.com/office/drawing/2014/main" id="{A30F372C-3EE1-F0C8-AD13-5E374845FE57}"/>
+              </a:ext>
+            </a:extLst>
+          </p:cNvPr>
+          <p:cNvSpPr>
+            <a:spLocks noGrp="1"/>
+          </p:cNvSpPr>
+          <p:nvPr>
+            <p:ph type="body" sz="quarter" idx="17"/>
+          </p:nvPr>
+        </p:nvSpPr>
+        <p:spPr/>
+        <p:txBody>
+          <a:bodyPr/>
+          <a:lstStyle/>
+          <a:p>
+            <a:r>
+              <a:rPr lang="en-US" dirty="0"/>
+              <a:t>Just plot of timeseries</a:t>
+            </a:r>
+          </a:p>
+          <a:p>
+            <a:r>
+              <a:rPr lang="en-US" dirty="0"/>
+              <a:t>Image of systems, gears, pendulum?</a:t>
+            </a:r>
+          </a:p>
+        </p:txBody>
+      </p:sp>
+    </p:spTree>
+    <p:extLst>
+      <p:ext uri="{BB962C8B-B14F-4D97-AF65-F5344CB8AC3E}">
+        <p14:creationId xmlns:p14="http://schemas.microsoft.com/office/powerpoint/2010/main" val="1557798522"/>
+      </p:ext>
+    </p:extLst>
+  </p:cSld>
+  <p:clrMapOvr>
+    <a:masterClrMapping/>
+  </p:clrMapOvr>
+</p:sld>
+</file>
+
+<file path=ppt/slides/slide20.xml><?xml version="1.0" encoding="utf-8"?>
 <p:sld xmlns:a="http://schemas.openxmlformats.org/drawingml/2006/main" xmlns:r="http://schemas.openxmlformats.org/officeDocument/2006/relationships" xmlns:p="http://schemas.openxmlformats.org/presentationml/2006/main">
   <p:cSld>
     <p:spTree>
@@ -11915,10 +12438,10 @@
           <a:bodyPr/>
           <a:lstStyle/>
           <a:p>
-            <a:fld id="{A2E8877F-2015-4290-957C-06EF82A52242}" type="datetime8">
-              <a:rPr lang="en-DE" smtClean="0"/>
-              <a:t>15/12/2022 12:38</a:t>
-            </a:fld>
+            <a:r>
+              <a:rPr lang="LID4096"/>
+              <a:t>12/01/2023</a:t>
+            </a:r>
             <a:endParaRPr lang="de-DE" dirty="0"/>
           </a:p>
         </p:txBody>
@@ -11976,7 +12499,7 @@
             <a:fld id="{D949F9DF-37BD-4CD6-BF49-65BA579E1D7A}" type="slidenum">
               <a:rPr lang="de-DE" smtClean="0"/>
               <a:pPr/>
-              <a:t>19</a:t>
+              <a:t>20</a:t>
             </a:fld>
             <a:endParaRPr lang="de-DE"/>
           </a:p>
@@ -12349,159 +12872,7 @@
 </p:sld>
 </file>
 
-<file path=ppt/slides/slide2.xml><?xml version="1.0" encoding="utf-8"?>
-<p:sld xmlns:a="http://schemas.openxmlformats.org/drawingml/2006/main" xmlns:r="http://schemas.openxmlformats.org/officeDocument/2006/relationships" xmlns:p="http://schemas.openxmlformats.org/presentationml/2006/main">
-  <p:cSld>
-    <p:spTree>
-      <p:nvGrpSpPr>
-        <p:cNvPr id="1" name=""/>
-        <p:cNvGrpSpPr/>
-        <p:nvPr/>
-      </p:nvGrpSpPr>
-      <p:grpSpPr>
-        <a:xfrm>
-          <a:off x="0" y="0"/>
-          <a:ext cx="0" cy="0"/>
-          <a:chOff x="0" y="0"/>
-          <a:chExt cx="0" cy="0"/>
-        </a:xfrm>
-      </p:grpSpPr>
-      <p:sp>
-        <p:nvSpPr>
-          <p:cNvPr id="21" name="Titel 20">
-            <a:extLst>
-              <a:ext uri="{FF2B5EF4-FFF2-40B4-BE49-F238E27FC236}">
-                <a16:creationId xmlns:a16="http://schemas.microsoft.com/office/drawing/2014/main" id="{3018BD05-96D8-43F2-A6AA-CC40E7C32CCE}"/>
-              </a:ext>
-            </a:extLst>
-          </p:cNvPr>
-          <p:cNvSpPr>
-            <a:spLocks noGrp="1"/>
-          </p:cNvSpPr>
-          <p:nvPr>
-            <p:ph type="title"/>
-          </p:nvPr>
-        </p:nvSpPr>
-        <p:spPr>
-          <a:xfrm>
-            <a:off x="518318" y="3152001"/>
-            <a:ext cx="11157743" cy="553998"/>
-          </a:xfrm>
-        </p:spPr>
-        <p:txBody>
-          <a:bodyPr/>
-          <a:lstStyle/>
-          <a:p>
-            <a:r>
-              <a:rPr lang="de-DE" dirty="0" err="1"/>
-              <a:t>Introduction</a:t>
-            </a:r>
-            <a:endParaRPr lang="de-DE" dirty="0"/>
-          </a:p>
-        </p:txBody>
-      </p:sp>
-      <p:sp>
-        <p:nvSpPr>
-          <p:cNvPr id="2" name="Datumsplatzhalter 1">
-            <a:extLst>
-              <a:ext uri="{FF2B5EF4-FFF2-40B4-BE49-F238E27FC236}">
-                <a16:creationId xmlns:a16="http://schemas.microsoft.com/office/drawing/2014/main" id="{FE7214E1-5D14-4D0B-BADD-2E239FECEC10}"/>
-              </a:ext>
-            </a:extLst>
-          </p:cNvPr>
-          <p:cNvSpPr>
-            <a:spLocks noGrp="1"/>
-          </p:cNvSpPr>
-          <p:nvPr>
-            <p:ph type="dt" sz="half" idx="10"/>
-          </p:nvPr>
-        </p:nvSpPr>
-        <p:spPr/>
-        <p:txBody>
-          <a:bodyPr/>
-          <a:lstStyle/>
-          <a:p>
-            <a:fld id="{C683496F-A479-4189-AF7A-49EC797A60BB}" type="datetime8">
-              <a:rPr lang="en-DE" smtClean="0"/>
-              <a:t>15/12/2022 12:38</a:t>
-            </a:fld>
-            <a:endParaRPr lang="de-DE" dirty="0"/>
-          </a:p>
-        </p:txBody>
-      </p:sp>
-      <p:sp>
-        <p:nvSpPr>
-          <p:cNvPr id="3" name="Fußzeilenplatzhalter 2">
-            <a:extLst>
-              <a:ext uri="{FF2B5EF4-FFF2-40B4-BE49-F238E27FC236}">
-                <a16:creationId xmlns:a16="http://schemas.microsoft.com/office/drawing/2014/main" id="{6A6AD034-0F65-47AF-9CAA-C4B0CEB30D4D}"/>
-              </a:ext>
-            </a:extLst>
-          </p:cNvPr>
-          <p:cNvSpPr>
-            <a:spLocks noGrp="1"/>
-          </p:cNvSpPr>
-          <p:nvPr>
-            <p:ph type="ftr" sz="quarter" idx="11"/>
-          </p:nvPr>
-        </p:nvSpPr>
-        <p:spPr/>
-        <p:txBody>
-          <a:bodyPr/>
-          <a:lstStyle/>
-          <a:p>
-            <a:r>
-              <a:rPr lang="en-US"/>
-              <a:t>Modeling of nonlinear Systems with LSTMs | Sebastian Hirt</a:t>
-            </a:r>
-            <a:endParaRPr lang="de-DE" dirty="0"/>
-          </a:p>
-        </p:txBody>
-      </p:sp>
-      <p:sp>
-        <p:nvSpPr>
-          <p:cNvPr id="4" name="Foliennummernplatzhalter 3">
-            <a:extLst>
-              <a:ext uri="{FF2B5EF4-FFF2-40B4-BE49-F238E27FC236}">
-                <a16:creationId xmlns:a16="http://schemas.microsoft.com/office/drawing/2014/main" id="{00F7E098-F740-40F7-A085-7034627D9148}"/>
-              </a:ext>
-            </a:extLst>
-          </p:cNvPr>
-          <p:cNvSpPr>
-            <a:spLocks noGrp="1"/>
-          </p:cNvSpPr>
-          <p:nvPr>
-            <p:ph type="sldNum" sz="quarter" idx="12"/>
-          </p:nvPr>
-        </p:nvSpPr>
-        <p:spPr/>
-        <p:txBody>
-          <a:bodyPr/>
-          <a:lstStyle/>
-          <a:p>
-            <a:fld id="{D949F9DF-37BD-4CD6-BF49-65BA579E1D7A}" type="slidenum">
-              <a:rPr lang="de-DE" smtClean="0"/>
-              <a:pPr/>
-              <a:t>2</a:t>
-            </a:fld>
-            <a:endParaRPr lang="de-DE"/>
-          </a:p>
-        </p:txBody>
-      </p:sp>
-    </p:spTree>
-    <p:extLst>
-      <p:ext uri="{BB962C8B-B14F-4D97-AF65-F5344CB8AC3E}">
-        <p14:creationId xmlns:p14="http://schemas.microsoft.com/office/powerpoint/2010/main" val="1433872768"/>
-      </p:ext>
-    </p:extLst>
-  </p:cSld>
-  <p:clrMapOvr>
-    <a:masterClrMapping/>
-  </p:clrMapOvr>
-</p:sld>
-</file>
-
-<file path=ppt/slides/slide20.xml><?xml version="1.0" encoding="utf-8"?>
+<file path=ppt/slides/slide21.xml><?xml version="1.0" encoding="utf-8"?>
 <p:sld xmlns:a="http://schemas.openxmlformats.org/drawingml/2006/main" xmlns:r="http://schemas.openxmlformats.org/officeDocument/2006/relationships" xmlns:p="http://schemas.openxmlformats.org/presentationml/2006/main">
   <p:cSld>
     <p:spTree>
@@ -12539,10 +12910,10 @@
           <a:bodyPr/>
           <a:lstStyle/>
           <a:p>
-            <a:fld id="{A2E8877F-2015-4290-957C-06EF82A52242}" type="datetime8">
-              <a:rPr lang="en-DE" smtClean="0"/>
-              <a:t>15/12/2022 12:38</a:t>
-            </a:fld>
+            <a:r>
+              <a:rPr lang="LID4096"/>
+              <a:t>12/01/2023</a:t>
+            </a:r>
             <a:endParaRPr lang="de-DE" dirty="0"/>
           </a:p>
         </p:txBody>
@@ -12600,7 +12971,7 @@
             <a:fld id="{D949F9DF-37BD-4CD6-BF49-65BA579E1D7A}" type="slidenum">
               <a:rPr lang="de-DE" smtClean="0"/>
               <a:pPr/>
-              <a:t>20</a:t>
+              <a:t>21</a:t>
             </a:fld>
             <a:endParaRPr lang="de-DE"/>
           </a:p>
@@ -12973,7 +13344,7 @@
 </p:sld>
 </file>
 
-<file path=ppt/slides/slide21.xml><?xml version="1.0" encoding="utf-8"?>
+<file path=ppt/slides/slide22.xml><?xml version="1.0" encoding="utf-8"?>
 <p:sld xmlns:a="http://schemas.openxmlformats.org/drawingml/2006/main" xmlns:r="http://schemas.openxmlformats.org/officeDocument/2006/relationships" xmlns:p="http://schemas.openxmlformats.org/presentationml/2006/main">
   <p:cSld>
     <p:spTree>
@@ -13011,10 +13382,10 @@
           <a:bodyPr/>
           <a:lstStyle/>
           <a:p>
-            <a:fld id="{A2E8877F-2015-4290-957C-06EF82A52242}" type="datetime8">
-              <a:rPr lang="en-DE" smtClean="0"/>
-              <a:t>15/12/2022 12:38</a:t>
-            </a:fld>
+            <a:r>
+              <a:rPr lang="LID4096"/>
+              <a:t>12/01/2023</a:t>
+            </a:r>
             <a:endParaRPr lang="de-DE" dirty="0"/>
           </a:p>
         </p:txBody>
@@ -13072,7 +13443,7 @@
             <a:fld id="{D949F9DF-37BD-4CD6-BF49-65BA579E1D7A}" type="slidenum">
               <a:rPr lang="de-DE" smtClean="0"/>
               <a:pPr/>
-              <a:t>21</a:t>
+              <a:t>22</a:t>
             </a:fld>
             <a:endParaRPr lang="de-DE"/>
           </a:p>
@@ -13445,7 +13816,7 @@
 </p:sld>
 </file>
 
-<file path=ppt/slides/slide22.xml><?xml version="1.0" encoding="utf-8"?>
+<file path=ppt/slides/slide23.xml><?xml version="1.0" encoding="utf-8"?>
 <p:sld xmlns:a="http://schemas.openxmlformats.org/drawingml/2006/main" xmlns:r="http://schemas.openxmlformats.org/officeDocument/2006/relationships" xmlns:p="http://schemas.openxmlformats.org/presentationml/2006/main">
   <p:cSld>
     <p:spTree>
@@ -13516,10 +13887,10 @@
           <a:bodyPr/>
           <a:lstStyle/>
           <a:p>
-            <a:fld id="{C683496F-A479-4189-AF7A-49EC797A60BB}" type="datetime8">
-              <a:rPr lang="en-DE" smtClean="0"/>
-              <a:t>15/12/2022 12:38</a:t>
-            </a:fld>
+            <a:r>
+              <a:rPr lang="LID4096"/>
+              <a:t>12/01/2023</a:t>
+            </a:r>
             <a:endParaRPr lang="de-DE" dirty="0"/>
           </a:p>
         </p:txBody>
@@ -13577,7 +13948,7 @@
             <a:fld id="{D949F9DF-37BD-4CD6-BF49-65BA579E1D7A}" type="slidenum">
               <a:rPr lang="de-DE" smtClean="0"/>
               <a:pPr/>
-              <a:t>22</a:t>
+              <a:t>23</a:t>
             </a:fld>
             <a:endParaRPr lang="de-DE"/>
           </a:p>
@@ -13596,7 +13967,7 @@
 </p:sld>
 </file>
 
-<file path=ppt/slides/slide23.xml><?xml version="1.0" encoding="utf-8"?>
+<file path=ppt/slides/slide24.xml><?xml version="1.0" encoding="utf-8"?>
 <p:sld xmlns:a="http://schemas.openxmlformats.org/drawingml/2006/main" xmlns:r="http://schemas.openxmlformats.org/officeDocument/2006/relationships" xmlns:p="http://schemas.openxmlformats.org/presentationml/2006/main">
   <p:cSld>
     <p:spTree>
@@ -13634,10 +14005,10 @@
           <a:bodyPr/>
           <a:lstStyle/>
           <a:p>
-            <a:fld id="{A2E8877F-2015-4290-957C-06EF82A52242}" type="datetime8">
-              <a:rPr lang="en-DE" smtClean="0"/>
-              <a:t>15/12/2022 12:38</a:t>
-            </a:fld>
+            <a:r>
+              <a:rPr lang="LID4096"/>
+              <a:t>12/01/2023</a:t>
+            </a:r>
             <a:endParaRPr lang="de-DE" dirty="0"/>
           </a:p>
         </p:txBody>
@@ -13695,7 +14066,7 @@
             <a:fld id="{D949F9DF-37BD-4CD6-BF49-65BA579E1D7A}" type="slidenum">
               <a:rPr lang="de-DE" smtClean="0"/>
               <a:pPr/>
-              <a:t>23</a:t>
+              <a:t>24</a:t>
             </a:fld>
             <a:endParaRPr lang="de-DE"/>
           </a:p>
@@ -13816,7 +14187,7 @@
 </p:sld>
 </file>
 
-<file path=ppt/slides/slide24.xml><?xml version="1.0" encoding="utf-8"?>
+<file path=ppt/slides/slide25.xml><?xml version="1.0" encoding="utf-8"?>
 <p:sld xmlns:a="http://schemas.openxmlformats.org/drawingml/2006/main" xmlns:r="http://schemas.openxmlformats.org/officeDocument/2006/relationships" xmlns:p="http://schemas.openxmlformats.org/presentationml/2006/main">
   <p:cSld>
     <p:spTree>
@@ -13854,10 +14225,10 @@
           <a:bodyPr/>
           <a:lstStyle/>
           <a:p>
-            <a:fld id="{A2E8877F-2015-4290-957C-06EF82A52242}" type="datetime8">
-              <a:rPr lang="en-DE" smtClean="0"/>
-              <a:t>15/12/2022 12:38</a:t>
-            </a:fld>
+            <a:r>
+              <a:rPr lang="LID4096"/>
+              <a:t>12/01/2023</a:t>
+            </a:r>
             <a:endParaRPr lang="de-DE" dirty="0"/>
           </a:p>
         </p:txBody>
@@ -13915,7 +14286,7 @@
             <a:fld id="{D949F9DF-37BD-4CD6-BF49-65BA579E1D7A}" type="slidenum">
               <a:rPr lang="de-DE" smtClean="0"/>
               <a:pPr/>
-              <a:t>24</a:t>
+              <a:t>25</a:t>
             </a:fld>
             <a:endParaRPr lang="de-DE"/>
           </a:p>
@@ -14036,7 +14407,7 @@
 </p:sld>
 </file>
 
-<file path=ppt/slides/slide25.xml><?xml version="1.0" encoding="utf-8"?>
+<file path=ppt/slides/slide26.xml><?xml version="1.0" encoding="utf-8"?>
 <p:sld xmlns:a="http://schemas.openxmlformats.org/drawingml/2006/main" xmlns:r="http://schemas.openxmlformats.org/officeDocument/2006/relationships" xmlns:p="http://schemas.openxmlformats.org/presentationml/2006/main">
   <p:cSld>
     <p:spTree>
@@ -14074,10 +14445,10 @@
           <a:bodyPr/>
           <a:lstStyle/>
           <a:p>
-            <a:fld id="{A2E8877F-2015-4290-957C-06EF82A52242}" type="datetime8">
-              <a:rPr lang="en-DE" smtClean="0"/>
-              <a:t>15/12/2022 12:38</a:t>
-            </a:fld>
+            <a:r>
+              <a:rPr lang="LID4096"/>
+              <a:t>12/01/2023</a:t>
+            </a:r>
             <a:endParaRPr lang="de-DE" dirty="0"/>
           </a:p>
         </p:txBody>
@@ -14135,7 +14506,7 @@
             <a:fld id="{D949F9DF-37BD-4CD6-BF49-65BA579E1D7A}" type="slidenum">
               <a:rPr lang="de-DE" smtClean="0"/>
               <a:pPr/>
-              <a:t>25</a:t>
+              <a:t>26</a:t>
             </a:fld>
             <a:endParaRPr lang="de-DE"/>
           </a:p>
@@ -14256,7 +14627,7 @@
 </p:sld>
 </file>
 
-<file path=ppt/slides/slide26.xml><?xml version="1.0" encoding="utf-8"?>
+<file path=ppt/slides/slide27.xml><?xml version="1.0" encoding="utf-8"?>
 <p:sld xmlns:a="http://schemas.openxmlformats.org/drawingml/2006/main" xmlns:r="http://schemas.openxmlformats.org/officeDocument/2006/relationships" xmlns:p="http://schemas.openxmlformats.org/presentationml/2006/main">
   <p:cSld>
     <p:spTree>
@@ -14294,10 +14665,10 @@
           <a:bodyPr/>
           <a:lstStyle/>
           <a:p>
-            <a:fld id="{A2E8877F-2015-4290-957C-06EF82A52242}" type="datetime8">
-              <a:rPr lang="en-DE" smtClean="0"/>
-              <a:t>15/12/2022 12:38</a:t>
-            </a:fld>
+            <a:r>
+              <a:rPr lang="LID4096"/>
+              <a:t>12/01/2023</a:t>
+            </a:r>
             <a:endParaRPr lang="de-DE" dirty="0"/>
           </a:p>
         </p:txBody>
@@ -14355,7 +14726,7 @@
             <a:fld id="{D949F9DF-37BD-4CD6-BF49-65BA579E1D7A}" type="slidenum">
               <a:rPr lang="de-DE" smtClean="0"/>
               <a:pPr/>
-              <a:t>26</a:t>
+              <a:t>27</a:t>
             </a:fld>
             <a:endParaRPr lang="de-DE"/>
           </a:p>
@@ -14463,245 +14834,46 @@
           </a:prstGeom>
         </p:spPr>
       </p:pic>
+      <p:pic>
+        <p:nvPicPr>
+          <p:cNvPr id="10" name="Grafik 9">
+            <a:extLst>
+              <a:ext uri="{FF2B5EF4-FFF2-40B4-BE49-F238E27FC236}">
+                <a16:creationId xmlns:a16="http://schemas.microsoft.com/office/drawing/2014/main" id="{2A4BB932-02D1-D922-3865-4CA07B626BD7}"/>
+              </a:ext>
+            </a:extLst>
+          </p:cNvPr>
+          <p:cNvPicPr>
+            <a:picLocks noChangeAspect="1"/>
+          </p:cNvPicPr>
+          <p:nvPr/>
+        </p:nvPicPr>
+        <p:blipFill>
+          <a:blip r:embed="rId3">
+            <a:extLst>
+              <a:ext uri="{28A0092B-C50C-407E-A947-70E740481C1C}">
+                <a14:useLocalDpi xmlns:a14="http://schemas.microsoft.com/office/drawing/2010/main" val="0"/>
+              </a:ext>
+            </a:extLst>
+          </a:blip>
+          <a:stretch>
+            <a:fillRect/>
+          </a:stretch>
+        </p:blipFill>
+        <p:spPr>
+          <a:xfrm>
+            <a:off x="3169914" y="1234435"/>
+            <a:ext cx="5852172" cy="4389129"/>
+          </a:xfrm>
+          <a:prstGeom prst="rect">
+            <a:avLst/>
+          </a:prstGeom>
+        </p:spPr>
+      </p:pic>
     </p:spTree>
     <p:extLst>
       <p:ext uri="{BB962C8B-B14F-4D97-AF65-F5344CB8AC3E}">
         <p14:creationId xmlns:p14="http://schemas.microsoft.com/office/powerpoint/2010/main" val="1512079235"/>
-      </p:ext>
-    </p:extLst>
-  </p:cSld>
-  <p:clrMapOvr>
-    <a:masterClrMapping/>
-  </p:clrMapOvr>
-</p:sld>
-</file>
-
-<file path=ppt/slides/slide27.xml><?xml version="1.0" encoding="utf-8"?>
-<p:sld xmlns:a="http://schemas.openxmlformats.org/drawingml/2006/main" xmlns:r="http://schemas.openxmlformats.org/officeDocument/2006/relationships" xmlns:p="http://schemas.openxmlformats.org/presentationml/2006/main">
-  <p:cSld>
-    <p:spTree>
-      <p:nvGrpSpPr>
-        <p:cNvPr id="1" name=""/>
-        <p:cNvGrpSpPr/>
-        <p:nvPr/>
-      </p:nvGrpSpPr>
-      <p:grpSpPr>
-        <a:xfrm>
-          <a:off x="0" y="0"/>
-          <a:ext cx="0" cy="0"/>
-          <a:chOff x="0" y="0"/>
-          <a:chExt cx="0" cy="0"/>
-        </a:xfrm>
-      </p:grpSpPr>
-      <p:sp>
-        <p:nvSpPr>
-          <p:cNvPr id="2" name="Date Placeholder 1">
-            <a:extLst>
-              <a:ext uri="{FF2B5EF4-FFF2-40B4-BE49-F238E27FC236}">
-                <a16:creationId xmlns:a16="http://schemas.microsoft.com/office/drawing/2014/main" id="{2B8CAAFC-F0E6-F31E-198A-AA24CC49C316}"/>
-              </a:ext>
-            </a:extLst>
-          </p:cNvPr>
-          <p:cNvSpPr>
-            <a:spLocks noGrp="1"/>
-          </p:cNvSpPr>
-          <p:nvPr>
-            <p:ph type="dt" sz="half" idx="10"/>
-          </p:nvPr>
-        </p:nvSpPr>
-        <p:spPr/>
-        <p:txBody>
-          <a:bodyPr/>
-          <a:lstStyle/>
-          <a:p>
-            <a:fld id="{A2E8877F-2015-4290-957C-06EF82A52242}" type="datetime8">
-              <a:rPr lang="en-DE" smtClean="0"/>
-              <a:t>15/12/2022 12:38</a:t>
-            </a:fld>
-            <a:endParaRPr lang="de-DE" dirty="0"/>
-          </a:p>
-        </p:txBody>
-      </p:sp>
-      <p:sp>
-        <p:nvSpPr>
-          <p:cNvPr id="3" name="Footer Placeholder 2">
-            <a:extLst>
-              <a:ext uri="{FF2B5EF4-FFF2-40B4-BE49-F238E27FC236}">
-                <a16:creationId xmlns:a16="http://schemas.microsoft.com/office/drawing/2014/main" id="{C49146C1-0EFA-7410-35A6-1C2B33E3E160}"/>
-              </a:ext>
-            </a:extLst>
-          </p:cNvPr>
-          <p:cNvSpPr>
-            <a:spLocks noGrp="1"/>
-          </p:cNvSpPr>
-          <p:nvPr>
-            <p:ph type="ftr" sz="quarter" idx="11"/>
-          </p:nvPr>
-        </p:nvSpPr>
-        <p:spPr/>
-        <p:txBody>
-          <a:bodyPr/>
-          <a:lstStyle/>
-          <a:p>
-            <a:r>
-              <a:rPr lang="en-US"/>
-              <a:t>Modeling of nonlinear Systems with LSTMs | Sebastian Hirt</a:t>
-            </a:r>
-            <a:endParaRPr lang="de-DE" dirty="0"/>
-          </a:p>
-        </p:txBody>
-      </p:sp>
-      <p:sp>
-        <p:nvSpPr>
-          <p:cNvPr id="4" name="Slide Number Placeholder 3">
-            <a:extLst>
-              <a:ext uri="{FF2B5EF4-FFF2-40B4-BE49-F238E27FC236}">
-                <a16:creationId xmlns:a16="http://schemas.microsoft.com/office/drawing/2014/main" id="{83EEE9A2-09B3-BA3D-B64B-856A8F226637}"/>
-              </a:ext>
-            </a:extLst>
-          </p:cNvPr>
-          <p:cNvSpPr>
-            <a:spLocks noGrp="1"/>
-          </p:cNvSpPr>
-          <p:nvPr>
-            <p:ph type="sldNum" sz="quarter" idx="12"/>
-          </p:nvPr>
-        </p:nvSpPr>
-        <p:spPr/>
-        <p:txBody>
-          <a:bodyPr/>
-          <a:lstStyle/>
-          <a:p>
-            <a:fld id="{D949F9DF-37BD-4CD6-BF49-65BA579E1D7A}" type="slidenum">
-              <a:rPr lang="de-DE" smtClean="0"/>
-              <a:pPr/>
-              <a:t>27</a:t>
-            </a:fld>
-            <a:endParaRPr lang="de-DE"/>
-          </a:p>
-        </p:txBody>
-      </p:sp>
-      <p:sp>
-        <p:nvSpPr>
-          <p:cNvPr id="5" name="Title 4">
-            <a:extLst>
-              <a:ext uri="{FF2B5EF4-FFF2-40B4-BE49-F238E27FC236}">
-                <a16:creationId xmlns:a16="http://schemas.microsoft.com/office/drawing/2014/main" id="{BBB354EA-F495-6050-38E7-B27B0D727096}"/>
-              </a:ext>
-            </a:extLst>
-          </p:cNvPr>
-          <p:cNvSpPr>
-            <a:spLocks noGrp="1"/>
-          </p:cNvSpPr>
-          <p:nvPr>
-            <p:ph type="title"/>
-          </p:nvPr>
-        </p:nvSpPr>
-        <p:spPr/>
-        <p:txBody>
-          <a:bodyPr/>
-          <a:lstStyle/>
-          <a:p>
-            <a:r>
-              <a:rPr lang="en-US" dirty="0"/>
-              <a:t>Conclusion</a:t>
-            </a:r>
-          </a:p>
-        </p:txBody>
-      </p:sp>
-      <p:sp>
-        <p:nvSpPr>
-          <p:cNvPr id="6" name="Text Placeholder 5">
-            <a:extLst>
-              <a:ext uri="{FF2B5EF4-FFF2-40B4-BE49-F238E27FC236}">
-                <a16:creationId xmlns:a16="http://schemas.microsoft.com/office/drawing/2014/main" id="{4761E152-B7EF-00B5-47FF-110705BBE7D4}"/>
-              </a:ext>
-            </a:extLst>
-          </p:cNvPr>
-          <p:cNvSpPr>
-            <a:spLocks noGrp="1"/>
-          </p:cNvSpPr>
-          <p:nvPr>
-            <p:ph type="body" sz="quarter" idx="17"/>
-          </p:nvPr>
-        </p:nvSpPr>
-        <p:spPr/>
-        <p:txBody>
-          <a:bodyPr/>
-          <a:lstStyle/>
-          <a:p>
-            <a:r>
-              <a:rPr lang="en-US" dirty="0"/>
-              <a:t>Difficulties in training for larger model</a:t>
-            </a:r>
-          </a:p>
-          <a:p>
-            <a:r>
-              <a:rPr lang="en-US" dirty="0"/>
-              <a:t>Clear ability to predict nonlinear system</a:t>
-            </a:r>
-          </a:p>
-          <a:p>
-            <a:r>
-              <a:rPr lang="en-US" dirty="0"/>
-              <a:t>Error spikes on input change</a:t>
-            </a:r>
-          </a:p>
-          <a:p>
-            <a:r>
-              <a:rPr lang="en-US" dirty="0"/>
-              <a:t>Recommendation:</a:t>
-            </a:r>
-          </a:p>
-          <a:p>
-            <a:pPr lvl="1"/>
-            <a:r>
-              <a:rPr lang="en-US" dirty="0"/>
-              <a:t>Use 2 LSTM layers with 32/64 nodes and learning rate of 0.01 for similar systems</a:t>
-            </a:r>
-          </a:p>
-          <a:p>
-            <a:pPr lvl="1"/>
-            <a:r>
-              <a:rPr lang="en-US" dirty="0"/>
-              <a:t>New hyperparameter search for different systems</a:t>
-            </a:r>
-          </a:p>
-          <a:p>
-            <a:pPr lvl="1"/>
-            <a:endParaRPr lang="en-US" dirty="0"/>
-          </a:p>
-          <a:p>
-            <a:endParaRPr lang="en-US" dirty="0"/>
-          </a:p>
-          <a:p>
-            <a:endParaRPr lang="en-US" sz="1800" dirty="0">
-              <a:effectLst/>
-              <a:latin typeface="Calibri" panose="020F0502020204030204" pitchFamily="34" charset="0"/>
-              <a:ea typeface="Calibri" panose="020F0502020204030204" pitchFamily="34" charset="0"/>
-              <a:cs typeface="Arial" panose="020B0604020202020204" pitchFamily="34" charset="0"/>
-            </a:endParaRPr>
-          </a:p>
-          <a:p>
-            <a:endParaRPr lang="en-US" sz="1800" dirty="0">
-              <a:effectLst/>
-              <a:latin typeface="Calibri" panose="020F0502020204030204" pitchFamily="34" charset="0"/>
-              <a:ea typeface="Calibri" panose="020F0502020204030204" pitchFamily="34" charset="0"/>
-              <a:cs typeface="Arial" panose="020B0604020202020204" pitchFamily="34" charset="0"/>
-            </a:endParaRPr>
-          </a:p>
-          <a:p>
-            <a:endParaRPr lang="en-US" dirty="0"/>
-          </a:p>
-          <a:p>
-            <a:endParaRPr lang="en-US" dirty="0"/>
-          </a:p>
-        </p:txBody>
-      </p:sp>
-    </p:spTree>
-    <p:extLst>
-      <p:ext uri="{BB962C8B-B14F-4D97-AF65-F5344CB8AC3E}">
-        <p14:creationId xmlns:p14="http://schemas.microsoft.com/office/powerpoint/2010/main" val="3217722209"/>
       </p:ext>
     </p:extLst>
   </p:cSld>
@@ -14749,10 +14921,10 @@
           <a:bodyPr/>
           <a:lstStyle/>
           <a:p>
-            <a:fld id="{A2E8877F-2015-4290-957C-06EF82A52242}" type="datetime8">
-              <a:rPr lang="en-DE" smtClean="0"/>
-              <a:t>15/12/2022 12:38</a:t>
-            </a:fld>
+            <a:r>
+              <a:rPr lang="LID4096"/>
+              <a:t>12/01/2023</a:t>
+            </a:r>
             <a:endParaRPr lang="de-DE" dirty="0"/>
           </a:p>
         </p:txBody>
@@ -14839,7 +15011,7 @@
           <a:p>
             <a:r>
               <a:rPr lang="en-US" dirty="0"/>
-              <a:t>Future work</a:t>
+              <a:t>Conclusion and Future Work</a:t>
             </a:r>
           </a:p>
         </p:txBody>
@@ -14867,7 +15039,39 @@
           <a:p>
             <a:r>
               <a:rPr lang="en-US" dirty="0"/>
-              <a:t>Create better dataset to test specific situations</a:t>
+              <a:t>Difficulties in training for larger model</a:t>
+            </a:r>
+          </a:p>
+          <a:p>
+            <a:r>
+              <a:rPr lang="en-US" dirty="0"/>
+              <a:t>Clear ability to predict nonlinear system</a:t>
+            </a:r>
+          </a:p>
+          <a:p>
+            <a:r>
+              <a:rPr lang="en-US" dirty="0"/>
+              <a:t>Error spikes on input change</a:t>
+            </a:r>
+          </a:p>
+          <a:p>
+            <a:r>
+              <a:rPr lang="en-US" dirty="0"/>
+              <a:t>Recommendation:</a:t>
+            </a:r>
+          </a:p>
+          <a:p>
+            <a:pPr lvl="1"/>
+            <a:r>
+              <a:rPr lang="en-US" dirty="0"/>
+              <a:t>Use 2 LSTM layers with 32/64 nodes and learning rate of 0.01 for similar systems</a:t>
+            </a:r>
+          </a:p>
+          <a:p>
+            <a:pPr lvl="1"/>
+            <a:r>
+              <a:rPr lang="en-US" dirty="0"/>
+              <a:t>New hyperparameter search for different systems</a:t>
             </a:r>
           </a:p>
           <a:p>
@@ -14887,10 +15091,6 @@
               <a:rPr lang="en-US" dirty="0"/>
               <a:t>Deeper look into training instabilities necessary for larger models</a:t>
             </a:r>
-          </a:p>
-          <a:p>
-            <a:pPr lvl="1"/>
-            <a:endParaRPr lang="en-US" dirty="0"/>
           </a:p>
           <a:p>
             <a:endParaRPr lang="en-US" dirty="0"/>
@@ -14922,7 +15122,7 @@
     </p:spTree>
     <p:extLst>
       <p:ext uri="{BB962C8B-B14F-4D97-AF65-F5344CB8AC3E}">
-        <p14:creationId xmlns:p14="http://schemas.microsoft.com/office/powerpoint/2010/main" val="3493796150"/>
+        <p14:creationId xmlns:p14="http://schemas.microsoft.com/office/powerpoint/2010/main" val="3217722209"/>
       </p:ext>
     </p:extLst>
   </p:cSld>
@@ -14976,8 +15176,20 @@
           <a:lstStyle/>
           <a:p>
             <a:r>
+              <a:rPr lang="de-DE" dirty="0" err="1"/>
+              <a:t>Thank</a:t>
+            </a:r>
+            <a:r>
               <a:rPr lang="de-DE" dirty="0"/>
-              <a:t>Vielen Dank!</a:t>
+              <a:t> </a:t>
+            </a:r>
+            <a:r>
+              <a:rPr lang="de-DE" dirty="0" err="1"/>
+              <a:t>You</a:t>
+            </a:r>
+            <a:r>
+              <a:rPr lang="de-DE" dirty="0"/>
+              <a:t>!</a:t>
             </a:r>
           </a:p>
         </p:txBody>
@@ -15014,10 +15226,44 @@
       </p:grpSpPr>
       <p:sp>
         <p:nvSpPr>
-          <p:cNvPr id="2" name="Date Placeholder 1">
-            <a:extLst>
-              <a:ext uri="{FF2B5EF4-FFF2-40B4-BE49-F238E27FC236}">
-                <a16:creationId xmlns:a16="http://schemas.microsoft.com/office/drawing/2014/main" id="{2B8CAAFC-F0E6-F31E-198A-AA24CC49C316}"/>
+          <p:cNvPr id="21" name="Titel 20">
+            <a:extLst>
+              <a:ext uri="{FF2B5EF4-FFF2-40B4-BE49-F238E27FC236}">
+                <a16:creationId xmlns:a16="http://schemas.microsoft.com/office/drawing/2014/main" id="{3018BD05-96D8-43F2-A6AA-CC40E7C32CCE}"/>
+              </a:ext>
+            </a:extLst>
+          </p:cNvPr>
+          <p:cNvSpPr>
+            <a:spLocks noGrp="1"/>
+          </p:cNvSpPr>
+          <p:nvPr>
+            <p:ph type="title"/>
+          </p:nvPr>
+        </p:nvSpPr>
+        <p:spPr>
+          <a:xfrm>
+            <a:off x="518318" y="3152001"/>
+            <a:ext cx="11157743" cy="553998"/>
+          </a:xfrm>
+        </p:spPr>
+        <p:txBody>
+          <a:bodyPr/>
+          <a:lstStyle/>
+          <a:p>
+            <a:r>
+              <a:rPr lang="de-DE" dirty="0" err="1"/>
+              <a:t>Introduction</a:t>
+            </a:r>
+            <a:endParaRPr lang="de-DE" dirty="0"/>
+          </a:p>
+        </p:txBody>
+      </p:sp>
+      <p:sp>
+        <p:nvSpPr>
+          <p:cNvPr id="2" name="Datumsplatzhalter 1">
+            <a:extLst>
+              <a:ext uri="{FF2B5EF4-FFF2-40B4-BE49-F238E27FC236}">
+                <a16:creationId xmlns:a16="http://schemas.microsoft.com/office/drawing/2014/main" id="{FE7214E1-5D14-4D0B-BADD-2E239FECEC10}"/>
               </a:ext>
             </a:extLst>
           </p:cNvPr>
@@ -15033,20 +15279,20 @@
           <a:bodyPr/>
           <a:lstStyle/>
           <a:p>
-            <a:fld id="{A2E8877F-2015-4290-957C-06EF82A52242}" type="datetime8">
-              <a:rPr lang="en-DE" smtClean="0"/>
-              <a:t>15/12/2022 12:38</a:t>
-            </a:fld>
+            <a:r>
+              <a:rPr lang="LID4096" dirty="0"/>
+              <a:t>12/01/2023</a:t>
+            </a:r>
             <a:endParaRPr lang="de-DE" dirty="0"/>
           </a:p>
         </p:txBody>
       </p:sp>
       <p:sp>
         <p:nvSpPr>
-          <p:cNvPr id="3" name="Footer Placeholder 2">
-            <a:extLst>
-              <a:ext uri="{FF2B5EF4-FFF2-40B4-BE49-F238E27FC236}">
-                <a16:creationId xmlns:a16="http://schemas.microsoft.com/office/drawing/2014/main" id="{C49146C1-0EFA-7410-35A6-1C2B33E3E160}"/>
+          <p:cNvPr id="3" name="Fußzeilenplatzhalter 2">
+            <a:extLst>
+              <a:ext uri="{FF2B5EF4-FFF2-40B4-BE49-F238E27FC236}">
+                <a16:creationId xmlns:a16="http://schemas.microsoft.com/office/drawing/2014/main" id="{6A6AD034-0F65-47AF-9CAA-C4B0CEB30D4D}"/>
               </a:ext>
             </a:extLst>
           </p:cNvPr>
@@ -15072,10 +15318,10 @@
       </p:sp>
       <p:sp>
         <p:nvSpPr>
-          <p:cNvPr id="4" name="Slide Number Placeholder 3">
-            <a:extLst>
-              <a:ext uri="{FF2B5EF4-FFF2-40B4-BE49-F238E27FC236}">
-                <a16:creationId xmlns:a16="http://schemas.microsoft.com/office/drawing/2014/main" id="{83EEE9A2-09B3-BA3D-B64B-856A8F226637}"/>
+          <p:cNvPr id="4" name="Foliennummernplatzhalter 3">
+            <a:extLst>
+              <a:ext uri="{FF2B5EF4-FFF2-40B4-BE49-F238E27FC236}">
+                <a16:creationId xmlns:a16="http://schemas.microsoft.com/office/drawing/2014/main" id="{00F7E098-F740-40F7-A085-7034627D9148}"/>
               </a:ext>
             </a:extLst>
           </p:cNvPr>
@@ -15100,106 +15346,10 @@
           </a:p>
         </p:txBody>
       </p:sp>
-      <p:sp>
-        <p:nvSpPr>
-          <p:cNvPr id="5" name="Title 4">
-            <a:extLst>
-              <a:ext uri="{FF2B5EF4-FFF2-40B4-BE49-F238E27FC236}">
-                <a16:creationId xmlns:a16="http://schemas.microsoft.com/office/drawing/2014/main" id="{BBB354EA-F495-6050-38E7-B27B0D727096}"/>
-              </a:ext>
-            </a:extLst>
-          </p:cNvPr>
-          <p:cNvSpPr>
-            <a:spLocks noGrp="1"/>
-          </p:cNvSpPr>
-          <p:nvPr>
-            <p:ph type="title"/>
-          </p:nvPr>
-        </p:nvSpPr>
-        <p:spPr/>
-        <p:txBody>
-          <a:bodyPr/>
-          <a:lstStyle/>
-          <a:p>
-            <a:r>
-              <a:rPr lang="en-US" dirty="0"/>
-              <a:t>Introduction</a:t>
-            </a:r>
-          </a:p>
-        </p:txBody>
-      </p:sp>
-      <p:sp>
-        <p:nvSpPr>
-          <p:cNvPr id="6" name="Text Placeholder 5">
-            <a:extLst>
-              <a:ext uri="{FF2B5EF4-FFF2-40B4-BE49-F238E27FC236}">
-                <a16:creationId xmlns:a16="http://schemas.microsoft.com/office/drawing/2014/main" id="{4761E152-B7EF-00B5-47FF-110705BBE7D4}"/>
-              </a:ext>
-            </a:extLst>
-          </p:cNvPr>
-          <p:cNvSpPr>
-            <a:spLocks noGrp="1"/>
-          </p:cNvSpPr>
-          <p:nvPr>
-            <p:ph type="body" sz="quarter" idx="17"/>
-          </p:nvPr>
-        </p:nvSpPr>
-        <p:spPr/>
-        <p:txBody>
-          <a:bodyPr/>
-          <a:lstStyle/>
-          <a:p>
-            <a:r>
-              <a:rPr lang="en-US" dirty="0"/>
-              <a:t>ODEs describe nonlinear systems over time</a:t>
-            </a:r>
-          </a:p>
-          <a:p>
-            <a:r>
-              <a:rPr lang="en-US" dirty="0"/>
-              <a:t>Recurrent neural networks capable of nonlinearities and time series</a:t>
-            </a:r>
-          </a:p>
-          <a:p>
-            <a:r>
-              <a:rPr lang="en-US" dirty="0"/>
-              <a:t>Generation of training data</a:t>
-            </a:r>
-          </a:p>
-          <a:p>
-            <a:r>
-              <a:rPr lang="en-US" dirty="0"/>
-              <a:t>Hyperparameter search</a:t>
-            </a:r>
-          </a:p>
-          <a:p>
-            <a:endParaRPr lang="en-US" sz="1800" dirty="0">
-              <a:effectLst/>
-              <a:latin typeface="Calibri" panose="020F0502020204030204" pitchFamily="34" charset="0"/>
-              <a:ea typeface="Calibri" panose="020F0502020204030204" pitchFamily="34" charset="0"/>
-              <a:cs typeface="Arial" panose="020B0604020202020204" pitchFamily="34" charset="0"/>
-            </a:endParaRPr>
-          </a:p>
-          <a:p>
-            <a:endParaRPr lang="en-US" sz="1800" dirty="0">
-              <a:effectLst/>
-              <a:latin typeface="Calibri" panose="020F0502020204030204" pitchFamily="34" charset="0"/>
-              <a:ea typeface="Calibri" panose="020F0502020204030204" pitchFamily="34" charset="0"/>
-              <a:cs typeface="Arial" panose="020B0604020202020204" pitchFamily="34" charset="0"/>
-            </a:endParaRPr>
-          </a:p>
-          <a:p>
-            <a:endParaRPr lang="en-US" dirty="0"/>
-          </a:p>
-          <a:p>
-            <a:endParaRPr lang="en-US" dirty="0"/>
-          </a:p>
-        </p:txBody>
-      </p:sp>
     </p:spTree>
     <p:extLst>
       <p:ext uri="{BB962C8B-B14F-4D97-AF65-F5344CB8AC3E}">
-        <p14:creationId xmlns:p14="http://schemas.microsoft.com/office/powerpoint/2010/main" val="1027271806"/>
+        <p14:creationId xmlns:p14="http://schemas.microsoft.com/office/powerpoint/2010/main" val="1433872768"/>
       </p:ext>
     </p:extLst>
   </p:cSld>
@@ -15247,10 +15397,10 @@
           <a:bodyPr/>
           <a:lstStyle/>
           <a:p>
-            <a:fld id="{A2E8877F-2015-4290-957C-06EF82A52242}" type="datetime8">
-              <a:rPr lang="en-DE" smtClean="0"/>
-              <a:t>15/12/2022 12:38</a:t>
-            </a:fld>
+            <a:r>
+              <a:rPr lang="LID4096"/>
+              <a:t>12/01/2023</a:t>
+            </a:r>
             <a:endParaRPr lang="de-DE" dirty="0"/>
           </a:p>
         </p:txBody>
@@ -15508,10 +15658,10 @@
           <a:bodyPr/>
           <a:lstStyle/>
           <a:p>
-            <a:fld id="{A2E8877F-2015-4290-957C-06EF82A52242}" type="datetime8">
-              <a:rPr lang="en-DE" smtClean="0"/>
-              <a:t>15/12/2022 12:38</a:t>
-            </a:fld>
+            <a:r>
+              <a:rPr lang="LID4096"/>
+              <a:t>12/01/2023</a:t>
+            </a:r>
             <a:endParaRPr lang="de-DE" dirty="0"/>
           </a:p>
         </p:txBody>
@@ -16102,10 +16252,10 @@
           <a:bodyPr/>
           <a:lstStyle/>
           <a:p>
-            <a:fld id="{A2E8877F-2015-4290-957C-06EF82A52242}" type="datetime8">
-              <a:rPr lang="en-DE" smtClean="0"/>
-              <a:t>15/12/2022 12:38</a:t>
-            </a:fld>
+            <a:r>
+              <a:rPr lang="LID4096"/>
+              <a:t>12/01/2023</a:t>
+            </a:r>
             <a:endParaRPr lang="de-DE" dirty="0"/>
           </a:p>
         </p:txBody>
@@ -16853,43 +17003,10 @@
       </p:grpSpPr>
       <p:sp>
         <p:nvSpPr>
-          <p:cNvPr id="21" name="Titel 20">
-            <a:extLst>
-              <a:ext uri="{FF2B5EF4-FFF2-40B4-BE49-F238E27FC236}">
-                <a16:creationId xmlns:a16="http://schemas.microsoft.com/office/drawing/2014/main" id="{3018BD05-96D8-43F2-A6AA-CC40E7C32CCE}"/>
-              </a:ext>
-            </a:extLst>
-          </p:cNvPr>
-          <p:cNvSpPr>
-            <a:spLocks noGrp="1"/>
-          </p:cNvSpPr>
-          <p:nvPr>
-            <p:ph type="title"/>
-          </p:nvPr>
-        </p:nvSpPr>
-        <p:spPr>
-          <a:xfrm>
-            <a:off x="518318" y="3152001"/>
-            <a:ext cx="11157743" cy="553998"/>
-          </a:xfrm>
-        </p:spPr>
-        <p:txBody>
-          <a:bodyPr/>
-          <a:lstStyle/>
-          <a:p>
-            <a:r>
-              <a:rPr lang="de-DE" dirty="0"/>
-              <a:t>Methods</a:t>
-            </a:r>
-          </a:p>
-        </p:txBody>
-      </p:sp>
-      <p:sp>
-        <p:nvSpPr>
-          <p:cNvPr id="2" name="Datumsplatzhalter 1">
-            <a:extLst>
-              <a:ext uri="{FF2B5EF4-FFF2-40B4-BE49-F238E27FC236}">
-                <a16:creationId xmlns:a16="http://schemas.microsoft.com/office/drawing/2014/main" id="{FE7214E1-5D14-4D0B-BADD-2E239FECEC10}"/>
+          <p:cNvPr id="2" name="Date Placeholder 1">
+            <a:extLst>
+              <a:ext uri="{FF2B5EF4-FFF2-40B4-BE49-F238E27FC236}">
+                <a16:creationId xmlns:a16="http://schemas.microsoft.com/office/drawing/2014/main" id="{2B8CAAFC-F0E6-F31E-198A-AA24CC49C316}"/>
               </a:ext>
             </a:extLst>
           </p:cNvPr>
@@ -16905,20 +17022,20 @@
           <a:bodyPr/>
           <a:lstStyle/>
           <a:p>
-            <a:fld id="{C683496F-A479-4189-AF7A-49EC797A60BB}" type="datetime8">
-              <a:rPr lang="en-DE" smtClean="0"/>
-              <a:t>15/12/2022 12:38</a:t>
-            </a:fld>
+            <a:r>
+              <a:rPr lang="LID4096"/>
+              <a:t>12/01/2023</a:t>
+            </a:r>
             <a:endParaRPr lang="de-DE" dirty="0"/>
           </a:p>
         </p:txBody>
       </p:sp>
       <p:sp>
         <p:nvSpPr>
-          <p:cNvPr id="3" name="Fußzeilenplatzhalter 2">
-            <a:extLst>
-              <a:ext uri="{FF2B5EF4-FFF2-40B4-BE49-F238E27FC236}">
-                <a16:creationId xmlns:a16="http://schemas.microsoft.com/office/drawing/2014/main" id="{6A6AD034-0F65-47AF-9CAA-C4B0CEB30D4D}"/>
+          <p:cNvPr id="3" name="Footer Placeholder 2">
+            <a:extLst>
+              <a:ext uri="{FF2B5EF4-FFF2-40B4-BE49-F238E27FC236}">
+                <a16:creationId xmlns:a16="http://schemas.microsoft.com/office/drawing/2014/main" id="{C49146C1-0EFA-7410-35A6-1C2B33E3E160}"/>
               </a:ext>
             </a:extLst>
           </p:cNvPr>
@@ -16944,10 +17061,10 @@
       </p:sp>
       <p:sp>
         <p:nvSpPr>
-          <p:cNvPr id="4" name="Foliennummernplatzhalter 3">
-            <a:extLst>
-              <a:ext uri="{FF2B5EF4-FFF2-40B4-BE49-F238E27FC236}">
-                <a16:creationId xmlns:a16="http://schemas.microsoft.com/office/drawing/2014/main" id="{00F7E098-F740-40F7-A085-7034627D9148}"/>
+          <p:cNvPr id="4" name="Slide Number Placeholder 3">
+            <a:extLst>
+              <a:ext uri="{FF2B5EF4-FFF2-40B4-BE49-F238E27FC236}">
+                <a16:creationId xmlns:a16="http://schemas.microsoft.com/office/drawing/2014/main" id="{83EEE9A2-09B3-BA3D-B64B-856A8F226637}"/>
               </a:ext>
             </a:extLst>
           </p:cNvPr>
@@ -16972,10 +17089,106 @@
           </a:p>
         </p:txBody>
       </p:sp>
+      <p:sp>
+        <p:nvSpPr>
+          <p:cNvPr id="5" name="Title 4">
+            <a:extLst>
+              <a:ext uri="{FF2B5EF4-FFF2-40B4-BE49-F238E27FC236}">
+                <a16:creationId xmlns:a16="http://schemas.microsoft.com/office/drawing/2014/main" id="{BBB354EA-F495-6050-38E7-B27B0D727096}"/>
+              </a:ext>
+            </a:extLst>
+          </p:cNvPr>
+          <p:cNvSpPr>
+            <a:spLocks noGrp="1"/>
+          </p:cNvSpPr>
+          <p:nvPr>
+            <p:ph type="title"/>
+          </p:nvPr>
+        </p:nvSpPr>
+        <p:spPr/>
+        <p:txBody>
+          <a:bodyPr/>
+          <a:lstStyle/>
+          <a:p>
+            <a:r>
+              <a:rPr lang="en-US" dirty="0"/>
+              <a:t>Introduction</a:t>
+            </a:r>
+          </a:p>
+        </p:txBody>
+      </p:sp>
+      <p:sp>
+        <p:nvSpPr>
+          <p:cNvPr id="6" name="Text Placeholder 5">
+            <a:extLst>
+              <a:ext uri="{FF2B5EF4-FFF2-40B4-BE49-F238E27FC236}">
+                <a16:creationId xmlns:a16="http://schemas.microsoft.com/office/drawing/2014/main" id="{4761E152-B7EF-00B5-47FF-110705BBE7D4}"/>
+              </a:ext>
+            </a:extLst>
+          </p:cNvPr>
+          <p:cNvSpPr>
+            <a:spLocks noGrp="1"/>
+          </p:cNvSpPr>
+          <p:nvPr>
+            <p:ph type="body" sz="quarter" idx="17"/>
+          </p:nvPr>
+        </p:nvSpPr>
+        <p:spPr/>
+        <p:txBody>
+          <a:bodyPr/>
+          <a:lstStyle/>
+          <a:p>
+            <a:r>
+              <a:rPr lang="en-US" dirty="0"/>
+              <a:t>ODEs describe nonlinear systems over time</a:t>
+            </a:r>
+          </a:p>
+          <a:p>
+            <a:r>
+              <a:rPr lang="en-US" dirty="0"/>
+              <a:t>Recurrent neural networks capable of nonlinearities and time series</a:t>
+            </a:r>
+          </a:p>
+          <a:p>
+            <a:r>
+              <a:rPr lang="en-US" dirty="0"/>
+              <a:t>Generation of training data</a:t>
+            </a:r>
+          </a:p>
+          <a:p>
+            <a:r>
+              <a:rPr lang="en-US" dirty="0"/>
+              <a:t>Hyperparameter search</a:t>
+            </a:r>
+          </a:p>
+          <a:p>
+            <a:endParaRPr lang="en-US" sz="1800" dirty="0">
+              <a:effectLst/>
+              <a:latin typeface="Calibri" panose="020F0502020204030204" pitchFamily="34" charset="0"/>
+              <a:ea typeface="Calibri" panose="020F0502020204030204" pitchFamily="34" charset="0"/>
+              <a:cs typeface="Arial" panose="020B0604020202020204" pitchFamily="34" charset="0"/>
+            </a:endParaRPr>
+          </a:p>
+          <a:p>
+            <a:endParaRPr lang="en-US" sz="1800" dirty="0">
+              <a:effectLst/>
+              <a:latin typeface="Calibri" panose="020F0502020204030204" pitchFamily="34" charset="0"/>
+              <a:ea typeface="Calibri" panose="020F0502020204030204" pitchFamily="34" charset="0"/>
+              <a:cs typeface="Arial" panose="020B0604020202020204" pitchFamily="34" charset="0"/>
+            </a:endParaRPr>
+          </a:p>
+          <a:p>
+            <a:endParaRPr lang="en-US" dirty="0"/>
+          </a:p>
+          <a:p>
+            <a:endParaRPr lang="en-US" dirty="0"/>
+          </a:p>
+        </p:txBody>
+      </p:sp>
     </p:spTree>
     <p:extLst>
       <p:ext uri="{BB962C8B-B14F-4D97-AF65-F5344CB8AC3E}">
-        <p14:creationId xmlns:p14="http://schemas.microsoft.com/office/powerpoint/2010/main" val="3328393046"/>
+        <p14:creationId xmlns:p14="http://schemas.microsoft.com/office/powerpoint/2010/main" val="1027271806"/>
       </p:ext>
     </p:extLst>
   </p:cSld>
@@ -17004,10 +17217,43 @@
       </p:grpSpPr>
       <p:sp>
         <p:nvSpPr>
-          <p:cNvPr id="2" name="Date Placeholder 1">
-            <a:extLst>
-              <a:ext uri="{FF2B5EF4-FFF2-40B4-BE49-F238E27FC236}">
-                <a16:creationId xmlns:a16="http://schemas.microsoft.com/office/drawing/2014/main" id="{2B8CAAFC-F0E6-F31E-198A-AA24CC49C316}"/>
+          <p:cNvPr id="21" name="Titel 20">
+            <a:extLst>
+              <a:ext uri="{FF2B5EF4-FFF2-40B4-BE49-F238E27FC236}">
+                <a16:creationId xmlns:a16="http://schemas.microsoft.com/office/drawing/2014/main" id="{3018BD05-96D8-43F2-A6AA-CC40E7C32CCE}"/>
+              </a:ext>
+            </a:extLst>
+          </p:cNvPr>
+          <p:cNvSpPr>
+            <a:spLocks noGrp="1"/>
+          </p:cNvSpPr>
+          <p:nvPr>
+            <p:ph type="title"/>
+          </p:nvPr>
+        </p:nvSpPr>
+        <p:spPr>
+          <a:xfrm>
+            <a:off x="518318" y="3152001"/>
+            <a:ext cx="11157743" cy="553998"/>
+          </a:xfrm>
+        </p:spPr>
+        <p:txBody>
+          <a:bodyPr/>
+          <a:lstStyle/>
+          <a:p>
+            <a:r>
+              <a:rPr lang="de-DE" dirty="0"/>
+              <a:t>Methods</a:t>
+            </a:r>
+          </a:p>
+        </p:txBody>
+      </p:sp>
+      <p:sp>
+        <p:nvSpPr>
+          <p:cNvPr id="2" name="Datumsplatzhalter 1">
+            <a:extLst>
+              <a:ext uri="{FF2B5EF4-FFF2-40B4-BE49-F238E27FC236}">
+                <a16:creationId xmlns:a16="http://schemas.microsoft.com/office/drawing/2014/main" id="{FE7214E1-5D14-4D0B-BADD-2E239FECEC10}"/>
               </a:ext>
             </a:extLst>
           </p:cNvPr>
@@ -17023,20 +17269,20 @@
           <a:bodyPr/>
           <a:lstStyle/>
           <a:p>
-            <a:fld id="{A2E8877F-2015-4290-957C-06EF82A52242}" type="datetime8">
-              <a:rPr lang="en-DE" smtClean="0"/>
-              <a:t>15/12/2022 12:38</a:t>
-            </a:fld>
+            <a:r>
+              <a:rPr lang="LID4096"/>
+              <a:t>12/01/2023</a:t>
+            </a:r>
             <a:endParaRPr lang="de-DE" dirty="0"/>
           </a:p>
         </p:txBody>
       </p:sp>
       <p:sp>
         <p:nvSpPr>
-          <p:cNvPr id="3" name="Footer Placeholder 2">
-            <a:extLst>
-              <a:ext uri="{FF2B5EF4-FFF2-40B4-BE49-F238E27FC236}">
-                <a16:creationId xmlns:a16="http://schemas.microsoft.com/office/drawing/2014/main" id="{C49146C1-0EFA-7410-35A6-1C2B33E3E160}"/>
+          <p:cNvPr id="3" name="Fußzeilenplatzhalter 2">
+            <a:extLst>
+              <a:ext uri="{FF2B5EF4-FFF2-40B4-BE49-F238E27FC236}">
+                <a16:creationId xmlns:a16="http://schemas.microsoft.com/office/drawing/2014/main" id="{6A6AD034-0F65-47AF-9CAA-C4B0CEB30D4D}"/>
               </a:ext>
             </a:extLst>
           </p:cNvPr>
@@ -17062,10 +17308,10 @@
       </p:sp>
       <p:sp>
         <p:nvSpPr>
-          <p:cNvPr id="4" name="Slide Number Placeholder 3">
-            <a:extLst>
-              <a:ext uri="{FF2B5EF4-FFF2-40B4-BE49-F238E27FC236}">
-                <a16:creationId xmlns:a16="http://schemas.microsoft.com/office/drawing/2014/main" id="{83EEE9A2-09B3-BA3D-B64B-856A8F226637}"/>
+          <p:cNvPr id="4" name="Foliennummernplatzhalter 3">
+            <a:extLst>
+              <a:ext uri="{FF2B5EF4-FFF2-40B4-BE49-F238E27FC236}">
+                <a16:creationId xmlns:a16="http://schemas.microsoft.com/office/drawing/2014/main" id="{00F7E098-F740-40F7-A085-7034627D9148}"/>
               </a:ext>
             </a:extLst>
           </p:cNvPr>
@@ -17085,6 +17331,124 @@
               <a:rPr lang="de-DE" smtClean="0"/>
               <a:pPr/>
               <a:t>5</a:t>
+            </a:fld>
+            <a:endParaRPr lang="de-DE"/>
+          </a:p>
+        </p:txBody>
+      </p:sp>
+    </p:spTree>
+    <p:extLst>
+      <p:ext uri="{BB962C8B-B14F-4D97-AF65-F5344CB8AC3E}">
+        <p14:creationId xmlns:p14="http://schemas.microsoft.com/office/powerpoint/2010/main" val="3328393046"/>
+      </p:ext>
+    </p:extLst>
+  </p:cSld>
+  <p:clrMapOvr>
+    <a:masterClrMapping/>
+  </p:clrMapOvr>
+</p:sld>
+</file>
+
+<file path=ppt/slides/slide6.xml><?xml version="1.0" encoding="utf-8"?>
+<p:sld xmlns:a="http://schemas.openxmlformats.org/drawingml/2006/main" xmlns:r="http://schemas.openxmlformats.org/officeDocument/2006/relationships" xmlns:p="http://schemas.openxmlformats.org/presentationml/2006/main">
+  <p:cSld>
+    <p:spTree>
+      <p:nvGrpSpPr>
+        <p:cNvPr id="1" name=""/>
+        <p:cNvGrpSpPr/>
+        <p:nvPr/>
+      </p:nvGrpSpPr>
+      <p:grpSpPr>
+        <a:xfrm>
+          <a:off x="0" y="0"/>
+          <a:ext cx="0" cy="0"/>
+          <a:chOff x="0" y="0"/>
+          <a:chExt cx="0" cy="0"/>
+        </a:xfrm>
+      </p:grpSpPr>
+      <p:sp>
+        <p:nvSpPr>
+          <p:cNvPr id="2" name="Date Placeholder 1">
+            <a:extLst>
+              <a:ext uri="{FF2B5EF4-FFF2-40B4-BE49-F238E27FC236}">
+                <a16:creationId xmlns:a16="http://schemas.microsoft.com/office/drawing/2014/main" id="{2B8CAAFC-F0E6-F31E-198A-AA24CC49C316}"/>
+              </a:ext>
+            </a:extLst>
+          </p:cNvPr>
+          <p:cNvSpPr>
+            <a:spLocks noGrp="1"/>
+          </p:cNvSpPr>
+          <p:nvPr>
+            <p:ph type="dt" sz="half" idx="10"/>
+          </p:nvPr>
+        </p:nvSpPr>
+        <p:spPr/>
+        <p:txBody>
+          <a:bodyPr/>
+          <a:lstStyle/>
+          <a:p>
+            <a:r>
+              <a:rPr lang="LID4096"/>
+              <a:t>12/01/2023</a:t>
+            </a:r>
+            <a:endParaRPr lang="de-DE" dirty="0"/>
+          </a:p>
+        </p:txBody>
+      </p:sp>
+      <p:sp>
+        <p:nvSpPr>
+          <p:cNvPr id="3" name="Footer Placeholder 2">
+            <a:extLst>
+              <a:ext uri="{FF2B5EF4-FFF2-40B4-BE49-F238E27FC236}">
+                <a16:creationId xmlns:a16="http://schemas.microsoft.com/office/drawing/2014/main" id="{C49146C1-0EFA-7410-35A6-1C2B33E3E160}"/>
+              </a:ext>
+            </a:extLst>
+          </p:cNvPr>
+          <p:cNvSpPr>
+            <a:spLocks noGrp="1"/>
+          </p:cNvSpPr>
+          <p:nvPr>
+            <p:ph type="ftr" sz="quarter" idx="11"/>
+          </p:nvPr>
+        </p:nvSpPr>
+        <p:spPr/>
+        <p:txBody>
+          <a:bodyPr/>
+          <a:lstStyle/>
+          <a:p>
+            <a:r>
+              <a:rPr lang="en-US"/>
+              <a:t>Modeling of nonlinear Systems with LSTMs | Sebastian Hirt</a:t>
+            </a:r>
+            <a:endParaRPr lang="de-DE" dirty="0"/>
+          </a:p>
+        </p:txBody>
+      </p:sp>
+      <p:sp>
+        <p:nvSpPr>
+          <p:cNvPr id="4" name="Slide Number Placeholder 3">
+            <a:extLst>
+              <a:ext uri="{FF2B5EF4-FFF2-40B4-BE49-F238E27FC236}">
+                <a16:creationId xmlns:a16="http://schemas.microsoft.com/office/drawing/2014/main" id="{83EEE9A2-09B3-BA3D-B64B-856A8F226637}"/>
+              </a:ext>
+            </a:extLst>
+          </p:cNvPr>
+          <p:cNvSpPr>
+            <a:spLocks noGrp="1"/>
+          </p:cNvSpPr>
+          <p:nvPr>
+            <p:ph type="sldNum" sz="quarter" idx="12"/>
+          </p:nvPr>
+        </p:nvSpPr>
+        <p:spPr/>
+        <p:txBody>
+          <a:bodyPr/>
+          <a:lstStyle/>
+          <a:p>
+            <a:fld id="{D949F9DF-37BD-4CD6-BF49-65BA579E1D7A}" type="slidenum">
+              <a:rPr lang="de-DE" smtClean="0"/>
+              <a:pPr/>
+              <a:t>6</a:t>
             </a:fld>
             <a:endParaRPr lang="de-DE"/>
           </a:p>
@@ -17309,7 +17673,7 @@
 </p:sld>
 </file>
 
-<file path=ppt/slides/slide6.xml><?xml version="1.0" encoding="utf-8"?>
+<file path=ppt/slides/slide7.xml><?xml version="1.0" encoding="utf-8"?>
 <p:sld xmlns:a="http://schemas.openxmlformats.org/drawingml/2006/main" xmlns:r="http://schemas.openxmlformats.org/officeDocument/2006/relationships" xmlns:p="http://schemas.openxmlformats.org/presentationml/2006/main">
   <p:cSld>
     <p:spTree>
@@ -17347,10 +17711,10 @@
           <a:bodyPr/>
           <a:lstStyle/>
           <a:p>
-            <a:fld id="{A2E8877F-2015-4290-957C-06EF82A52242}" type="datetime8">
-              <a:rPr lang="en-DE" smtClean="0"/>
-              <a:t>15/12/2022 12:38</a:t>
-            </a:fld>
+            <a:r>
+              <a:rPr lang="LID4096"/>
+              <a:t>12/01/2023</a:t>
+            </a:r>
             <a:endParaRPr lang="de-DE" dirty="0"/>
           </a:p>
         </p:txBody>
@@ -17408,7 +17772,7 @@
             <a:fld id="{D949F9DF-37BD-4CD6-BF49-65BA579E1D7A}" type="slidenum">
               <a:rPr lang="de-DE" smtClean="0"/>
               <a:pPr/>
-              <a:t>6</a:t>
+              <a:t>7</a:t>
             </a:fld>
             <a:endParaRPr lang="de-DE"/>
           </a:p>
@@ -17731,7 +18095,7 @@
 </p:sld>
 </file>
 
-<file path=ppt/slides/slide7.xml><?xml version="1.0" encoding="utf-8"?>
+<file path=ppt/slides/slide8.xml><?xml version="1.0" encoding="utf-8"?>
 <p:sld xmlns:a="http://schemas.openxmlformats.org/drawingml/2006/main" xmlns:r="http://schemas.openxmlformats.org/officeDocument/2006/relationships" xmlns:p="http://schemas.openxmlformats.org/presentationml/2006/main">
   <p:cSld>
     <p:spTree>
@@ -17769,10 +18133,10 @@
           <a:bodyPr/>
           <a:lstStyle/>
           <a:p>
-            <a:fld id="{A2E8877F-2015-4290-957C-06EF82A52242}" type="datetime8">
-              <a:rPr lang="en-DE" smtClean="0"/>
-              <a:t>15/12/2022 12:38</a:t>
-            </a:fld>
+            <a:r>
+              <a:rPr lang="LID4096"/>
+              <a:t>12/01/2023</a:t>
+            </a:r>
             <a:endParaRPr lang="de-DE" dirty="0"/>
           </a:p>
         </p:txBody>
@@ -17830,7 +18194,7 @@
             <a:fld id="{D949F9DF-37BD-4CD6-BF49-65BA579E1D7A}" type="slidenum">
               <a:rPr lang="de-DE" smtClean="0"/>
               <a:pPr/>
-              <a:t>7</a:t>
+              <a:t>8</a:t>
             </a:fld>
             <a:endParaRPr lang="de-DE"/>
           </a:p>
@@ -17957,162 +18321,6 @@
     <p:extLst>
       <p:ext uri="{BB962C8B-B14F-4D97-AF65-F5344CB8AC3E}">
         <p14:creationId xmlns:p14="http://schemas.microsoft.com/office/powerpoint/2010/main" val="2562387972"/>
-      </p:ext>
-    </p:extLst>
-  </p:cSld>
-  <p:clrMapOvr>
-    <a:masterClrMapping/>
-  </p:clrMapOvr>
-</p:sld>
-</file>
-
-<file path=ppt/slides/slide8.xml><?xml version="1.0" encoding="utf-8"?>
-<p:sld xmlns:a="http://schemas.openxmlformats.org/drawingml/2006/main" xmlns:r="http://schemas.openxmlformats.org/officeDocument/2006/relationships" xmlns:p="http://schemas.openxmlformats.org/presentationml/2006/main">
-  <p:cSld>
-    <p:spTree>
-      <p:nvGrpSpPr>
-        <p:cNvPr id="1" name=""/>
-        <p:cNvGrpSpPr/>
-        <p:nvPr/>
-      </p:nvGrpSpPr>
-      <p:grpSpPr>
-        <a:xfrm>
-          <a:off x="0" y="0"/>
-          <a:ext cx="0" cy="0"/>
-          <a:chOff x="0" y="0"/>
-          <a:chExt cx="0" cy="0"/>
-        </a:xfrm>
-      </p:grpSpPr>
-      <p:sp>
-        <p:nvSpPr>
-          <p:cNvPr id="21" name="Titel 20">
-            <a:extLst>
-              <a:ext uri="{FF2B5EF4-FFF2-40B4-BE49-F238E27FC236}">
-                <a16:creationId xmlns:a16="http://schemas.microsoft.com/office/drawing/2014/main" id="{3018BD05-96D8-43F2-A6AA-CC40E7C32CCE}"/>
-              </a:ext>
-            </a:extLst>
-          </p:cNvPr>
-          <p:cNvSpPr>
-            <a:spLocks noGrp="1"/>
-          </p:cNvSpPr>
-          <p:nvPr>
-            <p:ph type="title"/>
-          </p:nvPr>
-        </p:nvSpPr>
-        <p:spPr>
-          <a:xfrm>
-            <a:off x="518318" y="3152001"/>
-            <a:ext cx="11157743" cy="553998"/>
-          </a:xfrm>
-        </p:spPr>
-        <p:txBody>
-          <a:bodyPr/>
-          <a:lstStyle/>
-          <a:p>
-            <a:r>
-              <a:rPr lang="de-DE" dirty="0"/>
-              <a:t>Dataset </a:t>
-            </a:r>
-            <a:r>
-              <a:rPr lang="de-DE" dirty="0" err="1"/>
-              <a:t>creation</a:t>
-            </a:r>
-            <a:endParaRPr lang="de-DE" dirty="0"/>
-          </a:p>
-        </p:txBody>
-      </p:sp>
-      <p:sp>
-        <p:nvSpPr>
-          <p:cNvPr id="2" name="Datumsplatzhalter 1">
-            <a:extLst>
-              <a:ext uri="{FF2B5EF4-FFF2-40B4-BE49-F238E27FC236}">
-                <a16:creationId xmlns:a16="http://schemas.microsoft.com/office/drawing/2014/main" id="{FE7214E1-5D14-4D0B-BADD-2E239FECEC10}"/>
-              </a:ext>
-            </a:extLst>
-          </p:cNvPr>
-          <p:cNvSpPr>
-            <a:spLocks noGrp="1"/>
-          </p:cNvSpPr>
-          <p:nvPr>
-            <p:ph type="dt" sz="half" idx="10"/>
-          </p:nvPr>
-        </p:nvSpPr>
-        <p:spPr/>
-        <p:txBody>
-          <a:bodyPr/>
-          <a:lstStyle/>
-          <a:p>
-            <a:fld id="{C683496F-A479-4189-AF7A-49EC797A60BB}" type="datetime8">
-              <a:rPr lang="en-DE" smtClean="0"/>
-              <a:t>15/12/2022 12:38</a:t>
-            </a:fld>
-            <a:endParaRPr lang="de-DE" dirty="0"/>
-          </a:p>
-        </p:txBody>
-      </p:sp>
-      <p:sp>
-        <p:nvSpPr>
-          <p:cNvPr id="3" name="Fußzeilenplatzhalter 2">
-            <a:extLst>
-              <a:ext uri="{FF2B5EF4-FFF2-40B4-BE49-F238E27FC236}">
-                <a16:creationId xmlns:a16="http://schemas.microsoft.com/office/drawing/2014/main" id="{6A6AD034-0F65-47AF-9CAA-C4B0CEB30D4D}"/>
-              </a:ext>
-            </a:extLst>
-          </p:cNvPr>
-          <p:cNvSpPr>
-            <a:spLocks noGrp="1"/>
-          </p:cNvSpPr>
-          <p:nvPr>
-            <p:ph type="ftr" sz="quarter" idx="11"/>
-          </p:nvPr>
-        </p:nvSpPr>
-        <p:spPr/>
-        <p:txBody>
-          <a:bodyPr/>
-          <a:lstStyle/>
-          <a:p>
-            <a:r>
-              <a:rPr lang="en-US"/>
-              <a:t>Modeling of nonlinear Systems with LSTMs | Sebastian Hirt</a:t>
-            </a:r>
-            <a:endParaRPr lang="de-DE" dirty="0"/>
-          </a:p>
-        </p:txBody>
-      </p:sp>
-      <p:sp>
-        <p:nvSpPr>
-          <p:cNvPr id="4" name="Foliennummernplatzhalter 3">
-            <a:extLst>
-              <a:ext uri="{FF2B5EF4-FFF2-40B4-BE49-F238E27FC236}">
-                <a16:creationId xmlns:a16="http://schemas.microsoft.com/office/drawing/2014/main" id="{00F7E098-F740-40F7-A085-7034627D9148}"/>
-              </a:ext>
-            </a:extLst>
-          </p:cNvPr>
-          <p:cNvSpPr>
-            <a:spLocks noGrp="1"/>
-          </p:cNvSpPr>
-          <p:nvPr>
-            <p:ph type="sldNum" sz="quarter" idx="12"/>
-          </p:nvPr>
-        </p:nvSpPr>
-        <p:spPr/>
-        <p:txBody>
-          <a:bodyPr/>
-          <a:lstStyle/>
-          <a:p>
-            <a:fld id="{D949F9DF-37BD-4CD6-BF49-65BA579E1D7A}" type="slidenum">
-              <a:rPr lang="de-DE" smtClean="0"/>
-              <a:pPr/>
-              <a:t>8</a:t>
-            </a:fld>
-            <a:endParaRPr lang="de-DE"/>
-          </a:p>
-        </p:txBody>
-      </p:sp>
-    </p:spTree>
-    <p:extLst>
-      <p:ext uri="{BB962C8B-B14F-4D97-AF65-F5344CB8AC3E}">
-        <p14:creationId xmlns:p14="http://schemas.microsoft.com/office/powerpoint/2010/main" val="998832571"/>
       </p:ext>
     </p:extLst>
   </p:cSld>
@@ -18141,10 +18349,48 @@
       </p:grpSpPr>
       <p:sp>
         <p:nvSpPr>
-          <p:cNvPr id="2" name="Date Placeholder 1">
-            <a:extLst>
-              <a:ext uri="{FF2B5EF4-FFF2-40B4-BE49-F238E27FC236}">
-                <a16:creationId xmlns:a16="http://schemas.microsoft.com/office/drawing/2014/main" id="{2B8CAAFC-F0E6-F31E-198A-AA24CC49C316}"/>
+          <p:cNvPr id="21" name="Titel 20">
+            <a:extLst>
+              <a:ext uri="{FF2B5EF4-FFF2-40B4-BE49-F238E27FC236}">
+                <a16:creationId xmlns:a16="http://schemas.microsoft.com/office/drawing/2014/main" id="{3018BD05-96D8-43F2-A6AA-CC40E7C32CCE}"/>
+              </a:ext>
+            </a:extLst>
+          </p:cNvPr>
+          <p:cNvSpPr>
+            <a:spLocks noGrp="1"/>
+          </p:cNvSpPr>
+          <p:nvPr>
+            <p:ph type="title"/>
+          </p:nvPr>
+        </p:nvSpPr>
+        <p:spPr>
+          <a:xfrm>
+            <a:off x="518318" y="3152001"/>
+            <a:ext cx="11157743" cy="553998"/>
+          </a:xfrm>
+        </p:spPr>
+        <p:txBody>
+          <a:bodyPr/>
+          <a:lstStyle/>
+          <a:p>
+            <a:r>
+              <a:rPr lang="de-DE" dirty="0"/>
+              <a:t>Dataset </a:t>
+            </a:r>
+            <a:r>
+              <a:rPr lang="de-DE" dirty="0" err="1"/>
+              <a:t>creation</a:t>
+            </a:r>
+            <a:endParaRPr lang="de-DE" dirty="0"/>
+          </a:p>
+        </p:txBody>
+      </p:sp>
+      <p:sp>
+        <p:nvSpPr>
+          <p:cNvPr id="2" name="Datumsplatzhalter 1">
+            <a:extLst>
+              <a:ext uri="{FF2B5EF4-FFF2-40B4-BE49-F238E27FC236}">
+                <a16:creationId xmlns:a16="http://schemas.microsoft.com/office/drawing/2014/main" id="{FE7214E1-5D14-4D0B-BADD-2E239FECEC10}"/>
               </a:ext>
             </a:extLst>
           </p:cNvPr>
@@ -18160,20 +18406,20 @@
           <a:bodyPr/>
           <a:lstStyle/>
           <a:p>
-            <a:fld id="{A2E8877F-2015-4290-957C-06EF82A52242}" type="datetime8">
-              <a:rPr lang="en-DE" smtClean="0"/>
-              <a:t>15/12/2022 12:38</a:t>
-            </a:fld>
+            <a:r>
+              <a:rPr lang="LID4096"/>
+              <a:t>12/01/2023</a:t>
+            </a:r>
             <a:endParaRPr lang="de-DE" dirty="0"/>
           </a:p>
         </p:txBody>
       </p:sp>
       <p:sp>
         <p:nvSpPr>
-          <p:cNvPr id="3" name="Footer Placeholder 2">
-            <a:extLst>
-              <a:ext uri="{FF2B5EF4-FFF2-40B4-BE49-F238E27FC236}">
-                <a16:creationId xmlns:a16="http://schemas.microsoft.com/office/drawing/2014/main" id="{C49146C1-0EFA-7410-35A6-1C2B33E3E160}"/>
+          <p:cNvPr id="3" name="Fußzeilenplatzhalter 2">
+            <a:extLst>
+              <a:ext uri="{FF2B5EF4-FFF2-40B4-BE49-F238E27FC236}">
+                <a16:creationId xmlns:a16="http://schemas.microsoft.com/office/drawing/2014/main" id="{6A6AD034-0F65-47AF-9CAA-C4B0CEB30D4D}"/>
               </a:ext>
             </a:extLst>
           </p:cNvPr>
@@ -18199,10 +18445,10 @@
       </p:sp>
       <p:sp>
         <p:nvSpPr>
-          <p:cNvPr id="4" name="Slide Number Placeholder 3">
-            <a:extLst>
-              <a:ext uri="{FF2B5EF4-FFF2-40B4-BE49-F238E27FC236}">
-                <a16:creationId xmlns:a16="http://schemas.microsoft.com/office/drawing/2014/main" id="{83EEE9A2-09B3-BA3D-B64B-856A8F226637}"/>
+          <p:cNvPr id="4" name="Foliennummernplatzhalter 3">
+            <a:extLst>
+              <a:ext uri="{FF2B5EF4-FFF2-40B4-BE49-F238E27FC236}">
+                <a16:creationId xmlns:a16="http://schemas.microsoft.com/office/drawing/2014/main" id="{00F7E098-F740-40F7-A085-7034627D9148}"/>
               </a:ext>
             </a:extLst>
           </p:cNvPr>
@@ -18227,131 +18473,10 @@
           </a:p>
         </p:txBody>
       </p:sp>
-      <p:sp>
-        <p:nvSpPr>
-          <p:cNvPr id="5" name="Title 4">
-            <a:extLst>
-              <a:ext uri="{FF2B5EF4-FFF2-40B4-BE49-F238E27FC236}">
-                <a16:creationId xmlns:a16="http://schemas.microsoft.com/office/drawing/2014/main" id="{BBB354EA-F495-6050-38E7-B27B0D727096}"/>
-              </a:ext>
-            </a:extLst>
-          </p:cNvPr>
-          <p:cNvSpPr>
-            <a:spLocks noGrp="1"/>
-          </p:cNvSpPr>
-          <p:nvPr>
-            <p:ph type="title"/>
-          </p:nvPr>
-        </p:nvSpPr>
-        <p:spPr/>
-        <p:txBody>
-          <a:bodyPr/>
-          <a:lstStyle/>
-          <a:p>
-            <a:r>
-              <a:rPr lang="en-US" dirty="0"/>
-              <a:t>Problem description</a:t>
-            </a:r>
-          </a:p>
-        </p:txBody>
-      </p:sp>
-      <p:sp>
-        <p:nvSpPr>
-          <p:cNvPr id="6" name="Text Placeholder 5">
-            <a:extLst>
-              <a:ext uri="{FF2B5EF4-FFF2-40B4-BE49-F238E27FC236}">
-                <a16:creationId xmlns:a16="http://schemas.microsoft.com/office/drawing/2014/main" id="{4761E152-B7EF-00B5-47FF-110705BBE7D4}"/>
-              </a:ext>
-            </a:extLst>
-          </p:cNvPr>
-          <p:cNvSpPr>
-            <a:spLocks noGrp="1"/>
-          </p:cNvSpPr>
-          <p:nvPr>
-            <p:ph type="body" sz="quarter" idx="17"/>
-          </p:nvPr>
-        </p:nvSpPr>
-        <p:spPr/>
-        <p:txBody>
-          <a:bodyPr/>
-          <a:lstStyle/>
-          <a:p>
-            <a:r>
-              <a:rPr lang="en-US" sz="1800" dirty="0">
-                <a:effectLst/>
-                <a:latin typeface="Calibri" panose="020F0502020204030204" pitchFamily="34" charset="0"/>
-                <a:ea typeface="Calibri" panose="020F0502020204030204" pitchFamily="34" charset="0"/>
-                <a:cs typeface="Arial" panose="020B0604020202020204" pitchFamily="34" charset="0"/>
-              </a:rPr>
-              <a:t>Pushing force on object</a:t>
-            </a:r>
-          </a:p>
-          <a:p>
-            <a:r>
-              <a:rPr lang="en-US" dirty="0">
-                <a:latin typeface="Calibri" panose="020F0502020204030204" pitchFamily="34" charset="0"/>
-                <a:ea typeface="Calibri" panose="020F0502020204030204" pitchFamily="34" charset="0"/>
-                <a:cs typeface="Arial" panose="020B0604020202020204" pitchFamily="34" charset="0"/>
-              </a:rPr>
-              <a:t>Drag on object</a:t>
-            </a:r>
-            <a:endParaRPr lang="en-US" sz="1800" dirty="0">
-              <a:effectLst/>
-              <a:latin typeface="Calibri" panose="020F0502020204030204" pitchFamily="34" charset="0"/>
-              <a:ea typeface="Calibri" panose="020F0502020204030204" pitchFamily="34" charset="0"/>
-              <a:cs typeface="Arial" panose="020B0604020202020204" pitchFamily="34" charset="0"/>
-            </a:endParaRPr>
-          </a:p>
-          <a:p>
-            <a:endParaRPr lang="en-US" sz="1800" dirty="0">
-              <a:effectLst/>
-              <a:latin typeface="Calibri" panose="020F0502020204030204" pitchFamily="34" charset="0"/>
-              <a:ea typeface="Calibri" panose="020F0502020204030204" pitchFamily="34" charset="0"/>
-              <a:cs typeface="Arial" panose="020B0604020202020204" pitchFamily="34" charset="0"/>
-            </a:endParaRPr>
-          </a:p>
-          <a:p>
-            <a:endParaRPr lang="en-US" dirty="0"/>
-          </a:p>
-          <a:p>
-            <a:endParaRPr lang="en-US" dirty="0"/>
-          </a:p>
-        </p:txBody>
-      </p:sp>
-      <p:pic>
-        <p:nvPicPr>
-          <p:cNvPr id="8" name="Picture 7">
-            <a:extLst>
-              <a:ext uri="{FF2B5EF4-FFF2-40B4-BE49-F238E27FC236}">
-                <a16:creationId xmlns:a16="http://schemas.microsoft.com/office/drawing/2014/main" id="{6F9EFDD3-455A-5D88-E91B-55A19B6A2BBD}"/>
-              </a:ext>
-            </a:extLst>
-          </p:cNvPr>
-          <p:cNvPicPr>
-            <a:picLocks noChangeAspect="1"/>
-          </p:cNvPicPr>
-          <p:nvPr/>
-        </p:nvPicPr>
-        <p:blipFill>
-          <a:blip r:embed="rId2"/>
-          <a:stretch>
-            <a:fillRect/>
-          </a:stretch>
-        </p:blipFill>
-        <p:spPr>
-          <a:xfrm>
-            <a:off x="5500915" y="2089245"/>
-            <a:ext cx="4914238" cy="3538785"/>
-          </a:xfrm>
-          <a:prstGeom prst="rect">
-            <a:avLst/>
-          </a:prstGeom>
-        </p:spPr>
-      </p:pic>
     </p:spTree>
     <p:extLst>
       <p:ext uri="{BB962C8B-B14F-4D97-AF65-F5344CB8AC3E}">
-        <p14:creationId xmlns:p14="http://schemas.microsoft.com/office/powerpoint/2010/main" val="637827353"/>
+        <p14:creationId xmlns:p14="http://schemas.microsoft.com/office/powerpoint/2010/main" val="998832571"/>
       </p:ext>
     </p:extLst>
   </p:cSld>
@@ -19298,18 +19423,18 @@
 </file>
 
 <file path=customXml/item1.xml><?xml version="1.0" encoding="utf-8"?>
-<p:properties xmlns:p="http://schemas.microsoft.com/office/2006/metadata/properties" xmlns:xsi="http://www.w3.org/2001/XMLSchema-instance" xmlns:pc="http://schemas.microsoft.com/office/infopath/2007/PartnerControls">
-  <documentManagement/>
-</p:properties>
-</file>
-
-<file path=customXml/item2.xml><?xml version="1.0" encoding="utf-8"?>
 <?mso-contentType ?>
 <FormTemplates xmlns="http://schemas.microsoft.com/sharepoint/v3/contenttype/forms">
   <Display>DocumentLibraryForm</Display>
   <Edit>DocumentLibraryForm</Edit>
   <New>DocumentLibraryForm</New>
 </FormTemplates>
+</file>
+
+<file path=customXml/item2.xml><?xml version="1.0" encoding="utf-8"?>
+<p:properties xmlns:p="http://schemas.microsoft.com/office/2006/metadata/properties" xmlns:xsi="http://www.w3.org/2001/XMLSchema-instance" xmlns:pc="http://schemas.microsoft.com/office/infopath/2007/PartnerControls">
+  <documentManagement/>
+</p:properties>
 </file>
 
 <file path=customXml/item3.xml><?xml version="1.0" encoding="utf-8"?>
@@ -19536,6 +19661,14 @@
 </file>
 
 <file path=customXml/itemProps1.xml><?xml version="1.0" encoding="utf-8"?>
+<ds:datastoreItem xmlns:ds="http://schemas.openxmlformats.org/officeDocument/2006/customXml" ds:itemID="{E457329C-FB5F-4A4D-B331-82D30E9A7432}">
+  <ds:schemaRefs>
+    <ds:schemaRef ds:uri="http://schemas.microsoft.com/sharepoint/v3/contenttype/forms"/>
+  </ds:schemaRefs>
+</ds:datastoreItem>
+</file>
+
+<file path=customXml/itemProps2.xml><?xml version="1.0" encoding="utf-8"?>
 <ds:datastoreItem xmlns:ds="http://schemas.openxmlformats.org/officeDocument/2006/customXml" ds:itemID="{CC1A7FE3-81F7-4596-A188-3EE8D4188E1F}">
   <ds:schemaRefs>
     <ds:schemaRef ds:uri="http://schemas.microsoft.com/office/2006/documentManagement/types"/>
@@ -19548,14 +19681,6 @@
     <ds:schemaRef ds:uri="5d4c14f1-5e26-4315-944b-e10ebb29e5be"/>
     <ds:schemaRef ds:uri="http://schemas.microsoft.com/office/2006/metadata/properties"/>
     <ds:schemaRef ds:uri="http://purl.org/dc/dcmitype/"/>
-  </ds:schemaRefs>
-</ds:datastoreItem>
-</file>
-
-<file path=customXml/itemProps2.xml><?xml version="1.0" encoding="utf-8"?>
-<ds:datastoreItem xmlns:ds="http://schemas.openxmlformats.org/officeDocument/2006/customXml" ds:itemID="{E457329C-FB5F-4A4D-B331-82D30E9A7432}">
-  <ds:schemaRefs>
-    <ds:schemaRef ds:uri="http://schemas.microsoft.com/sharepoint/v3/contenttype/forms"/>
   </ds:schemaRefs>
 </ds:datastoreItem>
 </file>

--- a/presentation/nonlinearLSTM_slides.pptx
+++ b/presentation/nonlinearLSTM_slides.pptx
@@ -5,10 +5,10 @@
     <p:sldMasterId id="2147483756" r:id="rId4"/>
   </p:sldMasterIdLst>
   <p:notesMasterIdLst>
-    <p:notesMasterId r:id="rId37"/>
+    <p:notesMasterId r:id="rId30"/>
   </p:notesMasterIdLst>
   <p:handoutMasterIdLst>
-    <p:handoutMasterId r:id="rId38"/>
+    <p:handoutMasterId r:id="rId31"/>
   </p:handoutMasterIdLst>
   <p:sldIdLst>
     <p:sldId id="413" r:id="rId5"/>
@@ -16,33 +16,26 @@
     <p:sldId id="389" r:id="rId7"/>
     <p:sldId id="418" r:id="rId8"/>
     <p:sldId id="448" r:id="rId9"/>
-    <p:sldId id="449" r:id="rId10"/>
-    <p:sldId id="450" r:id="rId11"/>
+    <p:sldId id="476" r:id="rId10"/>
+    <p:sldId id="477" r:id="rId11"/>
     <p:sldId id="447" r:id="rId12"/>
     <p:sldId id="452" r:id="rId13"/>
     <p:sldId id="451" r:id="rId14"/>
-    <p:sldId id="453" r:id="rId15"/>
-    <p:sldId id="457" r:id="rId16"/>
-    <p:sldId id="454" r:id="rId17"/>
-    <p:sldId id="458" r:id="rId18"/>
-    <p:sldId id="459" r:id="rId19"/>
-    <p:sldId id="461" r:id="rId20"/>
-    <p:sldId id="460" r:id="rId21"/>
-    <p:sldId id="462" r:id="rId22"/>
-    <p:sldId id="463" r:id="rId23"/>
-    <p:sldId id="464" r:id="rId24"/>
-    <p:sldId id="465" r:id="rId25"/>
-    <p:sldId id="466" r:id="rId26"/>
-    <p:sldId id="467" r:id="rId27"/>
-    <p:sldId id="456" r:id="rId28"/>
-    <p:sldId id="469" r:id="rId29"/>
-    <p:sldId id="470" r:id="rId30"/>
-    <p:sldId id="471" r:id="rId31"/>
-    <p:sldId id="468" r:id="rId32"/>
-    <p:sldId id="412" r:id="rId33"/>
-    <p:sldId id="474" r:id="rId34"/>
-    <p:sldId id="472" r:id="rId35"/>
-    <p:sldId id="419" r:id="rId36"/>
+    <p:sldId id="454" r:id="rId15"/>
+    <p:sldId id="461" r:id="rId16"/>
+    <p:sldId id="460" r:id="rId17"/>
+    <p:sldId id="462" r:id="rId18"/>
+    <p:sldId id="478" r:id="rId19"/>
+    <p:sldId id="479" r:id="rId20"/>
+    <p:sldId id="480" r:id="rId21"/>
+    <p:sldId id="481" r:id="rId22"/>
+    <p:sldId id="467" r:id="rId23"/>
+    <p:sldId id="482" r:id="rId24"/>
+    <p:sldId id="468" r:id="rId25"/>
+    <p:sldId id="412" r:id="rId26"/>
+    <p:sldId id="474" r:id="rId27"/>
+    <p:sldId id="472" r:id="rId28"/>
+    <p:sldId id="419" r:id="rId29"/>
   </p:sldIdLst>
   <p:sldSz cx="12192000" cy="6858000"/>
   <p:notesSz cx="6858000" cy="9144000"/>
@@ -246,7 +239,7 @@
           <a:p>
             <a:fld id="{C88CE87A-16FF-4C7D-8292-0CB980715C8B}" type="datetimeFigureOut">
               <a:rPr lang="de-DE" smtClean="0"/>
-              <a:t>10.01.2023</a:t>
+              <a:t>11.01.2023</a:t>
             </a:fld>
             <a:endParaRPr lang="de-DE"/>
           </a:p>
@@ -324,7 +317,7 @@
           <a:p>
             <a:fld id="{252F6222-CCA6-4FA7-88E0-B7BAE53645AA}" type="slidenum">
               <a:rPr lang="de-DE" smtClean="0"/>
-              <a:t>‹Nr.›</a:t>
+              <a:t>‹#›</a:t>
             </a:fld>
             <a:endParaRPr lang="de-DE"/>
           </a:p>
@@ -423,7 +416,7 @@
           <a:p>
             <a:fld id="{9DECA62E-2216-4960-A875-4D2633F4A404}" type="datetimeFigureOut">
               <a:rPr lang="de-DE" smtClean="0"/>
-              <a:t>10.01.2023</a:t>
+              <a:t>11.01.2023</a:t>
             </a:fld>
             <a:endParaRPr lang="de-DE"/>
           </a:p>
@@ -581,7 +574,7 @@
           <a:p>
             <a:fld id="{E1F93703-73BA-47D5-8B02-C172375928DA}" type="slidenum">
               <a:rPr lang="de-DE" smtClean="0"/>
-              <a:t>‹Nr.›</a:t>
+              <a:t>‹#›</a:t>
             </a:fld>
             <a:endParaRPr lang="de-DE"/>
           </a:p>
@@ -775,7 +768,7 @@
           <a:p>
             <a:fld id="{E1F93703-73BA-47D5-8B02-C172375928DA}" type="slidenum">
               <a:rPr lang="de-DE" smtClean="0"/>
-              <a:t>28</a:t>
+              <a:t>21</a:t>
             </a:fld>
             <a:endParaRPr lang="de-DE"/>
           </a:p>
@@ -984,7 +977,7 @@
             <a:fld id="{D949F9DF-37BD-4CD6-BF49-65BA579E1D7A}" type="slidenum">
               <a:rPr lang="de-DE" smtClean="0"/>
               <a:pPr/>
-              <a:t>‹Nr.›</a:t>
+              <a:t>‹#›</a:t>
             </a:fld>
             <a:endParaRPr lang="de-DE"/>
           </a:p>
@@ -2484,7 +2477,7 @@
             <a:fld id="{D949F9DF-37BD-4CD6-BF49-65BA579E1D7A}" type="slidenum">
               <a:rPr lang="de-DE" smtClean="0"/>
               <a:pPr/>
-              <a:t>‹Nr.›</a:t>
+              <a:t>‹#›</a:t>
             </a:fld>
             <a:endParaRPr lang="de-DE"/>
           </a:p>
@@ -4157,7 +4150,7 @@
             <a:fld id="{D949F9DF-37BD-4CD6-BF49-65BA579E1D7A}" type="slidenum">
               <a:rPr lang="de-DE" smtClean="0"/>
               <a:pPr/>
-              <a:t>‹Nr.›</a:t>
+              <a:t>‹#›</a:t>
             </a:fld>
             <a:endParaRPr lang="de-DE"/>
           </a:p>
@@ -7228,7 +7221,7 @@
             <a:fld id="{D949F9DF-37BD-4CD6-BF49-65BA579E1D7A}" type="slidenum">
               <a:rPr lang="de-DE" smtClean="0"/>
               <a:pPr/>
-              <a:t>‹Nr.›</a:t>
+              <a:t>‹#›</a:t>
             </a:fld>
             <a:endParaRPr lang="de-DE"/>
           </a:p>
@@ -9261,7 +9254,7 @@
           <a:p>
             <a:r>
               <a:rPr lang="en-US" dirty="0"/>
-              <a:t>Problem description</a:t>
+              <a:t>Drag-Complex Dataset</a:t>
             </a:r>
           </a:p>
         </p:txBody>
@@ -9351,8 +9344,38 @@
         </p:blipFill>
         <p:spPr>
           <a:xfrm>
-            <a:off x="5500915" y="2089245"/>
+            <a:off x="187453" y="2680431"/>
             <a:ext cx="4914238" cy="3538785"/>
+          </a:xfrm>
+          <a:prstGeom prst="rect">
+            <a:avLst/>
+          </a:prstGeom>
+        </p:spPr>
+      </p:pic>
+      <p:pic>
+        <p:nvPicPr>
+          <p:cNvPr id="7" name="Picture 6">
+            <a:extLst>
+              <a:ext uri="{FF2B5EF4-FFF2-40B4-BE49-F238E27FC236}">
+                <a16:creationId xmlns:a16="http://schemas.microsoft.com/office/drawing/2014/main" id="{E316B0EA-238C-F3FA-22C1-FE8B61CCD419}"/>
+              </a:ext>
+            </a:extLst>
+          </p:cNvPr>
+          <p:cNvPicPr>
+            <a:picLocks noChangeAspect="1"/>
+          </p:cNvPicPr>
+          <p:nvPr/>
+        </p:nvPicPr>
+        <p:blipFill>
+          <a:blip r:embed="rId3"/>
+          <a:stretch>
+            <a:fillRect/>
+          </a:stretch>
+        </p:blipFill>
+        <p:spPr>
+          <a:xfrm>
+            <a:off x="5182833" y="1257236"/>
+            <a:ext cx="6821714" cy="5167742"/>
           </a:xfrm>
           <a:prstGeom prst="rect">
             <a:avLst/>
@@ -9500,7 +9523,7 @@
           <a:p>
             <a:r>
               <a:rPr lang="en-US" dirty="0"/>
-              <a:t>Drag simple</a:t>
+              <a:t>Pendulum-Complex Dataset</a:t>
             </a:r>
           </a:p>
         </p:txBody>
@@ -9526,15 +9549,26 @@
           <a:bodyPr/>
           <a:lstStyle/>
           <a:p>
-            <a:endParaRPr lang="en-US" dirty="0"/>
-          </a:p>
-          <a:p>
-            <a:endParaRPr lang="en-US" sz="1800" dirty="0">
-              <a:effectLst/>
-              <a:latin typeface="Calibri" panose="020F0502020204030204" pitchFamily="34" charset="0"/>
-              <a:ea typeface="Calibri" panose="020F0502020204030204" pitchFamily="34" charset="0"/>
-              <a:cs typeface="Arial" panose="020B0604020202020204" pitchFamily="34" charset="0"/>
-            </a:endParaRPr>
+            <a:r>
+              <a:rPr lang="en-US" sz="1800" dirty="0">
+                <a:effectLst/>
+                <a:latin typeface="Calibri" panose="020F0502020204030204" pitchFamily="34" charset="0"/>
+                <a:ea typeface="Calibri" panose="020F0502020204030204" pitchFamily="34" charset="0"/>
+                <a:cs typeface="Arial" panose="020B0604020202020204" pitchFamily="34" charset="0"/>
+              </a:rPr>
+              <a:t>Pushing a pendulum</a:t>
+            </a:r>
+          </a:p>
+          <a:p>
+            <a:r>
+              <a:rPr lang="en-US" sz="1800" dirty="0">
+                <a:effectLst/>
+                <a:latin typeface="Calibri" panose="020F0502020204030204" pitchFamily="34" charset="0"/>
+                <a:ea typeface="Calibri" panose="020F0502020204030204" pitchFamily="34" charset="0"/>
+                <a:cs typeface="Arial" panose="020B0604020202020204" pitchFamily="34" charset="0"/>
+              </a:rPr>
+              <a:t>Friction due to air</a:t>
+            </a:r>
           </a:p>
           <a:p>
             <a:endParaRPr lang="en-US" sz="1800" dirty="0">
@@ -9557,7 +9591,7 @@
           <p:cNvPr id="9" name="Picture 8">
             <a:extLst>
               <a:ext uri="{FF2B5EF4-FFF2-40B4-BE49-F238E27FC236}">
-                <a16:creationId xmlns:a16="http://schemas.microsoft.com/office/drawing/2014/main" id="{D7F6F74B-1883-F80E-6873-02E5B52F2050}"/>
+                <a16:creationId xmlns:a16="http://schemas.microsoft.com/office/drawing/2014/main" id="{EF3C37BE-2A27-F613-4B0F-66DAF0D5217C}"/>
               </a:ext>
             </a:extLst>
           </p:cNvPr>
@@ -9574,8 +9608,38 @@
         </p:blipFill>
         <p:spPr>
           <a:xfrm>
-            <a:off x="3088823" y="1534934"/>
-            <a:ext cx="5718628" cy="4684282"/>
+            <a:off x="518318" y="2809898"/>
+            <a:ext cx="5543490" cy="2884222"/>
+          </a:xfrm>
+          <a:prstGeom prst="rect">
+            <a:avLst/>
+          </a:prstGeom>
+        </p:spPr>
+      </p:pic>
+      <p:pic>
+        <p:nvPicPr>
+          <p:cNvPr id="7" name="Picture 6">
+            <a:extLst>
+              <a:ext uri="{FF2B5EF4-FFF2-40B4-BE49-F238E27FC236}">
+                <a16:creationId xmlns:a16="http://schemas.microsoft.com/office/drawing/2014/main" id="{0C04CC6F-4C07-0EA1-CBEA-271ABBDCA678}"/>
+              </a:ext>
+            </a:extLst>
+          </p:cNvPr>
+          <p:cNvPicPr>
+            <a:picLocks noChangeAspect="1"/>
+          </p:cNvPicPr>
+          <p:nvPr/>
+        </p:nvPicPr>
+        <p:blipFill>
+          <a:blip r:embed="rId3"/>
+          <a:stretch>
+            <a:fillRect/>
+          </a:stretch>
+        </p:blipFill>
+        <p:spPr>
+          <a:xfrm>
+            <a:off x="6197790" y="1498060"/>
+            <a:ext cx="5810194" cy="4721156"/>
           </a:xfrm>
           <a:prstGeom prst="rect">
             <a:avLst/>
@@ -9585,7 +9649,7 @@
     </p:spTree>
     <p:extLst>
       <p:ext uri="{BB962C8B-B14F-4D97-AF65-F5344CB8AC3E}">
-        <p14:creationId xmlns:p14="http://schemas.microsoft.com/office/powerpoint/2010/main" val="2051088159"/>
+        <p14:creationId xmlns:p14="http://schemas.microsoft.com/office/powerpoint/2010/main" val="2629716325"/>
       </p:ext>
     </p:extLst>
   </p:cSld>
@@ -9695,969 +9759,6 @@
               <a:rPr lang="de-DE" smtClean="0"/>
               <a:pPr/>
               <a:t>12</a:t>
-            </a:fld>
-            <a:endParaRPr lang="de-DE"/>
-          </a:p>
-        </p:txBody>
-      </p:sp>
-      <p:sp>
-        <p:nvSpPr>
-          <p:cNvPr id="5" name="Title 4">
-            <a:extLst>
-              <a:ext uri="{FF2B5EF4-FFF2-40B4-BE49-F238E27FC236}">
-                <a16:creationId xmlns:a16="http://schemas.microsoft.com/office/drawing/2014/main" id="{BBB354EA-F495-6050-38E7-B27B0D727096}"/>
-              </a:ext>
-            </a:extLst>
-          </p:cNvPr>
-          <p:cNvSpPr>
-            <a:spLocks noGrp="1"/>
-          </p:cNvSpPr>
-          <p:nvPr>
-            <p:ph type="title"/>
-          </p:nvPr>
-        </p:nvSpPr>
-        <p:spPr/>
-        <p:txBody>
-          <a:bodyPr/>
-          <a:lstStyle/>
-          <a:p>
-            <a:r>
-              <a:rPr lang="en-US" dirty="0"/>
-              <a:t>Drag complex</a:t>
-            </a:r>
-          </a:p>
-        </p:txBody>
-      </p:sp>
-      <p:sp>
-        <p:nvSpPr>
-          <p:cNvPr id="6" name="Text Placeholder 5">
-            <a:extLst>
-              <a:ext uri="{FF2B5EF4-FFF2-40B4-BE49-F238E27FC236}">
-                <a16:creationId xmlns:a16="http://schemas.microsoft.com/office/drawing/2014/main" id="{4761E152-B7EF-00B5-47FF-110705BBE7D4}"/>
-              </a:ext>
-            </a:extLst>
-          </p:cNvPr>
-          <p:cNvSpPr>
-            <a:spLocks noGrp="1"/>
-          </p:cNvSpPr>
-          <p:nvPr>
-            <p:ph type="body" sz="quarter" idx="17"/>
-          </p:nvPr>
-        </p:nvSpPr>
-        <p:spPr/>
-        <p:txBody>
-          <a:bodyPr/>
-          <a:lstStyle/>
-          <a:p>
-            <a:endParaRPr lang="en-US" dirty="0"/>
-          </a:p>
-          <a:p>
-            <a:endParaRPr lang="en-US" sz="1800" dirty="0">
-              <a:effectLst/>
-              <a:latin typeface="Calibri" panose="020F0502020204030204" pitchFamily="34" charset="0"/>
-              <a:ea typeface="Calibri" panose="020F0502020204030204" pitchFamily="34" charset="0"/>
-              <a:cs typeface="Arial" panose="020B0604020202020204" pitchFamily="34" charset="0"/>
-            </a:endParaRPr>
-          </a:p>
-          <a:p>
-            <a:endParaRPr lang="en-US" sz="1800" dirty="0">
-              <a:effectLst/>
-              <a:latin typeface="Calibri" panose="020F0502020204030204" pitchFamily="34" charset="0"/>
-              <a:ea typeface="Calibri" panose="020F0502020204030204" pitchFamily="34" charset="0"/>
-              <a:cs typeface="Arial" panose="020B0604020202020204" pitchFamily="34" charset="0"/>
-            </a:endParaRPr>
-          </a:p>
-          <a:p>
-            <a:endParaRPr lang="en-US" dirty="0"/>
-          </a:p>
-          <a:p>
-            <a:endParaRPr lang="en-US" dirty="0"/>
-          </a:p>
-        </p:txBody>
-      </p:sp>
-      <p:pic>
-        <p:nvPicPr>
-          <p:cNvPr id="8" name="Picture 7">
-            <a:extLst>
-              <a:ext uri="{FF2B5EF4-FFF2-40B4-BE49-F238E27FC236}">
-                <a16:creationId xmlns:a16="http://schemas.microsoft.com/office/drawing/2014/main" id="{3CC9555A-A0C1-4F74-F94A-7E6BFDC9AD07}"/>
-              </a:ext>
-            </a:extLst>
-          </p:cNvPr>
-          <p:cNvPicPr>
-            <a:picLocks noChangeAspect="1"/>
-          </p:cNvPicPr>
-          <p:nvPr/>
-        </p:nvPicPr>
-        <p:blipFill>
-          <a:blip r:embed="rId2"/>
-          <a:stretch>
-            <a:fillRect/>
-          </a:stretch>
-        </p:blipFill>
-        <p:spPr>
-          <a:xfrm>
-            <a:off x="2401799" y="1274767"/>
-            <a:ext cx="6821714" cy="5167742"/>
-          </a:xfrm>
-          <a:prstGeom prst="rect">
-            <a:avLst/>
-          </a:prstGeom>
-        </p:spPr>
-      </p:pic>
-    </p:spTree>
-    <p:extLst>
-      <p:ext uri="{BB962C8B-B14F-4D97-AF65-F5344CB8AC3E}">
-        <p14:creationId xmlns:p14="http://schemas.microsoft.com/office/powerpoint/2010/main" val="3623868801"/>
-      </p:ext>
-    </p:extLst>
-  </p:cSld>
-  <p:clrMapOvr>
-    <a:masterClrMapping/>
-  </p:clrMapOvr>
-</p:sld>
-</file>
-
-<file path=ppt/slides/slide13.xml><?xml version="1.0" encoding="utf-8"?>
-<p:sld xmlns:a="http://schemas.openxmlformats.org/drawingml/2006/main" xmlns:r="http://schemas.openxmlformats.org/officeDocument/2006/relationships" xmlns:p="http://schemas.openxmlformats.org/presentationml/2006/main">
-  <p:cSld>
-    <p:spTree>
-      <p:nvGrpSpPr>
-        <p:cNvPr id="1" name=""/>
-        <p:cNvGrpSpPr/>
-        <p:nvPr/>
-      </p:nvGrpSpPr>
-      <p:grpSpPr>
-        <a:xfrm>
-          <a:off x="0" y="0"/>
-          <a:ext cx="0" cy="0"/>
-          <a:chOff x="0" y="0"/>
-          <a:chExt cx="0" cy="0"/>
-        </a:xfrm>
-      </p:grpSpPr>
-      <p:sp>
-        <p:nvSpPr>
-          <p:cNvPr id="2" name="Date Placeholder 1">
-            <a:extLst>
-              <a:ext uri="{FF2B5EF4-FFF2-40B4-BE49-F238E27FC236}">
-                <a16:creationId xmlns:a16="http://schemas.microsoft.com/office/drawing/2014/main" id="{2B8CAAFC-F0E6-F31E-198A-AA24CC49C316}"/>
-              </a:ext>
-            </a:extLst>
-          </p:cNvPr>
-          <p:cNvSpPr>
-            <a:spLocks noGrp="1"/>
-          </p:cNvSpPr>
-          <p:nvPr>
-            <p:ph type="dt" sz="half" idx="10"/>
-          </p:nvPr>
-        </p:nvSpPr>
-        <p:spPr/>
-        <p:txBody>
-          <a:bodyPr/>
-          <a:lstStyle/>
-          <a:p>
-            <a:r>
-              <a:rPr lang="LID4096"/>
-              <a:t>12/01/2023</a:t>
-            </a:r>
-            <a:endParaRPr lang="de-DE" dirty="0"/>
-          </a:p>
-        </p:txBody>
-      </p:sp>
-      <p:sp>
-        <p:nvSpPr>
-          <p:cNvPr id="3" name="Footer Placeholder 2">
-            <a:extLst>
-              <a:ext uri="{FF2B5EF4-FFF2-40B4-BE49-F238E27FC236}">
-                <a16:creationId xmlns:a16="http://schemas.microsoft.com/office/drawing/2014/main" id="{C49146C1-0EFA-7410-35A6-1C2B33E3E160}"/>
-              </a:ext>
-            </a:extLst>
-          </p:cNvPr>
-          <p:cNvSpPr>
-            <a:spLocks noGrp="1"/>
-          </p:cNvSpPr>
-          <p:nvPr>
-            <p:ph type="ftr" sz="quarter" idx="11"/>
-          </p:nvPr>
-        </p:nvSpPr>
-        <p:spPr/>
-        <p:txBody>
-          <a:bodyPr/>
-          <a:lstStyle/>
-          <a:p>
-            <a:r>
-              <a:rPr lang="en-US"/>
-              <a:t>Modeling of nonlinear Systems with LSTMs | Sebastian Hirt</a:t>
-            </a:r>
-            <a:endParaRPr lang="de-DE" dirty="0"/>
-          </a:p>
-        </p:txBody>
-      </p:sp>
-      <p:sp>
-        <p:nvSpPr>
-          <p:cNvPr id="4" name="Slide Number Placeholder 3">
-            <a:extLst>
-              <a:ext uri="{FF2B5EF4-FFF2-40B4-BE49-F238E27FC236}">
-                <a16:creationId xmlns:a16="http://schemas.microsoft.com/office/drawing/2014/main" id="{83EEE9A2-09B3-BA3D-B64B-856A8F226637}"/>
-              </a:ext>
-            </a:extLst>
-          </p:cNvPr>
-          <p:cNvSpPr>
-            <a:spLocks noGrp="1"/>
-          </p:cNvSpPr>
-          <p:nvPr>
-            <p:ph type="sldNum" sz="quarter" idx="12"/>
-          </p:nvPr>
-        </p:nvSpPr>
-        <p:spPr/>
-        <p:txBody>
-          <a:bodyPr/>
-          <a:lstStyle/>
-          <a:p>
-            <a:fld id="{D949F9DF-37BD-4CD6-BF49-65BA579E1D7A}" type="slidenum">
-              <a:rPr lang="de-DE" smtClean="0"/>
-              <a:pPr/>
-              <a:t>13</a:t>
-            </a:fld>
-            <a:endParaRPr lang="de-DE"/>
-          </a:p>
-        </p:txBody>
-      </p:sp>
-      <p:sp>
-        <p:nvSpPr>
-          <p:cNvPr id="5" name="Title 4">
-            <a:extLst>
-              <a:ext uri="{FF2B5EF4-FFF2-40B4-BE49-F238E27FC236}">
-                <a16:creationId xmlns:a16="http://schemas.microsoft.com/office/drawing/2014/main" id="{BBB354EA-F495-6050-38E7-B27B0D727096}"/>
-              </a:ext>
-            </a:extLst>
-          </p:cNvPr>
-          <p:cNvSpPr>
-            <a:spLocks noGrp="1"/>
-          </p:cNvSpPr>
-          <p:nvPr>
-            <p:ph type="title"/>
-          </p:nvPr>
-        </p:nvSpPr>
-        <p:spPr/>
-        <p:txBody>
-          <a:bodyPr/>
-          <a:lstStyle/>
-          <a:p>
-            <a:r>
-              <a:rPr lang="en-US" dirty="0"/>
-              <a:t>Problem description</a:t>
-            </a:r>
-          </a:p>
-        </p:txBody>
-      </p:sp>
-      <p:sp>
-        <p:nvSpPr>
-          <p:cNvPr id="6" name="Text Placeholder 5">
-            <a:extLst>
-              <a:ext uri="{FF2B5EF4-FFF2-40B4-BE49-F238E27FC236}">
-                <a16:creationId xmlns:a16="http://schemas.microsoft.com/office/drawing/2014/main" id="{4761E152-B7EF-00B5-47FF-110705BBE7D4}"/>
-              </a:ext>
-            </a:extLst>
-          </p:cNvPr>
-          <p:cNvSpPr>
-            <a:spLocks noGrp="1"/>
-          </p:cNvSpPr>
-          <p:nvPr>
-            <p:ph type="body" sz="quarter" idx="17"/>
-          </p:nvPr>
-        </p:nvSpPr>
-        <p:spPr/>
-        <p:txBody>
-          <a:bodyPr/>
-          <a:lstStyle/>
-          <a:p>
-            <a:r>
-              <a:rPr lang="en-US" sz="1800" dirty="0">
-                <a:effectLst/>
-                <a:latin typeface="Calibri" panose="020F0502020204030204" pitchFamily="34" charset="0"/>
-                <a:ea typeface="Calibri" panose="020F0502020204030204" pitchFamily="34" charset="0"/>
-                <a:cs typeface="Arial" panose="020B0604020202020204" pitchFamily="34" charset="0"/>
-              </a:rPr>
-              <a:t>Pushing a pendulum</a:t>
-            </a:r>
-          </a:p>
-          <a:p>
-            <a:r>
-              <a:rPr lang="en-US" sz="1800" dirty="0">
-                <a:effectLst/>
-                <a:latin typeface="Calibri" panose="020F0502020204030204" pitchFamily="34" charset="0"/>
-                <a:ea typeface="Calibri" panose="020F0502020204030204" pitchFamily="34" charset="0"/>
-                <a:cs typeface="Arial" panose="020B0604020202020204" pitchFamily="34" charset="0"/>
-              </a:rPr>
-              <a:t>Friction due to air</a:t>
-            </a:r>
-          </a:p>
-          <a:p>
-            <a:endParaRPr lang="en-US" sz="1800" dirty="0">
-              <a:effectLst/>
-              <a:latin typeface="Calibri" panose="020F0502020204030204" pitchFamily="34" charset="0"/>
-              <a:ea typeface="Calibri" panose="020F0502020204030204" pitchFamily="34" charset="0"/>
-              <a:cs typeface="Arial" panose="020B0604020202020204" pitchFamily="34" charset="0"/>
-            </a:endParaRPr>
-          </a:p>
-          <a:p>
-            <a:endParaRPr lang="en-US" dirty="0"/>
-          </a:p>
-          <a:p>
-            <a:endParaRPr lang="en-US" dirty="0"/>
-          </a:p>
-        </p:txBody>
-      </p:sp>
-      <p:pic>
-        <p:nvPicPr>
-          <p:cNvPr id="9" name="Picture 8">
-            <a:extLst>
-              <a:ext uri="{FF2B5EF4-FFF2-40B4-BE49-F238E27FC236}">
-                <a16:creationId xmlns:a16="http://schemas.microsoft.com/office/drawing/2014/main" id="{EF3C37BE-2A27-F613-4B0F-66DAF0D5217C}"/>
-              </a:ext>
-            </a:extLst>
-          </p:cNvPr>
-          <p:cNvPicPr>
-            <a:picLocks noChangeAspect="1"/>
-          </p:cNvPicPr>
-          <p:nvPr/>
-        </p:nvPicPr>
-        <p:blipFill>
-          <a:blip r:embed="rId2"/>
-          <a:stretch>
-            <a:fillRect/>
-          </a:stretch>
-        </p:blipFill>
-        <p:spPr>
-          <a:xfrm>
-            <a:off x="4577663" y="2148662"/>
-            <a:ext cx="6573167" cy="3419952"/>
-          </a:xfrm>
-          <a:prstGeom prst="rect">
-            <a:avLst/>
-          </a:prstGeom>
-        </p:spPr>
-      </p:pic>
-    </p:spTree>
-    <p:extLst>
-      <p:ext uri="{BB962C8B-B14F-4D97-AF65-F5344CB8AC3E}">
-        <p14:creationId xmlns:p14="http://schemas.microsoft.com/office/powerpoint/2010/main" val="2629716325"/>
-      </p:ext>
-    </p:extLst>
-  </p:cSld>
-  <p:clrMapOvr>
-    <a:masterClrMapping/>
-  </p:clrMapOvr>
-</p:sld>
-</file>
-
-<file path=ppt/slides/slide14.xml><?xml version="1.0" encoding="utf-8"?>
-<p:sld xmlns:a="http://schemas.openxmlformats.org/drawingml/2006/main" xmlns:r="http://schemas.openxmlformats.org/officeDocument/2006/relationships" xmlns:p="http://schemas.openxmlformats.org/presentationml/2006/main">
-  <p:cSld>
-    <p:spTree>
-      <p:nvGrpSpPr>
-        <p:cNvPr id="1" name=""/>
-        <p:cNvGrpSpPr/>
-        <p:nvPr/>
-      </p:nvGrpSpPr>
-      <p:grpSpPr>
-        <a:xfrm>
-          <a:off x="0" y="0"/>
-          <a:ext cx="0" cy="0"/>
-          <a:chOff x="0" y="0"/>
-          <a:chExt cx="0" cy="0"/>
-        </a:xfrm>
-      </p:grpSpPr>
-      <p:sp>
-        <p:nvSpPr>
-          <p:cNvPr id="2" name="Date Placeholder 1">
-            <a:extLst>
-              <a:ext uri="{FF2B5EF4-FFF2-40B4-BE49-F238E27FC236}">
-                <a16:creationId xmlns:a16="http://schemas.microsoft.com/office/drawing/2014/main" id="{2B8CAAFC-F0E6-F31E-198A-AA24CC49C316}"/>
-              </a:ext>
-            </a:extLst>
-          </p:cNvPr>
-          <p:cNvSpPr>
-            <a:spLocks noGrp="1"/>
-          </p:cNvSpPr>
-          <p:nvPr>
-            <p:ph type="dt" sz="half" idx="10"/>
-          </p:nvPr>
-        </p:nvSpPr>
-        <p:spPr/>
-        <p:txBody>
-          <a:bodyPr/>
-          <a:lstStyle/>
-          <a:p>
-            <a:r>
-              <a:rPr lang="LID4096"/>
-              <a:t>12/01/2023</a:t>
-            </a:r>
-            <a:endParaRPr lang="de-DE" dirty="0"/>
-          </a:p>
-        </p:txBody>
-      </p:sp>
-      <p:sp>
-        <p:nvSpPr>
-          <p:cNvPr id="3" name="Footer Placeholder 2">
-            <a:extLst>
-              <a:ext uri="{FF2B5EF4-FFF2-40B4-BE49-F238E27FC236}">
-                <a16:creationId xmlns:a16="http://schemas.microsoft.com/office/drawing/2014/main" id="{C49146C1-0EFA-7410-35A6-1C2B33E3E160}"/>
-              </a:ext>
-            </a:extLst>
-          </p:cNvPr>
-          <p:cNvSpPr>
-            <a:spLocks noGrp="1"/>
-          </p:cNvSpPr>
-          <p:nvPr>
-            <p:ph type="ftr" sz="quarter" idx="11"/>
-          </p:nvPr>
-        </p:nvSpPr>
-        <p:spPr/>
-        <p:txBody>
-          <a:bodyPr/>
-          <a:lstStyle/>
-          <a:p>
-            <a:r>
-              <a:rPr lang="en-US"/>
-              <a:t>Modeling of nonlinear Systems with LSTMs | Sebastian Hirt</a:t>
-            </a:r>
-            <a:endParaRPr lang="de-DE" dirty="0"/>
-          </a:p>
-        </p:txBody>
-      </p:sp>
-      <p:sp>
-        <p:nvSpPr>
-          <p:cNvPr id="4" name="Slide Number Placeholder 3">
-            <a:extLst>
-              <a:ext uri="{FF2B5EF4-FFF2-40B4-BE49-F238E27FC236}">
-                <a16:creationId xmlns:a16="http://schemas.microsoft.com/office/drawing/2014/main" id="{83EEE9A2-09B3-BA3D-B64B-856A8F226637}"/>
-              </a:ext>
-            </a:extLst>
-          </p:cNvPr>
-          <p:cNvSpPr>
-            <a:spLocks noGrp="1"/>
-          </p:cNvSpPr>
-          <p:nvPr>
-            <p:ph type="sldNum" sz="quarter" idx="12"/>
-          </p:nvPr>
-        </p:nvSpPr>
-        <p:spPr/>
-        <p:txBody>
-          <a:bodyPr/>
-          <a:lstStyle/>
-          <a:p>
-            <a:fld id="{D949F9DF-37BD-4CD6-BF49-65BA579E1D7A}" type="slidenum">
-              <a:rPr lang="de-DE" smtClean="0"/>
-              <a:pPr/>
-              <a:t>14</a:t>
-            </a:fld>
-            <a:endParaRPr lang="de-DE"/>
-          </a:p>
-        </p:txBody>
-      </p:sp>
-      <p:sp>
-        <p:nvSpPr>
-          <p:cNvPr id="5" name="Title 4">
-            <a:extLst>
-              <a:ext uri="{FF2B5EF4-FFF2-40B4-BE49-F238E27FC236}">
-                <a16:creationId xmlns:a16="http://schemas.microsoft.com/office/drawing/2014/main" id="{BBB354EA-F495-6050-38E7-B27B0D727096}"/>
-              </a:ext>
-            </a:extLst>
-          </p:cNvPr>
-          <p:cNvSpPr>
-            <a:spLocks noGrp="1"/>
-          </p:cNvSpPr>
-          <p:nvPr>
-            <p:ph type="title"/>
-          </p:nvPr>
-        </p:nvSpPr>
-        <p:spPr/>
-        <p:txBody>
-          <a:bodyPr/>
-          <a:lstStyle/>
-          <a:p>
-            <a:r>
-              <a:rPr lang="en-US" dirty="0"/>
-              <a:t>Pendulum simple</a:t>
-            </a:r>
-          </a:p>
-        </p:txBody>
-      </p:sp>
-      <p:sp>
-        <p:nvSpPr>
-          <p:cNvPr id="6" name="Text Placeholder 5">
-            <a:extLst>
-              <a:ext uri="{FF2B5EF4-FFF2-40B4-BE49-F238E27FC236}">
-                <a16:creationId xmlns:a16="http://schemas.microsoft.com/office/drawing/2014/main" id="{4761E152-B7EF-00B5-47FF-110705BBE7D4}"/>
-              </a:ext>
-            </a:extLst>
-          </p:cNvPr>
-          <p:cNvSpPr>
-            <a:spLocks noGrp="1"/>
-          </p:cNvSpPr>
-          <p:nvPr>
-            <p:ph type="body" sz="quarter" idx="17"/>
-          </p:nvPr>
-        </p:nvSpPr>
-        <p:spPr/>
-        <p:txBody>
-          <a:bodyPr/>
-          <a:lstStyle/>
-          <a:p>
-            <a:endParaRPr lang="en-US" dirty="0"/>
-          </a:p>
-          <a:p>
-            <a:endParaRPr lang="en-US" sz="1800" dirty="0">
-              <a:effectLst/>
-              <a:latin typeface="Calibri" panose="020F0502020204030204" pitchFamily="34" charset="0"/>
-              <a:ea typeface="Calibri" panose="020F0502020204030204" pitchFamily="34" charset="0"/>
-              <a:cs typeface="Arial" panose="020B0604020202020204" pitchFamily="34" charset="0"/>
-            </a:endParaRPr>
-          </a:p>
-          <a:p>
-            <a:endParaRPr lang="en-US" sz="1800" dirty="0">
-              <a:effectLst/>
-              <a:latin typeface="Calibri" panose="020F0502020204030204" pitchFamily="34" charset="0"/>
-              <a:ea typeface="Calibri" panose="020F0502020204030204" pitchFamily="34" charset="0"/>
-              <a:cs typeface="Arial" panose="020B0604020202020204" pitchFamily="34" charset="0"/>
-            </a:endParaRPr>
-          </a:p>
-          <a:p>
-            <a:endParaRPr lang="en-US" dirty="0"/>
-          </a:p>
-          <a:p>
-            <a:endParaRPr lang="en-US" dirty="0"/>
-          </a:p>
-        </p:txBody>
-      </p:sp>
-      <p:pic>
-        <p:nvPicPr>
-          <p:cNvPr id="8" name="Picture 7">
-            <a:extLst>
-              <a:ext uri="{FF2B5EF4-FFF2-40B4-BE49-F238E27FC236}">
-                <a16:creationId xmlns:a16="http://schemas.microsoft.com/office/drawing/2014/main" id="{2090A23B-C24A-4E01-79B0-F009C9A3820B}"/>
-              </a:ext>
-            </a:extLst>
-          </p:cNvPr>
-          <p:cNvPicPr>
-            <a:picLocks noChangeAspect="1"/>
-          </p:cNvPicPr>
-          <p:nvPr/>
-        </p:nvPicPr>
-        <p:blipFill>
-          <a:blip r:embed="rId2"/>
-          <a:stretch>
-            <a:fillRect/>
-          </a:stretch>
-        </p:blipFill>
-        <p:spPr>
-          <a:xfrm>
-            <a:off x="518318" y="1711850"/>
-            <a:ext cx="5422902" cy="4293576"/>
-          </a:xfrm>
-          <a:prstGeom prst="rect">
-            <a:avLst/>
-          </a:prstGeom>
-        </p:spPr>
-      </p:pic>
-      <p:pic>
-        <p:nvPicPr>
-          <p:cNvPr id="11" name="Picture 10">
-            <a:extLst>
-              <a:ext uri="{FF2B5EF4-FFF2-40B4-BE49-F238E27FC236}">
-                <a16:creationId xmlns:a16="http://schemas.microsoft.com/office/drawing/2014/main" id="{805CEF22-34D1-BB08-E1B5-DA8D78E2166A}"/>
-              </a:ext>
-            </a:extLst>
-          </p:cNvPr>
-          <p:cNvPicPr>
-            <a:picLocks noChangeAspect="1"/>
-          </p:cNvPicPr>
-          <p:nvPr/>
-        </p:nvPicPr>
-        <p:blipFill>
-          <a:blip r:embed="rId3"/>
-          <a:stretch>
-            <a:fillRect/>
-          </a:stretch>
-        </p:blipFill>
-        <p:spPr>
-          <a:xfrm>
-            <a:off x="6119210" y="1674294"/>
-            <a:ext cx="5422902" cy="4387342"/>
-          </a:xfrm>
-          <a:prstGeom prst="rect">
-            <a:avLst/>
-          </a:prstGeom>
-        </p:spPr>
-      </p:pic>
-    </p:spTree>
-    <p:extLst>
-      <p:ext uri="{BB962C8B-B14F-4D97-AF65-F5344CB8AC3E}">
-        <p14:creationId xmlns:p14="http://schemas.microsoft.com/office/powerpoint/2010/main" val="1522733866"/>
-      </p:ext>
-    </p:extLst>
-  </p:cSld>
-  <p:clrMapOvr>
-    <a:masterClrMapping/>
-  </p:clrMapOvr>
-</p:sld>
-</file>
-
-<file path=ppt/slides/slide15.xml><?xml version="1.0" encoding="utf-8"?>
-<p:sld xmlns:a="http://schemas.openxmlformats.org/drawingml/2006/main" xmlns:r="http://schemas.openxmlformats.org/officeDocument/2006/relationships" xmlns:p="http://schemas.openxmlformats.org/presentationml/2006/main">
-  <p:cSld>
-    <p:spTree>
-      <p:nvGrpSpPr>
-        <p:cNvPr id="1" name=""/>
-        <p:cNvGrpSpPr/>
-        <p:nvPr/>
-      </p:nvGrpSpPr>
-      <p:grpSpPr>
-        <a:xfrm>
-          <a:off x="0" y="0"/>
-          <a:ext cx="0" cy="0"/>
-          <a:chOff x="0" y="0"/>
-          <a:chExt cx="0" cy="0"/>
-        </a:xfrm>
-      </p:grpSpPr>
-      <p:sp>
-        <p:nvSpPr>
-          <p:cNvPr id="2" name="Date Placeholder 1">
-            <a:extLst>
-              <a:ext uri="{FF2B5EF4-FFF2-40B4-BE49-F238E27FC236}">
-                <a16:creationId xmlns:a16="http://schemas.microsoft.com/office/drawing/2014/main" id="{2B8CAAFC-F0E6-F31E-198A-AA24CC49C316}"/>
-              </a:ext>
-            </a:extLst>
-          </p:cNvPr>
-          <p:cNvSpPr>
-            <a:spLocks noGrp="1"/>
-          </p:cNvSpPr>
-          <p:nvPr>
-            <p:ph type="dt" sz="half" idx="10"/>
-          </p:nvPr>
-        </p:nvSpPr>
-        <p:spPr/>
-        <p:txBody>
-          <a:bodyPr/>
-          <a:lstStyle/>
-          <a:p>
-            <a:r>
-              <a:rPr lang="LID4096"/>
-              <a:t>12/01/2023</a:t>
-            </a:r>
-            <a:endParaRPr lang="de-DE" dirty="0"/>
-          </a:p>
-        </p:txBody>
-      </p:sp>
-      <p:sp>
-        <p:nvSpPr>
-          <p:cNvPr id="3" name="Footer Placeholder 2">
-            <a:extLst>
-              <a:ext uri="{FF2B5EF4-FFF2-40B4-BE49-F238E27FC236}">
-                <a16:creationId xmlns:a16="http://schemas.microsoft.com/office/drawing/2014/main" id="{C49146C1-0EFA-7410-35A6-1C2B33E3E160}"/>
-              </a:ext>
-            </a:extLst>
-          </p:cNvPr>
-          <p:cNvSpPr>
-            <a:spLocks noGrp="1"/>
-          </p:cNvSpPr>
-          <p:nvPr>
-            <p:ph type="ftr" sz="quarter" idx="11"/>
-          </p:nvPr>
-        </p:nvSpPr>
-        <p:spPr/>
-        <p:txBody>
-          <a:bodyPr/>
-          <a:lstStyle/>
-          <a:p>
-            <a:r>
-              <a:rPr lang="en-US"/>
-              <a:t>Modeling of nonlinear Systems with LSTMs | Sebastian Hirt</a:t>
-            </a:r>
-            <a:endParaRPr lang="de-DE" dirty="0"/>
-          </a:p>
-        </p:txBody>
-      </p:sp>
-      <p:sp>
-        <p:nvSpPr>
-          <p:cNvPr id="4" name="Slide Number Placeholder 3">
-            <a:extLst>
-              <a:ext uri="{FF2B5EF4-FFF2-40B4-BE49-F238E27FC236}">
-                <a16:creationId xmlns:a16="http://schemas.microsoft.com/office/drawing/2014/main" id="{83EEE9A2-09B3-BA3D-B64B-856A8F226637}"/>
-              </a:ext>
-            </a:extLst>
-          </p:cNvPr>
-          <p:cNvSpPr>
-            <a:spLocks noGrp="1"/>
-          </p:cNvSpPr>
-          <p:nvPr>
-            <p:ph type="sldNum" sz="quarter" idx="12"/>
-          </p:nvPr>
-        </p:nvSpPr>
-        <p:spPr/>
-        <p:txBody>
-          <a:bodyPr/>
-          <a:lstStyle/>
-          <a:p>
-            <a:fld id="{D949F9DF-37BD-4CD6-BF49-65BA579E1D7A}" type="slidenum">
-              <a:rPr lang="de-DE" smtClean="0"/>
-              <a:pPr/>
-              <a:t>15</a:t>
-            </a:fld>
-            <a:endParaRPr lang="de-DE"/>
-          </a:p>
-        </p:txBody>
-      </p:sp>
-      <p:sp>
-        <p:nvSpPr>
-          <p:cNvPr id="5" name="Title 4">
-            <a:extLst>
-              <a:ext uri="{FF2B5EF4-FFF2-40B4-BE49-F238E27FC236}">
-                <a16:creationId xmlns:a16="http://schemas.microsoft.com/office/drawing/2014/main" id="{BBB354EA-F495-6050-38E7-B27B0D727096}"/>
-              </a:ext>
-            </a:extLst>
-          </p:cNvPr>
-          <p:cNvSpPr>
-            <a:spLocks noGrp="1"/>
-          </p:cNvSpPr>
-          <p:nvPr>
-            <p:ph type="title"/>
-          </p:nvPr>
-        </p:nvSpPr>
-        <p:spPr/>
-        <p:txBody>
-          <a:bodyPr/>
-          <a:lstStyle/>
-          <a:p>
-            <a:r>
-              <a:rPr lang="en-US" dirty="0"/>
-              <a:t>Pendulum complex</a:t>
-            </a:r>
-          </a:p>
-        </p:txBody>
-      </p:sp>
-      <p:sp>
-        <p:nvSpPr>
-          <p:cNvPr id="6" name="Text Placeholder 5">
-            <a:extLst>
-              <a:ext uri="{FF2B5EF4-FFF2-40B4-BE49-F238E27FC236}">
-                <a16:creationId xmlns:a16="http://schemas.microsoft.com/office/drawing/2014/main" id="{4761E152-B7EF-00B5-47FF-110705BBE7D4}"/>
-              </a:ext>
-            </a:extLst>
-          </p:cNvPr>
-          <p:cNvSpPr>
-            <a:spLocks noGrp="1"/>
-          </p:cNvSpPr>
-          <p:nvPr>
-            <p:ph type="body" sz="quarter" idx="17"/>
-          </p:nvPr>
-        </p:nvSpPr>
-        <p:spPr/>
-        <p:txBody>
-          <a:bodyPr/>
-          <a:lstStyle/>
-          <a:p>
-            <a:endParaRPr lang="en-US" dirty="0"/>
-          </a:p>
-          <a:p>
-            <a:endParaRPr lang="en-US" sz="1800" dirty="0">
-              <a:effectLst/>
-              <a:latin typeface="Calibri" panose="020F0502020204030204" pitchFamily="34" charset="0"/>
-              <a:ea typeface="Calibri" panose="020F0502020204030204" pitchFamily="34" charset="0"/>
-              <a:cs typeface="Arial" panose="020B0604020202020204" pitchFamily="34" charset="0"/>
-            </a:endParaRPr>
-          </a:p>
-          <a:p>
-            <a:endParaRPr lang="en-US" sz="1800" dirty="0">
-              <a:effectLst/>
-              <a:latin typeface="Calibri" panose="020F0502020204030204" pitchFamily="34" charset="0"/>
-              <a:ea typeface="Calibri" panose="020F0502020204030204" pitchFamily="34" charset="0"/>
-              <a:cs typeface="Arial" panose="020B0604020202020204" pitchFamily="34" charset="0"/>
-            </a:endParaRPr>
-          </a:p>
-          <a:p>
-            <a:endParaRPr lang="en-US" dirty="0"/>
-          </a:p>
-          <a:p>
-            <a:endParaRPr lang="en-US" dirty="0"/>
-          </a:p>
-        </p:txBody>
-      </p:sp>
-      <p:pic>
-        <p:nvPicPr>
-          <p:cNvPr id="9" name="Picture 8">
-            <a:extLst>
-              <a:ext uri="{FF2B5EF4-FFF2-40B4-BE49-F238E27FC236}">
-                <a16:creationId xmlns:a16="http://schemas.microsoft.com/office/drawing/2014/main" id="{F7CE517B-52F1-F7D1-58EA-67647A11BBFB}"/>
-              </a:ext>
-            </a:extLst>
-          </p:cNvPr>
-          <p:cNvPicPr>
-            <a:picLocks noChangeAspect="1"/>
-          </p:cNvPicPr>
-          <p:nvPr/>
-        </p:nvPicPr>
-        <p:blipFill>
-          <a:blip r:embed="rId2"/>
-          <a:stretch>
-            <a:fillRect/>
-          </a:stretch>
-        </p:blipFill>
-        <p:spPr>
-          <a:xfrm>
-            <a:off x="314739" y="1498060"/>
-            <a:ext cx="5810194" cy="4721156"/>
-          </a:xfrm>
-          <a:prstGeom prst="rect">
-            <a:avLst/>
-          </a:prstGeom>
-        </p:spPr>
-      </p:pic>
-      <p:pic>
-        <p:nvPicPr>
-          <p:cNvPr id="11" name="Picture 10">
-            <a:extLst>
-              <a:ext uri="{FF2B5EF4-FFF2-40B4-BE49-F238E27FC236}">
-                <a16:creationId xmlns:a16="http://schemas.microsoft.com/office/drawing/2014/main" id="{BBF1442B-B2F0-A283-579A-D83E89834A38}"/>
-              </a:ext>
-            </a:extLst>
-          </p:cNvPr>
-          <p:cNvPicPr>
-            <a:picLocks noChangeAspect="1"/>
-          </p:cNvPicPr>
-          <p:nvPr/>
-        </p:nvPicPr>
-        <p:blipFill>
-          <a:blip r:embed="rId3"/>
-          <a:stretch>
-            <a:fillRect/>
-          </a:stretch>
-        </p:blipFill>
-        <p:spPr>
-          <a:xfrm>
-            <a:off x="5902354" y="1498060"/>
-            <a:ext cx="5810194" cy="4561817"/>
-          </a:xfrm>
-          <a:prstGeom prst="rect">
-            <a:avLst/>
-          </a:prstGeom>
-        </p:spPr>
-      </p:pic>
-    </p:spTree>
-    <p:extLst>
-      <p:ext uri="{BB962C8B-B14F-4D97-AF65-F5344CB8AC3E}">
-        <p14:creationId xmlns:p14="http://schemas.microsoft.com/office/powerpoint/2010/main" val="2122804780"/>
-      </p:ext>
-    </p:extLst>
-  </p:cSld>
-  <p:clrMapOvr>
-    <a:masterClrMapping/>
-  </p:clrMapOvr>
-</p:sld>
-</file>
-
-<file path=ppt/slides/slide16.xml><?xml version="1.0" encoding="utf-8"?>
-<p:sld xmlns:a="http://schemas.openxmlformats.org/drawingml/2006/main" xmlns:r="http://schemas.openxmlformats.org/officeDocument/2006/relationships" xmlns:p="http://schemas.openxmlformats.org/presentationml/2006/main">
-  <p:cSld>
-    <p:spTree>
-      <p:nvGrpSpPr>
-        <p:cNvPr id="1" name=""/>
-        <p:cNvGrpSpPr/>
-        <p:nvPr/>
-      </p:nvGrpSpPr>
-      <p:grpSpPr>
-        <a:xfrm>
-          <a:off x="0" y="0"/>
-          <a:ext cx="0" cy="0"/>
-          <a:chOff x="0" y="0"/>
-          <a:chExt cx="0" cy="0"/>
-        </a:xfrm>
-      </p:grpSpPr>
-      <p:sp>
-        <p:nvSpPr>
-          <p:cNvPr id="2" name="Date Placeholder 1">
-            <a:extLst>
-              <a:ext uri="{FF2B5EF4-FFF2-40B4-BE49-F238E27FC236}">
-                <a16:creationId xmlns:a16="http://schemas.microsoft.com/office/drawing/2014/main" id="{2B8CAAFC-F0E6-F31E-198A-AA24CC49C316}"/>
-              </a:ext>
-            </a:extLst>
-          </p:cNvPr>
-          <p:cNvSpPr>
-            <a:spLocks noGrp="1"/>
-          </p:cNvSpPr>
-          <p:nvPr>
-            <p:ph type="dt" sz="half" idx="10"/>
-          </p:nvPr>
-        </p:nvSpPr>
-        <p:spPr/>
-        <p:txBody>
-          <a:bodyPr/>
-          <a:lstStyle/>
-          <a:p>
-            <a:r>
-              <a:rPr lang="LID4096"/>
-              <a:t>12/01/2023</a:t>
-            </a:r>
-            <a:endParaRPr lang="de-DE" dirty="0"/>
-          </a:p>
-        </p:txBody>
-      </p:sp>
-      <p:sp>
-        <p:nvSpPr>
-          <p:cNvPr id="3" name="Footer Placeholder 2">
-            <a:extLst>
-              <a:ext uri="{FF2B5EF4-FFF2-40B4-BE49-F238E27FC236}">
-                <a16:creationId xmlns:a16="http://schemas.microsoft.com/office/drawing/2014/main" id="{C49146C1-0EFA-7410-35A6-1C2B33E3E160}"/>
-              </a:ext>
-            </a:extLst>
-          </p:cNvPr>
-          <p:cNvSpPr>
-            <a:spLocks noGrp="1"/>
-          </p:cNvSpPr>
-          <p:nvPr>
-            <p:ph type="ftr" sz="quarter" idx="11"/>
-          </p:nvPr>
-        </p:nvSpPr>
-        <p:spPr/>
-        <p:txBody>
-          <a:bodyPr/>
-          <a:lstStyle/>
-          <a:p>
-            <a:r>
-              <a:rPr lang="en-US"/>
-              <a:t>Modeling of nonlinear Systems with LSTMs | Sebastian Hirt</a:t>
-            </a:r>
-            <a:endParaRPr lang="de-DE" dirty="0"/>
-          </a:p>
-        </p:txBody>
-      </p:sp>
-      <p:sp>
-        <p:nvSpPr>
-          <p:cNvPr id="4" name="Slide Number Placeholder 3">
-            <a:extLst>
-              <a:ext uri="{FF2B5EF4-FFF2-40B4-BE49-F238E27FC236}">
-                <a16:creationId xmlns:a16="http://schemas.microsoft.com/office/drawing/2014/main" id="{83EEE9A2-09B3-BA3D-B64B-856A8F226637}"/>
-              </a:ext>
-            </a:extLst>
-          </p:cNvPr>
-          <p:cNvSpPr>
-            <a:spLocks noGrp="1"/>
-          </p:cNvSpPr>
-          <p:nvPr>
-            <p:ph type="sldNum" sz="quarter" idx="12"/>
-          </p:nvPr>
-        </p:nvSpPr>
-        <p:spPr/>
-        <p:txBody>
-          <a:bodyPr/>
-          <a:lstStyle/>
-          <a:p>
-            <a:fld id="{D949F9DF-37BD-4CD6-BF49-65BA579E1D7A}" type="slidenum">
-              <a:rPr lang="de-DE" smtClean="0"/>
-              <a:pPr/>
-              <a:t>16</a:t>
             </a:fld>
             <a:endParaRPr lang="de-DE"/>
           </a:p>
@@ -11089,7 +10190,7 @@
 </p:sld>
 </file>
 
-<file path=ppt/slides/slide17.xml><?xml version="1.0" encoding="utf-8"?>
+<file path=ppt/slides/slide13.xml><?xml version="1.0" encoding="utf-8"?>
 <p:sld xmlns:a="http://schemas.openxmlformats.org/drawingml/2006/main" xmlns:r="http://schemas.openxmlformats.org/officeDocument/2006/relationships" xmlns:p="http://schemas.openxmlformats.org/presentationml/2006/main">
   <p:cSld>
     <p:spTree>
@@ -11226,7 +10327,7 @@
             <a:fld id="{D949F9DF-37BD-4CD6-BF49-65BA579E1D7A}" type="slidenum">
               <a:rPr lang="de-DE" smtClean="0"/>
               <a:pPr/>
-              <a:t>17</a:t>
+              <a:t>13</a:t>
             </a:fld>
             <a:endParaRPr lang="de-DE"/>
           </a:p>
@@ -11245,7 +10346,7 @@
 </p:sld>
 </file>
 
-<file path=ppt/slides/slide18.xml><?xml version="1.0" encoding="utf-8"?>
+<file path=ppt/slides/slide14.xml><?xml version="1.0" encoding="utf-8"?>
 <p:sld xmlns:a="http://schemas.openxmlformats.org/drawingml/2006/main" xmlns:r="http://schemas.openxmlformats.org/officeDocument/2006/relationships" xmlns:p="http://schemas.openxmlformats.org/presentationml/2006/main">
   <p:cSld>
     <p:spTree>
@@ -11344,7 +10445,7 @@
             <a:fld id="{D949F9DF-37BD-4CD6-BF49-65BA579E1D7A}" type="slidenum">
               <a:rPr lang="de-DE" smtClean="0"/>
               <a:pPr/>
-              <a:t>18</a:t>
+              <a:t>14</a:t>
             </a:fld>
             <a:endParaRPr lang="de-DE"/>
           </a:p>
@@ -11735,6 +10836,53 @@
           </a:p>
         </p:txBody>
       </p:sp>
+      <p:pic>
+        <p:nvPicPr>
+          <p:cNvPr id="1026" name="Picture 2" descr="Overfitting and Underfitting | Kaggle">
+            <a:extLst>
+              <a:ext uri="{FF2B5EF4-FFF2-40B4-BE49-F238E27FC236}">
+                <a16:creationId xmlns:a16="http://schemas.microsoft.com/office/drawing/2014/main" id="{BAF6BB4A-61AD-23DC-49DA-930DAFB65102}"/>
+              </a:ext>
+            </a:extLst>
+          </p:cNvPr>
+          <p:cNvPicPr>
+            <a:picLocks noChangeAspect="1" noChangeArrowheads="1"/>
+          </p:cNvPicPr>
+          <p:nvPr/>
+        </p:nvPicPr>
+        <p:blipFill>
+          <a:blip r:embed="rId2">
+            <a:extLst>
+              <a:ext uri="{28A0092B-C50C-407E-A947-70E740481C1C}">
+                <a14:useLocalDpi xmlns:a14="http://schemas.microsoft.com/office/drawing/2010/main" val="0"/>
+              </a:ext>
+            </a:extLst>
+          </a:blip>
+          <a:srcRect/>
+          <a:stretch>
+            <a:fillRect/>
+          </a:stretch>
+        </p:blipFill>
+        <p:spPr bwMode="auto">
+          <a:xfrm>
+            <a:off x="6480313" y="1650460"/>
+            <a:ext cx="5486400" cy="4114800"/>
+          </a:xfrm>
+          <a:prstGeom prst="rect">
+            <a:avLst/>
+          </a:prstGeom>
+          <a:noFill/>
+          <a:extLst>
+            <a:ext uri="{909E8E84-426E-40DD-AFC4-6F175D3DCCD1}">
+              <a14:hiddenFill xmlns:a14="http://schemas.microsoft.com/office/drawing/2010/main">
+                <a:solidFill>
+                  <a:srgbClr val="FFFFFF"/>
+                </a:solidFill>
+              </a14:hiddenFill>
+            </a:ext>
+          </a:extLst>
+        </p:spPr>
+      </p:pic>
     </p:spTree>
     <p:extLst>
       <p:ext uri="{BB962C8B-B14F-4D97-AF65-F5344CB8AC3E}">
@@ -11748,7 +10896,7 @@
 </p:sld>
 </file>
 
-<file path=ppt/slides/slide19.xml><?xml version="1.0" encoding="utf-8"?>
+<file path=ppt/slides/slide15.xml><?xml version="1.0" encoding="utf-8"?>
 <p:sld xmlns:a="http://schemas.openxmlformats.org/drawingml/2006/main" xmlns:r="http://schemas.openxmlformats.org/officeDocument/2006/relationships" xmlns:p="http://schemas.openxmlformats.org/presentationml/2006/main">
   <p:cSld>
     <p:spTree>
@@ -11847,7 +10995,7 @@
             <a:fld id="{D949F9DF-37BD-4CD6-BF49-65BA579E1D7A}" type="slidenum">
               <a:rPr lang="de-DE" smtClean="0"/>
               <a:pPr/>
-              <a:t>19</a:t>
+              <a:t>15</a:t>
             </a:fld>
             <a:endParaRPr lang="de-DE"/>
           </a:p>
@@ -11875,8 +11023,20 @@
           <a:lstStyle/>
           <a:p>
             <a:r>
+              <a:rPr lang="de-DE" dirty="0"/>
+              <a:t>Hyperparameter </a:t>
+            </a:r>
+            <a:r>
+              <a:rPr lang="de-DE" dirty="0" err="1"/>
+              <a:t>search</a:t>
+            </a:r>
+            <a:r>
+              <a:rPr lang="de-DE" dirty="0"/>
+              <a:t> - </a:t>
+            </a:r>
+            <a:r>
               <a:rPr lang="en-US" dirty="0"/>
-              <a:t>Drag simple</a:t>
+              <a:t>Learning rate</a:t>
             </a:r>
           </a:p>
         </p:txBody>
@@ -12130,6 +11290,15 @@
             </a:lvl9pPr>
           </a:lstStyle>
           <a:p>
+            <a:r>
+              <a:rPr lang="en-US" dirty="0"/>
+              <a:t>Better performance with higher learning rate</a:t>
+            </a:r>
+          </a:p>
+          <a:p>
+            <a:endParaRPr lang="en-US" dirty="0"/>
+          </a:p>
+          <a:p>
             <a:pPr marL="609600" lvl="1" indent="-342900">
               <a:buFont typeface="+mj-lt"/>
               <a:buAutoNum type="arabicPeriod"/>
@@ -12179,10 +11348,10 @@
       </p:sp>
       <p:pic>
         <p:nvPicPr>
-          <p:cNvPr id="8" name="Picture 7">
+          <p:cNvPr id="8" name="Picture 7" descr="Chart, histogram&#10;&#10;Description automatically generated">
             <a:extLst>
               <a:ext uri="{FF2B5EF4-FFF2-40B4-BE49-F238E27FC236}">
-                <a16:creationId xmlns:a16="http://schemas.microsoft.com/office/drawing/2014/main" id="{AFFFFC17-F38E-5710-2B86-4D30F80E73CC}"/>
+                <a16:creationId xmlns:a16="http://schemas.microsoft.com/office/drawing/2014/main" id="{1C5E293F-3BE7-B343-EC52-21E6E7FE1118}"/>
               </a:ext>
             </a:extLst>
           </p:cNvPr>
@@ -12192,15 +11361,21 @@
           <p:nvPr/>
         </p:nvPicPr>
         <p:blipFill>
-          <a:blip r:embed="rId2"/>
+          <a:blip r:embed="rId2">
+            <a:extLst>
+              <a:ext uri="{28A0092B-C50C-407E-A947-70E740481C1C}">
+                <a14:useLocalDpi xmlns:a14="http://schemas.microsoft.com/office/drawing/2010/main" val="0"/>
+              </a:ext>
+            </a:extLst>
+          </a:blip>
           <a:stretch>
             <a:fillRect/>
           </a:stretch>
         </p:blipFill>
         <p:spPr>
           <a:xfrm>
-            <a:off x="3163431" y="1352494"/>
-            <a:ext cx="5818307" cy="5019122"/>
+            <a:off x="5722100" y="1816473"/>
+            <a:ext cx="5852172" cy="4389129"/>
           </a:xfrm>
           <a:prstGeom prst="rect">
             <a:avLst/>
@@ -12210,7 +11385,7 @@
     </p:spTree>
     <p:extLst>
       <p:ext uri="{BB962C8B-B14F-4D97-AF65-F5344CB8AC3E}">
-        <p14:creationId xmlns:p14="http://schemas.microsoft.com/office/powerpoint/2010/main" val="4271453590"/>
+        <p14:creationId xmlns:p14="http://schemas.microsoft.com/office/powerpoint/2010/main" val="647138670"/>
       </p:ext>
     </p:extLst>
   </p:cSld>
@@ -12220,187 +11395,7 @@
 </p:sld>
 </file>
 
-<file path=ppt/slides/slide2.xml><?xml version="1.0" encoding="utf-8"?>
-<p:sld xmlns:a="http://schemas.openxmlformats.org/drawingml/2006/main" xmlns:r="http://schemas.openxmlformats.org/officeDocument/2006/relationships" xmlns:p="http://schemas.openxmlformats.org/presentationml/2006/main">
-  <p:cSld>
-    <p:spTree>
-      <p:nvGrpSpPr>
-        <p:cNvPr id="1" name=""/>
-        <p:cNvGrpSpPr/>
-        <p:nvPr/>
-      </p:nvGrpSpPr>
-      <p:grpSpPr>
-        <a:xfrm>
-          <a:off x="0" y="0"/>
-          <a:ext cx="0" cy="0"/>
-          <a:chOff x="0" y="0"/>
-          <a:chExt cx="0" cy="0"/>
-        </a:xfrm>
-      </p:grpSpPr>
-      <p:sp>
-        <p:nvSpPr>
-          <p:cNvPr id="2" name="Datumsplatzhalter 1">
-            <a:extLst>
-              <a:ext uri="{FF2B5EF4-FFF2-40B4-BE49-F238E27FC236}">
-                <a16:creationId xmlns:a16="http://schemas.microsoft.com/office/drawing/2014/main" id="{DA70317D-0F23-D5C4-2C97-6D7F0871509F}"/>
-              </a:ext>
-            </a:extLst>
-          </p:cNvPr>
-          <p:cNvSpPr>
-            <a:spLocks noGrp="1"/>
-          </p:cNvSpPr>
-          <p:nvPr>
-            <p:ph type="dt" sz="half" idx="10"/>
-          </p:nvPr>
-        </p:nvSpPr>
-        <p:spPr/>
-        <p:txBody>
-          <a:bodyPr/>
-          <a:lstStyle/>
-          <a:p>
-            <a:r>
-              <a:rPr lang="LID4096"/>
-              <a:t>12/01/2023</a:t>
-            </a:r>
-            <a:endParaRPr lang="de-DE" dirty="0"/>
-          </a:p>
-        </p:txBody>
-      </p:sp>
-      <p:sp>
-        <p:nvSpPr>
-          <p:cNvPr id="3" name="Fußzeilenplatzhalter 2">
-            <a:extLst>
-              <a:ext uri="{FF2B5EF4-FFF2-40B4-BE49-F238E27FC236}">
-                <a16:creationId xmlns:a16="http://schemas.microsoft.com/office/drawing/2014/main" id="{EE356D28-0B4C-CEA9-A5BB-70C6A8CB8F60}"/>
-              </a:ext>
-            </a:extLst>
-          </p:cNvPr>
-          <p:cNvSpPr>
-            <a:spLocks noGrp="1"/>
-          </p:cNvSpPr>
-          <p:nvPr>
-            <p:ph type="ftr" sz="quarter" idx="11"/>
-          </p:nvPr>
-        </p:nvSpPr>
-        <p:spPr/>
-        <p:txBody>
-          <a:bodyPr/>
-          <a:lstStyle/>
-          <a:p>
-            <a:r>
-              <a:rPr lang="en-US"/>
-              <a:t>Modeling of nonlinear Systems with LSTMs | Sebastian Hirt</a:t>
-            </a:r>
-            <a:endParaRPr lang="de-DE" dirty="0"/>
-          </a:p>
-        </p:txBody>
-      </p:sp>
-      <p:sp>
-        <p:nvSpPr>
-          <p:cNvPr id="4" name="Foliennummernplatzhalter 3">
-            <a:extLst>
-              <a:ext uri="{FF2B5EF4-FFF2-40B4-BE49-F238E27FC236}">
-                <a16:creationId xmlns:a16="http://schemas.microsoft.com/office/drawing/2014/main" id="{5D2B4545-7DC3-302B-B5BA-B1AFF8A67971}"/>
-              </a:ext>
-            </a:extLst>
-          </p:cNvPr>
-          <p:cNvSpPr>
-            <a:spLocks noGrp="1"/>
-          </p:cNvSpPr>
-          <p:nvPr>
-            <p:ph type="sldNum" sz="quarter" idx="12"/>
-          </p:nvPr>
-        </p:nvSpPr>
-        <p:spPr/>
-        <p:txBody>
-          <a:bodyPr/>
-          <a:lstStyle/>
-          <a:p>
-            <a:fld id="{D949F9DF-37BD-4CD6-BF49-65BA579E1D7A}" type="slidenum">
-              <a:rPr lang="de-DE" smtClean="0"/>
-              <a:pPr/>
-              <a:t>2</a:t>
-            </a:fld>
-            <a:endParaRPr lang="de-DE"/>
-          </a:p>
-        </p:txBody>
-      </p:sp>
-      <p:sp>
-        <p:nvSpPr>
-          <p:cNvPr id="5" name="Titel 4">
-            <a:extLst>
-              <a:ext uri="{FF2B5EF4-FFF2-40B4-BE49-F238E27FC236}">
-                <a16:creationId xmlns:a16="http://schemas.microsoft.com/office/drawing/2014/main" id="{38CF73E8-E1FA-9775-4421-83829CA8646F}"/>
-              </a:ext>
-            </a:extLst>
-          </p:cNvPr>
-          <p:cNvSpPr>
-            <a:spLocks noGrp="1"/>
-          </p:cNvSpPr>
-          <p:nvPr>
-            <p:ph type="title"/>
-          </p:nvPr>
-        </p:nvSpPr>
-        <p:spPr/>
-        <p:txBody>
-          <a:bodyPr/>
-          <a:lstStyle/>
-          <a:p>
-            <a:r>
-              <a:rPr lang="en-US" dirty="0"/>
-              <a:t>Motivation</a:t>
-            </a:r>
-          </a:p>
-        </p:txBody>
-      </p:sp>
-      <p:sp>
-        <p:nvSpPr>
-          <p:cNvPr id="6" name="Textplatzhalter 5">
-            <a:extLst>
-              <a:ext uri="{FF2B5EF4-FFF2-40B4-BE49-F238E27FC236}">
-                <a16:creationId xmlns:a16="http://schemas.microsoft.com/office/drawing/2014/main" id="{A30F372C-3EE1-F0C8-AD13-5E374845FE57}"/>
-              </a:ext>
-            </a:extLst>
-          </p:cNvPr>
-          <p:cNvSpPr>
-            <a:spLocks noGrp="1"/>
-          </p:cNvSpPr>
-          <p:nvPr>
-            <p:ph type="body" sz="quarter" idx="17"/>
-          </p:nvPr>
-        </p:nvSpPr>
-        <p:spPr/>
-        <p:txBody>
-          <a:bodyPr/>
-          <a:lstStyle/>
-          <a:p>
-            <a:r>
-              <a:rPr lang="en-US" dirty="0"/>
-              <a:t>Just plot of timeseries</a:t>
-            </a:r>
-          </a:p>
-          <a:p>
-            <a:r>
-              <a:rPr lang="en-US" dirty="0"/>
-              <a:t>Image of systems, gears, pendulum?</a:t>
-            </a:r>
-          </a:p>
-        </p:txBody>
-      </p:sp>
-    </p:spTree>
-    <p:extLst>
-      <p:ext uri="{BB962C8B-B14F-4D97-AF65-F5344CB8AC3E}">
-        <p14:creationId xmlns:p14="http://schemas.microsoft.com/office/powerpoint/2010/main" val="1557798522"/>
-      </p:ext>
-    </p:extLst>
-  </p:cSld>
-  <p:clrMapOvr>
-    <a:masterClrMapping/>
-  </p:clrMapOvr>
-</p:sld>
-</file>
-
-<file path=ppt/slides/slide20.xml><?xml version="1.0" encoding="utf-8"?>
+<file path=ppt/slides/slide16.xml><?xml version="1.0" encoding="utf-8"?>
 <p:sld xmlns:a="http://schemas.openxmlformats.org/drawingml/2006/main" xmlns:r="http://schemas.openxmlformats.org/officeDocument/2006/relationships" xmlns:p="http://schemas.openxmlformats.org/presentationml/2006/main">
   <p:cSld>
     <p:spTree>
@@ -12499,7 +11494,7 @@
             <a:fld id="{D949F9DF-37BD-4CD6-BF49-65BA579E1D7A}" type="slidenum">
               <a:rPr lang="de-DE" smtClean="0"/>
               <a:pPr/>
-              <a:t>20</a:t>
+              <a:t>16</a:t>
             </a:fld>
             <a:endParaRPr lang="de-DE"/>
           </a:p>
@@ -12527,8 +11522,20 @@
           <a:lstStyle/>
           <a:p>
             <a:r>
+              <a:rPr lang="de-DE" dirty="0"/>
+              <a:t>Hyperparameter </a:t>
+            </a:r>
+            <a:r>
+              <a:rPr lang="de-DE" dirty="0" err="1"/>
+              <a:t>search</a:t>
+            </a:r>
+            <a:r>
+              <a:rPr lang="de-DE" dirty="0"/>
+              <a:t> - </a:t>
+            </a:r>
+            <a:r>
               <a:rPr lang="en-US" dirty="0"/>
-              <a:t>Drag complex</a:t>
+              <a:t>Layers</a:t>
             </a:r>
           </a:p>
         </p:txBody>
@@ -12782,6 +11789,21 @@
             </a:lvl9pPr>
           </a:lstStyle>
           <a:p>
+            <a:r>
+              <a:rPr lang="en-US" dirty="0"/>
+              <a:t>Better performance with less layers</a:t>
+            </a:r>
+          </a:p>
+          <a:p>
+            <a:r>
+              <a:rPr lang="en-US" dirty="0"/>
+              <a:t>No clear winner</a:t>
+            </a:r>
+          </a:p>
+          <a:p>
+            <a:endParaRPr lang="en-US" dirty="0"/>
+          </a:p>
+          <a:p>
             <a:pPr marL="609600" lvl="1" indent="-342900">
               <a:buFont typeface="+mj-lt"/>
               <a:buAutoNum type="arabicPeriod"/>
@@ -12831,10 +11853,10 @@
       </p:sp>
       <p:pic>
         <p:nvPicPr>
-          <p:cNvPr id="9" name="Picture 8">
+          <p:cNvPr id="9" name="Picture 8" descr="Chart, histogram&#10;&#10;Description automatically generated">
             <a:extLst>
               <a:ext uri="{FF2B5EF4-FFF2-40B4-BE49-F238E27FC236}">
-                <a16:creationId xmlns:a16="http://schemas.microsoft.com/office/drawing/2014/main" id="{4C6FDD69-CE64-32D5-8EF7-4FB0937A21D1}"/>
+                <a16:creationId xmlns:a16="http://schemas.microsoft.com/office/drawing/2014/main" id="{7165F98C-AE11-C165-0686-A265471A5C1E}"/>
               </a:ext>
             </a:extLst>
           </p:cNvPr>
@@ -12844,15 +11866,21 @@
           <p:nvPr/>
         </p:nvPicPr>
         <p:blipFill>
-          <a:blip r:embed="rId2"/>
+          <a:blip r:embed="rId2">
+            <a:extLst>
+              <a:ext uri="{28A0092B-C50C-407E-A947-70E740481C1C}">
+                <a14:useLocalDpi xmlns:a14="http://schemas.microsoft.com/office/drawing/2010/main" val="0"/>
+              </a:ext>
+            </a:extLst>
+          </a:blip>
           <a:stretch>
             <a:fillRect/>
           </a:stretch>
         </p:blipFill>
         <p:spPr>
           <a:xfrm>
-            <a:off x="3299291" y="1502666"/>
-            <a:ext cx="5593418" cy="4868950"/>
+            <a:off x="5823891" y="1816473"/>
+            <a:ext cx="5852172" cy="4389129"/>
           </a:xfrm>
           <a:prstGeom prst="rect">
             <a:avLst/>
@@ -12862,7 +11890,7 @@
     </p:spTree>
     <p:extLst>
       <p:ext uri="{BB962C8B-B14F-4D97-AF65-F5344CB8AC3E}">
-        <p14:creationId xmlns:p14="http://schemas.microsoft.com/office/powerpoint/2010/main" val="633009712"/>
+        <p14:creationId xmlns:p14="http://schemas.microsoft.com/office/powerpoint/2010/main" val="1282901095"/>
       </p:ext>
     </p:extLst>
   </p:cSld>
@@ -12872,7 +11900,7 @@
 </p:sld>
 </file>
 
-<file path=ppt/slides/slide21.xml><?xml version="1.0" encoding="utf-8"?>
+<file path=ppt/slides/slide17.xml><?xml version="1.0" encoding="utf-8"?>
 <p:sld xmlns:a="http://schemas.openxmlformats.org/drawingml/2006/main" xmlns:r="http://schemas.openxmlformats.org/officeDocument/2006/relationships" xmlns:p="http://schemas.openxmlformats.org/presentationml/2006/main">
   <p:cSld>
     <p:spTree>
@@ -12971,7 +11999,7 @@
             <a:fld id="{D949F9DF-37BD-4CD6-BF49-65BA579E1D7A}" type="slidenum">
               <a:rPr lang="de-DE" smtClean="0"/>
               <a:pPr/>
-              <a:t>21</a:t>
+              <a:t>17</a:t>
             </a:fld>
             <a:endParaRPr lang="de-DE"/>
           </a:p>
@@ -12999,8 +12027,20 @@
           <a:lstStyle/>
           <a:p>
             <a:r>
+              <a:rPr lang="de-DE" dirty="0"/>
+              <a:t>Hyperparameter </a:t>
+            </a:r>
+            <a:r>
+              <a:rPr lang="de-DE" dirty="0" err="1"/>
+              <a:t>search</a:t>
+            </a:r>
+            <a:r>
+              <a:rPr lang="de-DE" dirty="0"/>
+              <a:t> - </a:t>
+            </a:r>
+            <a:r>
               <a:rPr lang="en-US" dirty="0"/>
-              <a:t>Pendulum simple</a:t>
+              <a:t>Nodes</a:t>
             </a:r>
           </a:p>
         </p:txBody>
@@ -13254,6 +12294,21 @@
             </a:lvl9pPr>
           </a:lstStyle>
           <a:p>
+            <a:r>
+              <a:rPr lang="en-US" dirty="0"/>
+              <a:t>Better performance with less nodes</a:t>
+            </a:r>
+          </a:p>
+          <a:p>
+            <a:r>
+              <a:rPr lang="en-US" dirty="0"/>
+              <a:t>Smaller models train more stable</a:t>
+            </a:r>
+          </a:p>
+          <a:p>
+            <a:endParaRPr lang="en-US" dirty="0"/>
+          </a:p>
+          <a:p>
             <a:pPr marL="609600" lvl="1" indent="-342900">
               <a:buFont typeface="+mj-lt"/>
               <a:buAutoNum type="arabicPeriod"/>
@@ -13303,10 +12358,10 @@
       </p:sp>
       <p:pic>
         <p:nvPicPr>
-          <p:cNvPr id="8" name="Picture 7">
+          <p:cNvPr id="8" name="Picture 7" descr="Chart, line chart, histogram&#10;&#10;Description automatically generated">
             <a:extLst>
               <a:ext uri="{FF2B5EF4-FFF2-40B4-BE49-F238E27FC236}">
-                <a16:creationId xmlns:a16="http://schemas.microsoft.com/office/drawing/2014/main" id="{B5330796-D83E-989F-3FE0-5674D09A63A8}"/>
+                <a16:creationId xmlns:a16="http://schemas.microsoft.com/office/drawing/2014/main" id="{780EC9F8-9FBA-8F15-32CB-E1F44DF9030A}"/>
               </a:ext>
             </a:extLst>
           </p:cNvPr>
@@ -13316,15 +12371,21 @@
           <p:nvPr/>
         </p:nvPicPr>
         <p:blipFill>
-          <a:blip r:embed="rId2"/>
+          <a:blip r:embed="rId2">
+            <a:extLst>
+              <a:ext uri="{28A0092B-C50C-407E-A947-70E740481C1C}">
+                <a14:useLocalDpi xmlns:a14="http://schemas.microsoft.com/office/drawing/2010/main" val="0"/>
+              </a:ext>
+            </a:extLst>
+          </a:blip>
           <a:stretch>
             <a:fillRect/>
           </a:stretch>
         </p:blipFill>
         <p:spPr>
           <a:xfrm>
-            <a:off x="3236319" y="1427095"/>
-            <a:ext cx="5719361" cy="4944521"/>
+            <a:off x="5620309" y="1816473"/>
+            <a:ext cx="5852172" cy="4389129"/>
           </a:xfrm>
           <a:prstGeom prst="rect">
             <a:avLst/>
@@ -13334,7 +12395,7 @@
     </p:spTree>
     <p:extLst>
       <p:ext uri="{BB962C8B-B14F-4D97-AF65-F5344CB8AC3E}">
-        <p14:creationId xmlns:p14="http://schemas.microsoft.com/office/powerpoint/2010/main" val="3048018040"/>
+        <p14:creationId xmlns:p14="http://schemas.microsoft.com/office/powerpoint/2010/main" val="1700215419"/>
       </p:ext>
     </p:extLst>
   </p:cSld>
@@ -13344,7 +12405,7 @@
 </p:sld>
 </file>
 
-<file path=ppt/slides/slide22.xml><?xml version="1.0" encoding="utf-8"?>
+<file path=ppt/slides/slide18.xml><?xml version="1.0" encoding="utf-8"?>
 <p:sld xmlns:a="http://schemas.openxmlformats.org/drawingml/2006/main" xmlns:r="http://schemas.openxmlformats.org/officeDocument/2006/relationships" xmlns:p="http://schemas.openxmlformats.org/presentationml/2006/main">
   <p:cSld>
     <p:spTree>
@@ -13443,7 +12504,7 @@
             <a:fld id="{D949F9DF-37BD-4CD6-BF49-65BA579E1D7A}" type="slidenum">
               <a:rPr lang="de-DE" smtClean="0"/>
               <a:pPr/>
-              <a:t>22</a:t>
+              <a:t>18</a:t>
             </a:fld>
             <a:endParaRPr lang="de-DE"/>
           </a:p>
@@ -13472,7 +12533,7 @@
           <a:p>
             <a:r>
               <a:rPr lang="en-US" dirty="0"/>
-              <a:t>Pendulum complex</a:t>
+              <a:t>Early Stopping</a:t>
             </a:r>
           </a:p>
         </p:txBody>
@@ -13726,6 +12787,27 @@
             </a:lvl9pPr>
           </a:lstStyle>
           <a:p>
+            <a:endParaRPr lang="en-US" dirty="0"/>
+          </a:p>
+          <a:p>
+            <a:r>
+              <a:rPr lang="en-US" dirty="0"/>
+              <a:t>Early stopping to save best model</a:t>
+            </a:r>
+          </a:p>
+          <a:p>
+            <a:endParaRPr lang="en-US" dirty="0"/>
+          </a:p>
+          <a:p>
+            <a:endParaRPr lang="en-US" dirty="0"/>
+          </a:p>
+          <a:p>
+            <a:pPr marL="0" indent="0">
+              <a:buNone/>
+            </a:pPr>
+            <a:endParaRPr lang="en-US" dirty="0"/>
+          </a:p>
+          <a:p>
             <a:pPr marL="609600" lvl="1" indent="-342900">
               <a:buFont typeface="+mj-lt"/>
               <a:buAutoNum type="arabicPeriod"/>
@@ -13775,10 +12857,10 @@
       </p:sp>
       <p:pic>
         <p:nvPicPr>
-          <p:cNvPr id="8" name="Picture 7">
+          <p:cNvPr id="9" name="Picture 8" descr="Chart&#10;&#10;Description automatically generated">
             <a:extLst>
               <a:ext uri="{FF2B5EF4-FFF2-40B4-BE49-F238E27FC236}">
-                <a16:creationId xmlns:a16="http://schemas.microsoft.com/office/drawing/2014/main" id="{6FEAE87D-85A0-CE66-D959-B674AFA9EA3B}"/>
+                <a16:creationId xmlns:a16="http://schemas.microsoft.com/office/drawing/2014/main" id="{07B05BB4-E4F3-55D0-E222-C3B2A8630807}"/>
               </a:ext>
             </a:extLst>
           </p:cNvPr>
@@ -13788,25 +12870,111 @@
           <p:nvPr/>
         </p:nvPicPr>
         <p:blipFill>
-          <a:blip r:embed="rId2"/>
+          <a:blip r:embed="rId2">
+            <a:extLst>
+              <a:ext uri="{28A0092B-C50C-407E-A947-70E740481C1C}">
+                <a14:useLocalDpi xmlns:a14="http://schemas.microsoft.com/office/drawing/2010/main" val="0"/>
+              </a:ext>
+            </a:extLst>
+          </a:blip>
           <a:stretch>
             <a:fillRect/>
           </a:stretch>
         </p:blipFill>
         <p:spPr>
           <a:xfrm>
-            <a:off x="3195254" y="1273129"/>
-            <a:ext cx="5801491" cy="5098487"/>
+            <a:off x="5881365" y="1650460"/>
+            <a:ext cx="5852172" cy="4389129"/>
           </a:xfrm>
           <a:prstGeom prst="rect">
             <a:avLst/>
           </a:prstGeom>
         </p:spPr>
       </p:pic>
+      <p:sp>
+        <p:nvSpPr>
+          <p:cNvPr id="14" name="Arrow: Down 13">
+            <a:extLst>
+              <a:ext uri="{FF2B5EF4-FFF2-40B4-BE49-F238E27FC236}">
+                <a16:creationId xmlns:a16="http://schemas.microsoft.com/office/drawing/2014/main" id="{D9466AD9-E837-A1A5-2336-E264D3450F21}"/>
+              </a:ext>
+            </a:extLst>
+          </p:cNvPr>
+          <p:cNvSpPr/>
+          <p:nvPr/>
+        </p:nvSpPr>
+        <p:spPr>
+          <a:xfrm rot="10800000">
+            <a:off x="9699812" y="5181601"/>
+            <a:ext cx="277906" cy="510988"/>
+          </a:xfrm>
+          <a:prstGeom prst="downArrow">
+            <a:avLst/>
+          </a:prstGeom>
+          <a:solidFill>
+            <a:srgbClr val="FF0000"/>
+          </a:solidFill>
+          <a:ln>
+            <a:noFill/>
+          </a:ln>
+        </p:spPr>
+        <p:style>
+          <a:lnRef idx="2">
+            <a:schemeClr val="accent1">
+              <a:shade val="50000"/>
+            </a:schemeClr>
+          </a:lnRef>
+          <a:fillRef idx="1">
+            <a:schemeClr val="accent1"/>
+          </a:fillRef>
+          <a:effectRef idx="0">
+            <a:schemeClr val="accent1"/>
+          </a:effectRef>
+          <a:fontRef idx="minor">
+            <a:schemeClr val="lt1"/>
+          </a:fontRef>
+        </p:style>
+        <p:txBody>
+          <a:bodyPr lIns="180000" tIns="180000" rIns="180000" bIns="180000" rtlCol="0" anchor="ctr"/>
+          <a:lstStyle/>
+          <a:p>
+            <a:pPr marL="0" marR="0" indent="0" algn="ctr" defTabSz="914400" rtl="0" eaLnBrk="1" fontAlgn="auto" latinLnBrk="0" hangingPunct="1">
+              <a:lnSpc>
+                <a:spcPct val="110000"/>
+              </a:lnSpc>
+              <a:spcBef>
+                <a:spcPts val="0"/>
+              </a:spcBef>
+              <a:spcAft>
+                <a:spcPts val="1200"/>
+              </a:spcAft>
+              <a:buClrTx/>
+              <a:buSzTx/>
+              <a:buFont typeface="Arial" panose="020B0604020202020204" pitchFamily="34" charset="0"/>
+              <a:buNone/>
+              <a:tabLst/>
+            </a:pPr>
+            <a:endParaRPr kumimoji="0" lang="en-US" sz="1600" b="0" i="0" u="none" strike="noStrike" kern="1200" cap="none" spc="0" normalizeH="0" baseline="0" noProof="0" dirty="0">
+              <a:ln>
+                <a:noFill/>
+              </a:ln>
+              <a:solidFill>
+                <a:schemeClr val="tx1"/>
+              </a:solidFill>
+              <a:effectLst/>
+              <a:uLnTx/>
+              <a:uFillTx/>
+              <a:latin typeface="Arial"/>
+              <a:ea typeface="+mn-ea"/>
+              <a:cs typeface="+mn-cs"/>
+            </a:endParaRPr>
+          </a:p>
+        </p:txBody>
+      </p:sp>
     </p:spTree>
     <p:extLst>
       <p:ext uri="{BB962C8B-B14F-4D97-AF65-F5344CB8AC3E}">
-        <p14:creationId xmlns:p14="http://schemas.microsoft.com/office/powerpoint/2010/main" val="4203002642"/>
+        <p14:creationId xmlns:p14="http://schemas.microsoft.com/office/powerpoint/2010/main" val="3935966601"/>
       </p:ext>
     </p:extLst>
   </p:cSld>
@@ -13816,7 +12984,7 @@
 </p:sld>
 </file>
 
-<file path=ppt/slides/slide23.xml><?xml version="1.0" encoding="utf-8"?>
+<file path=ppt/slides/slide19.xml><?xml version="1.0" encoding="utf-8"?>
 <p:sld xmlns:a="http://schemas.openxmlformats.org/drawingml/2006/main" xmlns:r="http://schemas.openxmlformats.org/officeDocument/2006/relationships" xmlns:p="http://schemas.openxmlformats.org/presentationml/2006/main">
   <p:cSld>
     <p:spTree>
@@ -13861,8 +13029,13 @@
           <a:p>
             <a:r>
               <a:rPr lang="de-DE" dirty="0"/>
-              <a:t>Evaluation</a:t>
-            </a:r>
+              <a:t>Evaluation and </a:t>
+            </a:r>
+            <a:r>
+              <a:rPr lang="de-DE" dirty="0" err="1"/>
+              <a:t>Conclusion</a:t>
+            </a:r>
+            <a:endParaRPr lang="de-DE" dirty="0"/>
           </a:p>
         </p:txBody>
       </p:sp>
@@ -13948,7 +13121,7 @@
             <a:fld id="{D949F9DF-37BD-4CD6-BF49-65BA579E1D7A}" type="slidenum">
               <a:rPr lang="de-DE" smtClean="0"/>
               <a:pPr/>
-              <a:t>23</a:t>
+              <a:t>19</a:t>
             </a:fld>
             <a:endParaRPr lang="de-DE"/>
           </a:p>
@@ -13958,6 +13131,1023 @@
     <p:extLst>
       <p:ext uri="{BB962C8B-B14F-4D97-AF65-F5344CB8AC3E}">
         <p14:creationId xmlns:p14="http://schemas.microsoft.com/office/powerpoint/2010/main" val="2772451920"/>
+      </p:ext>
+    </p:extLst>
+  </p:cSld>
+  <p:clrMapOvr>
+    <a:masterClrMapping/>
+  </p:clrMapOvr>
+</p:sld>
+</file>
+
+<file path=ppt/slides/slide2.xml><?xml version="1.0" encoding="utf-8"?>
+<p:sld xmlns:a="http://schemas.openxmlformats.org/drawingml/2006/main" xmlns:r="http://schemas.openxmlformats.org/officeDocument/2006/relationships" xmlns:p="http://schemas.openxmlformats.org/presentationml/2006/main">
+  <p:cSld>
+    <p:spTree>
+      <p:nvGrpSpPr>
+        <p:cNvPr id="1" name=""/>
+        <p:cNvGrpSpPr/>
+        <p:nvPr/>
+      </p:nvGrpSpPr>
+      <p:grpSpPr>
+        <a:xfrm>
+          <a:off x="0" y="0"/>
+          <a:ext cx="0" cy="0"/>
+          <a:chOff x="0" y="0"/>
+          <a:chExt cx="0" cy="0"/>
+        </a:xfrm>
+      </p:grpSpPr>
+      <p:sp>
+        <p:nvSpPr>
+          <p:cNvPr id="2" name="Datumsplatzhalter 1">
+            <a:extLst>
+              <a:ext uri="{FF2B5EF4-FFF2-40B4-BE49-F238E27FC236}">
+                <a16:creationId xmlns:a16="http://schemas.microsoft.com/office/drawing/2014/main" id="{DA70317D-0F23-D5C4-2C97-6D7F0871509F}"/>
+              </a:ext>
+            </a:extLst>
+          </p:cNvPr>
+          <p:cNvSpPr>
+            <a:spLocks noGrp="1"/>
+          </p:cNvSpPr>
+          <p:nvPr>
+            <p:ph type="dt" sz="half" idx="10"/>
+          </p:nvPr>
+        </p:nvSpPr>
+        <p:spPr/>
+        <p:txBody>
+          <a:bodyPr/>
+          <a:lstStyle/>
+          <a:p>
+            <a:r>
+              <a:rPr lang="LID4096"/>
+              <a:t>12/01/2023</a:t>
+            </a:r>
+            <a:endParaRPr lang="de-DE" dirty="0"/>
+          </a:p>
+        </p:txBody>
+      </p:sp>
+      <p:sp>
+        <p:nvSpPr>
+          <p:cNvPr id="3" name="Fußzeilenplatzhalter 2">
+            <a:extLst>
+              <a:ext uri="{FF2B5EF4-FFF2-40B4-BE49-F238E27FC236}">
+                <a16:creationId xmlns:a16="http://schemas.microsoft.com/office/drawing/2014/main" id="{EE356D28-0B4C-CEA9-A5BB-70C6A8CB8F60}"/>
+              </a:ext>
+            </a:extLst>
+          </p:cNvPr>
+          <p:cNvSpPr>
+            <a:spLocks noGrp="1"/>
+          </p:cNvSpPr>
+          <p:nvPr>
+            <p:ph type="ftr" sz="quarter" idx="11"/>
+          </p:nvPr>
+        </p:nvSpPr>
+        <p:spPr/>
+        <p:txBody>
+          <a:bodyPr/>
+          <a:lstStyle/>
+          <a:p>
+            <a:r>
+              <a:rPr lang="en-US"/>
+              <a:t>Modeling of nonlinear Systems with LSTMs | Sebastian Hirt</a:t>
+            </a:r>
+            <a:endParaRPr lang="de-DE" dirty="0"/>
+          </a:p>
+        </p:txBody>
+      </p:sp>
+      <p:sp>
+        <p:nvSpPr>
+          <p:cNvPr id="4" name="Foliennummernplatzhalter 3">
+            <a:extLst>
+              <a:ext uri="{FF2B5EF4-FFF2-40B4-BE49-F238E27FC236}">
+                <a16:creationId xmlns:a16="http://schemas.microsoft.com/office/drawing/2014/main" id="{5D2B4545-7DC3-302B-B5BA-B1AFF8A67971}"/>
+              </a:ext>
+            </a:extLst>
+          </p:cNvPr>
+          <p:cNvSpPr>
+            <a:spLocks noGrp="1"/>
+          </p:cNvSpPr>
+          <p:nvPr>
+            <p:ph type="sldNum" sz="quarter" idx="12"/>
+          </p:nvPr>
+        </p:nvSpPr>
+        <p:spPr/>
+        <p:txBody>
+          <a:bodyPr/>
+          <a:lstStyle/>
+          <a:p>
+            <a:fld id="{D949F9DF-37BD-4CD6-BF49-65BA579E1D7A}" type="slidenum">
+              <a:rPr lang="de-DE" smtClean="0"/>
+              <a:pPr/>
+              <a:t>2</a:t>
+            </a:fld>
+            <a:endParaRPr lang="de-DE"/>
+          </a:p>
+        </p:txBody>
+      </p:sp>
+      <p:sp>
+        <p:nvSpPr>
+          <p:cNvPr id="5" name="Titel 4">
+            <a:extLst>
+              <a:ext uri="{FF2B5EF4-FFF2-40B4-BE49-F238E27FC236}">
+                <a16:creationId xmlns:a16="http://schemas.microsoft.com/office/drawing/2014/main" id="{38CF73E8-E1FA-9775-4421-83829CA8646F}"/>
+              </a:ext>
+            </a:extLst>
+          </p:cNvPr>
+          <p:cNvSpPr>
+            <a:spLocks noGrp="1"/>
+          </p:cNvSpPr>
+          <p:nvPr>
+            <p:ph type="title"/>
+          </p:nvPr>
+        </p:nvSpPr>
+        <p:spPr/>
+        <p:txBody>
+          <a:bodyPr/>
+          <a:lstStyle/>
+          <a:p>
+            <a:r>
+              <a:rPr lang="en-US" dirty="0"/>
+              <a:t>Motivation</a:t>
+            </a:r>
+          </a:p>
+        </p:txBody>
+      </p:sp>
+      <p:sp>
+        <p:nvSpPr>
+          <p:cNvPr id="6" name="Textplatzhalter 5">
+            <a:extLst>
+              <a:ext uri="{FF2B5EF4-FFF2-40B4-BE49-F238E27FC236}">
+                <a16:creationId xmlns:a16="http://schemas.microsoft.com/office/drawing/2014/main" id="{A30F372C-3EE1-F0C8-AD13-5E374845FE57}"/>
+              </a:ext>
+            </a:extLst>
+          </p:cNvPr>
+          <p:cNvSpPr>
+            <a:spLocks noGrp="1"/>
+          </p:cNvSpPr>
+          <p:nvPr>
+            <p:ph type="body" sz="quarter" idx="17"/>
+          </p:nvPr>
+        </p:nvSpPr>
+        <p:spPr/>
+        <p:txBody>
+          <a:bodyPr/>
+          <a:lstStyle/>
+          <a:p>
+            <a:r>
+              <a:rPr lang="en-US" dirty="0"/>
+              <a:t>Just plot of timeseries</a:t>
+            </a:r>
+          </a:p>
+          <a:p>
+            <a:r>
+              <a:rPr lang="en-US" dirty="0"/>
+              <a:t>Image of systems, gears, pendulum?</a:t>
+            </a:r>
+          </a:p>
+        </p:txBody>
+      </p:sp>
+    </p:spTree>
+    <p:extLst>
+      <p:ext uri="{BB962C8B-B14F-4D97-AF65-F5344CB8AC3E}">
+        <p14:creationId xmlns:p14="http://schemas.microsoft.com/office/powerpoint/2010/main" val="1557798522"/>
+      </p:ext>
+    </p:extLst>
+  </p:cSld>
+  <p:clrMapOvr>
+    <a:masterClrMapping/>
+  </p:clrMapOvr>
+</p:sld>
+</file>
+
+<file path=ppt/slides/slide20.xml><?xml version="1.0" encoding="utf-8"?>
+<p:sld xmlns:a="http://schemas.openxmlformats.org/drawingml/2006/main" xmlns:r="http://schemas.openxmlformats.org/officeDocument/2006/relationships" xmlns:p="http://schemas.openxmlformats.org/presentationml/2006/main">
+  <p:cSld>
+    <p:spTree>
+      <p:nvGrpSpPr>
+        <p:cNvPr id="1" name=""/>
+        <p:cNvGrpSpPr/>
+        <p:nvPr/>
+      </p:nvGrpSpPr>
+      <p:grpSpPr>
+        <a:xfrm>
+          <a:off x="0" y="0"/>
+          <a:ext cx="0" cy="0"/>
+          <a:chOff x="0" y="0"/>
+          <a:chExt cx="0" cy="0"/>
+        </a:xfrm>
+      </p:grpSpPr>
+      <p:sp>
+        <p:nvSpPr>
+          <p:cNvPr id="2" name="Date Placeholder 1">
+            <a:extLst>
+              <a:ext uri="{FF2B5EF4-FFF2-40B4-BE49-F238E27FC236}">
+                <a16:creationId xmlns:a16="http://schemas.microsoft.com/office/drawing/2014/main" id="{AD982C11-459E-F2E2-54A8-C7E6FF62B191}"/>
+              </a:ext>
+            </a:extLst>
+          </p:cNvPr>
+          <p:cNvSpPr>
+            <a:spLocks noGrp="1"/>
+          </p:cNvSpPr>
+          <p:nvPr>
+            <p:ph type="dt" sz="half" idx="10"/>
+          </p:nvPr>
+        </p:nvSpPr>
+        <p:spPr/>
+        <p:txBody>
+          <a:bodyPr/>
+          <a:lstStyle/>
+          <a:p>
+            <a:r>
+              <a:rPr lang="LID4096"/>
+              <a:t>12/01/2023</a:t>
+            </a:r>
+            <a:endParaRPr lang="de-DE" dirty="0"/>
+          </a:p>
+        </p:txBody>
+      </p:sp>
+      <p:sp>
+        <p:nvSpPr>
+          <p:cNvPr id="3" name="Footer Placeholder 2">
+            <a:extLst>
+              <a:ext uri="{FF2B5EF4-FFF2-40B4-BE49-F238E27FC236}">
+                <a16:creationId xmlns:a16="http://schemas.microsoft.com/office/drawing/2014/main" id="{7C371FA2-146A-4A9D-CF30-D639A2334EBD}"/>
+              </a:ext>
+            </a:extLst>
+          </p:cNvPr>
+          <p:cNvSpPr>
+            <a:spLocks noGrp="1"/>
+          </p:cNvSpPr>
+          <p:nvPr>
+            <p:ph type="ftr" sz="quarter" idx="11"/>
+          </p:nvPr>
+        </p:nvSpPr>
+        <p:spPr/>
+        <p:txBody>
+          <a:bodyPr/>
+          <a:lstStyle/>
+          <a:p>
+            <a:r>
+              <a:rPr lang="en-US"/>
+              <a:t>Modeling of nonlinear Systems with LSTMs | Sebastian Hirt</a:t>
+            </a:r>
+            <a:endParaRPr lang="de-DE" dirty="0"/>
+          </a:p>
+        </p:txBody>
+      </p:sp>
+      <p:sp>
+        <p:nvSpPr>
+          <p:cNvPr id="4" name="Slide Number Placeholder 3">
+            <a:extLst>
+              <a:ext uri="{FF2B5EF4-FFF2-40B4-BE49-F238E27FC236}">
+                <a16:creationId xmlns:a16="http://schemas.microsoft.com/office/drawing/2014/main" id="{6B14FF3F-10B4-3EA1-6DA7-3B5694A9C786}"/>
+              </a:ext>
+            </a:extLst>
+          </p:cNvPr>
+          <p:cNvSpPr>
+            <a:spLocks noGrp="1"/>
+          </p:cNvSpPr>
+          <p:nvPr>
+            <p:ph type="sldNum" sz="quarter" idx="12"/>
+          </p:nvPr>
+        </p:nvSpPr>
+        <p:spPr/>
+        <p:txBody>
+          <a:bodyPr/>
+          <a:lstStyle/>
+          <a:p>
+            <a:fld id="{D949F9DF-37BD-4CD6-BF49-65BA579E1D7A}" type="slidenum">
+              <a:rPr lang="de-DE" smtClean="0"/>
+              <a:pPr/>
+              <a:t>20</a:t>
+            </a:fld>
+            <a:endParaRPr lang="de-DE"/>
+          </a:p>
+        </p:txBody>
+      </p:sp>
+      <p:sp>
+        <p:nvSpPr>
+          <p:cNvPr id="5" name="Title 4">
+            <a:extLst>
+              <a:ext uri="{FF2B5EF4-FFF2-40B4-BE49-F238E27FC236}">
+                <a16:creationId xmlns:a16="http://schemas.microsoft.com/office/drawing/2014/main" id="{B1AFF16D-CB3E-E86C-0447-A1A6B9145D79}"/>
+              </a:ext>
+            </a:extLst>
+          </p:cNvPr>
+          <p:cNvSpPr>
+            <a:spLocks noGrp="1"/>
+          </p:cNvSpPr>
+          <p:nvPr>
+            <p:ph type="title"/>
+          </p:nvPr>
+        </p:nvSpPr>
+        <p:spPr/>
+        <p:txBody>
+          <a:bodyPr/>
+          <a:lstStyle/>
+          <a:p>
+            <a:r>
+              <a:rPr lang="en-US" dirty="0"/>
+              <a:t>Pendulum Evaluation</a:t>
+            </a:r>
+          </a:p>
+        </p:txBody>
+      </p:sp>
+      <p:sp>
+        <p:nvSpPr>
+          <p:cNvPr id="6" name="Text Placeholder 5">
+            <a:extLst>
+              <a:ext uri="{FF2B5EF4-FFF2-40B4-BE49-F238E27FC236}">
+                <a16:creationId xmlns:a16="http://schemas.microsoft.com/office/drawing/2014/main" id="{975C342D-23F0-CCD6-9C51-E402B43C2473}"/>
+              </a:ext>
+            </a:extLst>
+          </p:cNvPr>
+          <p:cNvSpPr>
+            <a:spLocks noGrp="1"/>
+          </p:cNvSpPr>
+          <p:nvPr>
+            <p:ph type="body" sz="quarter" idx="17"/>
+          </p:nvPr>
+        </p:nvSpPr>
+        <p:spPr/>
+        <p:txBody>
+          <a:bodyPr/>
+          <a:lstStyle/>
+          <a:p>
+            <a:r>
+              <a:rPr lang="en-US" dirty="0"/>
+              <a:t>Overall low error</a:t>
+            </a:r>
+          </a:p>
+          <a:p>
+            <a:r>
+              <a:rPr lang="en-US" dirty="0"/>
+              <a:t>Small error spikes on input change</a:t>
+            </a:r>
+          </a:p>
+        </p:txBody>
+      </p:sp>
+      <p:pic>
+        <p:nvPicPr>
+          <p:cNvPr id="8" name="Picture 7" descr="Graphical user interface&#10;&#10;Description automatically generated with low confidence">
+            <a:extLst>
+              <a:ext uri="{FF2B5EF4-FFF2-40B4-BE49-F238E27FC236}">
+                <a16:creationId xmlns:a16="http://schemas.microsoft.com/office/drawing/2014/main" id="{5A44BC96-174F-0283-05E9-DE17CCF2E34C}"/>
+              </a:ext>
+            </a:extLst>
+          </p:cNvPr>
+          <p:cNvPicPr>
+            <a:picLocks noChangeAspect="1"/>
+          </p:cNvPicPr>
+          <p:nvPr/>
+        </p:nvPicPr>
+        <p:blipFill>
+          <a:blip r:embed="rId2">
+            <a:extLst>
+              <a:ext uri="{28A0092B-C50C-407E-A947-70E740481C1C}">
+                <a14:useLocalDpi xmlns:a14="http://schemas.microsoft.com/office/drawing/2010/main" val="0"/>
+              </a:ext>
+            </a:extLst>
+          </a:blip>
+          <a:stretch>
+            <a:fillRect/>
+          </a:stretch>
+        </p:blipFill>
+        <p:spPr>
+          <a:xfrm>
+            <a:off x="970219" y="2667966"/>
+            <a:ext cx="4735000" cy="3551250"/>
+          </a:xfrm>
+          <a:prstGeom prst="rect">
+            <a:avLst/>
+          </a:prstGeom>
+        </p:spPr>
+      </p:pic>
+      <p:pic>
+        <p:nvPicPr>
+          <p:cNvPr id="10" name="Picture 9" descr="Chart&#10;&#10;Description automatically generated">
+            <a:extLst>
+              <a:ext uri="{FF2B5EF4-FFF2-40B4-BE49-F238E27FC236}">
+                <a16:creationId xmlns:a16="http://schemas.microsoft.com/office/drawing/2014/main" id="{CCAE2342-3BF5-BBBA-2196-7D7294248A9A}"/>
+              </a:ext>
+            </a:extLst>
+          </p:cNvPr>
+          <p:cNvPicPr>
+            <a:picLocks noChangeAspect="1"/>
+          </p:cNvPicPr>
+          <p:nvPr/>
+        </p:nvPicPr>
+        <p:blipFill>
+          <a:blip r:embed="rId3">
+            <a:extLst>
+              <a:ext uri="{28A0092B-C50C-407E-A947-70E740481C1C}">
+                <a14:useLocalDpi xmlns:a14="http://schemas.microsoft.com/office/drawing/2010/main" val="0"/>
+              </a:ext>
+            </a:extLst>
+          </a:blip>
+          <a:stretch>
+            <a:fillRect/>
+          </a:stretch>
+        </p:blipFill>
+        <p:spPr>
+          <a:xfrm>
+            <a:off x="6286877" y="2667966"/>
+            <a:ext cx="4735000" cy="3551250"/>
+          </a:xfrm>
+          <a:prstGeom prst="rect">
+            <a:avLst/>
+          </a:prstGeom>
+        </p:spPr>
+      </p:pic>
+    </p:spTree>
+    <p:extLst>
+      <p:ext uri="{BB962C8B-B14F-4D97-AF65-F5344CB8AC3E}">
+        <p14:creationId xmlns:p14="http://schemas.microsoft.com/office/powerpoint/2010/main" val="2043880044"/>
+      </p:ext>
+    </p:extLst>
+  </p:cSld>
+  <p:clrMapOvr>
+    <a:masterClrMapping/>
+  </p:clrMapOvr>
+</p:sld>
+</file>
+
+<file path=ppt/slides/slide21.xml><?xml version="1.0" encoding="utf-8"?>
+<p:sld xmlns:a="http://schemas.openxmlformats.org/drawingml/2006/main" xmlns:r="http://schemas.openxmlformats.org/officeDocument/2006/relationships" xmlns:p="http://schemas.openxmlformats.org/presentationml/2006/main">
+  <p:cSld>
+    <p:spTree>
+      <p:nvGrpSpPr>
+        <p:cNvPr id="1" name=""/>
+        <p:cNvGrpSpPr/>
+        <p:nvPr/>
+      </p:nvGrpSpPr>
+      <p:grpSpPr>
+        <a:xfrm>
+          <a:off x="0" y="0"/>
+          <a:ext cx="0" cy="0"/>
+          <a:chOff x="0" y="0"/>
+          <a:chExt cx="0" cy="0"/>
+        </a:xfrm>
+      </p:grpSpPr>
+      <p:sp>
+        <p:nvSpPr>
+          <p:cNvPr id="2" name="Date Placeholder 1">
+            <a:extLst>
+              <a:ext uri="{FF2B5EF4-FFF2-40B4-BE49-F238E27FC236}">
+                <a16:creationId xmlns:a16="http://schemas.microsoft.com/office/drawing/2014/main" id="{2B8CAAFC-F0E6-F31E-198A-AA24CC49C316}"/>
+              </a:ext>
+            </a:extLst>
+          </p:cNvPr>
+          <p:cNvSpPr>
+            <a:spLocks noGrp="1"/>
+          </p:cNvSpPr>
+          <p:nvPr>
+            <p:ph type="dt" sz="half" idx="10"/>
+          </p:nvPr>
+        </p:nvSpPr>
+        <p:spPr/>
+        <p:txBody>
+          <a:bodyPr/>
+          <a:lstStyle/>
+          <a:p>
+            <a:r>
+              <a:rPr lang="LID4096"/>
+              <a:t>12/01/2023</a:t>
+            </a:r>
+            <a:endParaRPr lang="de-DE" dirty="0"/>
+          </a:p>
+        </p:txBody>
+      </p:sp>
+      <p:sp>
+        <p:nvSpPr>
+          <p:cNvPr id="3" name="Footer Placeholder 2">
+            <a:extLst>
+              <a:ext uri="{FF2B5EF4-FFF2-40B4-BE49-F238E27FC236}">
+                <a16:creationId xmlns:a16="http://schemas.microsoft.com/office/drawing/2014/main" id="{C49146C1-0EFA-7410-35A6-1C2B33E3E160}"/>
+              </a:ext>
+            </a:extLst>
+          </p:cNvPr>
+          <p:cNvSpPr>
+            <a:spLocks noGrp="1"/>
+          </p:cNvSpPr>
+          <p:nvPr>
+            <p:ph type="ftr" sz="quarter" idx="11"/>
+          </p:nvPr>
+        </p:nvSpPr>
+        <p:spPr/>
+        <p:txBody>
+          <a:bodyPr/>
+          <a:lstStyle/>
+          <a:p>
+            <a:r>
+              <a:rPr lang="en-US"/>
+              <a:t>Modeling of nonlinear Systems with LSTMs | Sebastian Hirt</a:t>
+            </a:r>
+            <a:endParaRPr lang="de-DE" dirty="0"/>
+          </a:p>
+        </p:txBody>
+      </p:sp>
+      <p:sp>
+        <p:nvSpPr>
+          <p:cNvPr id="4" name="Slide Number Placeholder 3">
+            <a:extLst>
+              <a:ext uri="{FF2B5EF4-FFF2-40B4-BE49-F238E27FC236}">
+                <a16:creationId xmlns:a16="http://schemas.microsoft.com/office/drawing/2014/main" id="{83EEE9A2-09B3-BA3D-B64B-856A8F226637}"/>
+              </a:ext>
+            </a:extLst>
+          </p:cNvPr>
+          <p:cNvSpPr>
+            <a:spLocks noGrp="1"/>
+          </p:cNvSpPr>
+          <p:nvPr>
+            <p:ph type="sldNum" sz="quarter" idx="12"/>
+          </p:nvPr>
+        </p:nvSpPr>
+        <p:spPr/>
+        <p:txBody>
+          <a:bodyPr/>
+          <a:lstStyle/>
+          <a:p>
+            <a:fld id="{D949F9DF-37BD-4CD6-BF49-65BA579E1D7A}" type="slidenum">
+              <a:rPr lang="de-DE" smtClean="0"/>
+              <a:pPr/>
+              <a:t>21</a:t>
+            </a:fld>
+            <a:endParaRPr lang="de-DE"/>
+          </a:p>
+        </p:txBody>
+      </p:sp>
+      <p:sp>
+        <p:nvSpPr>
+          <p:cNvPr id="5" name="Title 4">
+            <a:extLst>
+              <a:ext uri="{FF2B5EF4-FFF2-40B4-BE49-F238E27FC236}">
+                <a16:creationId xmlns:a16="http://schemas.microsoft.com/office/drawing/2014/main" id="{BBB354EA-F495-6050-38E7-B27B0D727096}"/>
+              </a:ext>
+            </a:extLst>
+          </p:cNvPr>
+          <p:cNvSpPr>
+            <a:spLocks noGrp="1"/>
+          </p:cNvSpPr>
+          <p:nvPr>
+            <p:ph type="title"/>
+          </p:nvPr>
+        </p:nvSpPr>
+        <p:spPr/>
+        <p:txBody>
+          <a:bodyPr/>
+          <a:lstStyle/>
+          <a:p>
+            <a:r>
+              <a:rPr lang="en-US" dirty="0"/>
+              <a:t>Conclusion and Future Work</a:t>
+            </a:r>
+          </a:p>
+        </p:txBody>
+      </p:sp>
+      <p:sp>
+        <p:nvSpPr>
+          <p:cNvPr id="6" name="Text Placeholder 5">
+            <a:extLst>
+              <a:ext uri="{FF2B5EF4-FFF2-40B4-BE49-F238E27FC236}">
+                <a16:creationId xmlns:a16="http://schemas.microsoft.com/office/drawing/2014/main" id="{4761E152-B7EF-00B5-47FF-110705BBE7D4}"/>
+              </a:ext>
+            </a:extLst>
+          </p:cNvPr>
+          <p:cNvSpPr>
+            <a:spLocks noGrp="1"/>
+          </p:cNvSpPr>
+          <p:nvPr>
+            <p:ph type="body" sz="quarter" idx="17"/>
+          </p:nvPr>
+        </p:nvSpPr>
+        <p:spPr/>
+        <p:txBody>
+          <a:bodyPr/>
+          <a:lstStyle/>
+          <a:p>
+            <a:r>
+              <a:rPr lang="en-US" dirty="0"/>
+              <a:t>Difficulties in training for larger model</a:t>
+            </a:r>
+          </a:p>
+          <a:p>
+            <a:r>
+              <a:rPr lang="en-US" dirty="0"/>
+              <a:t>Clear ability to predict nonlinear system</a:t>
+            </a:r>
+          </a:p>
+          <a:p>
+            <a:r>
+              <a:rPr lang="en-US" dirty="0"/>
+              <a:t>Error spikes on input change</a:t>
+            </a:r>
+          </a:p>
+          <a:p>
+            <a:r>
+              <a:rPr lang="en-US" dirty="0"/>
+              <a:t>Recommendation:</a:t>
+            </a:r>
+          </a:p>
+          <a:p>
+            <a:pPr lvl="1"/>
+            <a:r>
+              <a:rPr lang="en-US" dirty="0"/>
+              <a:t>Use 2 LSTM layers with 32/64 nodes and learning rate of 0.01 for similar systems</a:t>
+            </a:r>
+          </a:p>
+          <a:p>
+            <a:pPr lvl="1"/>
+            <a:r>
+              <a:rPr lang="en-US" dirty="0"/>
+              <a:t>New hyperparameter search for different systems</a:t>
+            </a:r>
+          </a:p>
+          <a:p>
+            <a:r>
+              <a:rPr lang="en-US" dirty="0"/>
+              <a:t>Analysis on what and how much training data is necessary to achieve good results</a:t>
+            </a:r>
+          </a:p>
+          <a:p>
+            <a:r>
+              <a:rPr lang="en-US" dirty="0"/>
+              <a:t>Testing for more complex ODEs</a:t>
+            </a:r>
+          </a:p>
+          <a:p>
+            <a:r>
+              <a:rPr lang="en-US" dirty="0"/>
+              <a:t>Deeper look into training instabilities necessary for larger models</a:t>
+            </a:r>
+          </a:p>
+          <a:p>
+            <a:endParaRPr lang="en-US" dirty="0"/>
+          </a:p>
+          <a:p>
+            <a:endParaRPr lang="en-US" sz="1800" dirty="0">
+              <a:effectLst/>
+              <a:latin typeface="Calibri" panose="020F0502020204030204" pitchFamily="34" charset="0"/>
+              <a:ea typeface="Calibri" panose="020F0502020204030204" pitchFamily="34" charset="0"/>
+              <a:cs typeface="Arial" panose="020B0604020202020204" pitchFamily="34" charset="0"/>
+            </a:endParaRPr>
+          </a:p>
+          <a:p>
+            <a:endParaRPr lang="en-US" sz="1800" dirty="0">
+              <a:effectLst/>
+              <a:latin typeface="Calibri" panose="020F0502020204030204" pitchFamily="34" charset="0"/>
+              <a:ea typeface="Calibri" panose="020F0502020204030204" pitchFamily="34" charset="0"/>
+              <a:cs typeface="Arial" panose="020B0604020202020204" pitchFamily="34" charset="0"/>
+            </a:endParaRPr>
+          </a:p>
+          <a:p>
+            <a:endParaRPr lang="en-US" dirty="0"/>
+          </a:p>
+          <a:p>
+            <a:endParaRPr lang="en-US" dirty="0"/>
+          </a:p>
+        </p:txBody>
+      </p:sp>
+    </p:spTree>
+    <p:extLst>
+      <p:ext uri="{BB962C8B-B14F-4D97-AF65-F5344CB8AC3E}">
+        <p14:creationId xmlns:p14="http://schemas.microsoft.com/office/powerpoint/2010/main" val="3217722209"/>
+      </p:ext>
+    </p:extLst>
+  </p:cSld>
+  <p:clrMapOvr>
+    <a:masterClrMapping/>
+  </p:clrMapOvr>
+</p:sld>
+</file>
+
+<file path=ppt/slides/slide22.xml><?xml version="1.0" encoding="utf-8"?>
+<p:sld xmlns:a="http://schemas.openxmlformats.org/drawingml/2006/main" xmlns:r="http://schemas.openxmlformats.org/officeDocument/2006/relationships" xmlns:p="http://schemas.openxmlformats.org/presentationml/2006/main">
+  <p:cSld>
+    <p:spTree>
+      <p:nvGrpSpPr>
+        <p:cNvPr id="1" name=""/>
+        <p:cNvGrpSpPr/>
+        <p:nvPr/>
+      </p:nvGrpSpPr>
+      <p:grpSpPr>
+        <a:xfrm>
+          <a:off x="0" y="0"/>
+          <a:ext cx="0" cy="0"/>
+          <a:chOff x="0" y="0"/>
+          <a:chExt cx="0" cy="0"/>
+        </a:xfrm>
+      </p:grpSpPr>
+      <p:sp>
+        <p:nvSpPr>
+          <p:cNvPr id="2" name="Textplatzhalter 1">
+            <a:extLst>
+              <a:ext uri="{FF2B5EF4-FFF2-40B4-BE49-F238E27FC236}">
+                <a16:creationId xmlns:a16="http://schemas.microsoft.com/office/drawing/2014/main" id="{D671D917-0E7D-044A-A553-3607B76DD26D}"/>
+              </a:ext>
+            </a:extLst>
+          </p:cNvPr>
+          <p:cNvSpPr>
+            <a:spLocks noGrp="1"/>
+          </p:cNvSpPr>
+          <p:nvPr>
+            <p:ph type="body" sz="quarter" idx="13"/>
+          </p:nvPr>
+        </p:nvSpPr>
+        <p:spPr>
+          <a:xfrm>
+            <a:off x="518317" y="3054250"/>
+            <a:ext cx="11157745" cy="749501"/>
+          </a:xfrm>
+        </p:spPr>
+        <p:txBody>
+          <a:bodyPr/>
+          <a:lstStyle/>
+          <a:p>
+            <a:r>
+              <a:rPr lang="de-DE" dirty="0" err="1"/>
+              <a:t>Thank</a:t>
+            </a:r>
+            <a:r>
+              <a:rPr lang="de-DE" dirty="0"/>
+              <a:t> </a:t>
+            </a:r>
+            <a:r>
+              <a:rPr lang="de-DE" dirty="0" err="1"/>
+              <a:t>You</a:t>
+            </a:r>
+            <a:r>
+              <a:rPr lang="de-DE" dirty="0"/>
+              <a:t>!</a:t>
+            </a:r>
+          </a:p>
+        </p:txBody>
+      </p:sp>
+    </p:spTree>
+    <p:extLst>
+      <p:ext uri="{BB962C8B-B14F-4D97-AF65-F5344CB8AC3E}">
+        <p14:creationId xmlns:p14="http://schemas.microsoft.com/office/powerpoint/2010/main" val="1185948968"/>
+      </p:ext>
+    </p:extLst>
+  </p:cSld>
+  <p:clrMapOvr>
+    <a:masterClrMapping/>
+  </p:clrMapOvr>
+</p:sld>
+</file>
+
+<file path=ppt/slides/slide23.xml><?xml version="1.0" encoding="utf-8"?>
+<p:sld xmlns:a="http://schemas.openxmlformats.org/drawingml/2006/main" xmlns:r="http://schemas.openxmlformats.org/officeDocument/2006/relationships" xmlns:p="http://schemas.openxmlformats.org/presentationml/2006/main">
+  <p:cSld>
+    <p:spTree>
+      <p:nvGrpSpPr>
+        <p:cNvPr id="1" name=""/>
+        <p:cNvGrpSpPr/>
+        <p:nvPr/>
+      </p:nvGrpSpPr>
+      <p:grpSpPr>
+        <a:xfrm>
+          <a:off x="0" y="0"/>
+          <a:ext cx="0" cy="0"/>
+          <a:chOff x="0" y="0"/>
+          <a:chExt cx="0" cy="0"/>
+        </a:xfrm>
+      </p:grpSpPr>
+      <p:sp>
+        <p:nvSpPr>
+          <p:cNvPr id="2" name="Date Placeholder 1">
+            <a:extLst>
+              <a:ext uri="{FF2B5EF4-FFF2-40B4-BE49-F238E27FC236}">
+                <a16:creationId xmlns:a16="http://schemas.microsoft.com/office/drawing/2014/main" id="{CFFCB9CD-02EF-89B5-BC22-FE06DFC282FC}"/>
+              </a:ext>
+            </a:extLst>
+          </p:cNvPr>
+          <p:cNvSpPr>
+            <a:spLocks noGrp="1"/>
+          </p:cNvSpPr>
+          <p:nvPr>
+            <p:ph type="dt" sz="half" idx="10"/>
+          </p:nvPr>
+        </p:nvSpPr>
+        <p:spPr/>
+        <p:txBody>
+          <a:bodyPr/>
+          <a:lstStyle/>
+          <a:p>
+            <a:r>
+              <a:rPr lang="LID4096"/>
+              <a:t>12/01/2023</a:t>
+            </a:r>
+            <a:endParaRPr lang="de-DE" dirty="0"/>
+          </a:p>
+        </p:txBody>
+      </p:sp>
+      <p:sp>
+        <p:nvSpPr>
+          <p:cNvPr id="3" name="Footer Placeholder 2">
+            <a:extLst>
+              <a:ext uri="{FF2B5EF4-FFF2-40B4-BE49-F238E27FC236}">
+                <a16:creationId xmlns:a16="http://schemas.microsoft.com/office/drawing/2014/main" id="{91240B7B-08A4-CDC7-F299-7C5FC62E8760}"/>
+              </a:ext>
+            </a:extLst>
+          </p:cNvPr>
+          <p:cNvSpPr>
+            <a:spLocks noGrp="1"/>
+          </p:cNvSpPr>
+          <p:nvPr>
+            <p:ph type="ftr" sz="quarter" idx="11"/>
+          </p:nvPr>
+        </p:nvSpPr>
+        <p:spPr/>
+        <p:txBody>
+          <a:bodyPr/>
+          <a:lstStyle/>
+          <a:p>
+            <a:r>
+              <a:rPr lang="en-US"/>
+              <a:t>Modeling of nonlinear Systems with LSTMs | Sebastian Hirt</a:t>
+            </a:r>
+            <a:endParaRPr lang="de-DE" dirty="0"/>
+          </a:p>
+        </p:txBody>
+      </p:sp>
+      <p:sp>
+        <p:nvSpPr>
+          <p:cNvPr id="4" name="Slide Number Placeholder 3">
+            <a:extLst>
+              <a:ext uri="{FF2B5EF4-FFF2-40B4-BE49-F238E27FC236}">
+                <a16:creationId xmlns:a16="http://schemas.microsoft.com/office/drawing/2014/main" id="{0ADF7B76-53F5-97A1-747F-EA440E26684D}"/>
+              </a:ext>
+            </a:extLst>
+          </p:cNvPr>
+          <p:cNvSpPr>
+            <a:spLocks noGrp="1"/>
+          </p:cNvSpPr>
+          <p:nvPr>
+            <p:ph type="sldNum" sz="quarter" idx="12"/>
+          </p:nvPr>
+        </p:nvSpPr>
+        <p:spPr/>
+        <p:txBody>
+          <a:bodyPr/>
+          <a:lstStyle/>
+          <a:p>
+            <a:fld id="{D949F9DF-37BD-4CD6-BF49-65BA579E1D7A}" type="slidenum">
+              <a:rPr lang="de-DE" smtClean="0"/>
+              <a:pPr/>
+              <a:t>23</a:t>
+            </a:fld>
+            <a:endParaRPr lang="de-DE"/>
+          </a:p>
+        </p:txBody>
+      </p:sp>
+      <p:sp>
+        <p:nvSpPr>
+          <p:cNvPr id="5" name="Title 4">
+            <a:extLst>
+              <a:ext uri="{FF2B5EF4-FFF2-40B4-BE49-F238E27FC236}">
+                <a16:creationId xmlns:a16="http://schemas.microsoft.com/office/drawing/2014/main" id="{BE0068B1-646F-6A77-8AD6-118E6571CA36}"/>
+              </a:ext>
+            </a:extLst>
+          </p:cNvPr>
+          <p:cNvSpPr>
+            <a:spLocks noGrp="1"/>
+          </p:cNvSpPr>
+          <p:nvPr>
+            <p:ph type="title"/>
+          </p:nvPr>
+        </p:nvSpPr>
+        <p:spPr/>
+        <p:txBody>
+          <a:bodyPr/>
+          <a:lstStyle/>
+          <a:p>
+            <a:r>
+              <a:rPr lang="en-US" dirty="0"/>
+              <a:t>References</a:t>
+            </a:r>
+          </a:p>
+        </p:txBody>
+      </p:sp>
+      <p:sp>
+        <p:nvSpPr>
+          <p:cNvPr id="6" name="Text Placeholder 5">
+            <a:extLst>
+              <a:ext uri="{FF2B5EF4-FFF2-40B4-BE49-F238E27FC236}">
+                <a16:creationId xmlns:a16="http://schemas.microsoft.com/office/drawing/2014/main" id="{184522D3-9A27-7215-1F56-189F29A0E890}"/>
+              </a:ext>
+            </a:extLst>
+          </p:cNvPr>
+          <p:cNvSpPr>
+            <a:spLocks noGrp="1"/>
+          </p:cNvSpPr>
+          <p:nvPr>
+            <p:ph type="body" sz="quarter" idx="17"/>
+          </p:nvPr>
+        </p:nvSpPr>
+        <p:spPr>
+          <a:xfrm>
+            <a:off x="518319" y="1498060"/>
+            <a:ext cx="11358942" cy="4721156"/>
+          </a:xfrm>
+        </p:spPr>
+        <p:txBody>
+          <a:bodyPr/>
+          <a:lstStyle/>
+          <a:p>
+            <a:pPr fontAlgn="base"/>
+            <a:r>
+              <a:rPr lang="en-US" b="0" i="0" dirty="0">
+                <a:solidFill>
+                  <a:srgbClr val="21262B"/>
+                </a:solidFill>
+                <a:effectLst/>
+                <a:latin typeface="inherit"/>
+              </a:rPr>
+              <a:t>Yu, Y., Si, X., Hu, C., &amp; Zhang, J. (2019). A review of recurrent neural networks: LSTM cells and network architectures. </a:t>
+            </a:r>
+            <a:r>
+              <a:rPr lang="en-US" b="0" i="1" dirty="0">
+                <a:solidFill>
+                  <a:srgbClr val="21262B"/>
+                </a:solidFill>
+                <a:effectLst/>
+                <a:latin typeface="inherit"/>
+              </a:rPr>
+              <a:t>Neural Computation</a:t>
+            </a:r>
+            <a:r>
+              <a:rPr lang="en-US" b="0" i="0" dirty="0">
+                <a:solidFill>
+                  <a:srgbClr val="21262B"/>
+                </a:solidFill>
+                <a:effectLst/>
+                <a:latin typeface="inherit"/>
+              </a:rPr>
+              <a:t>, </a:t>
+            </a:r>
+            <a:r>
+              <a:rPr lang="en-US" b="0" i="1" dirty="0">
+                <a:solidFill>
+                  <a:srgbClr val="21262B"/>
+                </a:solidFill>
+                <a:effectLst/>
+                <a:latin typeface="inherit"/>
+              </a:rPr>
+              <a:t>31</a:t>
+            </a:r>
+            <a:r>
+              <a:rPr lang="en-US" b="0" i="0" dirty="0">
+                <a:solidFill>
+                  <a:srgbClr val="21262B"/>
+                </a:solidFill>
+                <a:effectLst/>
+                <a:latin typeface="inherit"/>
+              </a:rPr>
+              <a:t>(7), 1235–1270.</a:t>
+            </a:r>
+          </a:p>
+          <a:p>
+            <a:pPr fontAlgn="base"/>
+            <a:r>
+              <a:rPr lang="en-US" b="0" i="0" dirty="0" err="1">
+                <a:solidFill>
+                  <a:srgbClr val="21262B"/>
+                </a:solidFill>
+                <a:effectLst/>
+                <a:latin typeface="inherit"/>
+              </a:rPr>
+              <a:t>Werbos</a:t>
+            </a:r>
+            <a:r>
+              <a:rPr lang="en-US" b="0" i="0" dirty="0">
+                <a:solidFill>
+                  <a:srgbClr val="21262B"/>
+                </a:solidFill>
+                <a:effectLst/>
+                <a:latin typeface="inherit"/>
+              </a:rPr>
+              <a:t>, P. (1990). Backpropagation through time: what it does and how to do it. Proceedings of the IEEE, 78(10), 1550–1560.</a:t>
+            </a:r>
+          </a:p>
+          <a:p>
+            <a:pPr marL="0" indent="0" fontAlgn="base">
+              <a:buNone/>
+            </a:pPr>
+            <a:endParaRPr lang="en-US" b="0" i="0" dirty="0">
+              <a:solidFill>
+                <a:srgbClr val="21262B"/>
+              </a:solidFill>
+              <a:effectLst/>
+              <a:latin typeface="inherit"/>
+            </a:endParaRPr>
+          </a:p>
+        </p:txBody>
+      </p:sp>
+    </p:spTree>
+    <p:extLst>
+      <p:ext uri="{BB962C8B-B14F-4D97-AF65-F5344CB8AC3E}">
+        <p14:creationId xmlns:p14="http://schemas.microsoft.com/office/powerpoint/2010/main" val="2739666088"/>
       </p:ext>
     </p:extLst>
   </p:cSld>
@@ -14067,1659 +14257,6 @@
               <a:rPr lang="de-DE" smtClean="0"/>
               <a:pPr/>
               <a:t>24</a:t>
-            </a:fld>
-            <a:endParaRPr lang="de-DE"/>
-          </a:p>
-        </p:txBody>
-      </p:sp>
-      <p:sp>
-        <p:nvSpPr>
-          <p:cNvPr id="5" name="Title 4">
-            <a:extLst>
-              <a:ext uri="{FF2B5EF4-FFF2-40B4-BE49-F238E27FC236}">
-                <a16:creationId xmlns:a16="http://schemas.microsoft.com/office/drawing/2014/main" id="{BBB354EA-F495-6050-38E7-B27B0D727096}"/>
-              </a:ext>
-            </a:extLst>
-          </p:cNvPr>
-          <p:cNvSpPr>
-            <a:spLocks noGrp="1"/>
-          </p:cNvSpPr>
-          <p:nvPr>
-            <p:ph type="title"/>
-          </p:nvPr>
-        </p:nvSpPr>
-        <p:spPr/>
-        <p:txBody>
-          <a:bodyPr/>
-          <a:lstStyle/>
-          <a:p>
-            <a:r>
-              <a:rPr lang="en-US" dirty="0"/>
-              <a:t>Evaluation – Drag simple</a:t>
-            </a:r>
-          </a:p>
-        </p:txBody>
-      </p:sp>
-      <p:sp>
-        <p:nvSpPr>
-          <p:cNvPr id="6" name="Text Placeholder 5">
-            <a:extLst>
-              <a:ext uri="{FF2B5EF4-FFF2-40B4-BE49-F238E27FC236}">
-                <a16:creationId xmlns:a16="http://schemas.microsoft.com/office/drawing/2014/main" id="{4761E152-B7EF-00B5-47FF-110705BBE7D4}"/>
-              </a:ext>
-            </a:extLst>
-          </p:cNvPr>
-          <p:cNvSpPr>
-            <a:spLocks noGrp="1"/>
-          </p:cNvSpPr>
-          <p:nvPr>
-            <p:ph type="body" sz="quarter" idx="17"/>
-          </p:nvPr>
-        </p:nvSpPr>
-        <p:spPr/>
-        <p:txBody>
-          <a:bodyPr/>
-          <a:lstStyle/>
-          <a:p>
-            <a:endParaRPr lang="en-US" sz="1800" dirty="0">
-              <a:effectLst/>
-              <a:latin typeface="Calibri" panose="020F0502020204030204" pitchFamily="34" charset="0"/>
-              <a:ea typeface="Calibri" panose="020F0502020204030204" pitchFamily="34" charset="0"/>
-              <a:cs typeface="Arial" panose="020B0604020202020204" pitchFamily="34" charset="0"/>
-            </a:endParaRPr>
-          </a:p>
-          <a:p>
-            <a:endParaRPr lang="en-US" sz="1800" dirty="0">
-              <a:effectLst/>
-              <a:latin typeface="Calibri" panose="020F0502020204030204" pitchFamily="34" charset="0"/>
-              <a:ea typeface="Calibri" panose="020F0502020204030204" pitchFamily="34" charset="0"/>
-              <a:cs typeface="Arial" panose="020B0604020202020204" pitchFamily="34" charset="0"/>
-            </a:endParaRPr>
-          </a:p>
-          <a:p>
-            <a:endParaRPr lang="en-US" dirty="0"/>
-          </a:p>
-          <a:p>
-            <a:endParaRPr lang="en-US" dirty="0"/>
-          </a:p>
-        </p:txBody>
-      </p:sp>
-      <p:pic>
-        <p:nvPicPr>
-          <p:cNvPr id="8" name="Picture 7">
-            <a:extLst>
-              <a:ext uri="{FF2B5EF4-FFF2-40B4-BE49-F238E27FC236}">
-                <a16:creationId xmlns:a16="http://schemas.microsoft.com/office/drawing/2014/main" id="{E7B742B6-594A-5342-C818-3F28C09F4DCD}"/>
-              </a:ext>
-            </a:extLst>
-          </p:cNvPr>
-          <p:cNvPicPr>
-            <a:picLocks noChangeAspect="1"/>
-          </p:cNvPicPr>
-          <p:nvPr/>
-        </p:nvPicPr>
-        <p:blipFill>
-          <a:blip r:embed="rId2"/>
-          <a:stretch>
-            <a:fillRect/>
-          </a:stretch>
-        </p:blipFill>
-        <p:spPr>
-          <a:xfrm>
-            <a:off x="471488" y="1792677"/>
-            <a:ext cx="11249024" cy="4131922"/>
-          </a:xfrm>
-          <a:prstGeom prst="rect">
-            <a:avLst/>
-          </a:prstGeom>
-        </p:spPr>
-      </p:pic>
-    </p:spTree>
-    <p:extLst>
-      <p:ext uri="{BB962C8B-B14F-4D97-AF65-F5344CB8AC3E}">
-        <p14:creationId xmlns:p14="http://schemas.microsoft.com/office/powerpoint/2010/main" val="2280491048"/>
-      </p:ext>
-    </p:extLst>
-  </p:cSld>
-  <p:clrMapOvr>
-    <a:masterClrMapping/>
-  </p:clrMapOvr>
-</p:sld>
-</file>
-
-<file path=ppt/slides/slide25.xml><?xml version="1.0" encoding="utf-8"?>
-<p:sld xmlns:a="http://schemas.openxmlformats.org/drawingml/2006/main" xmlns:r="http://schemas.openxmlformats.org/officeDocument/2006/relationships" xmlns:p="http://schemas.openxmlformats.org/presentationml/2006/main">
-  <p:cSld>
-    <p:spTree>
-      <p:nvGrpSpPr>
-        <p:cNvPr id="1" name=""/>
-        <p:cNvGrpSpPr/>
-        <p:nvPr/>
-      </p:nvGrpSpPr>
-      <p:grpSpPr>
-        <a:xfrm>
-          <a:off x="0" y="0"/>
-          <a:ext cx="0" cy="0"/>
-          <a:chOff x="0" y="0"/>
-          <a:chExt cx="0" cy="0"/>
-        </a:xfrm>
-      </p:grpSpPr>
-      <p:sp>
-        <p:nvSpPr>
-          <p:cNvPr id="2" name="Date Placeholder 1">
-            <a:extLst>
-              <a:ext uri="{FF2B5EF4-FFF2-40B4-BE49-F238E27FC236}">
-                <a16:creationId xmlns:a16="http://schemas.microsoft.com/office/drawing/2014/main" id="{2B8CAAFC-F0E6-F31E-198A-AA24CC49C316}"/>
-              </a:ext>
-            </a:extLst>
-          </p:cNvPr>
-          <p:cNvSpPr>
-            <a:spLocks noGrp="1"/>
-          </p:cNvSpPr>
-          <p:nvPr>
-            <p:ph type="dt" sz="half" idx="10"/>
-          </p:nvPr>
-        </p:nvSpPr>
-        <p:spPr/>
-        <p:txBody>
-          <a:bodyPr/>
-          <a:lstStyle/>
-          <a:p>
-            <a:r>
-              <a:rPr lang="LID4096"/>
-              <a:t>12/01/2023</a:t>
-            </a:r>
-            <a:endParaRPr lang="de-DE" dirty="0"/>
-          </a:p>
-        </p:txBody>
-      </p:sp>
-      <p:sp>
-        <p:nvSpPr>
-          <p:cNvPr id="3" name="Footer Placeholder 2">
-            <a:extLst>
-              <a:ext uri="{FF2B5EF4-FFF2-40B4-BE49-F238E27FC236}">
-                <a16:creationId xmlns:a16="http://schemas.microsoft.com/office/drawing/2014/main" id="{C49146C1-0EFA-7410-35A6-1C2B33E3E160}"/>
-              </a:ext>
-            </a:extLst>
-          </p:cNvPr>
-          <p:cNvSpPr>
-            <a:spLocks noGrp="1"/>
-          </p:cNvSpPr>
-          <p:nvPr>
-            <p:ph type="ftr" sz="quarter" idx="11"/>
-          </p:nvPr>
-        </p:nvSpPr>
-        <p:spPr/>
-        <p:txBody>
-          <a:bodyPr/>
-          <a:lstStyle/>
-          <a:p>
-            <a:r>
-              <a:rPr lang="en-US"/>
-              <a:t>Modeling of nonlinear Systems with LSTMs | Sebastian Hirt</a:t>
-            </a:r>
-            <a:endParaRPr lang="de-DE" dirty="0"/>
-          </a:p>
-        </p:txBody>
-      </p:sp>
-      <p:sp>
-        <p:nvSpPr>
-          <p:cNvPr id="4" name="Slide Number Placeholder 3">
-            <a:extLst>
-              <a:ext uri="{FF2B5EF4-FFF2-40B4-BE49-F238E27FC236}">
-                <a16:creationId xmlns:a16="http://schemas.microsoft.com/office/drawing/2014/main" id="{83EEE9A2-09B3-BA3D-B64B-856A8F226637}"/>
-              </a:ext>
-            </a:extLst>
-          </p:cNvPr>
-          <p:cNvSpPr>
-            <a:spLocks noGrp="1"/>
-          </p:cNvSpPr>
-          <p:nvPr>
-            <p:ph type="sldNum" sz="quarter" idx="12"/>
-          </p:nvPr>
-        </p:nvSpPr>
-        <p:spPr/>
-        <p:txBody>
-          <a:bodyPr/>
-          <a:lstStyle/>
-          <a:p>
-            <a:fld id="{D949F9DF-37BD-4CD6-BF49-65BA579E1D7A}" type="slidenum">
-              <a:rPr lang="de-DE" smtClean="0"/>
-              <a:pPr/>
-              <a:t>25</a:t>
-            </a:fld>
-            <a:endParaRPr lang="de-DE"/>
-          </a:p>
-        </p:txBody>
-      </p:sp>
-      <p:sp>
-        <p:nvSpPr>
-          <p:cNvPr id="5" name="Title 4">
-            <a:extLst>
-              <a:ext uri="{FF2B5EF4-FFF2-40B4-BE49-F238E27FC236}">
-                <a16:creationId xmlns:a16="http://schemas.microsoft.com/office/drawing/2014/main" id="{BBB354EA-F495-6050-38E7-B27B0D727096}"/>
-              </a:ext>
-            </a:extLst>
-          </p:cNvPr>
-          <p:cNvSpPr>
-            <a:spLocks noGrp="1"/>
-          </p:cNvSpPr>
-          <p:nvPr>
-            <p:ph type="title"/>
-          </p:nvPr>
-        </p:nvSpPr>
-        <p:spPr/>
-        <p:txBody>
-          <a:bodyPr/>
-          <a:lstStyle/>
-          <a:p>
-            <a:r>
-              <a:rPr lang="en-US" dirty="0"/>
-              <a:t>Evaluation – Drag complex</a:t>
-            </a:r>
-          </a:p>
-        </p:txBody>
-      </p:sp>
-      <p:sp>
-        <p:nvSpPr>
-          <p:cNvPr id="6" name="Text Placeholder 5">
-            <a:extLst>
-              <a:ext uri="{FF2B5EF4-FFF2-40B4-BE49-F238E27FC236}">
-                <a16:creationId xmlns:a16="http://schemas.microsoft.com/office/drawing/2014/main" id="{4761E152-B7EF-00B5-47FF-110705BBE7D4}"/>
-              </a:ext>
-            </a:extLst>
-          </p:cNvPr>
-          <p:cNvSpPr>
-            <a:spLocks noGrp="1"/>
-          </p:cNvSpPr>
-          <p:nvPr>
-            <p:ph type="body" sz="quarter" idx="17"/>
-          </p:nvPr>
-        </p:nvSpPr>
-        <p:spPr/>
-        <p:txBody>
-          <a:bodyPr/>
-          <a:lstStyle/>
-          <a:p>
-            <a:endParaRPr lang="en-US" sz="1800" dirty="0">
-              <a:effectLst/>
-              <a:latin typeface="Calibri" panose="020F0502020204030204" pitchFamily="34" charset="0"/>
-              <a:ea typeface="Calibri" panose="020F0502020204030204" pitchFamily="34" charset="0"/>
-              <a:cs typeface="Arial" panose="020B0604020202020204" pitchFamily="34" charset="0"/>
-            </a:endParaRPr>
-          </a:p>
-          <a:p>
-            <a:endParaRPr lang="en-US" sz="1800" dirty="0">
-              <a:effectLst/>
-              <a:latin typeface="Calibri" panose="020F0502020204030204" pitchFamily="34" charset="0"/>
-              <a:ea typeface="Calibri" panose="020F0502020204030204" pitchFamily="34" charset="0"/>
-              <a:cs typeface="Arial" panose="020B0604020202020204" pitchFamily="34" charset="0"/>
-            </a:endParaRPr>
-          </a:p>
-          <a:p>
-            <a:endParaRPr lang="en-US" dirty="0"/>
-          </a:p>
-          <a:p>
-            <a:endParaRPr lang="en-US" dirty="0"/>
-          </a:p>
-        </p:txBody>
-      </p:sp>
-      <p:pic>
-        <p:nvPicPr>
-          <p:cNvPr id="9" name="Picture 8">
-            <a:extLst>
-              <a:ext uri="{FF2B5EF4-FFF2-40B4-BE49-F238E27FC236}">
-                <a16:creationId xmlns:a16="http://schemas.microsoft.com/office/drawing/2014/main" id="{7E6AD291-95E8-0CF2-1BF2-F3C9349E6B5D}"/>
-              </a:ext>
-            </a:extLst>
-          </p:cNvPr>
-          <p:cNvPicPr>
-            <a:picLocks noChangeAspect="1"/>
-          </p:cNvPicPr>
-          <p:nvPr/>
-        </p:nvPicPr>
-        <p:blipFill>
-          <a:blip r:embed="rId2"/>
-          <a:stretch>
-            <a:fillRect/>
-          </a:stretch>
-        </p:blipFill>
-        <p:spPr>
-          <a:xfrm>
-            <a:off x="242070" y="1696161"/>
-            <a:ext cx="11707859" cy="4324954"/>
-          </a:xfrm>
-          <a:prstGeom prst="rect">
-            <a:avLst/>
-          </a:prstGeom>
-        </p:spPr>
-      </p:pic>
-    </p:spTree>
-    <p:extLst>
-      <p:ext uri="{BB962C8B-B14F-4D97-AF65-F5344CB8AC3E}">
-        <p14:creationId xmlns:p14="http://schemas.microsoft.com/office/powerpoint/2010/main" val="4055413292"/>
-      </p:ext>
-    </p:extLst>
-  </p:cSld>
-  <p:clrMapOvr>
-    <a:masterClrMapping/>
-  </p:clrMapOvr>
-</p:sld>
-</file>
-
-<file path=ppt/slides/slide26.xml><?xml version="1.0" encoding="utf-8"?>
-<p:sld xmlns:a="http://schemas.openxmlformats.org/drawingml/2006/main" xmlns:r="http://schemas.openxmlformats.org/officeDocument/2006/relationships" xmlns:p="http://schemas.openxmlformats.org/presentationml/2006/main">
-  <p:cSld>
-    <p:spTree>
-      <p:nvGrpSpPr>
-        <p:cNvPr id="1" name=""/>
-        <p:cNvGrpSpPr/>
-        <p:nvPr/>
-      </p:nvGrpSpPr>
-      <p:grpSpPr>
-        <a:xfrm>
-          <a:off x="0" y="0"/>
-          <a:ext cx="0" cy="0"/>
-          <a:chOff x="0" y="0"/>
-          <a:chExt cx="0" cy="0"/>
-        </a:xfrm>
-      </p:grpSpPr>
-      <p:sp>
-        <p:nvSpPr>
-          <p:cNvPr id="2" name="Date Placeholder 1">
-            <a:extLst>
-              <a:ext uri="{FF2B5EF4-FFF2-40B4-BE49-F238E27FC236}">
-                <a16:creationId xmlns:a16="http://schemas.microsoft.com/office/drawing/2014/main" id="{2B8CAAFC-F0E6-F31E-198A-AA24CC49C316}"/>
-              </a:ext>
-            </a:extLst>
-          </p:cNvPr>
-          <p:cNvSpPr>
-            <a:spLocks noGrp="1"/>
-          </p:cNvSpPr>
-          <p:nvPr>
-            <p:ph type="dt" sz="half" idx="10"/>
-          </p:nvPr>
-        </p:nvSpPr>
-        <p:spPr/>
-        <p:txBody>
-          <a:bodyPr/>
-          <a:lstStyle/>
-          <a:p>
-            <a:r>
-              <a:rPr lang="LID4096"/>
-              <a:t>12/01/2023</a:t>
-            </a:r>
-            <a:endParaRPr lang="de-DE" dirty="0"/>
-          </a:p>
-        </p:txBody>
-      </p:sp>
-      <p:sp>
-        <p:nvSpPr>
-          <p:cNvPr id="3" name="Footer Placeholder 2">
-            <a:extLst>
-              <a:ext uri="{FF2B5EF4-FFF2-40B4-BE49-F238E27FC236}">
-                <a16:creationId xmlns:a16="http://schemas.microsoft.com/office/drawing/2014/main" id="{C49146C1-0EFA-7410-35A6-1C2B33E3E160}"/>
-              </a:ext>
-            </a:extLst>
-          </p:cNvPr>
-          <p:cNvSpPr>
-            <a:spLocks noGrp="1"/>
-          </p:cNvSpPr>
-          <p:nvPr>
-            <p:ph type="ftr" sz="quarter" idx="11"/>
-          </p:nvPr>
-        </p:nvSpPr>
-        <p:spPr/>
-        <p:txBody>
-          <a:bodyPr/>
-          <a:lstStyle/>
-          <a:p>
-            <a:r>
-              <a:rPr lang="en-US"/>
-              <a:t>Modeling of nonlinear Systems with LSTMs | Sebastian Hirt</a:t>
-            </a:r>
-            <a:endParaRPr lang="de-DE" dirty="0"/>
-          </a:p>
-        </p:txBody>
-      </p:sp>
-      <p:sp>
-        <p:nvSpPr>
-          <p:cNvPr id="4" name="Slide Number Placeholder 3">
-            <a:extLst>
-              <a:ext uri="{FF2B5EF4-FFF2-40B4-BE49-F238E27FC236}">
-                <a16:creationId xmlns:a16="http://schemas.microsoft.com/office/drawing/2014/main" id="{83EEE9A2-09B3-BA3D-B64B-856A8F226637}"/>
-              </a:ext>
-            </a:extLst>
-          </p:cNvPr>
-          <p:cNvSpPr>
-            <a:spLocks noGrp="1"/>
-          </p:cNvSpPr>
-          <p:nvPr>
-            <p:ph type="sldNum" sz="quarter" idx="12"/>
-          </p:nvPr>
-        </p:nvSpPr>
-        <p:spPr/>
-        <p:txBody>
-          <a:bodyPr/>
-          <a:lstStyle/>
-          <a:p>
-            <a:fld id="{D949F9DF-37BD-4CD6-BF49-65BA579E1D7A}" type="slidenum">
-              <a:rPr lang="de-DE" smtClean="0"/>
-              <a:pPr/>
-              <a:t>26</a:t>
-            </a:fld>
-            <a:endParaRPr lang="de-DE"/>
-          </a:p>
-        </p:txBody>
-      </p:sp>
-      <p:sp>
-        <p:nvSpPr>
-          <p:cNvPr id="5" name="Title 4">
-            <a:extLst>
-              <a:ext uri="{FF2B5EF4-FFF2-40B4-BE49-F238E27FC236}">
-                <a16:creationId xmlns:a16="http://schemas.microsoft.com/office/drawing/2014/main" id="{BBB354EA-F495-6050-38E7-B27B0D727096}"/>
-              </a:ext>
-            </a:extLst>
-          </p:cNvPr>
-          <p:cNvSpPr>
-            <a:spLocks noGrp="1"/>
-          </p:cNvSpPr>
-          <p:nvPr>
-            <p:ph type="title"/>
-          </p:nvPr>
-        </p:nvSpPr>
-        <p:spPr/>
-        <p:txBody>
-          <a:bodyPr/>
-          <a:lstStyle/>
-          <a:p>
-            <a:r>
-              <a:rPr lang="en-US" dirty="0"/>
-              <a:t>Evaluation – Pendulum simple</a:t>
-            </a:r>
-          </a:p>
-        </p:txBody>
-      </p:sp>
-      <p:sp>
-        <p:nvSpPr>
-          <p:cNvPr id="6" name="Text Placeholder 5">
-            <a:extLst>
-              <a:ext uri="{FF2B5EF4-FFF2-40B4-BE49-F238E27FC236}">
-                <a16:creationId xmlns:a16="http://schemas.microsoft.com/office/drawing/2014/main" id="{4761E152-B7EF-00B5-47FF-110705BBE7D4}"/>
-              </a:ext>
-            </a:extLst>
-          </p:cNvPr>
-          <p:cNvSpPr>
-            <a:spLocks noGrp="1"/>
-          </p:cNvSpPr>
-          <p:nvPr>
-            <p:ph type="body" sz="quarter" idx="17"/>
-          </p:nvPr>
-        </p:nvSpPr>
-        <p:spPr/>
-        <p:txBody>
-          <a:bodyPr/>
-          <a:lstStyle/>
-          <a:p>
-            <a:endParaRPr lang="en-US" sz="1800" dirty="0">
-              <a:effectLst/>
-              <a:latin typeface="Calibri" panose="020F0502020204030204" pitchFamily="34" charset="0"/>
-              <a:ea typeface="Calibri" panose="020F0502020204030204" pitchFamily="34" charset="0"/>
-              <a:cs typeface="Arial" panose="020B0604020202020204" pitchFamily="34" charset="0"/>
-            </a:endParaRPr>
-          </a:p>
-          <a:p>
-            <a:endParaRPr lang="en-US" sz="1800" dirty="0">
-              <a:effectLst/>
-              <a:latin typeface="Calibri" panose="020F0502020204030204" pitchFamily="34" charset="0"/>
-              <a:ea typeface="Calibri" panose="020F0502020204030204" pitchFamily="34" charset="0"/>
-              <a:cs typeface="Arial" panose="020B0604020202020204" pitchFamily="34" charset="0"/>
-            </a:endParaRPr>
-          </a:p>
-          <a:p>
-            <a:endParaRPr lang="en-US" dirty="0"/>
-          </a:p>
-          <a:p>
-            <a:endParaRPr lang="en-US" dirty="0"/>
-          </a:p>
-        </p:txBody>
-      </p:sp>
-      <p:pic>
-        <p:nvPicPr>
-          <p:cNvPr id="11" name="Picture 10">
-            <a:extLst>
-              <a:ext uri="{FF2B5EF4-FFF2-40B4-BE49-F238E27FC236}">
-                <a16:creationId xmlns:a16="http://schemas.microsoft.com/office/drawing/2014/main" id="{C8FA1192-71A8-D843-070A-3AE009091E0A}"/>
-              </a:ext>
-            </a:extLst>
-          </p:cNvPr>
-          <p:cNvPicPr>
-            <a:picLocks noChangeAspect="1"/>
-          </p:cNvPicPr>
-          <p:nvPr/>
-        </p:nvPicPr>
-        <p:blipFill>
-          <a:blip r:embed="rId2"/>
-          <a:stretch>
-            <a:fillRect/>
-          </a:stretch>
-        </p:blipFill>
-        <p:spPr>
-          <a:xfrm>
-            <a:off x="680281" y="1891451"/>
-            <a:ext cx="10831437" cy="3934374"/>
-          </a:xfrm>
-          <a:prstGeom prst="rect">
-            <a:avLst/>
-          </a:prstGeom>
-        </p:spPr>
-      </p:pic>
-    </p:spTree>
-    <p:extLst>
-      <p:ext uri="{BB962C8B-B14F-4D97-AF65-F5344CB8AC3E}">
-        <p14:creationId xmlns:p14="http://schemas.microsoft.com/office/powerpoint/2010/main" val="1523835104"/>
-      </p:ext>
-    </p:extLst>
-  </p:cSld>
-  <p:clrMapOvr>
-    <a:masterClrMapping/>
-  </p:clrMapOvr>
-</p:sld>
-</file>
-
-<file path=ppt/slides/slide27.xml><?xml version="1.0" encoding="utf-8"?>
-<p:sld xmlns:a="http://schemas.openxmlformats.org/drawingml/2006/main" xmlns:r="http://schemas.openxmlformats.org/officeDocument/2006/relationships" xmlns:p="http://schemas.openxmlformats.org/presentationml/2006/main">
-  <p:cSld>
-    <p:spTree>
-      <p:nvGrpSpPr>
-        <p:cNvPr id="1" name=""/>
-        <p:cNvGrpSpPr/>
-        <p:nvPr/>
-      </p:nvGrpSpPr>
-      <p:grpSpPr>
-        <a:xfrm>
-          <a:off x="0" y="0"/>
-          <a:ext cx="0" cy="0"/>
-          <a:chOff x="0" y="0"/>
-          <a:chExt cx="0" cy="0"/>
-        </a:xfrm>
-      </p:grpSpPr>
-      <p:sp>
-        <p:nvSpPr>
-          <p:cNvPr id="2" name="Date Placeholder 1">
-            <a:extLst>
-              <a:ext uri="{FF2B5EF4-FFF2-40B4-BE49-F238E27FC236}">
-                <a16:creationId xmlns:a16="http://schemas.microsoft.com/office/drawing/2014/main" id="{2B8CAAFC-F0E6-F31E-198A-AA24CC49C316}"/>
-              </a:ext>
-            </a:extLst>
-          </p:cNvPr>
-          <p:cNvSpPr>
-            <a:spLocks noGrp="1"/>
-          </p:cNvSpPr>
-          <p:nvPr>
-            <p:ph type="dt" sz="half" idx="10"/>
-          </p:nvPr>
-        </p:nvSpPr>
-        <p:spPr/>
-        <p:txBody>
-          <a:bodyPr/>
-          <a:lstStyle/>
-          <a:p>
-            <a:r>
-              <a:rPr lang="LID4096"/>
-              <a:t>12/01/2023</a:t>
-            </a:r>
-            <a:endParaRPr lang="de-DE" dirty="0"/>
-          </a:p>
-        </p:txBody>
-      </p:sp>
-      <p:sp>
-        <p:nvSpPr>
-          <p:cNvPr id="3" name="Footer Placeholder 2">
-            <a:extLst>
-              <a:ext uri="{FF2B5EF4-FFF2-40B4-BE49-F238E27FC236}">
-                <a16:creationId xmlns:a16="http://schemas.microsoft.com/office/drawing/2014/main" id="{C49146C1-0EFA-7410-35A6-1C2B33E3E160}"/>
-              </a:ext>
-            </a:extLst>
-          </p:cNvPr>
-          <p:cNvSpPr>
-            <a:spLocks noGrp="1"/>
-          </p:cNvSpPr>
-          <p:nvPr>
-            <p:ph type="ftr" sz="quarter" idx="11"/>
-          </p:nvPr>
-        </p:nvSpPr>
-        <p:spPr/>
-        <p:txBody>
-          <a:bodyPr/>
-          <a:lstStyle/>
-          <a:p>
-            <a:r>
-              <a:rPr lang="en-US"/>
-              <a:t>Modeling of nonlinear Systems with LSTMs | Sebastian Hirt</a:t>
-            </a:r>
-            <a:endParaRPr lang="de-DE" dirty="0"/>
-          </a:p>
-        </p:txBody>
-      </p:sp>
-      <p:sp>
-        <p:nvSpPr>
-          <p:cNvPr id="4" name="Slide Number Placeholder 3">
-            <a:extLst>
-              <a:ext uri="{FF2B5EF4-FFF2-40B4-BE49-F238E27FC236}">
-                <a16:creationId xmlns:a16="http://schemas.microsoft.com/office/drawing/2014/main" id="{83EEE9A2-09B3-BA3D-B64B-856A8F226637}"/>
-              </a:ext>
-            </a:extLst>
-          </p:cNvPr>
-          <p:cNvSpPr>
-            <a:spLocks noGrp="1"/>
-          </p:cNvSpPr>
-          <p:nvPr>
-            <p:ph type="sldNum" sz="quarter" idx="12"/>
-          </p:nvPr>
-        </p:nvSpPr>
-        <p:spPr/>
-        <p:txBody>
-          <a:bodyPr/>
-          <a:lstStyle/>
-          <a:p>
-            <a:fld id="{D949F9DF-37BD-4CD6-BF49-65BA579E1D7A}" type="slidenum">
-              <a:rPr lang="de-DE" smtClean="0"/>
-              <a:pPr/>
-              <a:t>27</a:t>
-            </a:fld>
-            <a:endParaRPr lang="de-DE"/>
-          </a:p>
-        </p:txBody>
-      </p:sp>
-      <p:sp>
-        <p:nvSpPr>
-          <p:cNvPr id="5" name="Title 4">
-            <a:extLst>
-              <a:ext uri="{FF2B5EF4-FFF2-40B4-BE49-F238E27FC236}">
-                <a16:creationId xmlns:a16="http://schemas.microsoft.com/office/drawing/2014/main" id="{BBB354EA-F495-6050-38E7-B27B0D727096}"/>
-              </a:ext>
-            </a:extLst>
-          </p:cNvPr>
-          <p:cNvSpPr>
-            <a:spLocks noGrp="1"/>
-          </p:cNvSpPr>
-          <p:nvPr>
-            <p:ph type="title"/>
-          </p:nvPr>
-        </p:nvSpPr>
-        <p:spPr/>
-        <p:txBody>
-          <a:bodyPr/>
-          <a:lstStyle/>
-          <a:p>
-            <a:r>
-              <a:rPr lang="en-US" dirty="0"/>
-              <a:t>Evaluation – Pendulum complex</a:t>
-            </a:r>
-          </a:p>
-        </p:txBody>
-      </p:sp>
-      <p:sp>
-        <p:nvSpPr>
-          <p:cNvPr id="6" name="Text Placeholder 5">
-            <a:extLst>
-              <a:ext uri="{FF2B5EF4-FFF2-40B4-BE49-F238E27FC236}">
-                <a16:creationId xmlns:a16="http://schemas.microsoft.com/office/drawing/2014/main" id="{4761E152-B7EF-00B5-47FF-110705BBE7D4}"/>
-              </a:ext>
-            </a:extLst>
-          </p:cNvPr>
-          <p:cNvSpPr>
-            <a:spLocks noGrp="1"/>
-          </p:cNvSpPr>
-          <p:nvPr>
-            <p:ph type="body" sz="quarter" idx="17"/>
-          </p:nvPr>
-        </p:nvSpPr>
-        <p:spPr/>
-        <p:txBody>
-          <a:bodyPr/>
-          <a:lstStyle/>
-          <a:p>
-            <a:endParaRPr lang="en-US" sz="1800" dirty="0">
-              <a:effectLst/>
-              <a:latin typeface="Calibri" panose="020F0502020204030204" pitchFamily="34" charset="0"/>
-              <a:ea typeface="Calibri" panose="020F0502020204030204" pitchFamily="34" charset="0"/>
-              <a:cs typeface="Arial" panose="020B0604020202020204" pitchFamily="34" charset="0"/>
-            </a:endParaRPr>
-          </a:p>
-          <a:p>
-            <a:endParaRPr lang="en-US" sz="1800" dirty="0">
-              <a:effectLst/>
-              <a:latin typeface="Calibri" panose="020F0502020204030204" pitchFamily="34" charset="0"/>
-              <a:ea typeface="Calibri" panose="020F0502020204030204" pitchFamily="34" charset="0"/>
-              <a:cs typeface="Arial" panose="020B0604020202020204" pitchFamily="34" charset="0"/>
-            </a:endParaRPr>
-          </a:p>
-          <a:p>
-            <a:endParaRPr lang="en-US" dirty="0"/>
-          </a:p>
-          <a:p>
-            <a:endParaRPr lang="en-US" dirty="0"/>
-          </a:p>
-        </p:txBody>
-      </p:sp>
-      <p:pic>
-        <p:nvPicPr>
-          <p:cNvPr id="9" name="Picture 8">
-            <a:extLst>
-              <a:ext uri="{FF2B5EF4-FFF2-40B4-BE49-F238E27FC236}">
-                <a16:creationId xmlns:a16="http://schemas.microsoft.com/office/drawing/2014/main" id="{B27F1AAD-AC46-6E27-717A-7940CB92B426}"/>
-              </a:ext>
-            </a:extLst>
-          </p:cNvPr>
-          <p:cNvPicPr>
-            <a:picLocks noChangeAspect="1"/>
-          </p:cNvPicPr>
-          <p:nvPr/>
-        </p:nvPicPr>
-        <p:blipFill>
-          <a:blip r:embed="rId2"/>
-          <a:stretch>
-            <a:fillRect/>
-          </a:stretch>
-        </p:blipFill>
-        <p:spPr>
-          <a:xfrm>
-            <a:off x="713624" y="1924793"/>
-            <a:ext cx="10764752" cy="3867690"/>
-          </a:xfrm>
-          <a:prstGeom prst="rect">
-            <a:avLst/>
-          </a:prstGeom>
-        </p:spPr>
-      </p:pic>
-      <p:pic>
-        <p:nvPicPr>
-          <p:cNvPr id="10" name="Grafik 9">
-            <a:extLst>
-              <a:ext uri="{FF2B5EF4-FFF2-40B4-BE49-F238E27FC236}">
-                <a16:creationId xmlns:a16="http://schemas.microsoft.com/office/drawing/2014/main" id="{2A4BB932-02D1-D922-3865-4CA07B626BD7}"/>
-              </a:ext>
-            </a:extLst>
-          </p:cNvPr>
-          <p:cNvPicPr>
-            <a:picLocks noChangeAspect="1"/>
-          </p:cNvPicPr>
-          <p:nvPr/>
-        </p:nvPicPr>
-        <p:blipFill>
-          <a:blip r:embed="rId3">
-            <a:extLst>
-              <a:ext uri="{28A0092B-C50C-407E-A947-70E740481C1C}">
-                <a14:useLocalDpi xmlns:a14="http://schemas.microsoft.com/office/drawing/2010/main" val="0"/>
-              </a:ext>
-            </a:extLst>
-          </a:blip>
-          <a:stretch>
-            <a:fillRect/>
-          </a:stretch>
-        </p:blipFill>
-        <p:spPr>
-          <a:xfrm>
-            <a:off x="3169914" y="1234435"/>
-            <a:ext cx="5852172" cy="4389129"/>
-          </a:xfrm>
-          <a:prstGeom prst="rect">
-            <a:avLst/>
-          </a:prstGeom>
-        </p:spPr>
-      </p:pic>
-    </p:spTree>
-    <p:extLst>
-      <p:ext uri="{BB962C8B-B14F-4D97-AF65-F5344CB8AC3E}">
-        <p14:creationId xmlns:p14="http://schemas.microsoft.com/office/powerpoint/2010/main" val="1512079235"/>
-      </p:ext>
-    </p:extLst>
-  </p:cSld>
-  <p:clrMapOvr>
-    <a:masterClrMapping/>
-  </p:clrMapOvr>
-</p:sld>
-</file>
-
-<file path=ppt/slides/slide28.xml><?xml version="1.0" encoding="utf-8"?>
-<p:sld xmlns:a="http://schemas.openxmlformats.org/drawingml/2006/main" xmlns:r="http://schemas.openxmlformats.org/officeDocument/2006/relationships" xmlns:p="http://schemas.openxmlformats.org/presentationml/2006/main">
-  <p:cSld>
-    <p:spTree>
-      <p:nvGrpSpPr>
-        <p:cNvPr id="1" name=""/>
-        <p:cNvGrpSpPr/>
-        <p:nvPr/>
-      </p:nvGrpSpPr>
-      <p:grpSpPr>
-        <a:xfrm>
-          <a:off x="0" y="0"/>
-          <a:ext cx="0" cy="0"/>
-          <a:chOff x="0" y="0"/>
-          <a:chExt cx="0" cy="0"/>
-        </a:xfrm>
-      </p:grpSpPr>
-      <p:sp>
-        <p:nvSpPr>
-          <p:cNvPr id="2" name="Date Placeholder 1">
-            <a:extLst>
-              <a:ext uri="{FF2B5EF4-FFF2-40B4-BE49-F238E27FC236}">
-                <a16:creationId xmlns:a16="http://schemas.microsoft.com/office/drawing/2014/main" id="{2B8CAAFC-F0E6-F31E-198A-AA24CC49C316}"/>
-              </a:ext>
-            </a:extLst>
-          </p:cNvPr>
-          <p:cNvSpPr>
-            <a:spLocks noGrp="1"/>
-          </p:cNvSpPr>
-          <p:nvPr>
-            <p:ph type="dt" sz="half" idx="10"/>
-          </p:nvPr>
-        </p:nvSpPr>
-        <p:spPr/>
-        <p:txBody>
-          <a:bodyPr/>
-          <a:lstStyle/>
-          <a:p>
-            <a:r>
-              <a:rPr lang="LID4096"/>
-              <a:t>12/01/2023</a:t>
-            </a:r>
-            <a:endParaRPr lang="de-DE" dirty="0"/>
-          </a:p>
-        </p:txBody>
-      </p:sp>
-      <p:sp>
-        <p:nvSpPr>
-          <p:cNvPr id="3" name="Footer Placeholder 2">
-            <a:extLst>
-              <a:ext uri="{FF2B5EF4-FFF2-40B4-BE49-F238E27FC236}">
-                <a16:creationId xmlns:a16="http://schemas.microsoft.com/office/drawing/2014/main" id="{C49146C1-0EFA-7410-35A6-1C2B33E3E160}"/>
-              </a:ext>
-            </a:extLst>
-          </p:cNvPr>
-          <p:cNvSpPr>
-            <a:spLocks noGrp="1"/>
-          </p:cNvSpPr>
-          <p:nvPr>
-            <p:ph type="ftr" sz="quarter" idx="11"/>
-          </p:nvPr>
-        </p:nvSpPr>
-        <p:spPr/>
-        <p:txBody>
-          <a:bodyPr/>
-          <a:lstStyle/>
-          <a:p>
-            <a:r>
-              <a:rPr lang="en-US"/>
-              <a:t>Modeling of nonlinear Systems with LSTMs | Sebastian Hirt</a:t>
-            </a:r>
-            <a:endParaRPr lang="de-DE" dirty="0"/>
-          </a:p>
-        </p:txBody>
-      </p:sp>
-      <p:sp>
-        <p:nvSpPr>
-          <p:cNvPr id="4" name="Slide Number Placeholder 3">
-            <a:extLst>
-              <a:ext uri="{FF2B5EF4-FFF2-40B4-BE49-F238E27FC236}">
-                <a16:creationId xmlns:a16="http://schemas.microsoft.com/office/drawing/2014/main" id="{83EEE9A2-09B3-BA3D-B64B-856A8F226637}"/>
-              </a:ext>
-            </a:extLst>
-          </p:cNvPr>
-          <p:cNvSpPr>
-            <a:spLocks noGrp="1"/>
-          </p:cNvSpPr>
-          <p:nvPr>
-            <p:ph type="sldNum" sz="quarter" idx="12"/>
-          </p:nvPr>
-        </p:nvSpPr>
-        <p:spPr/>
-        <p:txBody>
-          <a:bodyPr/>
-          <a:lstStyle/>
-          <a:p>
-            <a:fld id="{D949F9DF-37BD-4CD6-BF49-65BA579E1D7A}" type="slidenum">
-              <a:rPr lang="de-DE" smtClean="0"/>
-              <a:pPr/>
-              <a:t>28</a:t>
-            </a:fld>
-            <a:endParaRPr lang="de-DE"/>
-          </a:p>
-        </p:txBody>
-      </p:sp>
-      <p:sp>
-        <p:nvSpPr>
-          <p:cNvPr id="5" name="Title 4">
-            <a:extLst>
-              <a:ext uri="{FF2B5EF4-FFF2-40B4-BE49-F238E27FC236}">
-                <a16:creationId xmlns:a16="http://schemas.microsoft.com/office/drawing/2014/main" id="{BBB354EA-F495-6050-38E7-B27B0D727096}"/>
-              </a:ext>
-            </a:extLst>
-          </p:cNvPr>
-          <p:cNvSpPr>
-            <a:spLocks noGrp="1"/>
-          </p:cNvSpPr>
-          <p:nvPr>
-            <p:ph type="title"/>
-          </p:nvPr>
-        </p:nvSpPr>
-        <p:spPr/>
-        <p:txBody>
-          <a:bodyPr/>
-          <a:lstStyle/>
-          <a:p>
-            <a:r>
-              <a:rPr lang="en-US" dirty="0"/>
-              <a:t>Conclusion and Future Work</a:t>
-            </a:r>
-          </a:p>
-        </p:txBody>
-      </p:sp>
-      <p:sp>
-        <p:nvSpPr>
-          <p:cNvPr id="6" name="Text Placeholder 5">
-            <a:extLst>
-              <a:ext uri="{FF2B5EF4-FFF2-40B4-BE49-F238E27FC236}">
-                <a16:creationId xmlns:a16="http://schemas.microsoft.com/office/drawing/2014/main" id="{4761E152-B7EF-00B5-47FF-110705BBE7D4}"/>
-              </a:ext>
-            </a:extLst>
-          </p:cNvPr>
-          <p:cNvSpPr>
-            <a:spLocks noGrp="1"/>
-          </p:cNvSpPr>
-          <p:nvPr>
-            <p:ph type="body" sz="quarter" idx="17"/>
-          </p:nvPr>
-        </p:nvSpPr>
-        <p:spPr/>
-        <p:txBody>
-          <a:bodyPr/>
-          <a:lstStyle/>
-          <a:p>
-            <a:r>
-              <a:rPr lang="en-US" dirty="0"/>
-              <a:t>Difficulties in training for larger model</a:t>
-            </a:r>
-          </a:p>
-          <a:p>
-            <a:r>
-              <a:rPr lang="en-US" dirty="0"/>
-              <a:t>Clear ability to predict nonlinear system</a:t>
-            </a:r>
-          </a:p>
-          <a:p>
-            <a:r>
-              <a:rPr lang="en-US" dirty="0"/>
-              <a:t>Error spikes on input change</a:t>
-            </a:r>
-          </a:p>
-          <a:p>
-            <a:r>
-              <a:rPr lang="en-US" dirty="0"/>
-              <a:t>Recommendation:</a:t>
-            </a:r>
-          </a:p>
-          <a:p>
-            <a:pPr lvl="1"/>
-            <a:r>
-              <a:rPr lang="en-US" dirty="0"/>
-              <a:t>Use 2 LSTM layers with 32/64 nodes and learning rate of 0.01 for similar systems</a:t>
-            </a:r>
-          </a:p>
-          <a:p>
-            <a:pPr lvl="1"/>
-            <a:r>
-              <a:rPr lang="en-US" dirty="0"/>
-              <a:t>New hyperparameter search for different systems</a:t>
-            </a:r>
-          </a:p>
-          <a:p>
-            <a:r>
-              <a:rPr lang="en-US" dirty="0"/>
-              <a:t>Analysis on what and how much training data is necessary to achieve good results</a:t>
-            </a:r>
-          </a:p>
-          <a:p>
-            <a:r>
-              <a:rPr lang="en-US" dirty="0"/>
-              <a:t>Testing for more complex ODEs</a:t>
-            </a:r>
-          </a:p>
-          <a:p>
-            <a:r>
-              <a:rPr lang="en-US" dirty="0"/>
-              <a:t>Deeper look into training instabilities necessary for larger models</a:t>
-            </a:r>
-          </a:p>
-          <a:p>
-            <a:endParaRPr lang="en-US" dirty="0"/>
-          </a:p>
-          <a:p>
-            <a:endParaRPr lang="en-US" sz="1800" dirty="0">
-              <a:effectLst/>
-              <a:latin typeface="Calibri" panose="020F0502020204030204" pitchFamily="34" charset="0"/>
-              <a:ea typeface="Calibri" panose="020F0502020204030204" pitchFamily="34" charset="0"/>
-              <a:cs typeface="Arial" panose="020B0604020202020204" pitchFamily="34" charset="0"/>
-            </a:endParaRPr>
-          </a:p>
-          <a:p>
-            <a:endParaRPr lang="en-US" sz="1800" dirty="0">
-              <a:effectLst/>
-              <a:latin typeface="Calibri" panose="020F0502020204030204" pitchFamily="34" charset="0"/>
-              <a:ea typeface="Calibri" panose="020F0502020204030204" pitchFamily="34" charset="0"/>
-              <a:cs typeface="Arial" panose="020B0604020202020204" pitchFamily="34" charset="0"/>
-            </a:endParaRPr>
-          </a:p>
-          <a:p>
-            <a:endParaRPr lang="en-US" dirty="0"/>
-          </a:p>
-          <a:p>
-            <a:endParaRPr lang="en-US" dirty="0"/>
-          </a:p>
-        </p:txBody>
-      </p:sp>
-    </p:spTree>
-    <p:extLst>
-      <p:ext uri="{BB962C8B-B14F-4D97-AF65-F5344CB8AC3E}">
-        <p14:creationId xmlns:p14="http://schemas.microsoft.com/office/powerpoint/2010/main" val="3217722209"/>
-      </p:ext>
-    </p:extLst>
-  </p:cSld>
-  <p:clrMapOvr>
-    <a:masterClrMapping/>
-  </p:clrMapOvr>
-</p:sld>
-</file>
-
-<file path=ppt/slides/slide29.xml><?xml version="1.0" encoding="utf-8"?>
-<p:sld xmlns:a="http://schemas.openxmlformats.org/drawingml/2006/main" xmlns:r="http://schemas.openxmlformats.org/officeDocument/2006/relationships" xmlns:p="http://schemas.openxmlformats.org/presentationml/2006/main">
-  <p:cSld>
-    <p:spTree>
-      <p:nvGrpSpPr>
-        <p:cNvPr id="1" name=""/>
-        <p:cNvGrpSpPr/>
-        <p:nvPr/>
-      </p:nvGrpSpPr>
-      <p:grpSpPr>
-        <a:xfrm>
-          <a:off x="0" y="0"/>
-          <a:ext cx="0" cy="0"/>
-          <a:chOff x="0" y="0"/>
-          <a:chExt cx="0" cy="0"/>
-        </a:xfrm>
-      </p:grpSpPr>
-      <p:sp>
-        <p:nvSpPr>
-          <p:cNvPr id="2" name="Textplatzhalter 1">
-            <a:extLst>
-              <a:ext uri="{FF2B5EF4-FFF2-40B4-BE49-F238E27FC236}">
-                <a16:creationId xmlns:a16="http://schemas.microsoft.com/office/drawing/2014/main" id="{D671D917-0E7D-044A-A553-3607B76DD26D}"/>
-              </a:ext>
-            </a:extLst>
-          </p:cNvPr>
-          <p:cNvSpPr>
-            <a:spLocks noGrp="1"/>
-          </p:cNvSpPr>
-          <p:nvPr>
-            <p:ph type="body" sz="quarter" idx="13"/>
-          </p:nvPr>
-        </p:nvSpPr>
-        <p:spPr>
-          <a:xfrm>
-            <a:off x="518317" y="3054250"/>
-            <a:ext cx="11157745" cy="749501"/>
-          </a:xfrm>
-        </p:spPr>
-        <p:txBody>
-          <a:bodyPr/>
-          <a:lstStyle/>
-          <a:p>
-            <a:r>
-              <a:rPr lang="de-DE" dirty="0" err="1"/>
-              <a:t>Thank</a:t>
-            </a:r>
-            <a:r>
-              <a:rPr lang="de-DE" dirty="0"/>
-              <a:t> </a:t>
-            </a:r>
-            <a:r>
-              <a:rPr lang="de-DE" dirty="0" err="1"/>
-              <a:t>You</a:t>
-            </a:r>
-            <a:r>
-              <a:rPr lang="de-DE" dirty="0"/>
-              <a:t>!</a:t>
-            </a:r>
-          </a:p>
-        </p:txBody>
-      </p:sp>
-    </p:spTree>
-    <p:extLst>
-      <p:ext uri="{BB962C8B-B14F-4D97-AF65-F5344CB8AC3E}">
-        <p14:creationId xmlns:p14="http://schemas.microsoft.com/office/powerpoint/2010/main" val="1185948968"/>
-      </p:ext>
-    </p:extLst>
-  </p:cSld>
-  <p:clrMapOvr>
-    <a:masterClrMapping/>
-  </p:clrMapOvr>
-</p:sld>
-</file>
-
-<file path=ppt/slides/slide3.xml><?xml version="1.0" encoding="utf-8"?>
-<p:sld xmlns:a="http://schemas.openxmlformats.org/drawingml/2006/main" xmlns:r="http://schemas.openxmlformats.org/officeDocument/2006/relationships" xmlns:p="http://schemas.openxmlformats.org/presentationml/2006/main">
-  <p:cSld>
-    <p:spTree>
-      <p:nvGrpSpPr>
-        <p:cNvPr id="1" name=""/>
-        <p:cNvGrpSpPr/>
-        <p:nvPr/>
-      </p:nvGrpSpPr>
-      <p:grpSpPr>
-        <a:xfrm>
-          <a:off x="0" y="0"/>
-          <a:ext cx="0" cy="0"/>
-          <a:chOff x="0" y="0"/>
-          <a:chExt cx="0" cy="0"/>
-        </a:xfrm>
-      </p:grpSpPr>
-      <p:sp>
-        <p:nvSpPr>
-          <p:cNvPr id="21" name="Titel 20">
-            <a:extLst>
-              <a:ext uri="{FF2B5EF4-FFF2-40B4-BE49-F238E27FC236}">
-                <a16:creationId xmlns:a16="http://schemas.microsoft.com/office/drawing/2014/main" id="{3018BD05-96D8-43F2-A6AA-CC40E7C32CCE}"/>
-              </a:ext>
-            </a:extLst>
-          </p:cNvPr>
-          <p:cNvSpPr>
-            <a:spLocks noGrp="1"/>
-          </p:cNvSpPr>
-          <p:nvPr>
-            <p:ph type="title"/>
-          </p:nvPr>
-        </p:nvSpPr>
-        <p:spPr>
-          <a:xfrm>
-            <a:off x="518318" y="3152001"/>
-            <a:ext cx="11157743" cy="553998"/>
-          </a:xfrm>
-        </p:spPr>
-        <p:txBody>
-          <a:bodyPr/>
-          <a:lstStyle/>
-          <a:p>
-            <a:r>
-              <a:rPr lang="de-DE" dirty="0" err="1"/>
-              <a:t>Introduction</a:t>
-            </a:r>
-            <a:endParaRPr lang="de-DE" dirty="0"/>
-          </a:p>
-        </p:txBody>
-      </p:sp>
-      <p:sp>
-        <p:nvSpPr>
-          <p:cNvPr id="2" name="Datumsplatzhalter 1">
-            <a:extLst>
-              <a:ext uri="{FF2B5EF4-FFF2-40B4-BE49-F238E27FC236}">
-                <a16:creationId xmlns:a16="http://schemas.microsoft.com/office/drawing/2014/main" id="{FE7214E1-5D14-4D0B-BADD-2E239FECEC10}"/>
-              </a:ext>
-            </a:extLst>
-          </p:cNvPr>
-          <p:cNvSpPr>
-            <a:spLocks noGrp="1"/>
-          </p:cNvSpPr>
-          <p:nvPr>
-            <p:ph type="dt" sz="half" idx="10"/>
-          </p:nvPr>
-        </p:nvSpPr>
-        <p:spPr/>
-        <p:txBody>
-          <a:bodyPr/>
-          <a:lstStyle/>
-          <a:p>
-            <a:r>
-              <a:rPr lang="LID4096" dirty="0"/>
-              <a:t>12/01/2023</a:t>
-            </a:r>
-            <a:endParaRPr lang="de-DE" dirty="0"/>
-          </a:p>
-        </p:txBody>
-      </p:sp>
-      <p:sp>
-        <p:nvSpPr>
-          <p:cNvPr id="3" name="Fußzeilenplatzhalter 2">
-            <a:extLst>
-              <a:ext uri="{FF2B5EF4-FFF2-40B4-BE49-F238E27FC236}">
-                <a16:creationId xmlns:a16="http://schemas.microsoft.com/office/drawing/2014/main" id="{6A6AD034-0F65-47AF-9CAA-C4B0CEB30D4D}"/>
-              </a:ext>
-            </a:extLst>
-          </p:cNvPr>
-          <p:cNvSpPr>
-            <a:spLocks noGrp="1"/>
-          </p:cNvSpPr>
-          <p:nvPr>
-            <p:ph type="ftr" sz="quarter" idx="11"/>
-          </p:nvPr>
-        </p:nvSpPr>
-        <p:spPr/>
-        <p:txBody>
-          <a:bodyPr/>
-          <a:lstStyle/>
-          <a:p>
-            <a:r>
-              <a:rPr lang="en-US"/>
-              <a:t>Modeling of nonlinear Systems with LSTMs | Sebastian Hirt</a:t>
-            </a:r>
-            <a:endParaRPr lang="de-DE" dirty="0"/>
-          </a:p>
-        </p:txBody>
-      </p:sp>
-      <p:sp>
-        <p:nvSpPr>
-          <p:cNvPr id="4" name="Foliennummernplatzhalter 3">
-            <a:extLst>
-              <a:ext uri="{FF2B5EF4-FFF2-40B4-BE49-F238E27FC236}">
-                <a16:creationId xmlns:a16="http://schemas.microsoft.com/office/drawing/2014/main" id="{00F7E098-F740-40F7-A085-7034627D9148}"/>
-              </a:ext>
-            </a:extLst>
-          </p:cNvPr>
-          <p:cNvSpPr>
-            <a:spLocks noGrp="1"/>
-          </p:cNvSpPr>
-          <p:nvPr>
-            <p:ph type="sldNum" sz="quarter" idx="12"/>
-          </p:nvPr>
-        </p:nvSpPr>
-        <p:spPr/>
-        <p:txBody>
-          <a:bodyPr/>
-          <a:lstStyle/>
-          <a:p>
-            <a:fld id="{D949F9DF-37BD-4CD6-BF49-65BA579E1D7A}" type="slidenum">
-              <a:rPr lang="de-DE" smtClean="0"/>
-              <a:pPr/>
-              <a:t>3</a:t>
-            </a:fld>
-            <a:endParaRPr lang="de-DE"/>
-          </a:p>
-        </p:txBody>
-      </p:sp>
-    </p:spTree>
-    <p:extLst>
-      <p:ext uri="{BB962C8B-B14F-4D97-AF65-F5344CB8AC3E}">
-        <p14:creationId xmlns:p14="http://schemas.microsoft.com/office/powerpoint/2010/main" val="1433872768"/>
-      </p:ext>
-    </p:extLst>
-  </p:cSld>
-  <p:clrMapOvr>
-    <a:masterClrMapping/>
-  </p:clrMapOvr>
-</p:sld>
-</file>
-
-<file path=ppt/slides/slide30.xml><?xml version="1.0" encoding="utf-8"?>
-<p:sld xmlns:a="http://schemas.openxmlformats.org/drawingml/2006/main" xmlns:r="http://schemas.openxmlformats.org/officeDocument/2006/relationships" xmlns:p="http://schemas.openxmlformats.org/presentationml/2006/main">
-  <p:cSld>
-    <p:spTree>
-      <p:nvGrpSpPr>
-        <p:cNvPr id="1" name=""/>
-        <p:cNvGrpSpPr/>
-        <p:nvPr/>
-      </p:nvGrpSpPr>
-      <p:grpSpPr>
-        <a:xfrm>
-          <a:off x="0" y="0"/>
-          <a:ext cx="0" cy="0"/>
-          <a:chOff x="0" y="0"/>
-          <a:chExt cx="0" cy="0"/>
-        </a:xfrm>
-      </p:grpSpPr>
-      <p:sp>
-        <p:nvSpPr>
-          <p:cNvPr id="2" name="Date Placeholder 1">
-            <a:extLst>
-              <a:ext uri="{FF2B5EF4-FFF2-40B4-BE49-F238E27FC236}">
-                <a16:creationId xmlns:a16="http://schemas.microsoft.com/office/drawing/2014/main" id="{CFFCB9CD-02EF-89B5-BC22-FE06DFC282FC}"/>
-              </a:ext>
-            </a:extLst>
-          </p:cNvPr>
-          <p:cNvSpPr>
-            <a:spLocks noGrp="1"/>
-          </p:cNvSpPr>
-          <p:nvPr>
-            <p:ph type="dt" sz="half" idx="10"/>
-          </p:nvPr>
-        </p:nvSpPr>
-        <p:spPr/>
-        <p:txBody>
-          <a:bodyPr/>
-          <a:lstStyle/>
-          <a:p>
-            <a:r>
-              <a:rPr lang="LID4096"/>
-              <a:t>12/01/2023</a:t>
-            </a:r>
-            <a:endParaRPr lang="de-DE" dirty="0"/>
-          </a:p>
-        </p:txBody>
-      </p:sp>
-      <p:sp>
-        <p:nvSpPr>
-          <p:cNvPr id="3" name="Footer Placeholder 2">
-            <a:extLst>
-              <a:ext uri="{FF2B5EF4-FFF2-40B4-BE49-F238E27FC236}">
-                <a16:creationId xmlns:a16="http://schemas.microsoft.com/office/drawing/2014/main" id="{91240B7B-08A4-CDC7-F299-7C5FC62E8760}"/>
-              </a:ext>
-            </a:extLst>
-          </p:cNvPr>
-          <p:cNvSpPr>
-            <a:spLocks noGrp="1"/>
-          </p:cNvSpPr>
-          <p:nvPr>
-            <p:ph type="ftr" sz="quarter" idx="11"/>
-          </p:nvPr>
-        </p:nvSpPr>
-        <p:spPr/>
-        <p:txBody>
-          <a:bodyPr/>
-          <a:lstStyle/>
-          <a:p>
-            <a:r>
-              <a:rPr lang="en-US"/>
-              <a:t>Modeling of nonlinear Systems with LSTMs | Sebastian Hirt</a:t>
-            </a:r>
-            <a:endParaRPr lang="de-DE" dirty="0"/>
-          </a:p>
-        </p:txBody>
-      </p:sp>
-      <p:sp>
-        <p:nvSpPr>
-          <p:cNvPr id="4" name="Slide Number Placeholder 3">
-            <a:extLst>
-              <a:ext uri="{FF2B5EF4-FFF2-40B4-BE49-F238E27FC236}">
-                <a16:creationId xmlns:a16="http://schemas.microsoft.com/office/drawing/2014/main" id="{0ADF7B76-53F5-97A1-747F-EA440E26684D}"/>
-              </a:ext>
-            </a:extLst>
-          </p:cNvPr>
-          <p:cNvSpPr>
-            <a:spLocks noGrp="1"/>
-          </p:cNvSpPr>
-          <p:nvPr>
-            <p:ph type="sldNum" sz="quarter" idx="12"/>
-          </p:nvPr>
-        </p:nvSpPr>
-        <p:spPr/>
-        <p:txBody>
-          <a:bodyPr/>
-          <a:lstStyle/>
-          <a:p>
-            <a:fld id="{D949F9DF-37BD-4CD6-BF49-65BA579E1D7A}" type="slidenum">
-              <a:rPr lang="de-DE" smtClean="0"/>
-              <a:pPr/>
-              <a:t>30</a:t>
-            </a:fld>
-            <a:endParaRPr lang="de-DE"/>
-          </a:p>
-        </p:txBody>
-      </p:sp>
-      <p:sp>
-        <p:nvSpPr>
-          <p:cNvPr id="5" name="Title 4">
-            <a:extLst>
-              <a:ext uri="{FF2B5EF4-FFF2-40B4-BE49-F238E27FC236}">
-                <a16:creationId xmlns:a16="http://schemas.microsoft.com/office/drawing/2014/main" id="{BE0068B1-646F-6A77-8AD6-118E6571CA36}"/>
-              </a:ext>
-            </a:extLst>
-          </p:cNvPr>
-          <p:cNvSpPr>
-            <a:spLocks noGrp="1"/>
-          </p:cNvSpPr>
-          <p:nvPr>
-            <p:ph type="title"/>
-          </p:nvPr>
-        </p:nvSpPr>
-        <p:spPr/>
-        <p:txBody>
-          <a:bodyPr/>
-          <a:lstStyle/>
-          <a:p>
-            <a:r>
-              <a:rPr lang="en-US" dirty="0"/>
-              <a:t>References</a:t>
-            </a:r>
-          </a:p>
-        </p:txBody>
-      </p:sp>
-      <p:sp>
-        <p:nvSpPr>
-          <p:cNvPr id="6" name="Text Placeholder 5">
-            <a:extLst>
-              <a:ext uri="{FF2B5EF4-FFF2-40B4-BE49-F238E27FC236}">
-                <a16:creationId xmlns:a16="http://schemas.microsoft.com/office/drawing/2014/main" id="{184522D3-9A27-7215-1F56-189F29A0E890}"/>
-              </a:ext>
-            </a:extLst>
-          </p:cNvPr>
-          <p:cNvSpPr>
-            <a:spLocks noGrp="1"/>
-          </p:cNvSpPr>
-          <p:nvPr>
-            <p:ph type="body" sz="quarter" idx="17"/>
-          </p:nvPr>
-        </p:nvSpPr>
-        <p:spPr>
-          <a:xfrm>
-            <a:off x="518319" y="1498060"/>
-            <a:ext cx="11358942" cy="4721156"/>
-          </a:xfrm>
-        </p:spPr>
-        <p:txBody>
-          <a:bodyPr/>
-          <a:lstStyle/>
-          <a:p>
-            <a:pPr fontAlgn="base"/>
-            <a:r>
-              <a:rPr lang="en-US" b="0" i="0" dirty="0">
-                <a:solidFill>
-                  <a:srgbClr val="21262B"/>
-                </a:solidFill>
-                <a:effectLst/>
-                <a:latin typeface="inherit"/>
-              </a:rPr>
-              <a:t>Yu, Y., Si, X., Hu, C., &amp; Zhang, J. (2019). A review of recurrent neural networks: LSTM cells and network architectures. </a:t>
-            </a:r>
-            <a:r>
-              <a:rPr lang="en-US" b="0" i="1" dirty="0">
-                <a:solidFill>
-                  <a:srgbClr val="21262B"/>
-                </a:solidFill>
-                <a:effectLst/>
-                <a:latin typeface="inherit"/>
-              </a:rPr>
-              <a:t>Neural Computation</a:t>
-            </a:r>
-            <a:r>
-              <a:rPr lang="en-US" b="0" i="0" dirty="0">
-                <a:solidFill>
-                  <a:srgbClr val="21262B"/>
-                </a:solidFill>
-                <a:effectLst/>
-                <a:latin typeface="inherit"/>
-              </a:rPr>
-              <a:t>, </a:t>
-            </a:r>
-            <a:r>
-              <a:rPr lang="en-US" b="0" i="1" dirty="0">
-                <a:solidFill>
-                  <a:srgbClr val="21262B"/>
-                </a:solidFill>
-                <a:effectLst/>
-                <a:latin typeface="inherit"/>
-              </a:rPr>
-              <a:t>31</a:t>
-            </a:r>
-            <a:r>
-              <a:rPr lang="en-US" b="0" i="0" dirty="0">
-                <a:solidFill>
-                  <a:srgbClr val="21262B"/>
-                </a:solidFill>
-                <a:effectLst/>
-                <a:latin typeface="inherit"/>
-              </a:rPr>
-              <a:t>(7), 1235–1270.</a:t>
-            </a:r>
-          </a:p>
-          <a:p>
-            <a:pPr fontAlgn="base"/>
-            <a:r>
-              <a:rPr lang="en-US" b="0" i="0" dirty="0" err="1">
-                <a:solidFill>
-                  <a:srgbClr val="21262B"/>
-                </a:solidFill>
-                <a:effectLst/>
-                <a:latin typeface="inherit"/>
-              </a:rPr>
-              <a:t>Werbos</a:t>
-            </a:r>
-            <a:r>
-              <a:rPr lang="en-US" b="0" i="0" dirty="0">
-                <a:solidFill>
-                  <a:srgbClr val="21262B"/>
-                </a:solidFill>
-                <a:effectLst/>
-                <a:latin typeface="inherit"/>
-              </a:rPr>
-              <a:t>, P. (1990). Backpropagation through time: what it does and how to do it. Proceedings of the IEEE, 78(10), 1550–1560.</a:t>
-            </a:r>
-          </a:p>
-          <a:p>
-            <a:pPr marL="0" indent="0" fontAlgn="base">
-              <a:buNone/>
-            </a:pPr>
-            <a:endParaRPr lang="en-US" b="0" i="0" dirty="0">
-              <a:solidFill>
-                <a:srgbClr val="21262B"/>
-              </a:solidFill>
-              <a:effectLst/>
-              <a:latin typeface="inherit"/>
-            </a:endParaRPr>
-          </a:p>
-        </p:txBody>
-      </p:sp>
-    </p:spTree>
-    <p:extLst>
-      <p:ext uri="{BB962C8B-B14F-4D97-AF65-F5344CB8AC3E}">
-        <p14:creationId xmlns:p14="http://schemas.microsoft.com/office/powerpoint/2010/main" val="2739666088"/>
-      </p:ext>
-    </p:extLst>
-  </p:cSld>
-  <p:clrMapOvr>
-    <a:masterClrMapping/>
-  </p:clrMapOvr>
-</p:sld>
-</file>
-
-<file path=ppt/slides/slide31.xml><?xml version="1.0" encoding="utf-8"?>
-<p:sld xmlns:a="http://schemas.openxmlformats.org/drawingml/2006/main" xmlns:r="http://schemas.openxmlformats.org/officeDocument/2006/relationships" xmlns:p="http://schemas.openxmlformats.org/presentationml/2006/main">
-  <p:cSld>
-    <p:spTree>
-      <p:nvGrpSpPr>
-        <p:cNvPr id="1" name=""/>
-        <p:cNvGrpSpPr/>
-        <p:nvPr/>
-      </p:nvGrpSpPr>
-      <p:grpSpPr>
-        <a:xfrm>
-          <a:off x="0" y="0"/>
-          <a:ext cx="0" cy="0"/>
-          <a:chOff x="0" y="0"/>
-          <a:chExt cx="0" cy="0"/>
-        </a:xfrm>
-      </p:grpSpPr>
-      <p:sp>
-        <p:nvSpPr>
-          <p:cNvPr id="2" name="Date Placeholder 1">
-            <a:extLst>
-              <a:ext uri="{FF2B5EF4-FFF2-40B4-BE49-F238E27FC236}">
-                <a16:creationId xmlns:a16="http://schemas.microsoft.com/office/drawing/2014/main" id="{2B8CAAFC-F0E6-F31E-198A-AA24CC49C316}"/>
-              </a:ext>
-            </a:extLst>
-          </p:cNvPr>
-          <p:cNvSpPr>
-            <a:spLocks noGrp="1"/>
-          </p:cNvSpPr>
-          <p:nvPr>
-            <p:ph type="dt" sz="half" idx="10"/>
-          </p:nvPr>
-        </p:nvSpPr>
-        <p:spPr/>
-        <p:txBody>
-          <a:bodyPr/>
-          <a:lstStyle/>
-          <a:p>
-            <a:r>
-              <a:rPr lang="LID4096"/>
-              <a:t>12/01/2023</a:t>
-            </a:r>
-            <a:endParaRPr lang="de-DE" dirty="0"/>
-          </a:p>
-        </p:txBody>
-      </p:sp>
-      <p:sp>
-        <p:nvSpPr>
-          <p:cNvPr id="3" name="Footer Placeholder 2">
-            <a:extLst>
-              <a:ext uri="{FF2B5EF4-FFF2-40B4-BE49-F238E27FC236}">
-                <a16:creationId xmlns:a16="http://schemas.microsoft.com/office/drawing/2014/main" id="{C49146C1-0EFA-7410-35A6-1C2B33E3E160}"/>
-              </a:ext>
-            </a:extLst>
-          </p:cNvPr>
-          <p:cNvSpPr>
-            <a:spLocks noGrp="1"/>
-          </p:cNvSpPr>
-          <p:nvPr>
-            <p:ph type="ftr" sz="quarter" idx="11"/>
-          </p:nvPr>
-        </p:nvSpPr>
-        <p:spPr/>
-        <p:txBody>
-          <a:bodyPr/>
-          <a:lstStyle/>
-          <a:p>
-            <a:r>
-              <a:rPr lang="en-US"/>
-              <a:t>Modeling of nonlinear Systems with LSTMs | Sebastian Hirt</a:t>
-            </a:r>
-            <a:endParaRPr lang="de-DE" dirty="0"/>
-          </a:p>
-        </p:txBody>
-      </p:sp>
-      <p:sp>
-        <p:nvSpPr>
-          <p:cNvPr id="4" name="Slide Number Placeholder 3">
-            <a:extLst>
-              <a:ext uri="{FF2B5EF4-FFF2-40B4-BE49-F238E27FC236}">
-                <a16:creationId xmlns:a16="http://schemas.microsoft.com/office/drawing/2014/main" id="{83EEE9A2-09B3-BA3D-B64B-856A8F226637}"/>
-              </a:ext>
-            </a:extLst>
-          </p:cNvPr>
-          <p:cNvSpPr>
-            <a:spLocks noGrp="1"/>
-          </p:cNvSpPr>
-          <p:nvPr>
-            <p:ph type="sldNum" sz="quarter" idx="12"/>
-          </p:nvPr>
-        </p:nvSpPr>
-        <p:spPr/>
-        <p:txBody>
-          <a:bodyPr/>
-          <a:lstStyle/>
-          <a:p>
-            <a:fld id="{D949F9DF-37BD-4CD6-BF49-65BA579E1D7A}" type="slidenum">
-              <a:rPr lang="de-DE" smtClean="0"/>
-              <a:pPr/>
-              <a:t>31</a:t>
             </a:fld>
             <a:endParaRPr lang="de-DE"/>
           </a:p>
@@ -16214,7 +14751,7 @@
 </p:sld>
 </file>
 
-<file path=ppt/slides/slide32.xml><?xml version="1.0" encoding="utf-8"?>
+<file path=ppt/slides/slide25.xml><?xml version="1.0" encoding="utf-8"?>
 <p:sld xmlns:a="http://schemas.openxmlformats.org/drawingml/2006/main" xmlns:r="http://schemas.openxmlformats.org/officeDocument/2006/relationships" xmlns:p="http://schemas.openxmlformats.org/presentationml/2006/main">
   <p:cSld>
     <p:spTree>
@@ -16313,7 +14850,7 @@
             <a:fld id="{D949F9DF-37BD-4CD6-BF49-65BA579E1D7A}" type="slidenum">
               <a:rPr lang="de-DE" smtClean="0"/>
               <a:pPr/>
-              <a:t>32</a:t>
+              <a:t>25</a:t>
             </a:fld>
             <a:endParaRPr lang="de-DE"/>
           </a:p>
@@ -16984,6 +15521,158 @@
 </p:sld>
 </file>
 
+<file path=ppt/slides/slide3.xml><?xml version="1.0" encoding="utf-8"?>
+<p:sld xmlns:a="http://schemas.openxmlformats.org/drawingml/2006/main" xmlns:r="http://schemas.openxmlformats.org/officeDocument/2006/relationships" xmlns:p="http://schemas.openxmlformats.org/presentationml/2006/main">
+  <p:cSld>
+    <p:spTree>
+      <p:nvGrpSpPr>
+        <p:cNvPr id="1" name=""/>
+        <p:cNvGrpSpPr/>
+        <p:nvPr/>
+      </p:nvGrpSpPr>
+      <p:grpSpPr>
+        <a:xfrm>
+          <a:off x="0" y="0"/>
+          <a:ext cx="0" cy="0"/>
+          <a:chOff x="0" y="0"/>
+          <a:chExt cx="0" cy="0"/>
+        </a:xfrm>
+      </p:grpSpPr>
+      <p:sp>
+        <p:nvSpPr>
+          <p:cNvPr id="21" name="Titel 20">
+            <a:extLst>
+              <a:ext uri="{FF2B5EF4-FFF2-40B4-BE49-F238E27FC236}">
+                <a16:creationId xmlns:a16="http://schemas.microsoft.com/office/drawing/2014/main" id="{3018BD05-96D8-43F2-A6AA-CC40E7C32CCE}"/>
+              </a:ext>
+            </a:extLst>
+          </p:cNvPr>
+          <p:cNvSpPr>
+            <a:spLocks noGrp="1"/>
+          </p:cNvSpPr>
+          <p:nvPr>
+            <p:ph type="title"/>
+          </p:nvPr>
+        </p:nvSpPr>
+        <p:spPr>
+          <a:xfrm>
+            <a:off x="518318" y="3152001"/>
+            <a:ext cx="11157743" cy="553998"/>
+          </a:xfrm>
+        </p:spPr>
+        <p:txBody>
+          <a:bodyPr/>
+          <a:lstStyle/>
+          <a:p>
+            <a:r>
+              <a:rPr lang="de-DE" dirty="0" err="1"/>
+              <a:t>Introduction</a:t>
+            </a:r>
+            <a:endParaRPr lang="de-DE" dirty="0"/>
+          </a:p>
+        </p:txBody>
+      </p:sp>
+      <p:sp>
+        <p:nvSpPr>
+          <p:cNvPr id="2" name="Datumsplatzhalter 1">
+            <a:extLst>
+              <a:ext uri="{FF2B5EF4-FFF2-40B4-BE49-F238E27FC236}">
+                <a16:creationId xmlns:a16="http://schemas.microsoft.com/office/drawing/2014/main" id="{FE7214E1-5D14-4D0B-BADD-2E239FECEC10}"/>
+              </a:ext>
+            </a:extLst>
+          </p:cNvPr>
+          <p:cNvSpPr>
+            <a:spLocks noGrp="1"/>
+          </p:cNvSpPr>
+          <p:nvPr>
+            <p:ph type="dt" sz="half" idx="10"/>
+          </p:nvPr>
+        </p:nvSpPr>
+        <p:spPr/>
+        <p:txBody>
+          <a:bodyPr/>
+          <a:lstStyle/>
+          <a:p>
+            <a:r>
+              <a:rPr lang="LID4096" dirty="0"/>
+              <a:t>12/01/2023</a:t>
+            </a:r>
+            <a:endParaRPr lang="de-DE" dirty="0"/>
+          </a:p>
+        </p:txBody>
+      </p:sp>
+      <p:sp>
+        <p:nvSpPr>
+          <p:cNvPr id="3" name="Fußzeilenplatzhalter 2">
+            <a:extLst>
+              <a:ext uri="{FF2B5EF4-FFF2-40B4-BE49-F238E27FC236}">
+                <a16:creationId xmlns:a16="http://schemas.microsoft.com/office/drawing/2014/main" id="{6A6AD034-0F65-47AF-9CAA-C4B0CEB30D4D}"/>
+              </a:ext>
+            </a:extLst>
+          </p:cNvPr>
+          <p:cNvSpPr>
+            <a:spLocks noGrp="1"/>
+          </p:cNvSpPr>
+          <p:nvPr>
+            <p:ph type="ftr" sz="quarter" idx="11"/>
+          </p:nvPr>
+        </p:nvSpPr>
+        <p:spPr/>
+        <p:txBody>
+          <a:bodyPr/>
+          <a:lstStyle/>
+          <a:p>
+            <a:r>
+              <a:rPr lang="en-US"/>
+              <a:t>Modeling of nonlinear Systems with LSTMs | Sebastian Hirt</a:t>
+            </a:r>
+            <a:endParaRPr lang="de-DE" dirty="0"/>
+          </a:p>
+        </p:txBody>
+      </p:sp>
+      <p:sp>
+        <p:nvSpPr>
+          <p:cNvPr id="4" name="Foliennummernplatzhalter 3">
+            <a:extLst>
+              <a:ext uri="{FF2B5EF4-FFF2-40B4-BE49-F238E27FC236}">
+                <a16:creationId xmlns:a16="http://schemas.microsoft.com/office/drawing/2014/main" id="{00F7E098-F740-40F7-A085-7034627D9148}"/>
+              </a:ext>
+            </a:extLst>
+          </p:cNvPr>
+          <p:cNvSpPr>
+            <a:spLocks noGrp="1"/>
+          </p:cNvSpPr>
+          <p:nvPr>
+            <p:ph type="sldNum" sz="quarter" idx="12"/>
+          </p:nvPr>
+        </p:nvSpPr>
+        <p:spPr/>
+        <p:txBody>
+          <a:bodyPr/>
+          <a:lstStyle/>
+          <a:p>
+            <a:fld id="{D949F9DF-37BD-4CD6-BF49-65BA579E1D7A}" type="slidenum">
+              <a:rPr lang="de-DE" smtClean="0"/>
+              <a:pPr/>
+              <a:t>3</a:t>
+            </a:fld>
+            <a:endParaRPr lang="de-DE"/>
+          </a:p>
+        </p:txBody>
+      </p:sp>
+    </p:spTree>
+    <p:extLst>
+      <p:ext uri="{BB962C8B-B14F-4D97-AF65-F5344CB8AC3E}">
+        <p14:creationId xmlns:p14="http://schemas.microsoft.com/office/powerpoint/2010/main" val="1433872768"/>
+      </p:ext>
+    </p:extLst>
+  </p:cSld>
+  <p:clrMapOvr>
+    <a:masterClrMapping/>
+  </p:clrMapOvr>
+</p:sld>
+</file>
+
 <file path=ppt/slides/slide4.xml><?xml version="1.0" encoding="utf-8"?>
 <p:sld xmlns:a="http://schemas.openxmlformats.org/drawingml/2006/main" xmlns:r="http://schemas.openxmlformats.org/officeDocument/2006/relationships" xmlns:p="http://schemas.openxmlformats.org/presentationml/2006/main">
   <p:cSld>
@@ -17371,7 +16060,7 @@
           <p:cNvPr id="2" name="Date Placeholder 1">
             <a:extLst>
               <a:ext uri="{FF2B5EF4-FFF2-40B4-BE49-F238E27FC236}">
-                <a16:creationId xmlns:a16="http://schemas.microsoft.com/office/drawing/2014/main" id="{2B8CAAFC-F0E6-F31E-198A-AA24CC49C316}"/>
+                <a16:creationId xmlns:a16="http://schemas.microsoft.com/office/drawing/2014/main" id="{D2A3BE67-6534-1C3A-E36C-0224BF43943A}"/>
               </a:ext>
             </a:extLst>
           </p:cNvPr>
@@ -17400,7 +16089,7 @@
           <p:cNvPr id="3" name="Footer Placeholder 2">
             <a:extLst>
               <a:ext uri="{FF2B5EF4-FFF2-40B4-BE49-F238E27FC236}">
-                <a16:creationId xmlns:a16="http://schemas.microsoft.com/office/drawing/2014/main" id="{C49146C1-0EFA-7410-35A6-1C2B33E3E160}"/>
+                <a16:creationId xmlns:a16="http://schemas.microsoft.com/office/drawing/2014/main" id="{53D10F10-BA9D-76C8-BAFA-9E2F4E2F9903}"/>
               </a:ext>
             </a:extLst>
           </p:cNvPr>
@@ -17429,7 +16118,7 @@
           <p:cNvPr id="4" name="Slide Number Placeholder 3">
             <a:extLst>
               <a:ext uri="{FF2B5EF4-FFF2-40B4-BE49-F238E27FC236}">
-                <a16:creationId xmlns:a16="http://schemas.microsoft.com/office/drawing/2014/main" id="{83EEE9A2-09B3-BA3D-B64B-856A8F226637}"/>
+                <a16:creationId xmlns:a16="http://schemas.microsoft.com/office/drawing/2014/main" id="{439BE608-935D-1141-0AA6-1E75F1C82C78}"/>
               </a:ext>
             </a:extLst>
           </p:cNvPr>
@@ -17459,7 +16148,7 @@
           <p:cNvPr id="5" name="Title 4">
             <a:extLst>
               <a:ext uri="{FF2B5EF4-FFF2-40B4-BE49-F238E27FC236}">
-                <a16:creationId xmlns:a16="http://schemas.microsoft.com/office/drawing/2014/main" id="{BBB354EA-F495-6050-38E7-B27B0D727096}"/>
+                <a16:creationId xmlns:a16="http://schemas.microsoft.com/office/drawing/2014/main" id="{D13BFD9D-F99B-123E-FEC2-A17E3A7F24AA}"/>
               </a:ext>
             </a:extLst>
           </p:cNvPr>
@@ -17477,7 +16166,7 @@
           <a:p>
             <a:r>
               <a:rPr lang="en-US" dirty="0"/>
-              <a:t>LSTM</a:t>
+              <a:t>LSTM-Cell</a:t>
             </a:r>
           </a:p>
         </p:txBody>
@@ -17487,7 +16176,7 @@
           <p:cNvPr id="6" name="Text Placeholder 5">
             <a:extLst>
               <a:ext uri="{FF2B5EF4-FFF2-40B4-BE49-F238E27FC236}">
-                <a16:creationId xmlns:a16="http://schemas.microsoft.com/office/drawing/2014/main" id="{4761E152-B7EF-00B5-47FF-110705BBE7D4}"/>
+                <a16:creationId xmlns:a16="http://schemas.microsoft.com/office/drawing/2014/main" id="{19847AAF-2477-729E-F4DD-340F4DC41FE3}"/>
               </a:ext>
             </a:extLst>
           </p:cNvPr>
@@ -17503,23 +16192,29 @@
           <a:bodyPr/>
           <a:lstStyle/>
           <a:p>
-            <a:endParaRPr lang="en-US" sz="1800" dirty="0">
-              <a:effectLst/>
-              <a:latin typeface="Calibri" panose="020F0502020204030204" pitchFamily="34" charset="0"/>
-              <a:ea typeface="Calibri" panose="020F0502020204030204" pitchFamily="34" charset="0"/>
-              <a:cs typeface="Arial" panose="020B0604020202020204" pitchFamily="34" charset="0"/>
-            </a:endParaRPr>
-          </a:p>
-          <a:p>
-            <a:endParaRPr lang="en-US" sz="1800" dirty="0">
-              <a:effectLst/>
-              <a:latin typeface="Calibri" panose="020F0502020204030204" pitchFamily="34" charset="0"/>
-              <a:ea typeface="Calibri" panose="020F0502020204030204" pitchFamily="34" charset="0"/>
-              <a:cs typeface="Arial" panose="020B0604020202020204" pitchFamily="34" charset="0"/>
-            </a:endParaRPr>
-          </a:p>
-          <a:p>
-            <a:endParaRPr lang="en-US" dirty="0"/>
+            <a:r>
+              <a:rPr lang="en-US" dirty="0"/>
+              <a:t>Long-term dependency through cell state</a:t>
+            </a:r>
+          </a:p>
+          <a:p>
+            <a:r>
+              <a:rPr lang="en-US" dirty="0"/>
+              <a:t>Passing of new initial value to next timestep</a:t>
+            </a:r>
+            <a:br>
+              <a:rPr lang="en-US" dirty="0"/>
+            </a:br>
+            <a:r>
+              <a:rPr lang="en-US" dirty="0"/>
+              <a:t>internally</a:t>
+            </a:r>
+          </a:p>
+          <a:p>
+            <a:r>
+              <a:rPr lang="en-US" dirty="0"/>
+              <a:t>Gates with trainable weights</a:t>
+            </a:r>
           </a:p>
           <a:p>
             <a:endParaRPr lang="en-US" dirty="0"/>
@@ -17528,10 +16223,10 @@
       </p:sp>
       <p:pic>
         <p:nvPicPr>
-          <p:cNvPr id="8" name="Picture 7">
+          <p:cNvPr id="7" name="Picture 6">
             <a:extLst>
               <a:ext uri="{FF2B5EF4-FFF2-40B4-BE49-F238E27FC236}">
-                <a16:creationId xmlns:a16="http://schemas.microsoft.com/office/drawing/2014/main" id="{B05EC28F-6B20-07D4-47D5-87F946BBE2E7}"/>
+                <a16:creationId xmlns:a16="http://schemas.microsoft.com/office/drawing/2014/main" id="{A854B0A0-6814-789B-5CFC-6341AEB4C7B7}"/>
               </a:ext>
             </a:extLst>
           </p:cNvPr>
@@ -17541,55 +16236,15 @@
           <p:nvPr/>
         </p:nvPicPr>
         <p:blipFill>
-          <a:blip r:embed="rId3"/>
+          <a:blip r:embed="rId2"/>
           <a:stretch>
             <a:fillRect/>
           </a:stretch>
         </p:blipFill>
         <p:spPr>
           <a:xfrm>
-            <a:off x="294716" y="1675071"/>
+            <a:off x="5604567" y="1713209"/>
             <a:ext cx="5796196" cy="4107464"/>
-          </a:xfrm>
-          <a:prstGeom prst="rect">
-            <a:avLst/>
-          </a:prstGeom>
-        </p:spPr>
-      </p:pic>
-      <p:pic>
-        <p:nvPicPr>
-          <p:cNvPr id="13" name="Picture 12" descr="\documentclass{article}&#10;\usepackage{amsmath}&#10;\pagestyle{empty}&#10;\begin{document}&#10;\begin{align}&#10;f_t &amp;= \sigma(W_{if} x_t +  b_{if} +  W_{hf} h_{t-1} + b_{hf}) \label{eq:lstm_forget_gate} \\&#10;i_t &amp;= \sigma(W_{ii} x_t +  b_{ii} +  W_{hi} h_{t-1} + b_{hi}) \label{eq:lstm_input_gate} \\&#10;g_t &amp;= \tanh(W_{ig} x_t +  b_{ig} +  W_{hg} h_{t-1} + b_{hg}) \label{eq:lstm_cell_gate} \\&#10;o_t &amp;= \sigma(W_{io} x_t + b_{io} + W_{ho} h_{t-1} + b_{ho}) \label{eq:lstm_output_gate} \\&#10;c_t &amp;= f_t \odot c_{t-1} + i_t \odot g_t \label{eq:lstm_cell_state} \\&#10;h_t &amp;= o_t \odot \tanh(c_t) \label{eq:lstm_hidden_state}&#10;\end{align}&#10;&#10;&#10;&#10;\end{document}" title="IguanaTex Bitmap Display">
-            <a:extLst>
-              <a:ext uri="{FF2B5EF4-FFF2-40B4-BE49-F238E27FC236}">
-                <a16:creationId xmlns:a16="http://schemas.microsoft.com/office/drawing/2014/main" id="{1662665C-393E-704B-BD8E-44AA0D967729}"/>
-              </a:ext>
-            </a:extLst>
-          </p:cNvPr>
-          <p:cNvPicPr>
-            <a:picLocks noChangeAspect="1"/>
-          </p:cNvPicPr>
-          <p:nvPr>
-            <p:custDataLst>
-              <p:tags r:id="rId1"/>
-            </p:custDataLst>
-          </p:nvPr>
-        </p:nvPicPr>
-        <p:blipFill>
-          <a:blip r:embed="rId4">
-            <a:extLst>
-              <a:ext uri="{28A0092B-C50C-407E-A947-70E740481C1C}">
-                <a14:useLocalDpi xmlns:a14="http://schemas.microsoft.com/office/drawing/2010/main" val="0"/>
-              </a:ext>
-            </a:extLst>
-          </a:blip>
-          <a:stretch>
-            <a:fillRect/>
-          </a:stretch>
-        </p:blipFill>
-        <p:spPr>
-          <a:xfrm>
-            <a:off x="6101090" y="2754724"/>
-            <a:ext cx="5942437" cy="1948157"/>
           </a:xfrm>
           <a:prstGeom prst="rect">
             <a:avLst/>
@@ -17598,10 +16253,10 @@
       </p:pic>
       <p:sp>
         <p:nvSpPr>
-          <p:cNvPr id="7" name="TextBox 6">
+          <p:cNvPr id="8" name="TextBox 7">
             <a:extLst>
               <a:ext uri="{FF2B5EF4-FFF2-40B4-BE49-F238E27FC236}">
-                <a16:creationId xmlns:a16="http://schemas.microsoft.com/office/drawing/2014/main" id="{9CAC6E0D-7896-F7CC-7310-5F99E02FD6F2}"/>
+                <a16:creationId xmlns:a16="http://schemas.microsoft.com/office/drawing/2014/main" id="{0F7EC153-7E25-534B-D808-CD26554B66D7}"/>
               </a:ext>
             </a:extLst>
           </p:cNvPr>
@@ -17610,7 +16265,7 @@
         </p:nvSpPr>
         <p:spPr>
           <a:xfrm>
-            <a:off x="704538" y="5831174"/>
+            <a:off x="6184186" y="5832217"/>
             <a:ext cx="5216577" cy="249812"/>
           </a:xfrm>
           <a:prstGeom prst="rect">
@@ -17663,7 +16318,7 @@
     </p:spTree>
     <p:extLst>
       <p:ext uri="{BB962C8B-B14F-4D97-AF65-F5344CB8AC3E}">
-        <p14:creationId xmlns:p14="http://schemas.microsoft.com/office/powerpoint/2010/main" val="3861591052"/>
+        <p14:creationId xmlns:p14="http://schemas.microsoft.com/office/powerpoint/2010/main" val="3616627851"/>
       </p:ext>
     </p:extLst>
   </p:cSld>
@@ -17695,7 +16350,7 @@
           <p:cNvPr id="2" name="Date Placeholder 1">
             <a:extLst>
               <a:ext uri="{FF2B5EF4-FFF2-40B4-BE49-F238E27FC236}">
-                <a16:creationId xmlns:a16="http://schemas.microsoft.com/office/drawing/2014/main" id="{2B8CAAFC-F0E6-F31E-198A-AA24CC49C316}"/>
+                <a16:creationId xmlns:a16="http://schemas.microsoft.com/office/drawing/2014/main" id="{D2A3BE67-6534-1C3A-E36C-0224BF43943A}"/>
               </a:ext>
             </a:extLst>
           </p:cNvPr>
@@ -17724,7 +16379,7 @@
           <p:cNvPr id="3" name="Footer Placeholder 2">
             <a:extLst>
               <a:ext uri="{FF2B5EF4-FFF2-40B4-BE49-F238E27FC236}">
-                <a16:creationId xmlns:a16="http://schemas.microsoft.com/office/drawing/2014/main" id="{C49146C1-0EFA-7410-35A6-1C2B33E3E160}"/>
+                <a16:creationId xmlns:a16="http://schemas.microsoft.com/office/drawing/2014/main" id="{53D10F10-BA9D-76C8-BAFA-9E2F4E2F9903}"/>
               </a:ext>
             </a:extLst>
           </p:cNvPr>
@@ -17753,7 +16408,7 @@
           <p:cNvPr id="4" name="Slide Number Placeholder 3">
             <a:extLst>
               <a:ext uri="{FF2B5EF4-FFF2-40B4-BE49-F238E27FC236}">
-                <a16:creationId xmlns:a16="http://schemas.microsoft.com/office/drawing/2014/main" id="{83EEE9A2-09B3-BA3D-B64B-856A8F226637}"/>
+                <a16:creationId xmlns:a16="http://schemas.microsoft.com/office/drawing/2014/main" id="{439BE608-935D-1141-0AA6-1E75F1C82C78}"/>
               </a:ext>
             </a:extLst>
           </p:cNvPr>
@@ -17783,7 +16438,7 @@
           <p:cNvPr id="5" name="Title 4">
             <a:extLst>
               <a:ext uri="{FF2B5EF4-FFF2-40B4-BE49-F238E27FC236}">
-                <a16:creationId xmlns:a16="http://schemas.microsoft.com/office/drawing/2014/main" id="{BBB354EA-F495-6050-38E7-B27B0D727096}"/>
+                <a16:creationId xmlns:a16="http://schemas.microsoft.com/office/drawing/2014/main" id="{D13BFD9D-F99B-123E-FEC2-A17E3A7F24AA}"/>
               </a:ext>
             </a:extLst>
           </p:cNvPr>
@@ -17801,7 +16456,7 @@
           <a:p>
             <a:r>
               <a:rPr lang="en-US" dirty="0"/>
-              <a:t>Architecture</a:t>
+              <a:t>Model</a:t>
             </a:r>
           </a:p>
         </p:txBody>
@@ -17811,7 +16466,7 @@
           <p:cNvPr id="6" name="Text Placeholder 5">
             <a:extLst>
               <a:ext uri="{FF2B5EF4-FFF2-40B4-BE49-F238E27FC236}">
-                <a16:creationId xmlns:a16="http://schemas.microsoft.com/office/drawing/2014/main" id="{4761E152-B7EF-00B5-47FF-110705BBE7D4}"/>
+                <a16:creationId xmlns:a16="http://schemas.microsoft.com/office/drawing/2014/main" id="{19847AAF-2477-729E-F4DD-340F4DC41FE3}"/>
               </a:ext>
             </a:extLst>
           </p:cNvPr>
@@ -17827,237 +16482,57 @@
           <a:bodyPr/>
           <a:lstStyle/>
           <a:p>
-            <a:endParaRPr lang="en-US" sz="1800" dirty="0">
-              <a:effectLst/>
-              <a:latin typeface="Calibri" panose="020F0502020204030204" pitchFamily="34" charset="0"/>
-              <a:ea typeface="Calibri" panose="020F0502020204030204" pitchFamily="34" charset="0"/>
-              <a:cs typeface="Arial" panose="020B0604020202020204" pitchFamily="34" charset="0"/>
-            </a:endParaRPr>
-          </a:p>
-          <a:p>
-            <a:endParaRPr lang="en-US" sz="1800" dirty="0">
-              <a:effectLst/>
-              <a:latin typeface="Calibri" panose="020F0502020204030204" pitchFamily="34" charset="0"/>
-              <a:ea typeface="Calibri" panose="020F0502020204030204" pitchFamily="34" charset="0"/>
-              <a:cs typeface="Arial" panose="020B0604020202020204" pitchFamily="34" charset="0"/>
-            </a:endParaRPr>
-          </a:p>
-          <a:p>
-            <a:endParaRPr lang="en-US" dirty="0"/>
-          </a:p>
-          <a:p>
-            <a:endParaRPr lang="en-US" dirty="0"/>
-          </a:p>
-        </p:txBody>
-      </p:sp>
-      <p:sp>
-        <p:nvSpPr>
-          <p:cNvPr id="12" name="TextBox 11">
-            <a:extLst>
-              <a:ext uri="{FF2B5EF4-FFF2-40B4-BE49-F238E27FC236}">
-                <a16:creationId xmlns:a16="http://schemas.microsoft.com/office/drawing/2014/main" id="{6F5C68AA-EEB9-F2F4-593B-BCEDD5CEA769}"/>
-              </a:ext>
-            </a:extLst>
-          </p:cNvPr>
-          <p:cNvSpPr txBox="1"/>
-          <p:nvPr/>
-        </p:nvSpPr>
-        <p:spPr>
-          <a:xfrm>
-            <a:off x="7389075" y="2729804"/>
-            <a:ext cx="4067340" cy="2219582"/>
-          </a:xfrm>
-          <a:prstGeom prst="rect">
-            <a:avLst/>
-          </a:prstGeom>
-          <a:noFill/>
-        </p:spPr>
-        <p:txBody>
-          <a:bodyPr wrap="square" lIns="0" tIns="0" rIns="0" bIns="0" rtlCol="0">
-            <a:spAutoFit/>
-          </a:bodyPr>
-          <a:lstStyle/>
-          <a:p>
-            <a:pPr marL="285750" marR="0" indent="-285750" algn="l" defTabSz="914400" rtl="0" eaLnBrk="1" fontAlgn="auto" latinLnBrk="0" hangingPunct="1">
-              <a:lnSpc>
-                <a:spcPct val="110000"/>
-              </a:lnSpc>
-              <a:spcBef>
-                <a:spcPts val="0"/>
-              </a:spcBef>
-              <a:spcAft>
-                <a:spcPts val="1200"/>
-              </a:spcAft>
-              <a:buClrTx/>
-              <a:buSzTx/>
-              <a:buFont typeface="Arial" panose="020B0604020202020204" pitchFamily="34" charset="0"/>
-              <a:buChar char="•"/>
-              <a:tabLst/>
-            </a:pPr>
-            <a:r>
-              <a:rPr kumimoji="0" lang="en-US" sz="1600" b="0" i="0" u="none" strike="noStrike" kern="1200" cap="none" spc="0" normalizeH="0" baseline="0" noProof="0" dirty="0">
-                <a:ln>
-                  <a:noFill/>
-                </a:ln>
-                <a:solidFill>
-                  <a:prstClr val="black"/>
-                </a:solidFill>
-                <a:effectLst/>
-                <a:uLnTx/>
-                <a:uFillTx/>
-                <a:latin typeface="Arial"/>
-                <a:ea typeface="+mn-ea"/>
-                <a:cs typeface="+mn-cs"/>
-              </a:rPr>
-              <a:t>Example of model with 32 nodes and 2 hidden layers</a:t>
-            </a:r>
-          </a:p>
-          <a:p>
-            <a:pPr marL="285750" marR="0" indent="-285750" algn="l" defTabSz="914400" rtl="0" eaLnBrk="1" fontAlgn="auto" latinLnBrk="0" hangingPunct="1">
-              <a:lnSpc>
-                <a:spcPct val="110000"/>
-              </a:lnSpc>
-              <a:spcBef>
-                <a:spcPts val="0"/>
-              </a:spcBef>
-              <a:spcAft>
-                <a:spcPts val="1200"/>
-              </a:spcAft>
-              <a:buClrTx/>
-              <a:buSzTx/>
-              <a:buFont typeface="Arial" panose="020B0604020202020204" pitchFamily="34" charset="0"/>
-              <a:buChar char="•"/>
-              <a:tabLst/>
-            </a:pPr>
-            <a:r>
-              <a:rPr kumimoji="0" lang="en-US" sz="1600" b="0" i="0" u="none" strike="noStrike" kern="1200" cap="none" spc="0" normalizeH="0" baseline="0" noProof="0" dirty="0">
-                <a:ln>
-                  <a:noFill/>
-                </a:ln>
-                <a:solidFill>
-                  <a:prstClr val="black"/>
-                </a:solidFill>
-                <a:effectLst/>
-                <a:uLnTx/>
-                <a:uFillTx/>
-                <a:latin typeface="Arial"/>
-                <a:ea typeface="+mn-ea"/>
-                <a:cs typeface="+mn-cs"/>
-              </a:rPr>
-              <a:t>States are carried to next time steps</a:t>
-            </a:r>
-          </a:p>
-          <a:p>
-            <a:pPr marL="285750" marR="0" indent="-285750" algn="l" defTabSz="914400" rtl="0" eaLnBrk="1" fontAlgn="auto" latinLnBrk="0" hangingPunct="1">
-              <a:lnSpc>
-                <a:spcPct val="110000"/>
-              </a:lnSpc>
-              <a:spcBef>
-                <a:spcPts val="0"/>
-              </a:spcBef>
-              <a:spcAft>
-                <a:spcPts val="1200"/>
-              </a:spcAft>
-              <a:buClrTx/>
-              <a:buSzTx/>
-              <a:buFont typeface="Arial" panose="020B0604020202020204" pitchFamily="34" charset="0"/>
-              <a:buChar char="•"/>
-              <a:tabLst/>
-            </a:pPr>
-            <a:r>
-              <a:rPr lang="en-US" sz="1600" dirty="0">
-                <a:solidFill>
-                  <a:prstClr val="black"/>
-                </a:solidFill>
-                <a:latin typeface="Arial"/>
-              </a:rPr>
-              <a:t>Weights are the same at all time steps</a:t>
-            </a:r>
-          </a:p>
-          <a:p>
-            <a:pPr marL="285750" marR="0" indent="-285750" algn="l" defTabSz="914400" rtl="0" eaLnBrk="1" fontAlgn="auto" latinLnBrk="0" hangingPunct="1">
-              <a:lnSpc>
-                <a:spcPct val="110000"/>
-              </a:lnSpc>
-              <a:spcBef>
-                <a:spcPts val="0"/>
-              </a:spcBef>
-              <a:spcAft>
-                <a:spcPts val="1200"/>
-              </a:spcAft>
-              <a:buClrTx/>
-              <a:buSzTx/>
-              <a:buFont typeface="Arial" panose="020B0604020202020204" pitchFamily="34" charset="0"/>
-              <a:buChar char="•"/>
-              <a:tabLst/>
-            </a:pPr>
-            <a:r>
-              <a:rPr kumimoji="0" lang="en-US" sz="1600" b="0" i="0" u="none" strike="noStrike" kern="1200" cap="none" spc="0" normalizeH="0" baseline="0" noProof="0" dirty="0">
-                <a:ln>
-                  <a:noFill/>
-                </a:ln>
-                <a:solidFill>
-                  <a:prstClr val="black"/>
-                </a:solidFill>
-                <a:effectLst/>
-                <a:uLnTx/>
-                <a:uFillTx/>
-                <a:latin typeface="Arial"/>
-                <a:ea typeface="+mn-ea"/>
-                <a:cs typeface="+mn-cs"/>
-              </a:rPr>
+            <a:r>
+              <a:rPr lang="en-US" dirty="0"/>
+              <a:t>Example of model with 32 nodes and 2 hidden</a:t>
+            </a:r>
+            <a:br>
+              <a:rPr lang="en-US" dirty="0"/>
+            </a:br>
+            <a:r>
+              <a:rPr lang="en-US" dirty="0"/>
+              <a:t>layers</a:t>
+            </a:r>
+          </a:p>
+          <a:p>
+            <a:r>
+              <a:rPr lang="en-US" dirty="0"/>
+              <a:t>Transfer of states to next time steps</a:t>
+            </a:r>
+          </a:p>
+          <a:p>
+            <a:r>
+              <a:rPr lang="en-US" dirty="0"/>
+              <a:t>Same weights at all time steps of individual</a:t>
+            </a:r>
+            <a:br>
+              <a:rPr lang="en-US" dirty="0"/>
+            </a:br>
+            <a:r>
+              <a:rPr lang="en-US" dirty="0"/>
+              <a:t>Cells</a:t>
+            </a:r>
+          </a:p>
+          <a:p>
+            <a:r>
+              <a:rPr lang="en-US" dirty="0"/>
               <a:t>Ability to predict indefinite future states</a:t>
             </a:r>
           </a:p>
           <a:p>
-            <a:pPr marL="285750" marR="0" indent="-285750" algn="l" defTabSz="914400" rtl="0" eaLnBrk="1" fontAlgn="auto" latinLnBrk="0" hangingPunct="1">
-              <a:lnSpc>
-                <a:spcPct val="110000"/>
-              </a:lnSpc>
-              <a:spcBef>
-                <a:spcPts val="0"/>
-              </a:spcBef>
-              <a:spcAft>
-                <a:spcPts val="1200"/>
-              </a:spcAft>
-              <a:buClrTx/>
-              <a:buSzTx/>
-              <a:buFont typeface="Arial" panose="020B0604020202020204" pitchFamily="34" charset="0"/>
-              <a:buChar char="•"/>
-              <a:tabLst/>
-            </a:pPr>
-            <a:r>
-              <a:rPr lang="en-US" sz="1600" dirty="0">
-                <a:solidFill>
-                  <a:prstClr val="black"/>
-                </a:solidFill>
-                <a:latin typeface="Arial"/>
-              </a:rPr>
+            <a:r>
+              <a:rPr lang="en-US" dirty="0"/>
               <a:t>Fixed number of timesteps for training</a:t>
             </a:r>
-            <a:endParaRPr kumimoji="0" lang="en-US" sz="1600" b="0" i="0" u="none" strike="noStrike" kern="1200" cap="none" spc="0" normalizeH="0" baseline="0" noProof="0" dirty="0">
-              <a:ln>
-                <a:noFill/>
-              </a:ln>
-              <a:solidFill>
-                <a:prstClr val="black"/>
-              </a:solidFill>
-              <a:effectLst/>
-              <a:uLnTx/>
-              <a:uFillTx/>
-              <a:latin typeface="Arial"/>
-              <a:ea typeface="+mn-ea"/>
-              <a:cs typeface="+mn-cs"/>
-            </a:endParaRPr>
           </a:p>
         </p:txBody>
       </p:sp>
       <p:pic>
         <p:nvPicPr>
-          <p:cNvPr id="8" name="Picture 7">
+          <p:cNvPr id="9" name="Picture 8">
             <a:extLst>
               <a:ext uri="{FF2B5EF4-FFF2-40B4-BE49-F238E27FC236}">
-                <a16:creationId xmlns:a16="http://schemas.microsoft.com/office/drawing/2014/main" id="{8A1447EA-1281-3D89-75EF-564285A96D28}"/>
+                <a16:creationId xmlns:a16="http://schemas.microsoft.com/office/drawing/2014/main" id="{7EEEB40A-886B-CC26-4063-1B0D979CE05C}"/>
               </a:ext>
             </a:extLst>
           </p:cNvPr>
@@ -18074,7 +16549,7 @@
         </p:blipFill>
         <p:spPr>
           <a:xfrm>
-            <a:off x="862068" y="1438670"/>
+            <a:off x="5845685" y="1357988"/>
             <a:ext cx="6183259" cy="4780546"/>
           </a:xfrm>
           <a:prstGeom prst="rect">
@@ -18085,7 +16560,7 @@
     </p:spTree>
     <p:extLst>
       <p:ext uri="{BB962C8B-B14F-4D97-AF65-F5344CB8AC3E}">
-        <p14:creationId xmlns:p14="http://schemas.microsoft.com/office/powerpoint/2010/main" val="466861398"/>
+        <p14:creationId xmlns:p14="http://schemas.microsoft.com/office/powerpoint/2010/main" val="1661850735"/>
       </p:ext>
     </p:extLst>
   </p:cSld>
@@ -18484,26 +16959,6 @@
     <a:masterClrMapping/>
   </p:clrMapOvr>
 </p:sld>
-</file>
-
-<file path=ppt/tags/tag1.xml><?xml version="1.0" encoding="utf-8"?>
-<p:tagLst xmlns:a="http://schemas.openxmlformats.org/drawingml/2006/main" xmlns:r="http://schemas.openxmlformats.org/officeDocument/2006/relationships" xmlns:p="http://schemas.openxmlformats.org/presentationml/2006/main">
-  <p:tag name="OUTPUTDPI" val="1200"/>
-  <p:tag name="ORIGINALHEIGHT" val="1058,868"/>
-  <p:tag name="ORIGINALWIDTH" val="3229,846"/>
-  <p:tag name="OUTPUTTYPE" val="PNG"/>
-  <p:tag name="IGUANATEXVERSION" val="160"/>
-  <p:tag name="LATEXADDIN" val="\documentclass{article}&#10;\usepackage{amsmath}&#10;\pagestyle{empty}&#10;\begin{document}&#10;\begin{align}&#10;f_t &amp;= \sigma(W_{if} x_t +  b_{if} +  W_{hf} h_{t-1} + b_{hf}) \label{eq:lstm_forget_gate} \\&#10;i_t &amp;= \sigma(W_{ii} x_t +  b_{ii} +  W_{hi} h_{t-1} + b_{hi}) \label{eq:lstm_input_gate} \\&#10;g_t &amp;= \tanh(W_{ig} x_t +  b_{ig} +  W_{hg} h_{t-1} + b_{hg}) \label{eq:lstm_cell_gate} \\&#10;o_t &amp;= \sigma(W_{io} x_t + b_{io} + W_{ho} h_{t-1} + b_{ho}) \label{eq:lstm_output_gate} \\&#10;c_t &amp;= f_t \odot c_{t-1} + i_t \odot g_t \label{eq:lstm_cell_state} \\&#10;h_t &amp;= o_t \odot \tanh(c_t) \label{eq:lstm_hidden_state}&#10;\end{align}&#10;&#10;&#10;&#10;\end{document}"/>
-  <p:tag name="IGUANATEXSIZE" val="20"/>
-  <p:tag name="IGUANATEXCURSOR" val="603"/>
-  <p:tag name="TRANSPARENCY" val="True"/>
-  <p:tag name="LATEXENGINEID" val="0"/>
-  <p:tag name="TEMPFOLDER" val="c:\temp\"/>
-  <p:tag name="LATEXFORMHEIGHT" val="320"/>
-  <p:tag name="LATEXFORMWIDTH" val="385"/>
-  <p:tag name="LATEXFORMWRAP" val="True"/>
-  <p:tag name="BITMAPVECTOR" val="0"/>
-</p:tagLst>
 </file>
 
 <file path=ppt/theme/theme1.xml><?xml version="1.0" encoding="utf-8"?>
@@ -19432,12 +17887,6 @@
 </file>
 
 <file path=customXml/item2.xml><?xml version="1.0" encoding="utf-8"?>
-<p:properties xmlns:p="http://schemas.microsoft.com/office/2006/metadata/properties" xmlns:xsi="http://www.w3.org/2001/XMLSchema-instance" xmlns:pc="http://schemas.microsoft.com/office/infopath/2007/PartnerControls">
-  <documentManagement/>
-</p:properties>
-</file>
-
-<file path=customXml/item3.xml><?xml version="1.0" encoding="utf-8"?>
 <ct:contentTypeSchema xmlns:ct="http://schemas.microsoft.com/office/2006/metadata/contentType" xmlns:ma="http://schemas.microsoft.com/office/2006/metadata/properties/metaAttributes" ct:_="" ma:_="" ma:contentTypeName="Dokument" ma:contentTypeID="0x010100B7C64748B88E4F4A81E78C320064AA18" ma:contentTypeVersion="13" ma:contentTypeDescription="Ein neues Dokument erstellen." ma:contentTypeScope="" ma:versionID="7d7fe78eff81fbacf66dc0ff6aeec5a3">
   <xsd:schema xmlns:xsd="http://www.w3.org/2001/XMLSchema" xmlns:xs="http://www.w3.org/2001/XMLSchema" xmlns:p="http://schemas.microsoft.com/office/2006/metadata/properties" xmlns:ns2="e1a9e197-d112-4abb-aa0c-4ed035d690a3" xmlns:ns3="5d4c14f1-5e26-4315-944b-e10ebb29e5be" targetNamespace="http://schemas.microsoft.com/office/2006/metadata/properties" ma:root="true" ma:fieldsID="798e591f6d3205a21a5c8f3fdff7cfef" ns2:_="" ns3:_="">
     <xsd:import namespace="e1a9e197-d112-4abb-aa0c-4ed035d690a3"/>
@@ -19660,6 +18109,12 @@
 </ct:contentTypeSchema>
 </file>
 
+<file path=customXml/item3.xml><?xml version="1.0" encoding="utf-8"?>
+<p:properties xmlns:p="http://schemas.microsoft.com/office/2006/metadata/properties" xmlns:xsi="http://www.w3.org/2001/XMLSchema-instance" xmlns:pc="http://schemas.microsoft.com/office/infopath/2007/PartnerControls">
+  <documentManagement/>
+</p:properties>
+</file>
+
 <file path=customXml/itemProps1.xml><?xml version="1.0" encoding="utf-8"?>
 <ds:datastoreItem xmlns:ds="http://schemas.openxmlformats.org/officeDocument/2006/customXml" ds:itemID="{E457329C-FB5F-4A4D-B331-82D30E9A7432}">
   <ds:schemaRefs>
@@ -19669,23 +18124,6 @@
 </file>
 
 <file path=customXml/itemProps2.xml><?xml version="1.0" encoding="utf-8"?>
-<ds:datastoreItem xmlns:ds="http://schemas.openxmlformats.org/officeDocument/2006/customXml" ds:itemID="{CC1A7FE3-81F7-4596-A188-3EE8D4188E1F}">
-  <ds:schemaRefs>
-    <ds:schemaRef ds:uri="http://schemas.microsoft.com/office/2006/documentManagement/types"/>
-    <ds:schemaRef ds:uri="http://www.w3.org/XML/1998/namespace"/>
-    <ds:schemaRef ds:uri="http://purl.org/dc/terms/"/>
-    <ds:schemaRef ds:uri="http://schemas.openxmlformats.org/package/2006/metadata/core-properties"/>
-    <ds:schemaRef ds:uri="e1a9e197-d112-4abb-aa0c-4ed035d690a3"/>
-    <ds:schemaRef ds:uri="http://purl.org/dc/elements/1.1/"/>
-    <ds:schemaRef ds:uri="http://schemas.microsoft.com/office/infopath/2007/PartnerControls"/>
-    <ds:schemaRef ds:uri="5d4c14f1-5e26-4315-944b-e10ebb29e5be"/>
-    <ds:schemaRef ds:uri="http://schemas.microsoft.com/office/2006/metadata/properties"/>
-    <ds:schemaRef ds:uri="http://purl.org/dc/dcmitype/"/>
-  </ds:schemaRefs>
-</ds:datastoreItem>
-</file>
-
-<file path=customXml/itemProps3.xml><?xml version="1.0" encoding="utf-8"?>
 <ds:datastoreItem xmlns:ds="http://schemas.openxmlformats.org/officeDocument/2006/customXml" ds:itemID="{CDFBE955-EBBF-441B-94AE-DC551CE16727}">
   <ds:schemaRefs>
     <ds:schemaRef ds:uri="http://schemas.microsoft.com/office/2006/metadata/contentType"/>
@@ -19702,4 +18140,21 @@
     <ds:schemaRef ds:uri="http://schemas.microsoft.com/internal/obd"/>
   </ds:schemaRefs>
 </ds:datastoreItem>
+</file>
+
+<file path=customXml/itemProps3.xml><?xml version="1.0" encoding="utf-8"?>
+<ds:datastoreItem xmlns:ds="http://schemas.openxmlformats.org/officeDocument/2006/customXml" ds:itemID="{CC1A7FE3-81F7-4596-A188-3EE8D4188E1F}">
+  <ds:schemaRefs>
+    <ds:schemaRef ds:uri="http://schemas.microsoft.com/office/2006/documentManagement/types"/>
+    <ds:schemaRef ds:uri="http://www.w3.org/XML/1998/namespace"/>
+    <ds:schemaRef ds:uri="http://purl.org/dc/terms/"/>
+    <ds:schemaRef ds:uri="http://schemas.openxmlformats.org/package/2006/metadata/core-properties"/>
+    <ds:schemaRef ds:uri="e1a9e197-d112-4abb-aa0c-4ed035d690a3"/>
+    <ds:schemaRef ds:uri="http://purl.org/dc/elements/1.1/"/>
+    <ds:schemaRef ds:uri="http://schemas.microsoft.com/office/infopath/2007/PartnerControls"/>
+    <ds:schemaRef ds:uri="5d4c14f1-5e26-4315-944b-e10ebb29e5be"/>
+    <ds:schemaRef ds:uri="http://schemas.microsoft.com/office/2006/metadata/properties"/>
+    <ds:schemaRef ds:uri="http://purl.org/dc/dcmitype/"/>
+  </ds:schemaRefs>
+</ds:datastoreItem>
 </file>
--- a/presentation/nonlinearLSTM_slides.pptx
+++ b/presentation/nonlinearLSTM_slides.pptx
@@ -5,10 +5,10 @@
     <p:sldMasterId id="2147483756" r:id="rId4"/>
   </p:sldMasterIdLst>
   <p:notesMasterIdLst>
-    <p:notesMasterId r:id="rId26"/>
+    <p:notesMasterId r:id="rId27"/>
   </p:notesMasterIdLst>
   <p:handoutMasterIdLst>
-    <p:handoutMasterId r:id="rId27"/>
+    <p:handoutMasterId r:id="rId28"/>
   </p:handoutMasterIdLst>
   <p:sldIdLst>
     <p:sldId id="413" r:id="rId5"/>
@@ -27,11 +27,12 @@
     <p:sldId id="480" r:id="rId18"/>
     <p:sldId id="467" r:id="rId19"/>
     <p:sldId id="482" r:id="rId20"/>
-    <p:sldId id="468" r:id="rId21"/>
-    <p:sldId id="412" r:id="rId22"/>
-    <p:sldId id="474" r:id="rId23"/>
-    <p:sldId id="472" r:id="rId24"/>
-    <p:sldId id="419" r:id="rId25"/>
+    <p:sldId id="483" r:id="rId21"/>
+    <p:sldId id="468" r:id="rId22"/>
+    <p:sldId id="412" r:id="rId23"/>
+    <p:sldId id="474" r:id="rId24"/>
+    <p:sldId id="472" r:id="rId25"/>
+    <p:sldId id="419" r:id="rId26"/>
   </p:sldIdLst>
   <p:sldSz cx="12192000" cy="6858000"/>
   <p:notesSz cx="6858000" cy="9144000"/>
@@ -235,7 +236,7 @@
           <a:p>
             <a:fld id="{C88CE87A-16FF-4C7D-8292-0CB980715C8B}" type="datetimeFigureOut">
               <a:rPr lang="de-DE" smtClean="0"/>
-              <a:t>12.01.2023</a:t>
+              <a:t>18.01.2023</a:t>
             </a:fld>
             <a:endParaRPr lang="de-DE"/>
           </a:p>
@@ -412,7 +413,7 @@
           <a:p>
             <a:fld id="{9DECA62E-2216-4960-A875-4D2633F4A404}" type="datetimeFigureOut">
               <a:rPr lang="de-DE" smtClean="0"/>
-              <a:t>12.01.2023</a:t>
+              <a:t>18.01.2023</a:t>
             </a:fld>
             <a:endParaRPr lang="de-DE"/>
           </a:p>
@@ -1138,6 +1139,542 @@
       </p:grpSpPr>
       <p:sp>
         <p:nvSpPr>
+          <p:cNvPr id="2" name="Slide Image Placeholder 1"/>
+          <p:cNvSpPr>
+            <a:spLocks noGrp="1" noRot="1" noChangeAspect="1"/>
+          </p:cNvSpPr>
+          <p:nvPr>
+            <p:ph type="sldImg"/>
+          </p:nvPr>
+        </p:nvSpPr>
+        <p:spPr/>
+      </p:sp>
+      <p:sp>
+        <p:nvSpPr>
+          <p:cNvPr id="3" name="Notes Placeholder 2"/>
+          <p:cNvSpPr>
+            <a:spLocks noGrp="1"/>
+          </p:cNvSpPr>
+          <p:nvPr>
+            <p:ph type="body" idx="1"/>
+          </p:nvPr>
+        </p:nvSpPr>
+        <p:spPr/>
+        <p:txBody>
+          <a:bodyPr/>
+          <a:lstStyle/>
+          <a:p>
+            <a:pPr marL="171450" indent="-171450">
+              <a:buFontTx/>
+              <a:buChar char="-"/>
+            </a:pPr>
+            <a:r>
+              <a:rPr lang="en-US" dirty="0"/>
+              <a:t>Could use automatic hyperparameter search as well</a:t>
+            </a:r>
+          </a:p>
+          <a:p>
+            <a:pPr marL="171450" indent="-171450">
+              <a:buFontTx/>
+              <a:buChar char="-"/>
+            </a:pPr>
+            <a:r>
+              <a:rPr lang="en-US" dirty="0"/>
+              <a:t>Training times on </a:t>
+            </a:r>
+            <a:r>
+              <a:rPr lang="en-US" dirty="0" err="1"/>
+              <a:t>gtx</a:t>
+            </a:r>
+            <a:r>
+              <a:rPr lang="en-US" dirty="0"/>
+              <a:t> 1060 3gb</a:t>
+            </a:r>
+          </a:p>
+          <a:p>
+            <a:pPr marL="628650" lvl="1" indent="-171450">
+              <a:buFontTx/>
+              <a:buChar char="-"/>
+            </a:pPr>
+            <a:r>
+              <a:rPr lang="en-US" dirty="0"/>
+              <a:t>120 timeseries, 3000 timesteps, 500 epochs</a:t>
+            </a:r>
+          </a:p>
+          <a:p>
+            <a:pPr marL="1085850" lvl="2" indent="-171450">
+              <a:buFontTx/>
+              <a:buChar char="-"/>
+            </a:pPr>
+            <a:r>
+              <a:rPr lang="en-US" dirty="0"/>
+              <a:t>Five layer 30 min</a:t>
+            </a:r>
+          </a:p>
+          <a:p>
+            <a:pPr marL="1085850" lvl="2" indent="-171450">
+              <a:buFontTx/>
+              <a:buChar char="-"/>
+            </a:pPr>
+            <a:r>
+              <a:rPr lang="en-US" dirty="0"/>
+              <a:t>Two layer 15 min</a:t>
+            </a:r>
+          </a:p>
+          <a:p>
+            <a:pPr marL="1085850" lvl="2" indent="-171450">
+              <a:buFontTx/>
+              <a:buChar char="-"/>
+            </a:pPr>
+            <a:r>
+              <a:rPr lang="en-US" dirty="0"/>
+              <a:t>Nodes, </a:t>
+            </a:r>
+            <a:r>
+              <a:rPr lang="en-US" dirty="0" err="1"/>
+              <a:t>lr</a:t>
+            </a:r>
+            <a:r>
+              <a:rPr lang="en-US" dirty="0"/>
+              <a:t> not rly affecting time much</a:t>
+            </a:r>
+          </a:p>
+          <a:p>
+            <a:pPr marL="1085850" lvl="2" indent="-171450">
+              <a:buFontTx/>
+              <a:buChar char="-"/>
+            </a:pPr>
+            <a:r>
+              <a:rPr lang="en-US" dirty="0"/>
+              <a:t>two layers, 32 nodes, 5000 epochs ~2h</a:t>
+            </a:r>
+          </a:p>
+          <a:p>
+            <a:pPr marL="0" lvl="0" indent="0">
+              <a:buFontTx/>
+              <a:buNone/>
+            </a:pPr>
+            <a:r>
+              <a:rPr lang="en-US" dirty="0"/>
+              <a:t>- inference times:</a:t>
+            </a:r>
+          </a:p>
+          <a:p>
+            <a:pPr marL="171450" lvl="0" indent="-171450">
+              <a:buFontTx/>
+              <a:buChar char="-"/>
+            </a:pPr>
+            <a:r>
+              <a:rPr lang="en-US" dirty="0"/>
+              <a:t>2 layer 64 nodes, 1000 length:</a:t>
+            </a:r>
+          </a:p>
+          <a:p>
+            <a:pPr marL="628650" lvl="1" indent="-171450">
+              <a:buFontTx/>
+              <a:buChar char="-"/>
+            </a:pPr>
+            <a:r>
+              <a:rPr lang="en-US" dirty="0"/>
+              <a:t>0.035 s</a:t>
+            </a:r>
+          </a:p>
+          <a:p>
+            <a:pPr marL="628650" lvl="1" indent="-171450">
+              <a:buFontTx/>
+              <a:buChar char="-"/>
+            </a:pPr>
+            <a:r>
+              <a:rPr lang="en-US" dirty="0"/>
+              <a:t>--&gt; for one step: 0.000035 s (0.035ms, 35µs)</a:t>
+            </a:r>
+          </a:p>
+          <a:p>
+            <a:pPr marL="628650" lvl="1" indent="-171450">
+              <a:buFontTx/>
+              <a:buChar char="-"/>
+            </a:pPr>
+            <a:r>
+              <a:rPr lang="en-US" dirty="0"/>
+              <a:t>fps (one step): 1/0.000035 = 28571.428571428572</a:t>
+            </a:r>
+          </a:p>
+          <a:p>
+            <a:pPr marL="171450" lvl="0" indent="-171450">
+              <a:buFontTx/>
+              <a:buChar char="-"/>
+            </a:pPr>
+            <a:endParaRPr lang="en-US" dirty="0"/>
+          </a:p>
+        </p:txBody>
+      </p:sp>
+      <p:sp>
+        <p:nvSpPr>
+          <p:cNvPr id="4" name="Slide Number Placeholder 3"/>
+          <p:cNvSpPr>
+            <a:spLocks noGrp="1"/>
+          </p:cNvSpPr>
+          <p:nvPr>
+            <p:ph type="sldNum" sz="quarter" idx="5"/>
+          </p:nvPr>
+        </p:nvSpPr>
+        <p:spPr/>
+        <p:txBody>
+          <a:bodyPr/>
+          <a:lstStyle/>
+          <a:p>
+            <a:fld id="{E1F93703-73BA-47D5-8B02-C172375928DA}" type="slidenum">
+              <a:rPr lang="de-DE" smtClean="0"/>
+              <a:t>12</a:t>
+            </a:fld>
+            <a:endParaRPr lang="de-DE"/>
+          </a:p>
+        </p:txBody>
+      </p:sp>
+    </p:spTree>
+    <p:extLst>
+      <p:ext uri="{BB962C8B-B14F-4D97-AF65-F5344CB8AC3E}">
+        <p14:creationId xmlns:p14="http://schemas.microsoft.com/office/powerpoint/2010/main" val="2730930353"/>
+      </p:ext>
+    </p:extLst>
+  </p:cSld>
+  <p:clrMapOvr>
+    <a:masterClrMapping/>
+  </p:clrMapOvr>
+</p:notes>
+</file>
+
+<file path=ppt/notesSlides/notesSlide6.xml><?xml version="1.0" encoding="utf-8"?>
+<p:notes xmlns:a="http://schemas.openxmlformats.org/drawingml/2006/main" xmlns:r="http://schemas.openxmlformats.org/officeDocument/2006/relationships" xmlns:p="http://schemas.openxmlformats.org/presentationml/2006/main">
+  <p:cSld>
+    <p:spTree>
+      <p:nvGrpSpPr>
+        <p:cNvPr id="1" name=""/>
+        <p:cNvGrpSpPr/>
+        <p:nvPr/>
+      </p:nvGrpSpPr>
+      <p:grpSpPr>
+        <a:xfrm>
+          <a:off x="0" y="0"/>
+          <a:ext cx="0" cy="0"/>
+          <a:chOff x="0" y="0"/>
+          <a:chExt cx="0" cy="0"/>
+        </a:xfrm>
+      </p:grpSpPr>
+      <p:sp>
+        <p:nvSpPr>
+          <p:cNvPr id="2" name="Slide Image Placeholder 1"/>
+          <p:cNvSpPr>
+            <a:spLocks noGrp="1" noRot="1" noChangeAspect="1"/>
+          </p:cNvSpPr>
+          <p:nvPr>
+            <p:ph type="sldImg"/>
+          </p:nvPr>
+        </p:nvSpPr>
+        <p:spPr/>
+      </p:sp>
+      <p:sp>
+        <p:nvSpPr>
+          <p:cNvPr id="3" name="Notes Placeholder 2"/>
+          <p:cNvSpPr>
+            <a:spLocks noGrp="1"/>
+          </p:cNvSpPr>
+          <p:nvPr>
+            <p:ph type="body" idx="1"/>
+          </p:nvPr>
+        </p:nvSpPr>
+        <p:spPr/>
+        <p:txBody>
+          <a:bodyPr/>
+          <a:lstStyle/>
+          <a:p>
+            <a:pPr marL="171450" indent="-171450">
+              <a:buFontTx/>
+              <a:buChar char="-"/>
+            </a:pPr>
+            <a:r>
+              <a:rPr lang="en-US" dirty="0"/>
+              <a:t>Larger models more difficult to train</a:t>
+            </a:r>
+          </a:p>
+          <a:p>
+            <a:pPr marL="171450" indent="-171450">
+              <a:buFontTx/>
+              <a:buChar char="-"/>
+            </a:pPr>
+            <a:r>
+              <a:rPr lang="en-US" dirty="0"/>
+              <a:t>Only training, not final performance, bigger models might get better later, have higher(lower) </a:t>
+            </a:r>
+            <a:r>
+              <a:rPr lang="en-US"/>
+              <a:t>performance ceiling</a:t>
+            </a:r>
+            <a:endParaRPr lang="en-US" dirty="0"/>
+          </a:p>
+        </p:txBody>
+      </p:sp>
+      <p:sp>
+        <p:nvSpPr>
+          <p:cNvPr id="4" name="Slide Number Placeholder 3"/>
+          <p:cNvSpPr>
+            <a:spLocks noGrp="1"/>
+          </p:cNvSpPr>
+          <p:nvPr>
+            <p:ph type="sldNum" sz="quarter" idx="5"/>
+          </p:nvPr>
+        </p:nvSpPr>
+        <p:spPr/>
+        <p:txBody>
+          <a:bodyPr/>
+          <a:lstStyle/>
+          <a:p>
+            <a:fld id="{E1F93703-73BA-47D5-8B02-C172375928DA}" type="slidenum">
+              <a:rPr lang="de-DE" smtClean="0"/>
+              <a:t>14</a:t>
+            </a:fld>
+            <a:endParaRPr lang="de-DE"/>
+          </a:p>
+        </p:txBody>
+      </p:sp>
+    </p:spTree>
+    <p:extLst>
+      <p:ext uri="{BB962C8B-B14F-4D97-AF65-F5344CB8AC3E}">
+        <p14:creationId xmlns:p14="http://schemas.microsoft.com/office/powerpoint/2010/main" val="3227534281"/>
+      </p:ext>
+    </p:extLst>
+  </p:cSld>
+  <p:clrMapOvr>
+    <a:masterClrMapping/>
+  </p:clrMapOvr>
+</p:notes>
+</file>
+
+<file path=ppt/notesSlides/notesSlide7.xml><?xml version="1.0" encoding="utf-8"?>
+<p:notes xmlns:a="http://schemas.openxmlformats.org/drawingml/2006/main" xmlns:r="http://schemas.openxmlformats.org/officeDocument/2006/relationships" xmlns:p="http://schemas.openxmlformats.org/presentationml/2006/main">
+  <p:cSld>
+    <p:spTree>
+      <p:nvGrpSpPr>
+        <p:cNvPr id="1" name=""/>
+        <p:cNvGrpSpPr/>
+        <p:nvPr/>
+      </p:nvGrpSpPr>
+      <p:grpSpPr>
+        <a:xfrm>
+          <a:off x="0" y="0"/>
+          <a:ext cx="0" cy="0"/>
+          <a:chOff x="0" y="0"/>
+          <a:chExt cx="0" cy="0"/>
+        </a:xfrm>
+      </p:grpSpPr>
+      <p:sp>
+        <p:nvSpPr>
+          <p:cNvPr id="2" name="Slide Image Placeholder 1"/>
+          <p:cNvSpPr>
+            <a:spLocks noGrp="1" noRot="1" noChangeAspect="1"/>
+          </p:cNvSpPr>
+          <p:nvPr>
+            <p:ph type="sldImg"/>
+          </p:nvPr>
+        </p:nvSpPr>
+        <p:spPr/>
+      </p:sp>
+      <p:sp>
+        <p:nvSpPr>
+          <p:cNvPr id="3" name="Notes Placeholder 2"/>
+          <p:cNvSpPr>
+            <a:spLocks noGrp="1"/>
+          </p:cNvSpPr>
+          <p:nvPr>
+            <p:ph type="body" idx="1"/>
+          </p:nvPr>
+        </p:nvSpPr>
+        <p:spPr/>
+        <p:txBody>
+          <a:bodyPr/>
+          <a:lstStyle/>
+          <a:p>
+            <a:endParaRPr lang="en-US" dirty="0"/>
+          </a:p>
+        </p:txBody>
+      </p:sp>
+      <p:sp>
+        <p:nvSpPr>
+          <p:cNvPr id="4" name="Slide Number Placeholder 3"/>
+          <p:cNvSpPr>
+            <a:spLocks noGrp="1"/>
+          </p:cNvSpPr>
+          <p:nvPr>
+            <p:ph type="sldNum" sz="quarter" idx="5"/>
+          </p:nvPr>
+        </p:nvSpPr>
+        <p:spPr/>
+        <p:txBody>
+          <a:bodyPr/>
+          <a:lstStyle/>
+          <a:p>
+            <a:fld id="{E1F93703-73BA-47D5-8B02-C172375928DA}" type="slidenum">
+              <a:rPr lang="de-DE" smtClean="0"/>
+              <a:t>16</a:t>
+            </a:fld>
+            <a:endParaRPr lang="de-DE"/>
+          </a:p>
+        </p:txBody>
+      </p:sp>
+    </p:spTree>
+    <p:extLst>
+      <p:ext uri="{BB962C8B-B14F-4D97-AF65-F5344CB8AC3E}">
+        <p14:creationId xmlns:p14="http://schemas.microsoft.com/office/powerpoint/2010/main" val="3181399750"/>
+      </p:ext>
+    </p:extLst>
+  </p:cSld>
+  <p:clrMapOvr>
+    <a:masterClrMapping/>
+  </p:clrMapOvr>
+</p:notes>
+</file>
+
+<file path=ppt/notesSlides/notesSlide8.xml><?xml version="1.0" encoding="utf-8"?>
+<p:notes xmlns:a="http://schemas.openxmlformats.org/drawingml/2006/main" xmlns:r="http://schemas.openxmlformats.org/officeDocument/2006/relationships" xmlns:p="http://schemas.openxmlformats.org/presentationml/2006/main">
+  <p:cSld>
+    <p:spTree>
+      <p:nvGrpSpPr>
+        <p:cNvPr id="1" name=""/>
+        <p:cNvGrpSpPr/>
+        <p:nvPr/>
+      </p:nvGrpSpPr>
+      <p:grpSpPr>
+        <a:xfrm>
+          <a:off x="0" y="0"/>
+          <a:ext cx="0" cy="0"/>
+          <a:chOff x="0" y="0"/>
+          <a:chExt cx="0" cy="0"/>
+        </a:xfrm>
+      </p:grpSpPr>
+      <p:sp>
+        <p:nvSpPr>
+          <p:cNvPr id="2" name="Slide Image Placeholder 1"/>
+          <p:cNvSpPr>
+            <a:spLocks noGrp="1" noRot="1" noChangeAspect="1"/>
+          </p:cNvSpPr>
+          <p:nvPr>
+            <p:ph type="sldImg"/>
+          </p:nvPr>
+        </p:nvSpPr>
+        <p:spPr/>
+      </p:sp>
+      <p:sp>
+        <p:nvSpPr>
+          <p:cNvPr id="3" name="Notes Placeholder 2"/>
+          <p:cNvSpPr>
+            <a:spLocks noGrp="1"/>
+          </p:cNvSpPr>
+          <p:nvPr>
+            <p:ph type="body" idx="1"/>
+          </p:nvPr>
+        </p:nvSpPr>
+        <p:spPr/>
+        <p:txBody>
+          <a:bodyPr/>
+          <a:lstStyle/>
+          <a:p>
+            <a:pPr marL="171450" indent="-171450">
+              <a:buFontTx/>
+              <a:buChar char="-"/>
+            </a:pPr>
+            <a:r>
+              <a:rPr lang="en-US" dirty="0"/>
+              <a:t>No training sample too similar </a:t>
+            </a:r>
+            <a:r>
+              <a:rPr lang="en-US" dirty="0">
+                <a:sym typeface="Wingdings" panose="05000000000000000000" pitchFamily="2" charset="2"/>
+              </a:rPr>
+              <a:t> not overfitted.</a:t>
+            </a:r>
+          </a:p>
+          <a:p>
+            <a:pPr marL="171450" indent="-171450">
+              <a:buFontTx/>
+              <a:buChar char="-"/>
+            </a:pPr>
+            <a:r>
+              <a:rPr lang="en-US" dirty="0">
+                <a:sym typeface="Wingdings" panose="05000000000000000000" pitchFamily="2" charset="2"/>
+              </a:rPr>
+              <a:t>Error at input change sources:</a:t>
+            </a:r>
+          </a:p>
+          <a:p>
+            <a:pPr marL="628650" lvl="1" indent="-171450">
+              <a:buFontTx/>
+              <a:buChar char="-"/>
+            </a:pPr>
+            <a:r>
+              <a:rPr lang="en-US" dirty="0">
+                <a:sym typeface="Wingdings" panose="05000000000000000000" pitchFamily="2" charset="2"/>
+              </a:rPr>
+              <a:t>Maybe difficult to learn larger changes in hidden/cell states</a:t>
+            </a:r>
+            <a:endParaRPr lang="en-US" dirty="0"/>
+          </a:p>
+        </p:txBody>
+      </p:sp>
+      <p:sp>
+        <p:nvSpPr>
+          <p:cNvPr id="4" name="Slide Number Placeholder 3"/>
+          <p:cNvSpPr>
+            <a:spLocks noGrp="1"/>
+          </p:cNvSpPr>
+          <p:nvPr>
+            <p:ph type="sldNum" sz="quarter" idx="5"/>
+          </p:nvPr>
+        </p:nvSpPr>
+        <p:spPr/>
+        <p:txBody>
+          <a:bodyPr/>
+          <a:lstStyle/>
+          <a:p>
+            <a:fld id="{E1F93703-73BA-47D5-8B02-C172375928DA}" type="slidenum">
+              <a:rPr lang="de-DE" smtClean="0"/>
+              <a:t>17</a:t>
+            </a:fld>
+            <a:endParaRPr lang="de-DE"/>
+          </a:p>
+        </p:txBody>
+      </p:sp>
+    </p:spTree>
+    <p:extLst>
+      <p:ext uri="{BB962C8B-B14F-4D97-AF65-F5344CB8AC3E}">
+        <p14:creationId xmlns:p14="http://schemas.microsoft.com/office/powerpoint/2010/main" val="4067223537"/>
+      </p:ext>
+    </p:extLst>
+  </p:cSld>
+  <p:clrMapOvr>
+    <a:masterClrMapping/>
+  </p:clrMapOvr>
+</p:notes>
+</file>
+
+<file path=ppt/notesSlides/notesSlide9.xml><?xml version="1.0" encoding="utf-8"?>
+<p:notes xmlns:a="http://schemas.openxmlformats.org/drawingml/2006/main" xmlns:r="http://schemas.openxmlformats.org/officeDocument/2006/relationships" xmlns:p="http://schemas.openxmlformats.org/presentationml/2006/main">
+  <p:cSld>
+    <p:spTree>
+      <p:nvGrpSpPr>
+        <p:cNvPr id="1" name=""/>
+        <p:cNvGrpSpPr/>
+        <p:nvPr/>
+      </p:nvGrpSpPr>
+      <p:grpSpPr>
+        <a:xfrm>
+          <a:off x="0" y="0"/>
+          <a:ext cx="0" cy="0"/>
+          <a:chOff x="0" y="0"/>
+          <a:chExt cx="0" cy="0"/>
+        </a:xfrm>
+      </p:grpSpPr>
+      <p:sp>
+        <p:nvSpPr>
           <p:cNvPr id="2" name="Folienbildplatzhalter 1"/>
           <p:cNvSpPr>
             <a:spLocks noGrp="1" noRot="1" noChangeAspect="1"/>
@@ -1300,7 +1837,7 @@
           <a:p>
             <a:fld id="{E1F93703-73BA-47D5-8B02-C172375928DA}" type="slidenum">
               <a:rPr lang="de-DE" smtClean="0"/>
-              <a:t>17</a:t>
+              <a:t>18</a:t>
             </a:fld>
             <a:endParaRPr lang="de-DE"/>
           </a:p>
@@ -1449,8 +1986,8 @@
           <a:lstStyle/>
           <a:p>
             <a:r>
-              <a:rPr lang="LID4096"/>
-              <a:t>12/01/2023</a:t>
+              <a:rPr lang="en-US"/>
+              <a:t>19/01/2023</a:t>
             </a:r>
             <a:endParaRPr lang="de-DE" dirty="0"/>
           </a:p>
@@ -2928,8 +3465,8 @@
           </a:lstStyle>
           <a:p>
             <a:r>
-              <a:rPr lang="LID4096"/>
-              <a:t>12/01/2023</a:t>
+              <a:rPr lang="en-US"/>
+              <a:t>19/01/2023</a:t>
             </a:r>
             <a:endParaRPr lang="de-DE" dirty="0"/>
           </a:p>
@@ -4606,8 +5143,8 @@
           </a:lstStyle>
           <a:p>
             <a:r>
-              <a:rPr lang="LID4096"/>
-              <a:t>12/01/2023</a:t>
+              <a:rPr lang="en-US"/>
+              <a:t>19/01/2023</a:t>
             </a:r>
             <a:endParaRPr lang="de-DE" dirty="0"/>
           </a:p>
@@ -7657,8 +8194,8 @@
           </a:lstStyle>
           <a:p>
             <a:r>
-              <a:rPr lang="LID4096"/>
-              <a:t>12/01/2023</a:t>
+              <a:rPr lang="en-US"/>
+              <a:t>19/01/2023</a:t>
             </a:r>
             <a:endParaRPr lang="de-DE" dirty="0"/>
           </a:p>
@@ -9629,7 +10166,7 @@
             </a:pPr>
             <a:r>
               <a:rPr lang="de-DE" sz="2000" dirty="0"/>
-              <a:t>Sebastian Hirt | 12.01.2023</a:t>
+              <a:t>Sebastian Hirt | 19.01.2023</a:t>
             </a:r>
           </a:p>
           <a:p>
@@ -9697,8 +10234,8 @@
           <a:lstStyle/>
           <a:p>
             <a:r>
-              <a:rPr lang="LID4096"/>
-              <a:t>12/01/2023</a:t>
+              <a:rPr lang="en-US"/>
+              <a:t>19/01/2023</a:t>
             </a:r>
             <a:endParaRPr lang="de-DE" dirty="0"/>
           </a:p>
@@ -9861,1325 +10398,8 @@
           </a:p>
         </p:txBody>
       </p:sp>
-      <p:pic>
-        <p:nvPicPr>
-          <p:cNvPr id="7" name="Picture 6">
-            <a:extLst>
-              <a:ext uri="{FF2B5EF4-FFF2-40B4-BE49-F238E27FC236}">
-                <a16:creationId xmlns:a16="http://schemas.microsoft.com/office/drawing/2014/main" id="{13D035A7-54C0-3029-A9D4-E9E5E4A32BCF}"/>
-              </a:ext>
-            </a:extLst>
-          </p:cNvPr>
-          <p:cNvPicPr>
-            <a:picLocks noChangeAspect="1"/>
-          </p:cNvPicPr>
-          <p:nvPr/>
-        </p:nvPicPr>
-        <p:blipFill>
-          <a:blip r:embed="rId3"/>
-          <a:stretch>
-            <a:fillRect/>
-          </a:stretch>
-        </p:blipFill>
-        <p:spPr>
-          <a:xfrm>
-            <a:off x="4539388" y="1281500"/>
-            <a:ext cx="4394298" cy="3397423"/>
-          </a:xfrm>
-          <a:prstGeom prst="rect">
-            <a:avLst/>
-          </a:prstGeom>
-        </p:spPr>
-      </p:pic>
-      <mc:AlternateContent xmlns:mc="http://schemas.openxmlformats.org/markup-compatibility/2006">
-        <mc:Choice xmlns:a14="http://schemas.microsoft.com/office/drawing/2010/main" Requires="a14">
-          <p:sp>
-            <p:nvSpPr>
-              <p:cNvPr id="8" name="TextBox 7">
-                <a:extLst>
-                  <a:ext uri="{FF2B5EF4-FFF2-40B4-BE49-F238E27FC236}">
-                    <a16:creationId xmlns:a16="http://schemas.microsoft.com/office/drawing/2014/main" id="{5756F681-1508-9858-5AA1-8A9FFC2F1D5E}"/>
-                  </a:ext>
-                </a:extLst>
-              </p:cNvPr>
-              <p:cNvSpPr txBox="1"/>
-              <p:nvPr/>
-            </p:nvSpPr>
-            <p:spPr>
-              <a:xfrm>
-                <a:off x="1323750" y="4469602"/>
-                <a:ext cx="1863267" cy="1674946"/>
-              </a:xfrm>
-              <a:prstGeom prst="rect">
-                <a:avLst/>
-              </a:prstGeom>
-              <a:noFill/>
-            </p:spPr>
-            <p:txBody>
-              <a:bodyPr wrap="none" lIns="0" tIns="0" rIns="0" bIns="0" rtlCol="0">
-                <a:spAutoFit/>
-              </a:bodyPr>
-              <a:lstStyle/>
-              <a:p>
-                <a:pPr>
-                  <a:lnSpc>
-                    <a:spcPct val="110000"/>
-                  </a:lnSpc>
-                  <a:spcAft>
-                    <a:spcPts val="1200"/>
-                  </a:spcAft>
-                </a:pPr>
-                <a14:m>
-                  <m:oMathPara xmlns:m="http://schemas.openxmlformats.org/officeDocument/2006/math">
-                    <m:oMathParaPr>
-                      <m:jc m:val="centerGroup"/>
-                    </m:oMathParaPr>
-                    <m:oMath xmlns:m="http://schemas.openxmlformats.org/officeDocument/2006/math">
-                      <m:r>
-                        <a:rPr kumimoji="0" lang="en-US" b="0" i="1" u="none" strike="noStrike" kern="1200" cap="none" spc="0" normalizeH="0" baseline="0" noProof="0" smtClean="0">
-                          <a:ln>
-                            <a:noFill/>
-                          </a:ln>
-                          <a:solidFill>
-                            <a:prstClr val="black"/>
-                          </a:solidFill>
-                          <a:effectLst/>
-                          <a:uLnTx/>
-                          <a:uFillTx/>
-                          <a:latin typeface="Cambria Math" panose="02040503050406030204" pitchFamily="18" charset="0"/>
-                        </a:rPr>
-                        <m:t>𝑋</m:t>
-                      </m:r>
-                      <m:r>
-                        <a:rPr kumimoji="0" lang="en-US" b="0" i="1" u="none" strike="noStrike" kern="1200" cap="none" spc="0" normalizeH="0" baseline="0" noProof="0" smtClean="0">
-                          <a:ln>
-                            <a:noFill/>
-                          </a:ln>
-                          <a:solidFill>
-                            <a:prstClr val="black"/>
-                          </a:solidFill>
-                          <a:effectLst/>
-                          <a:uLnTx/>
-                          <a:uFillTx/>
-                          <a:latin typeface="Cambria Math" panose="02040503050406030204" pitchFamily="18" charset="0"/>
-                        </a:rPr>
-                        <m:t>=</m:t>
-                      </m:r>
-                      <m:m>
-                        <m:mPr>
-                          <m:mcs>
-                            <m:mc>
-                              <m:mcPr>
-                                <m:count m:val="3"/>
-                                <m:mcJc m:val="center"/>
-                              </m:mcPr>
-                            </m:mc>
-                          </m:mcs>
-                          <m:ctrlPr>
-                            <a:rPr kumimoji="0" lang="en-US" b="0" i="1" u="none" strike="noStrike" kern="1200" cap="none" spc="0" normalizeH="0" baseline="0" noProof="0" smtClean="0">
-                              <a:ln>
-                                <a:noFill/>
-                              </a:ln>
-                              <a:solidFill>
-                                <a:prstClr val="black"/>
-                              </a:solidFill>
-                              <a:effectLst/>
-                              <a:uLnTx/>
-                              <a:uFillTx/>
-                              <a:latin typeface="Cambria Math" panose="02040503050406030204" pitchFamily="18" charset="0"/>
-                            </a:rPr>
-                          </m:ctrlPr>
-                        </m:mPr>
-                        <m:mr>
-                          <m:e>
-                            <m:sSub>
-                              <m:sSubPr>
-                                <m:ctrlPr>
-                                  <a:rPr kumimoji="0" lang="en-US" b="0" i="1" u="none" strike="noStrike" kern="1200" cap="none" spc="0" normalizeH="0" baseline="0" noProof="0" smtClean="0">
-                                    <a:ln>
-                                      <a:noFill/>
-                                    </a:ln>
-                                    <a:solidFill>
-                                      <a:prstClr val="black"/>
-                                    </a:solidFill>
-                                    <a:effectLst/>
-                                    <a:uLnTx/>
-                                    <a:uFillTx/>
-                                    <a:latin typeface="Cambria Math" panose="02040503050406030204" pitchFamily="18" charset="0"/>
-                                  </a:rPr>
-                                </m:ctrlPr>
-                              </m:sSubPr>
-                              <m:e>
-                                <m:r>
-                                  <a:rPr kumimoji="0" lang="en-US" b="0" i="1" u="none" strike="noStrike" kern="1200" cap="none" spc="0" normalizeH="0" baseline="0" noProof="0" smtClean="0">
-                                    <a:ln>
-                                      <a:noFill/>
-                                    </a:ln>
-                                    <a:solidFill>
-                                      <a:prstClr val="black"/>
-                                    </a:solidFill>
-                                    <a:effectLst/>
-                                    <a:uLnTx/>
-                                    <a:uFillTx/>
-                                    <a:latin typeface="Cambria Math" panose="02040503050406030204" pitchFamily="18" charset="0"/>
-                                  </a:rPr>
-                                  <m:t>𝜃</m:t>
-                                </m:r>
-                              </m:e>
-                              <m:sub>
-                                <m:r>
-                                  <a:rPr kumimoji="0" lang="en-US" b="0" i="1" u="none" strike="noStrike" kern="1200" cap="none" spc="0" normalizeH="0" baseline="0" noProof="0" smtClean="0">
-                                    <a:ln>
-                                      <a:noFill/>
-                                    </a:ln>
-                                    <a:solidFill>
-                                      <a:prstClr val="black"/>
-                                    </a:solidFill>
-                                    <a:effectLst/>
-                                    <a:uLnTx/>
-                                    <a:uFillTx/>
-                                    <a:latin typeface="Cambria Math" panose="02040503050406030204" pitchFamily="18" charset="0"/>
-                                  </a:rPr>
-                                  <m:t>𝑡</m:t>
-                                </m:r>
-                              </m:sub>
-                            </m:sSub>
-                          </m:e>
-                          <m:e>
-                            <m:sSub>
-                              <m:sSubPr>
-                                <m:ctrlPr>
-                                  <a:rPr lang="en-US" b="0" i="1" smtClean="0">
-                                    <a:solidFill>
-                                      <a:prstClr val="black"/>
-                                    </a:solidFill>
-                                    <a:latin typeface="Cambria Math" panose="02040503050406030204" pitchFamily="18" charset="0"/>
-                                    <a:ea typeface="Cambria Math" panose="02040503050406030204" pitchFamily="18" charset="0"/>
-                                  </a:rPr>
-                                </m:ctrlPr>
-                              </m:sSubPr>
-                              <m:e>
-                                <m:acc>
-                                  <m:accPr>
-                                    <m:chr m:val="̇"/>
-                                    <m:ctrlPr>
-                                      <a:rPr lang="en-US" i="1">
-                                        <a:solidFill>
-                                          <a:prstClr val="black"/>
-                                        </a:solidFill>
-                                        <a:latin typeface="Cambria Math" panose="02040503050406030204" pitchFamily="18" charset="0"/>
-                                      </a:rPr>
-                                    </m:ctrlPr>
-                                  </m:accPr>
-                                  <m:e>
-                                    <m:r>
-                                      <a:rPr lang="en-US" i="1">
-                                        <a:solidFill>
-                                          <a:prstClr val="black"/>
-                                        </a:solidFill>
-                                        <a:latin typeface="Cambria Math" panose="02040503050406030204" pitchFamily="18" charset="0"/>
-                                        <a:ea typeface="Cambria Math" panose="02040503050406030204" pitchFamily="18" charset="0"/>
-                                      </a:rPr>
-                                      <m:t>𝜃</m:t>
-                                    </m:r>
-                                  </m:e>
-                                </m:acc>
-                              </m:e>
-                              <m:sub>
-                                <m:r>
-                                  <a:rPr lang="en-US" b="0" i="1" smtClean="0">
-                                    <a:solidFill>
-                                      <a:prstClr val="black"/>
-                                    </a:solidFill>
-                                    <a:latin typeface="Cambria Math" panose="02040503050406030204" pitchFamily="18" charset="0"/>
-                                    <a:ea typeface="Cambria Math" panose="02040503050406030204" pitchFamily="18" charset="0"/>
-                                  </a:rPr>
-                                  <m:t>𝑡</m:t>
-                                </m:r>
-                              </m:sub>
-                            </m:sSub>
-                          </m:e>
-                          <m:e>
-                            <m:sSub>
-                              <m:sSubPr>
-                                <m:ctrlPr>
-                                  <a:rPr kumimoji="0" lang="en-US" b="0" i="1" u="none" strike="noStrike" kern="1200" cap="none" spc="0" normalizeH="0" baseline="0" noProof="0" smtClean="0">
-                                    <a:ln>
-                                      <a:noFill/>
-                                    </a:ln>
-                                    <a:solidFill>
-                                      <a:prstClr val="black"/>
-                                    </a:solidFill>
-                                    <a:effectLst/>
-                                    <a:uLnTx/>
-                                    <a:uFillTx/>
-                                    <a:latin typeface="Cambria Math" panose="02040503050406030204" pitchFamily="18" charset="0"/>
-                                  </a:rPr>
-                                </m:ctrlPr>
-                              </m:sSubPr>
-                              <m:e>
-                                <m:r>
-                                  <a:rPr kumimoji="0" lang="en-US" b="0" i="1" u="none" strike="noStrike" kern="1200" cap="none" spc="0" normalizeH="0" baseline="0" noProof="0" smtClean="0">
-                                    <a:ln>
-                                      <a:noFill/>
-                                    </a:ln>
-                                    <a:solidFill>
-                                      <a:prstClr val="black"/>
-                                    </a:solidFill>
-                                    <a:effectLst/>
-                                    <a:uLnTx/>
-                                    <a:uFillTx/>
-                                    <a:latin typeface="Cambria Math" panose="02040503050406030204" pitchFamily="18" charset="0"/>
-                                  </a:rPr>
-                                  <m:t>𝐹</m:t>
-                                </m:r>
-                              </m:e>
-                              <m:sub>
-                                <m:r>
-                                  <a:rPr kumimoji="0" lang="en-US" b="0" i="1" u="none" strike="noStrike" kern="1200" cap="none" spc="0" normalizeH="0" baseline="0" noProof="0" smtClean="0">
-                                    <a:ln>
-                                      <a:noFill/>
-                                    </a:ln>
-                                    <a:solidFill>
-                                      <a:prstClr val="black"/>
-                                    </a:solidFill>
-                                    <a:effectLst/>
-                                    <a:uLnTx/>
-                                    <a:uFillTx/>
-                                    <a:latin typeface="Cambria Math" panose="02040503050406030204" pitchFamily="18" charset="0"/>
-                                  </a:rPr>
-                                  <m:t>𝑡</m:t>
-                                </m:r>
-                              </m:sub>
-                            </m:sSub>
-                          </m:e>
-                        </m:mr>
-                        <m:mr>
-                          <m:e>
-                            <m:r>
-                              <a:rPr kumimoji="0" lang="en-US" b="0" i="1" u="none" strike="noStrike" kern="1200" cap="none" spc="0" normalizeH="0" baseline="0" noProof="0" smtClean="0">
-                                <a:ln>
-                                  <a:noFill/>
-                                </a:ln>
-                                <a:solidFill>
-                                  <a:prstClr val="black"/>
-                                </a:solidFill>
-                                <a:effectLst/>
-                                <a:uLnTx/>
-                                <a:uFillTx/>
-                                <a:latin typeface="Cambria Math" panose="02040503050406030204" pitchFamily="18" charset="0"/>
-                              </a:rPr>
-                              <m:t>0</m:t>
-                            </m:r>
-                          </m:e>
-                          <m:e>
-                            <m:r>
-                              <a:rPr kumimoji="0" lang="en-US" b="0" i="1" u="none" strike="noStrike" kern="1200" cap="none" spc="0" normalizeH="0" baseline="0" noProof="0" smtClean="0">
-                                <a:ln>
-                                  <a:noFill/>
-                                </a:ln>
-                                <a:solidFill>
-                                  <a:prstClr val="black"/>
-                                </a:solidFill>
-                                <a:effectLst/>
-                                <a:uLnTx/>
-                                <a:uFillTx/>
-                                <a:latin typeface="Cambria Math" panose="02040503050406030204" pitchFamily="18" charset="0"/>
-                              </a:rPr>
-                              <m:t>0</m:t>
-                            </m:r>
-                          </m:e>
-                          <m:e>
-                            <m:sSub>
-                              <m:sSubPr>
-                                <m:ctrlPr>
-                                  <a:rPr kumimoji="0" lang="en-US" b="0" i="1" u="none" strike="noStrike" kern="1200" cap="none" spc="0" normalizeH="0" baseline="0" noProof="0" smtClean="0">
-                                    <a:ln>
-                                      <a:noFill/>
-                                    </a:ln>
-                                    <a:solidFill>
-                                      <a:prstClr val="black"/>
-                                    </a:solidFill>
-                                    <a:effectLst/>
-                                    <a:uLnTx/>
-                                    <a:uFillTx/>
-                                    <a:latin typeface="Cambria Math" panose="02040503050406030204" pitchFamily="18" charset="0"/>
-                                  </a:rPr>
-                                </m:ctrlPr>
-                              </m:sSubPr>
-                              <m:e>
-                                <m:r>
-                                  <a:rPr kumimoji="0" lang="en-US" b="0" i="1" u="none" strike="noStrike" kern="1200" cap="none" spc="0" normalizeH="0" baseline="0" noProof="0" smtClean="0">
-                                    <a:ln>
-                                      <a:noFill/>
-                                    </a:ln>
-                                    <a:solidFill>
-                                      <a:prstClr val="black"/>
-                                    </a:solidFill>
-                                    <a:effectLst/>
-                                    <a:uLnTx/>
-                                    <a:uFillTx/>
-                                    <a:latin typeface="Cambria Math" panose="02040503050406030204" pitchFamily="18" charset="0"/>
-                                  </a:rPr>
-                                  <m:t>𝐹</m:t>
-                                </m:r>
-                              </m:e>
-                              <m:sub>
-                                <m:r>
-                                  <a:rPr kumimoji="0" lang="en-US" b="0" i="1" u="none" strike="noStrike" kern="1200" cap="none" spc="0" normalizeH="0" baseline="0" noProof="0" smtClean="0">
-                                    <a:ln>
-                                      <a:noFill/>
-                                    </a:ln>
-                                    <a:solidFill>
-                                      <a:prstClr val="black"/>
-                                    </a:solidFill>
-                                    <a:effectLst/>
-                                    <a:uLnTx/>
-                                    <a:uFillTx/>
-                                    <a:latin typeface="Cambria Math" panose="02040503050406030204" pitchFamily="18" charset="0"/>
-                                  </a:rPr>
-                                  <m:t>𝑡</m:t>
-                                </m:r>
-                                <m:r>
-                                  <a:rPr kumimoji="0" lang="en-US" b="0" i="1" u="none" strike="noStrike" kern="1200" cap="none" spc="0" normalizeH="0" baseline="0" noProof="0" smtClean="0">
-                                    <a:ln>
-                                      <a:noFill/>
-                                    </a:ln>
-                                    <a:solidFill>
-                                      <a:prstClr val="black"/>
-                                    </a:solidFill>
-                                    <a:effectLst/>
-                                    <a:uLnTx/>
-                                    <a:uFillTx/>
-                                    <a:latin typeface="Cambria Math" panose="02040503050406030204" pitchFamily="18" charset="0"/>
-                                  </a:rPr>
-                                  <m:t>+1</m:t>
-                                </m:r>
-                              </m:sub>
-                            </m:sSub>
-                          </m:e>
-                        </m:mr>
-                        <m:mr>
-                          <m:e>
-                            <m:r>
-                              <a:rPr kumimoji="0" lang="en-US" b="0" i="1" u="none" strike="noStrike" kern="1200" cap="none" spc="0" normalizeH="0" baseline="0" noProof="0" smtClean="0">
-                                <a:ln>
-                                  <a:noFill/>
-                                </a:ln>
-                                <a:solidFill>
-                                  <a:prstClr val="black"/>
-                                </a:solidFill>
-                                <a:effectLst/>
-                                <a:uLnTx/>
-                                <a:uFillTx/>
-                                <a:latin typeface="Cambria Math" panose="02040503050406030204" pitchFamily="18" charset="0"/>
-                              </a:rPr>
-                              <m:t>0</m:t>
-                            </m:r>
-                          </m:e>
-                          <m:e>
-                            <m:r>
-                              <a:rPr kumimoji="0" lang="en-US" b="0" i="1" u="none" strike="noStrike" kern="1200" cap="none" spc="0" normalizeH="0" baseline="0" noProof="0" smtClean="0">
-                                <a:ln>
-                                  <a:noFill/>
-                                </a:ln>
-                                <a:solidFill>
-                                  <a:prstClr val="black"/>
-                                </a:solidFill>
-                                <a:effectLst/>
-                                <a:uLnTx/>
-                                <a:uFillTx/>
-                                <a:latin typeface="Cambria Math" panose="02040503050406030204" pitchFamily="18" charset="0"/>
-                              </a:rPr>
-                              <m:t>0</m:t>
-                            </m:r>
-                          </m:e>
-                          <m:e>
-                            <m:sSub>
-                              <m:sSubPr>
-                                <m:ctrlPr>
-                                  <a:rPr lang="en-US" i="1">
-                                    <a:solidFill>
-                                      <a:prstClr val="black"/>
-                                    </a:solidFill>
-                                    <a:latin typeface="Cambria Math" panose="02040503050406030204" pitchFamily="18" charset="0"/>
-                                  </a:rPr>
-                                </m:ctrlPr>
-                              </m:sSubPr>
-                              <m:e>
-                                <m:r>
-                                  <a:rPr lang="en-US" i="1">
-                                    <a:solidFill>
-                                      <a:prstClr val="black"/>
-                                    </a:solidFill>
-                                    <a:latin typeface="Cambria Math" panose="02040503050406030204" pitchFamily="18" charset="0"/>
-                                  </a:rPr>
-                                  <m:t>𝐹</m:t>
-                                </m:r>
-                              </m:e>
-                              <m:sub>
-                                <m:r>
-                                  <a:rPr lang="en-US" i="1">
-                                    <a:solidFill>
-                                      <a:prstClr val="black"/>
-                                    </a:solidFill>
-                                    <a:latin typeface="Cambria Math" panose="02040503050406030204" pitchFamily="18" charset="0"/>
-                                  </a:rPr>
-                                  <m:t>𝑡</m:t>
-                                </m:r>
-                                <m:r>
-                                  <a:rPr lang="en-US" i="1">
-                                    <a:solidFill>
-                                      <a:prstClr val="black"/>
-                                    </a:solidFill>
-                                    <a:latin typeface="Cambria Math" panose="02040503050406030204" pitchFamily="18" charset="0"/>
-                                  </a:rPr>
-                                  <m:t>+2</m:t>
-                                </m:r>
-                              </m:sub>
-                            </m:sSub>
-                          </m:e>
-                        </m:mr>
-                        <m:mr>
-                          <m:e>
-                            <m:r>
-                              <a:rPr kumimoji="0" lang="en-US" b="0" i="1" u="none" strike="noStrike" kern="1200" cap="none" spc="0" normalizeH="0" baseline="0" noProof="0" smtClean="0">
-                                <a:ln>
-                                  <a:noFill/>
-                                </a:ln>
-                                <a:solidFill>
-                                  <a:prstClr val="black"/>
-                                </a:solidFill>
-                                <a:effectLst/>
-                                <a:uLnTx/>
-                                <a:uFillTx/>
-                                <a:latin typeface="Cambria Math" panose="02040503050406030204" pitchFamily="18" charset="0"/>
-                              </a:rPr>
-                              <m:t>⋮</m:t>
-                            </m:r>
-                          </m:e>
-                          <m:e>
-                            <m:r>
-                              <a:rPr lang="en-US" i="1">
-                                <a:solidFill>
-                                  <a:prstClr val="black"/>
-                                </a:solidFill>
-                                <a:latin typeface="Cambria Math" panose="02040503050406030204" pitchFamily="18" charset="0"/>
-                              </a:rPr>
-                              <m:t>⋮</m:t>
-                            </m:r>
-                          </m:e>
-                          <m:e>
-                            <m:r>
-                              <a:rPr lang="en-US" i="1">
-                                <a:solidFill>
-                                  <a:prstClr val="black"/>
-                                </a:solidFill>
-                                <a:latin typeface="Cambria Math" panose="02040503050406030204" pitchFamily="18" charset="0"/>
-                              </a:rPr>
-                              <m:t>⋮</m:t>
-                            </m:r>
-                          </m:e>
-                        </m:mr>
-                        <m:mr>
-                          <m:e>
-                            <m:r>
-                              <a:rPr kumimoji="0" lang="en-US" b="0" i="1" u="none" strike="noStrike" kern="1200" cap="none" spc="0" normalizeH="0" baseline="0" noProof="0" smtClean="0">
-                                <a:ln>
-                                  <a:noFill/>
-                                </a:ln>
-                                <a:solidFill>
-                                  <a:prstClr val="black"/>
-                                </a:solidFill>
-                                <a:effectLst/>
-                                <a:uLnTx/>
-                                <a:uFillTx/>
-                                <a:latin typeface="Cambria Math" panose="02040503050406030204" pitchFamily="18" charset="0"/>
-                              </a:rPr>
-                              <m:t>0</m:t>
-                            </m:r>
-                          </m:e>
-                          <m:e>
-                            <m:r>
-                              <a:rPr kumimoji="0" lang="en-US" b="0" i="1" u="none" strike="noStrike" kern="1200" cap="none" spc="0" normalizeH="0" baseline="0" noProof="0" smtClean="0">
-                                <a:ln>
-                                  <a:noFill/>
-                                </a:ln>
-                                <a:solidFill>
-                                  <a:prstClr val="black"/>
-                                </a:solidFill>
-                                <a:effectLst/>
-                                <a:uLnTx/>
-                                <a:uFillTx/>
-                                <a:latin typeface="Cambria Math" panose="02040503050406030204" pitchFamily="18" charset="0"/>
-                              </a:rPr>
-                              <m:t>0</m:t>
-                            </m:r>
-                          </m:e>
-                          <m:e>
-                            <m:sSub>
-                              <m:sSubPr>
-                                <m:ctrlPr>
-                                  <a:rPr lang="en-US" i="1">
-                                    <a:solidFill>
-                                      <a:prstClr val="black"/>
-                                    </a:solidFill>
-                                    <a:latin typeface="Cambria Math" panose="02040503050406030204" pitchFamily="18" charset="0"/>
-                                  </a:rPr>
-                                </m:ctrlPr>
-                              </m:sSubPr>
-                              <m:e>
-                                <m:r>
-                                  <a:rPr lang="en-US" i="1">
-                                    <a:solidFill>
-                                      <a:prstClr val="black"/>
-                                    </a:solidFill>
-                                    <a:latin typeface="Cambria Math" panose="02040503050406030204" pitchFamily="18" charset="0"/>
-                                  </a:rPr>
-                                  <m:t>𝐹</m:t>
-                                </m:r>
-                              </m:e>
-                              <m:sub>
-                                <m:r>
-                                  <a:rPr lang="en-US" b="0" i="1" smtClean="0">
-                                    <a:solidFill>
-                                      <a:prstClr val="black"/>
-                                    </a:solidFill>
-                                    <a:latin typeface="Cambria Math" panose="02040503050406030204" pitchFamily="18" charset="0"/>
-                                  </a:rPr>
-                                  <m:t>𝑇</m:t>
-                                </m:r>
-                                <m:r>
-                                  <a:rPr lang="en-US" b="0" i="1" smtClean="0">
-                                    <a:solidFill>
-                                      <a:prstClr val="black"/>
-                                    </a:solidFill>
-                                    <a:latin typeface="Cambria Math" panose="02040503050406030204" pitchFamily="18" charset="0"/>
-                                  </a:rPr>
-                                  <m:t>−1</m:t>
-                                </m:r>
-                              </m:sub>
-                            </m:sSub>
-                          </m:e>
-                        </m:mr>
-                      </m:m>
-                    </m:oMath>
-                  </m:oMathPara>
-                </a14:m>
-                <a:endParaRPr kumimoji="0" lang="en-US" b="0" i="0" u="none" strike="noStrike" kern="1200" cap="none" spc="0" normalizeH="0" baseline="0" noProof="0" dirty="0">
-                  <a:ln>
-                    <a:noFill/>
-                  </a:ln>
-                  <a:solidFill>
-                    <a:prstClr val="black"/>
-                  </a:solidFill>
-                  <a:effectLst/>
-                  <a:uLnTx/>
-                  <a:uFillTx/>
-                  <a:latin typeface="Arial"/>
-                </a:endParaRPr>
-              </a:p>
-            </p:txBody>
-          </p:sp>
-        </mc:Choice>
-        <mc:Fallback>
-          <p:sp>
-            <p:nvSpPr>
-              <p:cNvPr id="8" name="TextBox 7">
-                <a:extLst>
-                  <a:ext uri="{FF2B5EF4-FFF2-40B4-BE49-F238E27FC236}">
-                    <a16:creationId xmlns:a16="http://schemas.microsoft.com/office/drawing/2014/main" id="{5756F681-1508-9858-5AA1-8A9FFC2F1D5E}"/>
-                  </a:ext>
-                </a:extLst>
-              </p:cNvPr>
-              <p:cNvSpPr txBox="1">
-                <a:spLocks noRot="1" noChangeAspect="1" noMove="1" noResize="1" noEditPoints="1" noAdjustHandles="1" noChangeArrowheads="1" noChangeShapeType="1" noTextEdit="1"/>
-              </p:cNvSpPr>
-              <p:nvPr/>
-            </p:nvSpPr>
-            <p:spPr>
-              <a:xfrm>
-                <a:off x="1323750" y="4469602"/>
-                <a:ext cx="1863267" cy="1674946"/>
-              </a:xfrm>
-              <a:prstGeom prst="rect">
-                <a:avLst/>
-              </a:prstGeom>
-              <a:blipFill>
-                <a:blip r:embed="rId4"/>
-                <a:stretch>
-                  <a:fillRect/>
-                </a:stretch>
-              </a:blipFill>
-            </p:spPr>
-            <p:txBody>
-              <a:bodyPr/>
-              <a:lstStyle/>
-              <a:p>
-                <a:r>
-                  <a:rPr lang="en-US">
-                    <a:noFill/>
-                  </a:rPr>
-                  <a:t> </a:t>
-                </a:r>
-              </a:p>
-            </p:txBody>
-          </p:sp>
-        </mc:Fallback>
-      </mc:AlternateContent>
-      <mc:AlternateContent xmlns:mc="http://schemas.openxmlformats.org/markup-compatibility/2006">
-        <mc:Choice xmlns:a14="http://schemas.microsoft.com/office/drawing/2010/main" Requires="a14">
-          <p:sp>
-            <p:nvSpPr>
-              <p:cNvPr id="9" name="TextBox 8">
-                <a:extLst>
-                  <a:ext uri="{FF2B5EF4-FFF2-40B4-BE49-F238E27FC236}">
-                    <a16:creationId xmlns:a16="http://schemas.microsoft.com/office/drawing/2014/main" id="{2B1F4200-905E-23A2-9E62-832B1CA79481}"/>
-                  </a:ext>
-                </a:extLst>
-              </p:cNvPr>
-              <p:cNvSpPr txBox="1"/>
-              <p:nvPr/>
-            </p:nvSpPr>
-            <p:spPr>
-              <a:xfrm>
-                <a:off x="9825267" y="2160532"/>
-                <a:ext cx="1588320" cy="1793248"/>
-              </a:xfrm>
-              <a:prstGeom prst="rect">
-                <a:avLst/>
-              </a:prstGeom>
-              <a:noFill/>
-            </p:spPr>
-            <p:txBody>
-              <a:bodyPr wrap="none" lIns="0" tIns="0" rIns="0" bIns="0" rtlCol="0">
-                <a:spAutoFit/>
-              </a:bodyPr>
-              <a:lstStyle/>
-              <a:p>
-                <a:pPr>
-                  <a:lnSpc>
-                    <a:spcPct val="110000"/>
-                  </a:lnSpc>
-                  <a:spcAft>
-                    <a:spcPts val="1200"/>
-                  </a:spcAft>
-                </a:pPr>
-                <a14:m>
-                  <m:oMathPara xmlns:m="http://schemas.openxmlformats.org/officeDocument/2006/math">
-                    <m:oMathParaPr>
-                      <m:jc m:val="centerGroup"/>
-                    </m:oMathParaPr>
-                    <m:oMath xmlns:m="http://schemas.openxmlformats.org/officeDocument/2006/math">
-                      <m:r>
-                        <a:rPr kumimoji="0" lang="en-US" b="0" i="1" u="none" strike="noStrike" kern="1200" cap="none" spc="0" normalizeH="0" baseline="0" noProof="0" smtClean="0">
-                          <a:ln>
-                            <a:noFill/>
-                          </a:ln>
-                          <a:solidFill>
-                            <a:prstClr val="black"/>
-                          </a:solidFill>
-                          <a:effectLst/>
-                          <a:uLnTx/>
-                          <a:uFillTx/>
-                          <a:latin typeface="Cambria Math" panose="02040503050406030204" pitchFamily="18" charset="0"/>
-                        </a:rPr>
-                        <m:t>𝑦</m:t>
-                      </m:r>
-                      <m:r>
-                        <a:rPr kumimoji="0" lang="en-US" b="0" i="1" u="none" strike="noStrike" kern="1200" cap="none" spc="0" normalizeH="0" baseline="0" noProof="0" smtClean="0">
-                          <a:ln>
-                            <a:noFill/>
-                          </a:ln>
-                          <a:solidFill>
-                            <a:prstClr val="black"/>
-                          </a:solidFill>
-                          <a:effectLst/>
-                          <a:uLnTx/>
-                          <a:uFillTx/>
-                          <a:latin typeface="Cambria Math" panose="02040503050406030204" pitchFamily="18" charset="0"/>
-                        </a:rPr>
-                        <m:t>=</m:t>
-                      </m:r>
-                      <m:m>
-                        <m:mPr>
-                          <m:mcs>
-                            <m:mc>
-                              <m:mcPr>
-                                <m:count m:val="2"/>
-                                <m:mcJc m:val="center"/>
-                              </m:mcPr>
-                            </m:mc>
-                          </m:mcs>
-                          <m:ctrlPr>
-                            <a:rPr kumimoji="0" lang="en-US" b="0" i="1" u="none" strike="noStrike" kern="1200" cap="none" spc="0" normalizeH="0" baseline="0" noProof="0" smtClean="0">
-                              <a:ln>
-                                <a:noFill/>
-                              </a:ln>
-                              <a:solidFill>
-                                <a:prstClr val="black"/>
-                              </a:solidFill>
-                              <a:effectLst/>
-                              <a:uLnTx/>
-                              <a:uFillTx/>
-                              <a:latin typeface="Cambria Math" panose="02040503050406030204" pitchFamily="18" charset="0"/>
-                            </a:rPr>
-                          </m:ctrlPr>
-                        </m:mPr>
-                        <m:mr>
-                          <m:e>
-                            <m:sSub>
-                              <m:sSubPr>
-                                <m:ctrlPr>
-                                  <a:rPr lang="en-US" i="1">
-                                    <a:solidFill>
-                                      <a:prstClr val="black"/>
-                                    </a:solidFill>
-                                    <a:latin typeface="Cambria Math" panose="02040503050406030204" pitchFamily="18" charset="0"/>
-                                  </a:rPr>
-                                </m:ctrlPr>
-                              </m:sSubPr>
-                              <m:e>
-                                <m:r>
-                                  <a:rPr lang="en-US" i="1">
-                                    <a:solidFill>
-                                      <a:prstClr val="black"/>
-                                    </a:solidFill>
-                                    <a:latin typeface="Cambria Math" panose="02040503050406030204" pitchFamily="18" charset="0"/>
-                                  </a:rPr>
-                                  <m:t>𝜃</m:t>
-                                </m:r>
-                              </m:e>
-                              <m:sub>
-                                <m:r>
-                                  <a:rPr lang="en-US" i="1">
-                                    <a:solidFill>
-                                      <a:prstClr val="black"/>
-                                    </a:solidFill>
-                                    <a:latin typeface="Cambria Math" panose="02040503050406030204" pitchFamily="18" charset="0"/>
-                                  </a:rPr>
-                                  <m:t>𝑡</m:t>
-                                </m:r>
-                                <m:r>
-                                  <a:rPr lang="en-US" b="0" i="1" smtClean="0">
-                                    <a:solidFill>
-                                      <a:prstClr val="black"/>
-                                    </a:solidFill>
-                                    <a:latin typeface="Cambria Math" panose="02040503050406030204" pitchFamily="18" charset="0"/>
-                                  </a:rPr>
-                                  <m:t>+1</m:t>
-                                </m:r>
-                              </m:sub>
-                            </m:sSub>
-                          </m:e>
-                          <m:e>
-                            <m:sSub>
-                              <m:sSubPr>
-                                <m:ctrlPr>
-                                  <a:rPr lang="en-US" i="1">
-                                    <a:solidFill>
-                                      <a:prstClr val="black"/>
-                                    </a:solidFill>
-                                    <a:latin typeface="Cambria Math" panose="02040503050406030204" pitchFamily="18" charset="0"/>
-                                    <a:ea typeface="Cambria Math" panose="02040503050406030204" pitchFamily="18" charset="0"/>
-                                  </a:rPr>
-                                </m:ctrlPr>
-                              </m:sSubPr>
-                              <m:e>
-                                <m:acc>
-                                  <m:accPr>
-                                    <m:chr m:val="̇"/>
-                                    <m:ctrlPr>
-                                      <a:rPr lang="en-US" i="1">
-                                        <a:solidFill>
-                                          <a:prstClr val="black"/>
-                                        </a:solidFill>
-                                        <a:latin typeface="Cambria Math" panose="02040503050406030204" pitchFamily="18" charset="0"/>
-                                      </a:rPr>
-                                    </m:ctrlPr>
-                                  </m:accPr>
-                                  <m:e>
-                                    <m:r>
-                                      <a:rPr lang="en-US" i="1">
-                                        <a:solidFill>
-                                          <a:prstClr val="black"/>
-                                        </a:solidFill>
-                                        <a:latin typeface="Cambria Math" panose="02040503050406030204" pitchFamily="18" charset="0"/>
-                                        <a:ea typeface="Cambria Math" panose="02040503050406030204" pitchFamily="18" charset="0"/>
-                                      </a:rPr>
-                                      <m:t>𝜃</m:t>
-                                    </m:r>
-                                  </m:e>
-                                </m:acc>
-                              </m:e>
-                              <m:sub>
-                                <m:r>
-                                  <a:rPr lang="en-US" i="1">
-                                    <a:solidFill>
-                                      <a:prstClr val="black"/>
-                                    </a:solidFill>
-                                    <a:latin typeface="Cambria Math" panose="02040503050406030204" pitchFamily="18" charset="0"/>
-                                    <a:ea typeface="Cambria Math" panose="02040503050406030204" pitchFamily="18" charset="0"/>
-                                  </a:rPr>
-                                  <m:t>𝑡</m:t>
-                                </m:r>
-                                <m:r>
-                                  <a:rPr lang="en-US" b="0" i="1" smtClean="0">
-                                    <a:solidFill>
-                                      <a:prstClr val="black"/>
-                                    </a:solidFill>
-                                    <a:latin typeface="Cambria Math" panose="02040503050406030204" pitchFamily="18" charset="0"/>
-                                    <a:ea typeface="Cambria Math" panose="02040503050406030204" pitchFamily="18" charset="0"/>
-                                  </a:rPr>
-                                  <m:t>+1</m:t>
-                                </m:r>
-                              </m:sub>
-                            </m:sSub>
-                          </m:e>
-                        </m:mr>
-                        <m:mr>
-                          <m:e>
-                            <m:sSub>
-                              <m:sSubPr>
-                                <m:ctrlPr>
-                                  <a:rPr lang="en-US" i="1">
-                                    <a:solidFill>
-                                      <a:prstClr val="black"/>
-                                    </a:solidFill>
-                                    <a:latin typeface="Cambria Math" panose="02040503050406030204" pitchFamily="18" charset="0"/>
-                                  </a:rPr>
-                                </m:ctrlPr>
-                              </m:sSubPr>
-                              <m:e>
-                                <m:r>
-                                  <a:rPr lang="en-US" i="1">
-                                    <a:solidFill>
-                                      <a:prstClr val="black"/>
-                                    </a:solidFill>
-                                    <a:latin typeface="Cambria Math" panose="02040503050406030204" pitchFamily="18" charset="0"/>
-                                  </a:rPr>
-                                  <m:t>𝜃</m:t>
-                                </m:r>
-                              </m:e>
-                              <m:sub>
-                                <m:r>
-                                  <a:rPr lang="en-US" i="1">
-                                    <a:solidFill>
-                                      <a:prstClr val="black"/>
-                                    </a:solidFill>
-                                    <a:latin typeface="Cambria Math" panose="02040503050406030204" pitchFamily="18" charset="0"/>
-                                  </a:rPr>
-                                  <m:t>𝑡</m:t>
-                                </m:r>
-                                <m:r>
-                                  <a:rPr lang="en-US" i="1">
-                                    <a:solidFill>
-                                      <a:prstClr val="black"/>
-                                    </a:solidFill>
-                                    <a:latin typeface="Cambria Math" panose="02040503050406030204" pitchFamily="18" charset="0"/>
-                                  </a:rPr>
-                                  <m:t>+</m:t>
-                                </m:r>
-                                <m:r>
-                                  <a:rPr lang="en-US" b="0" i="1" smtClean="0">
-                                    <a:solidFill>
-                                      <a:prstClr val="black"/>
-                                    </a:solidFill>
-                                    <a:latin typeface="Cambria Math" panose="02040503050406030204" pitchFamily="18" charset="0"/>
-                                  </a:rPr>
-                                  <m:t>2</m:t>
-                                </m:r>
-                              </m:sub>
-                            </m:sSub>
-                          </m:e>
-                          <m:e>
-                            <m:sSub>
-                              <m:sSubPr>
-                                <m:ctrlPr>
-                                  <a:rPr lang="en-US" i="1">
-                                    <a:solidFill>
-                                      <a:prstClr val="black"/>
-                                    </a:solidFill>
-                                    <a:latin typeface="Cambria Math" panose="02040503050406030204" pitchFamily="18" charset="0"/>
-                                    <a:ea typeface="Cambria Math" panose="02040503050406030204" pitchFamily="18" charset="0"/>
-                                  </a:rPr>
-                                </m:ctrlPr>
-                              </m:sSubPr>
-                              <m:e>
-                                <m:acc>
-                                  <m:accPr>
-                                    <m:chr m:val="̇"/>
-                                    <m:ctrlPr>
-                                      <a:rPr lang="en-US" i="1">
-                                        <a:solidFill>
-                                          <a:prstClr val="black"/>
-                                        </a:solidFill>
-                                        <a:latin typeface="Cambria Math" panose="02040503050406030204" pitchFamily="18" charset="0"/>
-                                      </a:rPr>
-                                    </m:ctrlPr>
-                                  </m:accPr>
-                                  <m:e>
-                                    <m:r>
-                                      <a:rPr lang="en-US" i="1">
-                                        <a:solidFill>
-                                          <a:prstClr val="black"/>
-                                        </a:solidFill>
-                                        <a:latin typeface="Cambria Math" panose="02040503050406030204" pitchFamily="18" charset="0"/>
-                                        <a:ea typeface="Cambria Math" panose="02040503050406030204" pitchFamily="18" charset="0"/>
-                                      </a:rPr>
-                                      <m:t>𝜃</m:t>
-                                    </m:r>
-                                  </m:e>
-                                </m:acc>
-                              </m:e>
-                              <m:sub>
-                                <m:r>
-                                  <a:rPr lang="en-US" i="1">
-                                    <a:solidFill>
-                                      <a:prstClr val="black"/>
-                                    </a:solidFill>
-                                    <a:latin typeface="Cambria Math" panose="02040503050406030204" pitchFamily="18" charset="0"/>
-                                    <a:ea typeface="Cambria Math" panose="02040503050406030204" pitchFamily="18" charset="0"/>
-                                  </a:rPr>
-                                  <m:t>𝑡</m:t>
-                                </m:r>
-                                <m:r>
-                                  <a:rPr lang="en-US" i="1">
-                                    <a:solidFill>
-                                      <a:prstClr val="black"/>
-                                    </a:solidFill>
-                                    <a:latin typeface="Cambria Math" panose="02040503050406030204" pitchFamily="18" charset="0"/>
-                                    <a:ea typeface="Cambria Math" panose="02040503050406030204" pitchFamily="18" charset="0"/>
-                                  </a:rPr>
-                                  <m:t>+</m:t>
-                                </m:r>
-                                <m:r>
-                                  <a:rPr lang="en-US" b="0" i="1" smtClean="0">
-                                    <a:solidFill>
-                                      <a:prstClr val="black"/>
-                                    </a:solidFill>
-                                    <a:latin typeface="Cambria Math" panose="02040503050406030204" pitchFamily="18" charset="0"/>
-                                    <a:ea typeface="Cambria Math" panose="02040503050406030204" pitchFamily="18" charset="0"/>
-                                  </a:rPr>
-                                  <m:t>2</m:t>
-                                </m:r>
-                              </m:sub>
-                            </m:sSub>
-                          </m:e>
-                        </m:mr>
-                        <m:mr>
-                          <m:e>
-                            <m:sSub>
-                              <m:sSubPr>
-                                <m:ctrlPr>
-                                  <a:rPr lang="en-US" i="1">
-                                    <a:solidFill>
-                                      <a:prstClr val="black"/>
-                                    </a:solidFill>
-                                    <a:latin typeface="Cambria Math" panose="02040503050406030204" pitchFamily="18" charset="0"/>
-                                  </a:rPr>
-                                </m:ctrlPr>
-                              </m:sSubPr>
-                              <m:e>
-                                <m:r>
-                                  <a:rPr lang="en-US" i="1">
-                                    <a:solidFill>
-                                      <a:prstClr val="black"/>
-                                    </a:solidFill>
-                                    <a:latin typeface="Cambria Math" panose="02040503050406030204" pitchFamily="18" charset="0"/>
-                                  </a:rPr>
-                                  <m:t>𝜃</m:t>
-                                </m:r>
-                              </m:e>
-                              <m:sub>
-                                <m:r>
-                                  <a:rPr lang="en-US" i="1">
-                                    <a:solidFill>
-                                      <a:prstClr val="black"/>
-                                    </a:solidFill>
-                                    <a:latin typeface="Cambria Math" panose="02040503050406030204" pitchFamily="18" charset="0"/>
-                                  </a:rPr>
-                                  <m:t>𝑡</m:t>
-                                </m:r>
-                                <m:r>
-                                  <a:rPr lang="en-US" i="1">
-                                    <a:solidFill>
-                                      <a:prstClr val="black"/>
-                                    </a:solidFill>
-                                    <a:latin typeface="Cambria Math" panose="02040503050406030204" pitchFamily="18" charset="0"/>
-                                  </a:rPr>
-                                  <m:t>+</m:t>
-                                </m:r>
-                                <m:r>
-                                  <a:rPr lang="en-US" b="0" i="1" smtClean="0">
-                                    <a:solidFill>
-                                      <a:prstClr val="black"/>
-                                    </a:solidFill>
-                                    <a:latin typeface="Cambria Math" panose="02040503050406030204" pitchFamily="18" charset="0"/>
-                                  </a:rPr>
-                                  <m:t>3</m:t>
-                                </m:r>
-                              </m:sub>
-                            </m:sSub>
-                          </m:e>
-                          <m:e>
-                            <m:sSub>
-                              <m:sSubPr>
-                                <m:ctrlPr>
-                                  <a:rPr lang="en-US" i="1">
-                                    <a:solidFill>
-                                      <a:prstClr val="black"/>
-                                    </a:solidFill>
-                                    <a:latin typeface="Cambria Math" panose="02040503050406030204" pitchFamily="18" charset="0"/>
-                                    <a:ea typeface="Cambria Math" panose="02040503050406030204" pitchFamily="18" charset="0"/>
-                                  </a:rPr>
-                                </m:ctrlPr>
-                              </m:sSubPr>
-                              <m:e>
-                                <m:acc>
-                                  <m:accPr>
-                                    <m:chr m:val="̇"/>
-                                    <m:ctrlPr>
-                                      <a:rPr lang="en-US" i="1">
-                                        <a:solidFill>
-                                          <a:prstClr val="black"/>
-                                        </a:solidFill>
-                                        <a:latin typeface="Cambria Math" panose="02040503050406030204" pitchFamily="18" charset="0"/>
-                                      </a:rPr>
-                                    </m:ctrlPr>
-                                  </m:accPr>
-                                  <m:e>
-                                    <m:r>
-                                      <a:rPr lang="en-US" i="1">
-                                        <a:solidFill>
-                                          <a:prstClr val="black"/>
-                                        </a:solidFill>
-                                        <a:latin typeface="Cambria Math" panose="02040503050406030204" pitchFamily="18" charset="0"/>
-                                        <a:ea typeface="Cambria Math" panose="02040503050406030204" pitchFamily="18" charset="0"/>
-                                      </a:rPr>
-                                      <m:t>𝜃</m:t>
-                                    </m:r>
-                                  </m:e>
-                                </m:acc>
-                              </m:e>
-                              <m:sub>
-                                <m:r>
-                                  <a:rPr lang="en-US" i="1">
-                                    <a:solidFill>
-                                      <a:prstClr val="black"/>
-                                    </a:solidFill>
-                                    <a:latin typeface="Cambria Math" panose="02040503050406030204" pitchFamily="18" charset="0"/>
-                                    <a:ea typeface="Cambria Math" panose="02040503050406030204" pitchFamily="18" charset="0"/>
-                                  </a:rPr>
-                                  <m:t>𝑡</m:t>
-                                </m:r>
-                                <m:r>
-                                  <a:rPr lang="en-US" i="1">
-                                    <a:solidFill>
-                                      <a:prstClr val="black"/>
-                                    </a:solidFill>
-                                    <a:latin typeface="Cambria Math" panose="02040503050406030204" pitchFamily="18" charset="0"/>
-                                    <a:ea typeface="Cambria Math" panose="02040503050406030204" pitchFamily="18" charset="0"/>
-                                  </a:rPr>
-                                  <m:t>+</m:t>
-                                </m:r>
-                                <m:r>
-                                  <a:rPr lang="en-US" b="0" i="1" smtClean="0">
-                                    <a:solidFill>
-                                      <a:prstClr val="black"/>
-                                    </a:solidFill>
-                                    <a:latin typeface="Cambria Math" panose="02040503050406030204" pitchFamily="18" charset="0"/>
-                                    <a:ea typeface="Cambria Math" panose="02040503050406030204" pitchFamily="18" charset="0"/>
-                                  </a:rPr>
-                                  <m:t>3</m:t>
-                                </m:r>
-                              </m:sub>
-                            </m:sSub>
-                          </m:e>
-                        </m:mr>
-                        <m:mr>
-                          <m:e>
-                            <m:r>
-                              <a:rPr lang="en-US" i="1">
-                                <a:solidFill>
-                                  <a:prstClr val="black"/>
-                                </a:solidFill>
-                                <a:latin typeface="Cambria Math" panose="02040503050406030204" pitchFamily="18" charset="0"/>
-                              </a:rPr>
-                              <m:t>⋮</m:t>
-                            </m:r>
-                          </m:e>
-                          <m:e>
-                            <m:r>
-                              <a:rPr lang="en-US" i="1">
-                                <a:solidFill>
-                                  <a:prstClr val="black"/>
-                                </a:solidFill>
-                                <a:latin typeface="Cambria Math" panose="02040503050406030204" pitchFamily="18" charset="0"/>
-                              </a:rPr>
-                              <m:t>⋮</m:t>
-                            </m:r>
-                          </m:e>
-                        </m:mr>
-                        <m:mr>
-                          <m:e>
-                            <m:sSub>
-                              <m:sSubPr>
-                                <m:ctrlPr>
-                                  <a:rPr lang="en-US" i="1">
-                                    <a:solidFill>
-                                      <a:prstClr val="black"/>
-                                    </a:solidFill>
-                                    <a:latin typeface="Cambria Math" panose="02040503050406030204" pitchFamily="18" charset="0"/>
-                                  </a:rPr>
-                                </m:ctrlPr>
-                              </m:sSubPr>
-                              <m:e>
-                                <m:r>
-                                  <a:rPr lang="en-US" i="1">
-                                    <a:solidFill>
-                                      <a:prstClr val="black"/>
-                                    </a:solidFill>
-                                    <a:latin typeface="Cambria Math" panose="02040503050406030204" pitchFamily="18" charset="0"/>
-                                  </a:rPr>
-                                  <m:t>𝜃</m:t>
-                                </m:r>
-                              </m:e>
-                              <m:sub>
-                                <m:r>
-                                  <a:rPr lang="en-US" b="0" i="1" smtClean="0">
-                                    <a:solidFill>
-                                      <a:prstClr val="black"/>
-                                    </a:solidFill>
-                                    <a:latin typeface="Cambria Math" panose="02040503050406030204" pitchFamily="18" charset="0"/>
-                                  </a:rPr>
-                                  <m:t>𝑇</m:t>
-                                </m:r>
-                              </m:sub>
-                            </m:sSub>
-                          </m:e>
-                          <m:e>
-                            <m:sSub>
-                              <m:sSubPr>
-                                <m:ctrlPr>
-                                  <a:rPr lang="en-US" i="1">
-                                    <a:solidFill>
-                                      <a:prstClr val="black"/>
-                                    </a:solidFill>
-                                    <a:latin typeface="Cambria Math" panose="02040503050406030204" pitchFamily="18" charset="0"/>
-                                    <a:ea typeface="Cambria Math" panose="02040503050406030204" pitchFamily="18" charset="0"/>
-                                  </a:rPr>
-                                </m:ctrlPr>
-                              </m:sSubPr>
-                              <m:e>
-                                <m:acc>
-                                  <m:accPr>
-                                    <m:chr m:val="̇"/>
-                                    <m:ctrlPr>
-                                      <a:rPr lang="en-US" i="1">
-                                        <a:solidFill>
-                                          <a:prstClr val="black"/>
-                                        </a:solidFill>
-                                        <a:latin typeface="Cambria Math" panose="02040503050406030204" pitchFamily="18" charset="0"/>
-                                      </a:rPr>
-                                    </m:ctrlPr>
-                                  </m:accPr>
-                                  <m:e>
-                                    <m:r>
-                                      <a:rPr lang="en-US" i="1">
-                                        <a:solidFill>
-                                          <a:prstClr val="black"/>
-                                        </a:solidFill>
-                                        <a:latin typeface="Cambria Math" panose="02040503050406030204" pitchFamily="18" charset="0"/>
-                                        <a:ea typeface="Cambria Math" panose="02040503050406030204" pitchFamily="18" charset="0"/>
-                                      </a:rPr>
-                                      <m:t>𝜃</m:t>
-                                    </m:r>
-                                  </m:e>
-                                </m:acc>
-                              </m:e>
-                              <m:sub>
-                                <m:r>
-                                  <a:rPr lang="en-US" b="0" i="1" smtClean="0">
-                                    <a:solidFill>
-                                      <a:prstClr val="black"/>
-                                    </a:solidFill>
-                                    <a:latin typeface="Cambria Math" panose="02040503050406030204" pitchFamily="18" charset="0"/>
-                                    <a:ea typeface="Cambria Math" panose="02040503050406030204" pitchFamily="18" charset="0"/>
-                                  </a:rPr>
-                                  <m:t>𝑇</m:t>
-                                </m:r>
-                              </m:sub>
-                            </m:sSub>
-                          </m:e>
-                        </m:mr>
-                      </m:m>
-                    </m:oMath>
-                  </m:oMathPara>
-                </a14:m>
-                <a:endParaRPr kumimoji="0" lang="en-US" b="0" i="0" u="none" strike="noStrike" kern="1200" cap="none" spc="0" normalizeH="0" baseline="0" noProof="0" dirty="0">
-                  <a:ln>
-                    <a:noFill/>
-                  </a:ln>
-                  <a:solidFill>
-                    <a:prstClr val="black"/>
-                  </a:solidFill>
-                  <a:effectLst/>
-                  <a:uLnTx/>
-                  <a:uFillTx/>
-                  <a:latin typeface="Arial"/>
-                </a:endParaRPr>
-              </a:p>
-            </p:txBody>
-          </p:sp>
-        </mc:Choice>
-        <mc:Fallback>
-          <p:sp>
-            <p:nvSpPr>
-              <p:cNvPr id="9" name="TextBox 8">
-                <a:extLst>
-                  <a:ext uri="{FF2B5EF4-FFF2-40B4-BE49-F238E27FC236}">
-                    <a16:creationId xmlns:a16="http://schemas.microsoft.com/office/drawing/2014/main" id="{2B1F4200-905E-23A2-9E62-832B1CA79481}"/>
-                  </a:ext>
-                </a:extLst>
-              </p:cNvPr>
-              <p:cNvSpPr txBox="1">
-                <a:spLocks noRot="1" noChangeAspect="1" noMove="1" noResize="1" noEditPoints="1" noAdjustHandles="1" noChangeArrowheads="1" noChangeShapeType="1" noTextEdit="1"/>
-              </p:cNvSpPr>
-              <p:nvPr/>
-            </p:nvSpPr>
-            <p:spPr>
-              <a:xfrm>
-                <a:off x="9825267" y="2160532"/>
-                <a:ext cx="1588320" cy="1793248"/>
-              </a:xfrm>
-              <a:prstGeom prst="rect">
-                <a:avLst/>
-              </a:prstGeom>
-              <a:blipFill>
-                <a:blip r:embed="rId5"/>
-                <a:stretch>
-                  <a:fillRect/>
-                </a:stretch>
-              </a:blipFill>
-            </p:spPr>
-            <p:txBody>
-              <a:bodyPr/>
-              <a:lstStyle/>
-              <a:p>
-                <a:r>
-                  <a:rPr lang="en-US">
-                    <a:noFill/>
-                  </a:rPr>
-                  <a:t> </a:t>
-                </a:r>
-              </a:p>
-            </p:txBody>
-          </p:sp>
-        </mc:Fallback>
-      </mc:AlternateContent>
-      <mc:AlternateContent xmlns:mc="http://schemas.openxmlformats.org/markup-compatibility/2006">
-        <mc:Choice xmlns:a14="http://schemas.microsoft.com/office/drawing/2010/main" Requires="a14">
+      <mc:AlternateContent xmlns:mc="http://schemas.openxmlformats.org/markup-compatibility/2006" xmlns:a14="http://schemas.microsoft.com/office/drawing/2010/main">
+        <mc:Choice Requires="a14">
           <p:sp>
             <p:nvSpPr>
               <p:cNvPr id="10" name="TextBox 9">
@@ -11585,7 +10805,7 @@
             </p:txBody>
           </p:sp>
         </mc:Choice>
-        <mc:Fallback>
+        <mc:Fallback xmlns="">
           <p:sp>
             <p:nvSpPr>
               <p:cNvPr id="10" name="TextBox 9">
@@ -11790,8 +11010,8 @@
           </a:p>
         </p:txBody>
       </p:sp>
-      <mc:AlternateContent xmlns:mc="http://schemas.openxmlformats.org/markup-compatibility/2006">
-        <mc:Choice xmlns:a14="http://schemas.microsoft.com/office/drawing/2010/main" Requires="a14">
+      <mc:AlternateContent xmlns:mc="http://schemas.openxmlformats.org/markup-compatibility/2006" xmlns:a14="http://schemas.microsoft.com/office/drawing/2010/main">
+        <mc:Choice Requires="a14">
           <p:sp>
             <p:nvSpPr>
               <p:cNvPr id="13" name="TextBox 12">
@@ -12084,7 +11304,7 @@
             </p:txBody>
           </p:sp>
         </mc:Choice>
-        <mc:Fallback>
+        <mc:Fallback xmlns="">
           <p:sp>
             <p:nvSpPr>
               <p:cNvPr id="13" name="TextBox 12">
@@ -12369,6 +11589,1215 @@
           </a:p>
         </p:txBody>
       </p:sp>
+      <p:pic>
+        <p:nvPicPr>
+          <p:cNvPr id="17" name="Picture 16">
+            <a:extLst>
+              <a:ext uri="{FF2B5EF4-FFF2-40B4-BE49-F238E27FC236}">
+                <a16:creationId xmlns:a16="http://schemas.microsoft.com/office/drawing/2014/main" id="{42213897-DE62-5CD6-76EE-0476977DBDDC}"/>
+              </a:ext>
+            </a:extLst>
+          </p:cNvPr>
+          <p:cNvPicPr>
+            <a:picLocks noChangeAspect="1"/>
+          </p:cNvPicPr>
+          <p:nvPr/>
+        </p:nvPicPr>
+        <p:blipFill>
+          <a:blip r:embed="rId8"/>
+          <a:stretch>
+            <a:fillRect/>
+          </a:stretch>
+        </p:blipFill>
+        <p:spPr>
+          <a:xfrm>
+            <a:off x="4632539" y="1372417"/>
+            <a:ext cx="4083404" cy="3315778"/>
+          </a:xfrm>
+          <a:prstGeom prst="rect">
+            <a:avLst/>
+          </a:prstGeom>
+        </p:spPr>
+      </p:pic>
+      <mc:AlternateContent xmlns:mc="http://schemas.openxmlformats.org/markup-compatibility/2006" xmlns:a14="http://schemas.microsoft.com/office/drawing/2010/main">
+        <mc:Choice Requires="a14">
+          <p:sp>
+            <p:nvSpPr>
+              <p:cNvPr id="18" name="TextBox 17">
+                <a:extLst>
+                  <a:ext uri="{FF2B5EF4-FFF2-40B4-BE49-F238E27FC236}">
+                    <a16:creationId xmlns:a16="http://schemas.microsoft.com/office/drawing/2014/main" id="{41CCDD5A-775D-B957-1323-CDE7693AAC15}"/>
+                  </a:ext>
+                </a:extLst>
+              </p:cNvPr>
+              <p:cNvSpPr txBox="1"/>
+              <p:nvPr/>
+            </p:nvSpPr>
+            <p:spPr>
+              <a:xfrm>
+                <a:off x="1268127" y="4522467"/>
+                <a:ext cx="2024849" cy="1674946"/>
+              </a:xfrm>
+              <a:prstGeom prst="rect">
+                <a:avLst/>
+              </a:prstGeom>
+              <a:noFill/>
+            </p:spPr>
+            <p:txBody>
+              <a:bodyPr wrap="none" lIns="0" tIns="0" rIns="0" bIns="0" rtlCol="0">
+                <a:spAutoFit/>
+              </a:bodyPr>
+              <a:lstStyle/>
+              <a:p>
+                <a:pPr>
+                  <a:lnSpc>
+                    <a:spcPct val="110000"/>
+                  </a:lnSpc>
+                  <a:spcAft>
+                    <a:spcPts val="1200"/>
+                  </a:spcAft>
+                </a:pPr>
+                <a14:m>
+                  <m:oMathPara xmlns:m="http://schemas.openxmlformats.org/officeDocument/2006/math">
+                    <m:oMathParaPr>
+                      <m:jc m:val="centerGroup"/>
+                    </m:oMathParaPr>
+                    <m:oMath xmlns:m="http://schemas.openxmlformats.org/officeDocument/2006/math">
+                      <m:r>
+                        <a:rPr kumimoji="0" lang="en-US" b="0" i="1" u="none" strike="noStrike" kern="1200" cap="none" spc="0" normalizeH="0" baseline="0" noProof="0" smtClean="0">
+                          <a:ln>
+                            <a:noFill/>
+                          </a:ln>
+                          <a:solidFill>
+                            <a:prstClr val="black"/>
+                          </a:solidFill>
+                          <a:effectLst/>
+                          <a:uLnTx/>
+                          <a:uFillTx/>
+                          <a:latin typeface="Cambria Math" panose="02040503050406030204" pitchFamily="18" charset="0"/>
+                        </a:rPr>
+                        <m:t>𝑋</m:t>
+                      </m:r>
+                      <m:r>
+                        <a:rPr kumimoji="0" lang="en-US" b="0" i="1" u="none" strike="noStrike" kern="1200" cap="none" spc="0" normalizeH="0" baseline="0" noProof="0" smtClean="0">
+                          <a:ln>
+                            <a:noFill/>
+                          </a:ln>
+                          <a:solidFill>
+                            <a:prstClr val="black"/>
+                          </a:solidFill>
+                          <a:effectLst/>
+                          <a:uLnTx/>
+                          <a:uFillTx/>
+                          <a:latin typeface="Cambria Math" panose="02040503050406030204" pitchFamily="18" charset="0"/>
+                        </a:rPr>
+                        <m:t>=</m:t>
+                      </m:r>
+                      <m:d>
+                        <m:dPr>
+                          <m:begChr m:val="["/>
+                          <m:endChr m:val="]"/>
+                          <m:ctrlPr>
+                            <a:rPr kumimoji="0" lang="en-US" b="0" i="1" u="none" strike="noStrike" kern="1200" cap="none" spc="0" normalizeH="0" baseline="0" noProof="0" smtClean="0">
+                              <a:ln>
+                                <a:noFill/>
+                              </a:ln>
+                              <a:solidFill>
+                                <a:prstClr val="black"/>
+                              </a:solidFill>
+                              <a:effectLst/>
+                              <a:uLnTx/>
+                              <a:uFillTx/>
+                              <a:latin typeface="Cambria Math" panose="02040503050406030204" pitchFamily="18" charset="0"/>
+                            </a:rPr>
+                          </m:ctrlPr>
+                        </m:dPr>
+                        <m:e>
+                          <m:m>
+                            <m:mPr>
+                              <m:mcs>
+                                <m:mc>
+                                  <m:mcPr>
+                                    <m:count m:val="3"/>
+                                    <m:mcJc m:val="center"/>
+                                  </m:mcPr>
+                                </m:mc>
+                              </m:mcs>
+                              <m:ctrlPr>
+                                <a:rPr lang="en-US" i="1">
+                                  <a:solidFill>
+                                    <a:prstClr val="black"/>
+                                  </a:solidFill>
+                                  <a:latin typeface="Cambria Math" panose="02040503050406030204" pitchFamily="18" charset="0"/>
+                                </a:rPr>
+                              </m:ctrlPr>
+                            </m:mPr>
+                            <m:mr>
+                              <m:e>
+                                <m:sSub>
+                                  <m:sSubPr>
+                                    <m:ctrlPr>
+                                      <a:rPr lang="en-US" i="1">
+                                        <a:solidFill>
+                                          <a:prstClr val="black"/>
+                                        </a:solidFill>
+                                        <a:latin typeface="Cambria Math" panose="02040503050406030204" pitchFamily="18" charset="0"/>
+                                      </a:rPr>
+                                    </m:ctrlPr>
+                                  </m:sSubPr>
+                                  <m:e>
+                                    <m:r>
+                                      <a:rPr lang="en-US" i="1">
+                                        <a:solidFill>
+                                          <a:prstClr val="black"/>
+                                        </a:solidFill>
+                                        <a:latin typeface="Cambria Math" panose="02040503050406030204" pitchFamily="18" charset="0"/>
+                                      </a:rPr>
+                                      <m:t>𝜃</m:t>
+                                    </m:r>
+                                  </m:e>
+                                  <m:sub>
+                                    <m:r>
+                                      <a:rPr lang="en-US" i="1">
+                                        <a:solidFill>
+                                          <a:prstClr val="black"/>
+                                        </a:solidFill>
+                                        <a:latin typeface="Cambria Math" panose="02040503050406030204" pitchFamily="18" charset="0"/>
+                                      </a:rPr>
+                                      <m:t>𝑡</m:t>
+                                    </m:r>
+                                  </m:sub>
+                                </m:sSub>
+                              </m:e>
+                              <m:e>
+                                <m:sSub>
+                                  <m:sSubPr>
+                                    <m:ctrlPr>
+                                      <a:rPr lang="en-US" i="1">
+                                        <a:solidFill>
+                                          <a:prstClr val="black"/>
+                                        </a:solidFill>
+                                        <a:latin typeface="Cambria Math" panose="02040503050406030204" pitchFamily="18" charset="0"/>
+                                        <a:ea typeface="Cambria Math" panose="02040503050406030204" pitchFamily="18" charset="0"/>
+                                      </a:rPr>
+                                    </m:ctrlPr>
+                                  </m:sSubPr>
+                                  <m:e>
+                                    <m:acc>
+                                      <m:accPr>
+                                        <m:chr m:val="̇"/>
+                                        <m:ctrlPr>
+                                          <a:rPr lang="en-US" i="1">
+                                            <a:solidFill>
+                                              <a:prstClr val="black"/>
+                                            </a:solidFill>
+                                            <a:latin typeface="Cambria Math" panose="02040503050406030204" pitchFamily="18" charset="0"/>
+                                          </a:rPr>
+                                        </m:ctrlPr>
+                                      </m:accPr>
+                                      <m:e>
+                                        <m:r>
+                                          <a:rPr lang="en-US" i="1">
+                                            <a:solidFill>
+                                              <a:prstClr val="black"/>
+                                            </a:solidFill>
+                                            <a:latin typeface="Cambria Math" panose="02040503050406030204" pitchFamily="18" charset="0"/>
+                                            <a:ea typeface="Cambria Math" panose="02040503050406030204" pitchFamily="18" charset="0"/>
+                                          </a:rPr>
+                                          <m:t>𝜃</m:t>
+                                        </m:r>
+                                      </m:e>
+                                    </m:acc>
+                                  </m:e>
+                                  <m:sub>
+                                    <m:r>
+                                      <a:rPr lang="en-US" i="1">
+                                        <a:solidFill>
+                                          <a:prstClr val="black"/>
+                                        </a:solidFill>
+                                        <a:latin typeface="Cambria Math" panose="02040503050406030204" pitchFamily="18" charset="0"/>
+                                        <a:ea typeface="Cambria Math" panose="02040503050406030204" pitchFamily="18" charset="0"/>
+                                      </a:rPr>
+                                      <m:t>𝑡</m:t>
+                                    </m:r>
+                                  </m:sub>
+                                </m:sSub>
+                              </m:e>
+                              <m:e>
+                                <m:sSub>
+                                  <m:sSubPr>
+                                    <m:ctrlPr>
+                                      <a:rPr lang="en-US" i="1">
+                                        <a:solidFill>
+                                          <a:prstClr val="black"/>
+                                        </a:solidFill>
+                                        <a:latin typeface="Cambria Math" panose="02040503050406030204" pitchFamily="18" charset="0"/>
+                                      </a:rPr>
+                                    </m:ctrlPr>
+                                  </m:sSubPr>
+                                  <m:e>
+                                    <m:r>
+                                      <a:rPr lang="en-US" i="1">
+                                        <a:solidFill>
+                                          <a:prstClr val="black"/>
+                                        </a:solidFill>
+                                        <a:latin typeface="Cambria Math" panose="02040503050406030204" pitchFamily="18" charset="0"/>
+                                      </a:rPr>
+                                      <m:t>𝐹</m:t>
+                                    </m:r>
+                                  </m:e>
+                                  <m:sub>
+                                    <m:r>
+                                      <a:rPr lang="en-US" i="1">
+                                        <a:solidFill>
+                                          <a:prstClr val="black"/>
+                                        </a:solidFill>
+                                        <a:latin typeface="Cambria Math" panose="02040503050406030204" pitchFamily="18" charset="0"/>
+                                      </a:rPr>
+                                      <m:t>𝑡</m:t>
+                                    </m:r>
+                                  </m:sub>
+                                </m:sSub>
+                              </m:e>
+                            </m:mr>
+                            <m:mr>
+                              <m:e>
+                                <m:r>
+                                  <a:rPr lang="en-US" i="1">
+                                    <a:solidFill>
+                                      <a:prstClr val="black"/>
+                                    </a:solidFill>
+                                    <a:latin typeface="Cambria Math" panose="02040503050406030204" pitchFamily="18" charset="0"/>
+                                  </a:rPr>
+                                  <m:t>0</m:t>
+                                </m:r>
+                              </m:e>
+                              <m:e>
+                                <m:r>
+                                  <a:rPr lang="en-US" i="1">
+                                    <a:solidFill>
+                                      <a:prstClr val="black"/>
+                                    </a:solidFill>
+                                    <a:latin typeface="Cambria Math" panose="02040503050406030204" pitchFamily="18" charset="0"/>
+                                  </a:rPr>
+                                  <m:t>0</m:t>
+                                </m:r>
+                              </m:e>
+                              <m:e>
+                                <m:sSub>
+                                  <m:sSubPr>
+                                    <m:ctrlPr>
+                                      <a:rPr lang="en-US" i="1">
+                                        <a:solidFill>
+                                          <a:prstClr val="black"/>
+                                        </a:solidFill>
+                                        <a:latin typeface="Cambria Math" panose="02040503050406030204" pitchFamily="18" charset="0"/>
+                                      </a:rPr>
+                                    </m:ctrlPr>
+                                  </m:sSubPr>
+                                  <m:e>
+                                    <m:r>
+                                      <a:rPr lang="en-US" i="1">
+                                        <a:solidFill>
+                                          <a:prstClr val="black"/>
+                                        </a:solidFill>
+                                        <a:latin typeface="Cambria Math" panose="02040503050406030204" pitchFamily="18" charset="0"/>
+                                      </a:rPr>
+                                      <m:t>𝐹</m:t>
+                                    </m:r>
+                                  </m:e>
+                                  <m:sub>
+                                    <m:r>
+                                      <a:rPr lang="en-US" i="1">
+                                        <a:solidFill>
+                                          <a:prstClr val="black"/>
+                                        </a:solidFill>
+                                        <a:latin typeface="Cambria Math" panose="02040503050406030204" pitchFamily="18" charset="0"/>
+                                      </a:rPr>
+                                      <m:t>𝑡</m:t>
+                                    </m:r>
+                                    <m:r>
+                                      <a:rPr lang="en-US" i="1">
+                                        <a:solidFill>
+                                          <a:prstClr val="black"/>
+                                        </a:solidFill>
+                                        <a:latin typeface="Cambria Math" panose="02040503050406030204" pitchFamily="18" charset="0"/>
+                                      </a:rPr>
+                                      <m:t>+1</m:t>
+                                    </m:r>
+                                  </m:sub>
+                                </m:sSub>
+                              </m:e>
+                            </m:mr>
+                            <m:mr>
+                              <m:e>
+                                <m:r>
+                                  <a:rPr lang="en-US" i="1">
+                                    <a:solidFill>
+                                      <a:prstClr val="black"/>
+                                    </a:solidFill>
+                                    <a:latin typeface="Cambria Math" panose="02040503050406030204" pitchFamily="18" charset="0"/>
+                                  </a:rPr>
+                                  <m:t>0</m:t>
+                                </m:r>
+                              </m:e>
+                              <m:e>
+                                <m:r>
+                                  <a:rPr lang="en-US" i="1">
+                                    <a:solidFill>
+                                      <a:prstClr val="black"/>
+                                    </a:solidFill>
+                                    <a:latin typeface="Cambria Math" panose="02040503050406030204" pitchFamily="18" charset="0"/>
+                                  </a:rPr>
+                                  <m:t>0</m:t>
+                                </m:r>
+                              </m:e>
+                              <m:e>
+                                <m:sSub>
+                                  <m:sSubPr>
+                                    <m:ctrlPr>
+                                      <a:rPr lang="en-US" i="1">
+                                        <a:solidFill>
+                                          <a:prstClr val="black"/>
+                                        </a:solidFill>
+                                        <a:latin typeface="Cambria Math" panose="02040503050406030204" pitchFamily="18" charset="0"/>
+                                      </a:rPr>
+                                    </m:ctrlPr>
+                                  </m:sSubPr>
+                                  <m:e>
+                                    <m:r>
+                                      <a:rPr lang="en-US" i="1">
+                                        <a:solidFill>
+                                          <a:prstClr val="black"/>
+                                        </a:solidFill>
+                                        <a:latin typeface="Cambria Math" panose="02040503050406030204" pitchFamily="18" charset="0"/>
+                                      </a:rPr>
+                                      <m:t>𝐹</m:t>
+                                    </m:r>
+                                  </m:e>
+                                  <m:sub>
+                                    <m:r>
+                                      <a:rPr lang="en-US" i="1">
+                                        <a:solidFill>
+                                          <a:prstClr val="black"/>
+                                        </a:solidFill>
+                                        <a:latin typeface="Cambria Math" panose="02040503050406030204" pitchFamily="18" charset="0"/>
+                                      </a:rPr>
+                                      <m:t>𝑡</m:t>
+                                    </m:r>
+                                    <m:r>
+                                      <a:rPr lang="en-US" i="1">
+                                        <a:solidFill>
+                                          <a:prstClr val="black"/>
+                                        </a:solidFill>
+                                        <a:latin typeface="Cambria Math" panose="02040503050406030204" pitchFamily="18" charset="0"/>
+                                      </a:rPr>
+                                      <m:t>+2</m:t>
+                                    </m:r>
+                                  </m:sub>
+                                </m:sSub>
+                              </m:e>
+                            </m:mr>
+                            <m:mr>
+                              <m:e>
+                                <m:r>
+                                  <a:rPr lang="en-US" i="1">
+                                    <a:solidFill>
+                                      <a:prstClr val="black"/>
+                                    </a:solidFill>
+                                    <a:latin typeface="Cambria Math" panose="02040503050406030204" pitchFamily="18" charset="0"/>
+                                  </a:rPr>
+                                  <m:t>⋮</m:t>
+                                </m:r>
+                              </m:e>
+                              <m:e>
+                                <m:r>
+                                  <a:rPr lang="en-US" i="1">
+                                    <a:solidFill>
+                                      <a:prstClr val="black"/>
+                                    </a:solidFill>
+                                    <a:latin typeface="Cambria Math" panose="02040503050406030204" pitchFamily="18" charset="0"/>
+                                  </a:rPr>
+                                  <m:t>⋮</m:t>
+                                </m:r>
+                              </m:e>
+                              <m:e>
+                                <m:r>
+                                  <a:rPr lang="en-US" i="1">
+                                    <a:solidFill>
+                                      <a:prstClr val="black"/>
+                                    </a:solidFill>
+                                    <a:latin typeface="Cambria Math" panose="02040503050406030204" pitchFamily="18" charset="0"/>
+                                  </a:rPr>
+                                  <m:t>⋮</m:t>
+                                </m:r>
+                              </m:e>
+                            </m:mr>
+                            <m:mr>
+                              <m:e>
+                                <m:r>
+                                  <a:rPr lang="en-US" i="1">
+                                    <a:solidFill>
+                                      <a:prstClr val="black"/>
+                                    </a:solidFill>
+                                    <a:latin typeface="Cambria Math" panose="02040503050406030204" pitchFamily="18" charset="0"/>
+                                  </a:rPr>
+                                  <m:t>0</m:t>
+                                </m:r>
+                              </m:e>
+                              <m:e>
+                                <m:r>
+                                  <a:rPr lang="en-US" i="1">
+                                    <a:solidFill>
+                                      <a:prstClr val="black"/>
+                                    </a:solidFill>
+                                    <a:latin typeface="Cambria Math" panose="02040503050406030204" pitchFamily="18" charset="0"/>
+                                  </a:rPr>
+                                  <m:t>0</m:t>
+                                </m:r>
+                              </m:e>
+                              <m:e>
+                                <m:sSub>
+                                  <m:sSubPr>
+                                    <m:ctrlPr>
+                                      <a:rPr lang="en-US" i="1">
+                                        <a:solidFill>
+                                          <a:prstClr val="black"/>
+                                        </a:solidFill>
+                                        <a:latin typeface="Cambria Math" panose="02040503050406030204" pitchFamily="18" charset="0"/>
+                                      </a:rPr>
+                                    </m:ctrlPr>
+                                  </m:sSubPr>
+                                  <m:e>
+                                    <m:r>
+                                      <a:rPr lang="en-US" i="1">
+                                        <a:solidFill>
+                                          <a:prstClr val="black"/>
+                                        </a:solidFill>
+                                        <a:latin typeface="Cambria Math" panose="02040503050406030204" pitchFamily="18" charset="0"/>
+                                      </a:rPr>
+                                      <m:t>𝐹</m:t>
+                                    </m:r>
+                                  </m:e>
+                                  <m:sub>
+                                    <m:r>
+                                      <a:rPr lang="en-US" i="1">
+                                        <a:solidFill>
+                                          <a:prstClr val="black"/>
+                                        </a:solidFill>
+                                        <a:latin typeface="Cambria Math" panose="02040503050406030204" pitchFamily="18" charset="0"/>
+                                      </a:rPr>
+                                      <m:t>𝑇</m:t>
+                                    </m:r>
+                                    <m:r>
+                                      <a:rPr lang="en-US" i="1">
+                                        <a:solidFill>
+                                          <a:prstClr val="black"/>
+                                        </a:solidFill>
+                                        <a:latin typeface="Cambria Math" panose="02040503050406030204" pitchFamily="18" charset="0"/>
+                                      </a:rPr>
+                                      <m:t>−1</m:t>
+                                    </m:r>
+                                  </m:sub>
+                                </m:sSub>
+                              </m:e>
+                            </m:mr>
+                          </m:m>
+                        </m:e>
+                      </m:d>
+                    </m:oMath>
+                  </m:oMathPara>
+                </a14:m>
+                <a:endParaRPr kumimoji="0" lang="en-US" b="0" i="0" u="none" strike="noStrike" kern="1200" cap="none" spc="0" normalizeH="0" baseline="0" noProof="0" dirty="0">
+                  <a:ln>
+                    <a:noFill/>
+                  </a:ln>
+                  <a:solidFill>
+                    <a:prstClr val="black"/>
+                  </a:solidFill>
+                  <a:effectLst/>
+                  <a:uLnTx/>
+                  <a:uFillTx/>
+                  <a:latin typeface="Arial"/>
+                </a:endParaRPr>
+              </a:p>
+            </p:txBody>
+          </p:sp>
+        </mc:Choice>
+        <mc:Fallback xmlns="">
+          <p:sp>
+            <p:nvSpPr>
+              <p:cNvPr id="18" name="TextBox 17">
+                <a:extLst>
+                  <a:ext uri="{FF2B5EF4-FFF2-40B4-BE49-F238E27FC236}">
+                    <a16:creationId xmlns:a16="http://schemas.microsoft.com/office/drawing/2014/main" id="{41CCDD5A-775D-B957-1323-CDE7693AAC15}"/>
+                  </a:ext>
+                </a:extLst>
+              </p:cNvPr>
+              <p:cNvSpPr txBox="1">
+                <a:spLocks noRot="1" noChangeAspect="1" noMove="1" noResize="1" noEditPoints="1" noAdjustHandles="1" noChangeArrowheads="1" noChangeShapeType="1" noTextEdit="1"/>
+              </p:cNvSpPr>
+              <p:nvPr/>
+            </p:nvSpPr>
+            <p:spPr>
+              <a:xfrm>
+                <a:off x="1268127" y="4522467"/>
+                <a:ext cx="2024849" cy="1674946"/>
+              </a:xfrm>
+              <a:prstGeom prst="rect">
+                <a:avLst/>
+              </a:prstGeom>
+              <a:blipFill>
+                <a:blip r:embed="rId9"/>
+                <a:stretch>
+                  <a:fillRect/>
+                </a:stretch>
+              </a:blipFill>
+            </p:spPr>
+            <p:txBody>
+              <a:bodyPr/>
+              <a:lstStyle/>
+              <a:p>
+                <a:r>
+                  <a:rPr lang="en-US">
+                    <a:noFill/>
+                  </a:rPr>
+                  <a:t> </a:t>
+                </a:r>
+              </a:p>
+            </p:txBody>
+          </p:sp>
+        </mc:Fallback>
+      </mc:AlternateContent>
+      <mc:AlternateContent xmlns:mc="http://schemas.openxmlformats.org/markup-compatibility/2006" xmlns:a14="http://schemas.microsoft.com/office/drawing/2010/main">
+        <mc:Choice Requires="a14">
+          <p:sp>
+            <p:nvSpPr>
+              <p:cNvPr id="19" name="TextBox 18">
+                <a:extLst>
+                  <a:ext uri="{FF2B5EF4-FFF2-40B4-BE49-F238E27FC236}">
+                    <a16:creationId xmlns:a16="http://schemas.microsoft.com/office/drawing/2014/main" id="{40D09F3D-ABA2-97B0-691F-9BEEE9E0FF2D}"/>
+                  </a:ext>
+                </a:extLst>
+              </p:cNvPr>
+              <p:cNvSpPr txBox="1"/>
+              <p:nvPr/>
+            </p:nvSpPr>
+            <p:spPr>
+              <a:xfrm>
+                <a:off x="9923778" y="2152726"/>
+                <a:ext cx="1749903" cy="1793248"/>
+              </a:xfrm>
+              <a:prstGeom prst="rect">
+                <a:avLst/>
+              </a:prstGeom>
+              <a:noFill/>
+            </p:spPr>
+            <p:txBody>
+              <a:bodyPr wrap="none" lIns="0" tIns="0" rIns="0" bIns="0" rtlCol="0">
+                <a:spAutoFit/>
+              </a:bodyPr>
+              <a:lstStyle/>
+              <a:p>
+                <a:pPr>
+                  <a:lnSpc>
+                    <a:spcPct val="110000"/>
+                  </a:lnSpc>
+                  <a:spcAft>
+                    <a:spcPts val="1200"/>
+                  </a:spcAft>
+                </a:pPr>
+                <a14:m>
+                  <m:oMathPara xmlns:m="http://schemas.openxmlformats.org/officeDocument/2006/math">
+                    <m:oMathParaPr>
+                      <m:jc m:val="centerGroup"/>
+                    </m:oMathParaPr>
+                    <m:oMath xmlns:m="http://schemas.openxmlformats.org/officeDocument/2006/math">
+                      <m:r>
+                        <a:rPr kumimoji="0" lang="en-US" b="0" i="1" u="none" strike="noStrike" kern="1200" cap="none" spc="0" normalizeH="0" baseline="0" noProof="0" smtClean="0">
+                          <a:ln>
+                            <a:noFill/>
+                          </a:ln>
+                          <a:solidFill>
+                            <a:prstClr val="black"/>
+                          </a:solidFill>
+                          <a:effectLst/>
+                          <a:uLnTx/>
+                          <a:uFillTx/>
+                          <a:latin typeface="Cambria Math" panose="02040503050406030204" pitchFamily="18" charset="0"/>
+                        </a:rPr>
+                        <m:t>𝑦</m:t>
+                      </m:r>
+                      <m:r>
+                        <a:rPr kumimoji="0" lang="en-US" b="0" i="1" u="none" strike="noStrike" kern="1200" cap="none" spc="0" normalizeH="0" baseline="0" noProof="0" smtClean="0">
+                          <a:ln>
+                            <a:noFill/>
+                          </a:ln>
+                          <a:solidFill>
+                            <a:prstClr val="black"/>
+                          </a:solidFill>
+                          <a:effectLst/>
+                          <a:uLnTx/>
+                          <a:uFillTx/>
+                          <a:latin typeface="Cambria Math" panose="02040503050406030204" pitchFamily="18" charset="0"/>
+                        </a:rPr>
+                        <m:t>=</m:t>
+                      </m:r>
+                      <m:d>
+                        <m:dPr>
+                          <m:begChr m:val="["/>
+                          <m:endChr m:val="]"/>
+                          <m:ctrlPr>
+                            <a:rPr kumimoji="0" lang="en-US" b="0" i="1" u="none" strike="noStrike" kern="1200" cap="none" spc="0" normalizeH="0" baseline="0" noProof="0" smtClean="0">
+                              <a:ln>
+                                <a:noFill/>
+                              </a:ln>
+                              <a:solidFill>
+                                <a:prstClr val="black"/>
+                              </a:solidFill>
+                              <a:effectLst/>
+                              <a:uLnTx/>
+                              <a:uFillTx/>
+                              <a:latin typeface="Cambria Math" panose="02040503050406030204" pitchFamily="18" charset="0"/>
+                            </a:rPr>
+                          </m:ctrlPr>
+                        </m:dPr>
+                        <m:e>
+                          <m:m>
+                            <m:mPr>
+                              <m:mcs>
+                                <m:mc>
+                                  <m:mcPr>
+                                    <m:count m:val="2"/>
+                                    <m:mcJc m:val="center"/>
+                                  </m:mcPr>
+                                </m:mc>
+                              </m:mcs>
+                              <m:ctrlPr>
+                                <a:rPr lang="en-US" i="1">
+                                  <a:solidFill>
+                                    <a:prstClr val="black"/>
+                                  </a:solidFill>
+                                  <a:latin typeface="Cambria Math" panose="02040503050406030204" pitchFamily="18" charset="0"/>
+                                </a:rPr>
+                              </m:ctrlPr>
+                            </m:mPr>
+                            <m:mr>
+                              <m:e>
+                                <m:sSub>
+                                  <m:sSubPr>
+                                    <m:ctrlPr>
+                                      <a:rPr lang="en-US" i="1">
+                                        <a:solidFill>
+                                          <a:prstClr val="black"/>
+                                        </a:solidFill>
+                                        <a:latin typeface="Cambria Math" panose="02040503050406030204" pitchFamily="18" charset="0"/>
+                                      </a:rPr>
+                                    </m:ctrlPr>
+                                  </m:sSubPr>
+                                  <m:e>
+                                    <m:r>
+                                      <a:rPr lang="en-US" i="1">
+                                        <a:solidFill>
+                                          <a:prstClr val="black"/>
+                                        </a:solidFill>
+                                        <a:latin typeface="Cambria Math" panose="02040503050406030204" pitchFamily="18" charset="0"/>
+                                      </a:rPr>
+                                      <m:t>𝜃</m:t>
+                                    </m:r>
+                                  </m:e>
+                                  <m:sub>
+                                    <m:r>
+                                      <a:rPr lang="en-US" i="1">
+                                        <a:solidFill>
+                                          <a:prstClr val="black"/>
+                                        </a:solidFill>
+                                        <a:latin typeface="Cambria Math" panose="02040503050406030204" pitchFamily="18" charset="0"/>
+                                      </a:rPr>
+                                      <m:t>𝑡</m:t>
+                                    </m:r>
+                                    <m:r>
+                                      <a:rPr lang="en-US" i="1">
+                                        <a:solidFill>
+                                          <a:prstClr val="black"/>
+                                        </a:solidFill>
+                                        <a:latin typeface="Cambria Math" panose="02040503050406030204" pitchFamily="18" charset="0"/>
+                                      </a:rPr>
+                                      <m:t>+1</m:t>
+                                    </m:r>
+                                  </m:sub>
+                                </m:sSub>
+                              </m:e>
+                              <m:e>
+                                <m:sSub>
+                                  <m:sSubPr>
+                                    <m:ctrlPr>
+                                      <a:rPr lang="en-US" i="1">
+                                        <a:solidFill>
+                                          <a:prstClr val="black"/>
+                                        </a:solidFill>
+                                        <a:latin typeface="Cambria Math" panose="02040503050406030204" pitchFamily="18" charset="0"/>
+                                        <a:ea typeface="Cambria Math" panose="02040503050406030204" pitchFamily="18" charset="0"/>
+                                      </a:rPr>
+                                    </m:ctrlPr>
+                                  </m:sSubPr>
+                                  <m:e>
+                                    <m:acc>
+                                      <m:accPr>
+                                        <m:chr m:val="̇"/>
+                                        <m:ctrlPr>
+                                          <a:rPr lang="en-US" i="1">
+                                            <a:solidFill>
+                                              <a:prstClr val="black"/>
+                                            </a:solidFill>
+                                            <a:latin typeface="Cambria Math" panose="02040503050406030204" pitchFamily="18" charset="0"/>
+                                          </a:rPr>
+                                        </m:ctrlPr>
+                                      </m:accPr>
+                                      <m:e>
+                                        <m:r>
+                                          <a:rPr lang="en-US" i="1">
+                                            <a:solidFill>
+                                              <a:prstClr val="black"/>
+                                            </a:solidFill>
+                                            <a:latin typeface="Cambria Math" panose="02040503050406030204" pitchFamily="18" charset="0"/>
+                                            <a:ea typeface="Cambria Math" panose="02040503050406030204" pitchFamily="18" charset="0"/>
+                                          </a:rPr>
+                                          <m:t>𝜃</m:t>
+                                        </m:r>
+                                      </m:e>
+                                    </m:acc>
+                                  </m:e>
+                                  <m:sub>
+                                    <m:r>
+                                      <a:rPr lang="en-US" i="1">
+                                        <a:solidFill>
+                                          <a:prstClr val="black"/>
+                                        </a:solidFill>
+                                        <a:latin typeface="Cambria Math" panose="02040503050406030204" pitchFamily="18" charset="0"/>
+                                        <a:ea typeface="Cambria Math" panose="02040503050406030204" pitchFamily="18" charset="0"/>
+                                      </a:rPr>
+                                      <m:t>𝑡</m:t>
+                                    </m:r>
+                                    <m:r>
+                                      <a:rPr lang="en-US" i="1">
+                                        <a:solidFill>
+                                          <a:prstClr val="black"/>
+                                        </a:solidFill>
+                                        <a:latin typeface="Cambria Math" panose="02040503050406030204" pitchFamily="18" charset="0"/>
+                                        <a:ea typeface="Cambria Math" panose="02040503050406030204" pitchFamily="18" charset="0"/>
+                                      </a:rPr>
+                                      <m:t>+1</m:t>
+                                    </m:r>
+                                  </m:sub>
+                                </m:sSub>
+                              </m:e>
+                            </m:mr>
+                            <m:mr>
+                              <m:e>
+                                <m:sSub>
+                                  <m:sSubPr>
+                                    <m:ctrlPr>
+                                      <a:rPr lang="en-US" i="1">
+                                        <a:solidFill>
+                                          <a:prstClr val="black"/>
+                                        </a:solidFill>
+                                        <a:latin typeface="Cambria Math" panose="02040503050406030204" pitchFamily="18" charset="0"/>
+                                      </a:rPr>
+                                    </m:ctrlPr>
+                                  </m:sSubPr>
+                                  <m:e>
+                                    <m:r>
+                                      <a:rPr lang="en-US" i="1">
+                                        <a:solidFill>
+                                          <a:prstClr val="black"/>
+                                        </a:solidFill>
+                                        <a:latin typeface="Cambria Math" panose="02040503050406030204" pitchFamily="18" charset="0"/>
+                                      </a:rPr>
+                                      <m:t>𝜃</m:t>
+                                    </m:r>
+                                  </m:e>
+                                  <m:sub>
+                                    <m:r>
+                                      <a:rPr lang="en-US" i="1">
+                                        <a:solidFill>
+                                          <a:prstClr val="black"/>
+                                        </a:solidFill>
+                                        <a:latin typeface="Cambria Math" panose="02040503050406030204" pitchFamily="18" charset="0"/>
+                                      </a:rPr>
+                                      <m:t>𝑡</m:t>
+                                    </m:r>
+                                    <m:r>
+                                      <a:rPr lang="en-US" i="1">
+                                        <a:solidFill>
+                                          <a:prstClr val="black"/>
+                                        </a:solidFill>
+                                        <a:latin typeface="Cambria Math" panose="02040503050406030204" pitchFamily="18" charset="0"/>
+                                      </a:rPr>
+                                      <m:t>+2</m:t>
+                                    </m:r>
+                                  </m:sub>
+                                </m:sSub>
+                              </m:e>
+                              <m:e>
+                                <m:sSub>
+                                  <m:sSubPr>
+                                    <m:ctrlPr>
+                                      <a:rPr lang="en-US" i="1">
+                                        <a:solidFill>
+                                          <a:prstClr val="black"/>
+                                        </a:solidFill>
+                                        <a:latin typeface="Cambria Math" panose="02040503050406030204" pitchFamily="18" charset="0"/>
+                                        <a:ea typeface="Cambria Math" panose="02040503050406030204" pitchFamily="18" charset="0"/>
+                                      </a:rPr>
+                                    </m:ctrlPr>
+                                  </m:sSubPr>
+                                  <m:e>
+                                    <m:acc>
+                                      <m:accPr>
+                                        <m:chr m:val="̇"/>
+                                        <m:ctrlPr>
+                                          <a:rPr lang="en-US" i="1">
+                                            <a:solidFill>
+                                              <a:prstClr val="black"/>
+                                            </a:solidFill>
+                                            <a:latin typeface="Cambria Math" panose="02040503050406030204" pitchFamily="18" charset="0"/>
+                                          </a:rPr>
+                                        </m:ctrlPr>
+                                      </m:accPr>
+                                      <m:e>
+                                        <m:r>
+                                          <a:rPr lang="en-US" i="1">
+                                            <a:solidFill>
+                                              <a:prstClr val="black"/>
+                                            </a:solidFill>
+                                            <a:latin typeface="Cambria Math" panose="02040503050406030204" pitchFamily="18" charset="0"/>
+                                            <a:ea typeface="Cambria Math" panose="02040503050406030204" pitchFamily="18" charset="0"/>
+                                          </a:rPr>
+                                          <m:t>𝜃</m:t>
+                                        </m:r>
+                                      </m:e>
+                                    </m:acc>
+                                  </m:e>
+                                  <m:sub>
+                                    <m:r>
+                                      <a:rPr lang="en-US" i="1">
+                                        <a:solidFill>
+                                          <a:prstClr val="black"/>
+                                        </a:solidFill>
+                                        <a:latin typeface="Cambria Math" panose="02040503050406030204" pitchFamily="18" charset="0"/>
+                                        <a:ea typeface="Cambria Math" panose="02040503050406030204" pitchFamily="18" charset="0"/>
+                                      </a:rPr>
+                                      <m:t>𝑡</m:t>
+                                    </m:r>
+                                    <m:r>
+                                      <a:rPr lang="en-US" i="1">
+                                        <a:solidFill>
+                                          <a:prstClr val="black"/>
+                                        </a:solidFill>
+                                        <a:latin typeface="Cambria Math" panose="02040503050406030204" pitchFamily="18" charset="0"/>
+                                        <a:ea typeface="Cambria Math" panose="02040503050406030204" pitchFamily="18" charset="0"/>
+                                      </a:rPr>
+                                      <m:t>+2</m:t>
+                                    </m:r>
+                                  </m:sub>
+                                </m:sSub>
+                              </m:e>
+                            </m:mr>
+                            <m:mr>
+                              <m:e>
+                                <m:sSub>
+                                  <m:sSubPr>
+                                    <m:ctrlPr>
+                                      <a:rPr lang="en-US" i="1">
+                                        <a:solidFill>
+                                          <a:prstClr val="black"/>
+                                        </a:solidFill>
+                                        <a:latin typeface="Cambria Math" panose="02040503050406030204" pitchFamily="18" charset="0"/>
+                                      </a:rPr>
+                                    </m:ctrlPr>
+                                  </m:sSubPr>
+                                  <m:e>
+                                    <m:r>
+                                      <a:rPr lang="en-US" i="1">
+                                        <a:solidFill>
+                                          <a:prstClr val="black"/>
+                                        </a:solidFill>
+                                        <a:latin typeface="Cambria Math" panose="02040503050406030204" pitchFamily="18" charset="0"/>
+                                      </a:rPr>
+                                      <m:t>𝜃</m:t>
+                                    </m:r>
+                                  </m:e>
+                                  <m:sub>
+                                    <m:r>
+                                      <a:rPr lang="en-US" i="1">
+                                        <a:solidFill>
+                                          <a:prstClr val="black"/>
+                                        </a:solidFill>
+                                        <a:latin typeface="Cambria Math" panose="02040503050406030204" pitchFamily="18" charset="0"/>
+                                      </a:rPr>
+                                      <m:t>𝑡</m:t>
+                                    </m:r>
+                                    <m:r>
+                                      <a:rPr lang="en-US" i="1">
+                                        <a:solidFill>
+                                          <a:prstClr val="black"/>
+                                        </a:solidFill>
+                                        <a:latin typeface="Cambria Math" panose="02040503050406030204" pitchFamily="18" charset="0"/>
+                                      </a:rPr>
+                                      <m:t>+3</m:t>
+                                    </m:r>
+                                  </m:sub>
+                                </m:sSub>
+                              </m:e>
+                              <m:e>
+                                <m:sSub>
+                                  <m:sSubPr>
+                                    <m:ctrlPr>
+                                      <a:rPr lang="en-US" i="1">
+                                        <a:solidFill>
+                                          <a:prstClr val="black"/>
+                                        </a:solidFill>
+                                        <a:latin typeface="Cambria Math" panose="02040503050406030204" pitchFamily="18" charset="0"/>
+                                        <a:ea typeface="Cambria Math" panose="02040503050406030204" pitchFamily="18" charset="0"/>
+                                      </a:rPr>
+                                    </m:ctrlPr>
+                                  </m:sSubPr>
+                                  <m:e>
+                                    <m:acc>
+                                      <m:accPr>
+                                        <m:chr m:val="̇"/>
+                                        <m:ctrlPr>
+                                          <a:rPr lang="en-US" i="1">
+                                            <a:solidFill>
+                                              <a:prstClr val="black"/>
+                                            </a:solidFill>
+                                            <a:latin typeface="Cambria Math" panose="02040503050406030204" pitchFamily="18" charset="0"/>
+                                          </a:rPr>
+                                        </m:ctrlPr>
+                                      </m:accPr>
+                                      <m:e>
+                                        <m:r>
+                                          <a:rPr lang="en-US" i="1">
+                                            <a:solidFill>
+                                              <a:prstClr val="black"/>
+                                            </a:solidFill>
+                                            <a:latin typeface="Cambria Math" panose="02040503050406030204" pitchFamily="18" charset="0"/>
+                                            <a:ea typeface="Cambria Math" panose="02040503050406030204" pitchFamily="18" charset="0"/>
+                                          </a:rPr>
+                                          <m:t>𝜃</m:t>
+                                        </m:r>
+                                      </m:e>
+                                    </m:acc>
+                                  </m:e>
+                                  <m:sub>
+                                    <m:r>
+                                      <a:rPr lang="en-US" i="1">
+                                        <a:solidFill>
+                                          <a:prstClr val="black"/>
+                                        </a:solidFill>
+                                        <a:latin typeface="Cambria Math" panose="02040503050406030204" pitchFamily="18" charset="0"/>
+                                        <a:ea typeface="Cambria Math" panose="02040503050406030204" pitchFamily="18" charset="0"/>
+                                      </a:rPr>
+                                      <m:t>𝑡</m:t>
+                                    </m:r>
+                                    <m:r>
+                                      <a:rPr lang="en-US" i="1">
+                                        <a:solidFill>
+                                          <a:prstClr val="black"/>
+                                        </a:solidFill>
+                                        <a:latin typeface="Cambria Math" panose="02040503050406030204" pitchFamily="18" charset="0"/>
+                                        <a:ea typeface="Cambria Math" panose="02040503050406030204" pitchFamily="18" charset="0"/>
+                                      </a:rPr>
+                                      <m:t>+3</m:t>
+                                    </m:r>
+                                  </m:sub>
+                                </m:sSub>
+                              </m:e>
+                            </m:mr>
+                            <m:mr>
+                              <m:e>
+                                <m:r>
+                                  <a:rPr lang="en-US" i="1">
+                                    <a:solidFill>
+                                      <a:prstClr val="black"/>
+                                    </a:solidFill>
+                                    <a:latin typeface="Cambria Math" panose="02040503050406030204" pitchFamily="18" charset="0"/>
+                                  </a:rPr>
+                                  <m:t>⋮</m:t>
+                                </m:r>
+                              </m:e>
+                              <m:e>
+                                <m:r>
+                                  <a:rPr lang="en-US" i="1">
+                                    <a:solidFill>
+                                      <a:prstClr val="black"/>
+                                    </a:solidFill>
+                                    <a:latin typeface="Cambria Math" panose="02040503050406030204" pitchFamily="18" charset="0"/>
+                                  </a:rPr>
+                                  <m:t>⋮</m:t>
+                                </m:r>
+                              </m:e>
+                            </m:mr>
+                            <m:mr>
+                              <m:e>
+                                <m:sSub>
+                                  <m:sSubPr>
+                                    <m:ctrlPr>
+                                      <a:rPr lang="en-US" i="1">
+                                        <a:solidFill>
+                                          <a:prstClr val="black"/>
+                                        </a:solidFill>
+                                        <a:latin typeface="Cambria Math" panose="02040503050406030204" pitchFamily="18" charset="0"/>
+                                      </a:rPr>
+                                    </m:ctrlPr>
+                                  </m:sSubPr>
+                                  <m:e>
+                                    <m:r>
+                                      <a:rPr lang="en-US" i="1">
+                                        <a:solidFill>
+                                          <a:prstClr val="black"/>
+                                        </a:solidFill>
+                                        <a:latin typeface="Cambria Math" panose="02040503050406030204" pitchFamily="18" charset="0"/>
+                                      </a:rPr>
+                                      <m:t>𝜃</m:t>
+                                    </m:r>
+                                  </m:e>
+                                  <m:sub>
+                                    <m:r>
+                                      <a:rPr lang="en-US" i="1">
+                                        <a:solidFill>
+                                          <a:prstClr val="black"/>
+                                        </a:solidFill>
+                                        <a:latin typeface="Cambria Math" panose="02040503050406030204" pitchFamily="18" charset="0"/>
+                                      </a:rPr>
+                                      <m:t>𝑇</m:t>
+                                    </m:r>
+                                  </m:sub>
+                                </m:sSub>
+                              </m:e>
+                              <m:e>
+                                <m:sSub>
+                                  <m:sSubPr>
+                                    <m:ctrlPr>
+                                      <a:rPr lang="en-US" i="1">
+                                        <a:solidFill>
+                                          <a:prstClr val="black"/>
+                                        </a:solidFill>
+                                        <a:latin typeface="Cambria Math" panose="02040503050406030204" pitchFamily="18" charset="0"/>
+                                        <a:ea typeface="Cambria Math" panose="02040503050406030204" pitchFamily="18" charset="0"/>
+                                      </a:rPr>
+                                    </m:ctrlPr>
+                                  </m:sSubPr>
+                                  <m:e>
+                                    <m:acc>
+                                      <m:accPr>
+                                        <m:chr m:val="̇"/>
+                                        <m:ctrlPr>
+                                          <a:rPr lang="en-US" i="1">
+                                            <a:solidFill>
+                                              <a:prstClr val="black"/>
+                                            </a:solidFill>
+                                            <a:latin typeface="Cambria Math" panose="02040503050406030204" pitchFamily="18" charset="0"/>
+                                          </a:rPr>
+                                        </m:ctrlPr>
+                                      </m:accPr>
+                                      <m:e>
+                                        <m:r>
+                                          <a:rPr lang="en-US" i="1">
+                                            <a:solidFill>
+                                              <a:prstClr val="black"/>
+                                            </a:solidFill>
+                                            <a:latin typeface="Cambria Math" panose="02040503050406030204" pitchFamily="18" charset="0"/>
+                                            <a:ea typeface="Cambria Math" panose="02040503050406030204" pitchFamily="18" charset="0"/>
+                                          </a:rPr>
+                                          <m:t>𝜃</m:t>
+                                        </m:r>
+                                      </m:e>
+                                    </m:acc>
+                                  </m:e>
+                                  <m:sub>
+                                    <m:r>
+                                      <a:rPr lang="en-US" i="1">
+                                        <a:solidFill>
+                                          <a:prstClr val="black"/>
+                                        </a:solidFill>
+                                        <a:latin typeface="Cambria Math" panose="02040503050406030204" pitchFamily="18" charset="0"/>
+                                        <a:ea typeface="Cambria Math" panose="02040503050406030204" pitchFamily="18" charset="0"/>
+                                      </a:rPr>
+                                      <m:t>𝑇</m:t>
+                                    </m:r>
+                                  </m:sub>
+                                </m:sSub>
+                              </m:e>
+                            </m:mr>
+                          </m:m>
+                        </m:e>
+                      </m:d>
+                    </m:oMath>
+                  </m:oMathPara>
+                </a14:m>
+                <a:endParaRPr kumimoji="0" lang="en-US" b="0" i="0" u="none" strike="noStrike" kern="1200" cap="none" spc="0" normalizeH="0" baseline="0" noProof="0" dirty="0">
+                  <a:ln>
+                    <a:noFill/>
+                  </a:ln>
+                  <a:solidFill>
+                    <a:prstClr val="black"/>
+                  </a:solidFill>
+                  <a:effectLst/>
+                  <a:uLnTx/>
+                  <a:uFillTx/>
+                  <a:latin typeface="Arial"/>
+                </a:endParaRPr>
+              </a:p>
+            </p:txBody>
+          </p:sp>
+        </mc:Choice>
+        <mc:Fallback xmlns="">
+          <p:sp>
+            <p:nvSpPr>
+              <p:cNvPr id="19" name="TextBox 18">
+                <a:extLst>
+                  <a:ext uri="{FF2B5EF4-FFF2-40B4-BE49-F238E27FC236}">
+                    <a16:creationId xmlns:a16="http://schemas.microsoft.com/office/drawing/2014/main" id="{40D09F3D-ABA2-97B0-691F-9BEEE9E0FF2D}"/>
+                  </a:ext>
+                </a:extLst>
+              </p:cNvPr>
+              <p:cNvSpPr txBox="1">
+                <a:spLocks noRot="1" noChangeAspect="1" noMove="1" noResize="1" noEditPoints="1" noAdjustHandles="1" noChangeArrowheads="1" noChangeShapeType="1" noTextEdit="1"/>
+              </p:cNvSpPr>
+              <p:nvPr/>
+            </p:nvSpPr>
+            <p:spPr>
+              <a:xfrm>
+                <a:off x="9923778" y="2152726"/>
+                <a:ext cx="1749903" cy="1793248"/>
+              </a:xfrm>
+              <a:prstGeom prst="rect">
+                <a:avLst/>
+              </a:prstGeom>
+              <a:blipFill>
+                <a:blip r:embed="rId10"/>
+                <a:stretch>
+                  <a:fillRect/>
+                </a:stretch>
+              </a:blipFill>
+            </p:spPr>
+            <p:txBody>
+              <a:bodyPr/>
+              <a:lstStyle/>
+              <a:p>
+                <a:r>
+                  <a:rPr lang="en-US">
+                    <a:noFill/>
+                  </a:rPr>
+                  <a:t> </a:t>
+                </a:r>
+              </a:p>
+            </p:txBody>
+          </p:sp>
+        </mc:Fallback>
+      </mc:AlternateContent>
     </p:spTree>
     <p:extLst>
       <p:ext uri="{BB962C8B-B14F-4D97-AF65-F5344CB8AC3E}">
@@ -12454,8 +12883,8 @@
           <a:lstStyle/>
           <a:p>
             <a:r>
-              <a:rPr lang="LID4096"/>
-              <a:t>12/01/2023</a:t>
+              <a:rPr lang="en-US"/>
+              <a:t>19/01/2023</a:t>
             </a:r>
             <a:endParaRPr lang="de-DE" dirty="0"/>
           </a:p>
@@ -12572,8 +13001,8 @@
           <a:lstStyle/>
           <a:p>
             <a:r>
-              <a:rPr lang="LID4096"/>
-              <a:t>12/01/2023</a:t>
+              <a:rPr lang="en-US"/>
+              <a:t>19/01/2023</a:t>
             </a:r>
             <a:endParaRPr lang="de-DE" dirty="0"/>
           </a:p>
@@ -12935,7 +13364,7 @@
           <a:p>
             <a:r>
               <a:rPr lang="en-US" dirty="0"/>
-              <a:t>Order of searching:</a:t>
+              <a:t>Search order:</a:t>
             </a:r>
           </a:p>
           <a:p>
@@ -13023,53 +13452,6 @@
           </a:p>
         </p:txBody>
       </p:sp>
-      <p:pic>
-        <p:nvPicPr>
-          <p:cNvPr id="1026" name="Picture 2" descr="Overfitting and Underfitting | Kaggle">
-            <a:extLst>
-              <a:ext uri="{FF2B5EF4-FFF2-40B4-BE49-F238E27FC236}">
-                <a16:creationId xmlns:a16="http://schemas.microsoft.com/office/drawing/2014/main" id="{BAF6BB4A-61AD-23DC-49DA-930DAFB65102}"/>
-              </a:ext>
-            </a:extLst>
-          </p:cNvPr>
-          <p:cNvPicPr>
-            <a:picLocks noChangeAspect="1" noChangeArrowheads="1"/>
-          </p:cNvPicPr>
-          <p:nvPr/>
-        </p:nvPicPr>
-        <p:blipFill>
-          <a:blip r:embed="rId2">
-            <a:extLst>
-              <a:ext uri="{28A0092B-C50C-407E-A947-70E740481C1C}">
-                <a14:useLocalDpi xmlns:a14="http://schemas.microsoft.com/office/drawing/2010/main" val="0"/>
-              </a:ext>
-            </a:extLst>
-          </a:blip>
-          <a:srcRect/>
-          <a:stretch>
-            <a:fillRect/>
-          </a:stretch>
-        </p:blipFill>
-        <p:spPr bwMode="auto">
-          <a:xfrm>
-            <a:off x="6480313" y="1650460"/>
-            <a:ext cx="5486400" cy="4114800"/>
-          </a:xfrm>
-          <a:prstGeom prst="rect">
-            <a:avLst/>
-          </a:prstGeom>
-          <a:noFill/>
-          <a:extLst>
-            <a:ext uri="{909E8E84-426E-40DD-AFC4-6F175D3DCCD1}">
-              <a14:hiddenFill xmlns:a14="http://schemas.microsoft.com/office/drawing/2010/main">
-                <a:solidFill>
-                  <a:srgbClr val="FFFFFF"/>
-                </a:solidFill>
-              </a14:hiddenFill>
-            </a:ext>
-          </a:extLst>
-        </p:spPr>
-      </p:pic>
       <p:sp>
         <p:nvSpPr>
           <p:cNvPr id="6" name="TextBox 5">
@@ -13084,8 +13466,8 @@
         </p:nvSpPr>
         <p:spPr>
           <a:xfrm>
-            <a:off x="7779656" y="5818626"/>
-            <a:ext cx="2887714" cy="281103"/>
+            <a:off x="7079887" y="5770385"/>
+            <a:ext cx="4308549" cy="281103"/>
           </a:xfrm>
           <a:prstGeom prst="rect">
             <a:avLst/>
@@ -13119,11 +13501,478 @@
                   <a:srgbClr val="000000"/>
                 </a:solidFill>
               </a:rPr>
-              <a:t>(Ryan, H. &amp; Alexis C. 2022)</a:t>
+              <a:t>Adapted from (Ryan, H. &amp; Alexis C. 2022)</a:t>
             </a:r>
           </a:p>
         </p:txBody>
       </p:sp>
+      <p:grpSp>
+        <p:nvGrpSpPr>
+          <p:cNvPr id="16" name="Group 15">
+            <a:extLst>
+              <a:ext uri="{FF2B5EF4-FFF2-40B4-BE49-F238E27FC236}">
+                <a16:creationId xmlns:a16="http://schemas.microsoft.com/office/drawing/2014/main" id="{E96116F0-25CF-D7E6-55E2-E82FD4AE1469}"/>
+              </a:ext>
+            </a:extLst>
+          </p:cNvPr>
+          <p:cNvGrpSpPr/>
+          <p:nvPr/>
+        </p:nvGrpSpPr>
+        <p:grpSpPr>
+          <a:xfrm>
+            <a:off x="6480313" y="1650460"/>
+            <a:ext cx="5669158" cy="4114800"/>
+            <a:chOff x="6480313" y="1650460"/>
+            <a:chExt cx="5669158" cy="4114800"/>
+          </a:xfrm>
+        </p:grpSpPr>
+        <p:pic>
+          <p:nvPicPr>
+            <p:cNvPr id="1026" name="Picture 2" descr="Overfitting and Underfitting | Kaggle">
+              <a:extLst>
+                <a:ext uri="{FF2B5EF4-FFF2-40B4-BE49-F238E27FC236}">
+                  <a16:creationId xmlns:a16="http://schemas.microsoft.com/office/drawing/2014/main" id="{BAF6BB4A-61AD-23DC-49DA-930DAFB65102}"/>
+                </a:ext>
+              </a:extLst>
+            </p:cNvPr>
+            <p:cNvPicPr>
+              <a:picLocks noChangeAspect="1" noChangeArrowheads="1"/>
+            </p:cNvPicPr>
+            <p:nvPr/>
+          </p:nvPicPr>
+          <p:blipFill>
+            <a:blip r:embed="rId3">
+              <a:extLst>
+                <a:ext uri="{28A0092B-C50C-407E-A947-70E740481C1C}">
+                  <a14:useLocalDpi xmlns:a14="http://schemas.microsoft.com/office/drawing/2010/main" val="0"/>
+                </a:ext>
+              </a:extLst>
+            </a:blip>
+            <a:srcRect/>
+            <a:stretch>
+              <a:fillRect/>
+            </a:stretch>
+          </p:blipFill>
+          <p:spPr bwMode="auto">
+            <a:xfrm>
+              <a:off x="6480313" y="1650460"/>
+              <a:ext cx="5486400" cy="4114800"/>
+            </a:xfrm>
+            <a:prstGeom prst="rect">
+              <a:avLst/>
+            </a:prstGeom>
+            <a:noFill/>
+            <a:extLst>
+              <a:ext uri="{909E8E84-426E-40DD-AFC4-6F175D3DCCD1}">
+                <a14:hiddenFill xmlns:a14="http://schemas.microsoft.com/office/drawing/2010/main">
+                  <a:solidFill>
+                    <a:srgbClr val="FFFFFF"/>
+                  </a:solidFill>
+                </a14:hiddenFill>
+              </a:ext>
+            </a:extLst>
+          </p:spPr>
+        </p:pic>
+        <p:sp>
+          <p:nvSpPr>
+            <p:cNvPr id="9" name="TextBox 8">
+              <a:extLst>
+                <a:ext uri="{FF2B5EF4-FFF2-40B4-BE49-F238E27FC236}">
+                  <a16:creationId xmlns:a16="http://schemas.microsoft.com/office/drawing/2014/main" id="{571DA6B4-53CE-614E-6437-F7C3E98BB81B}"/>
+                </a:ext>
+              </a:extLst>
+            </p:cNvPr>
+            <p:cNvSpPr txBox="1"/>
+            <p:nvPr/>
+          </p:nvSpPr>
+          <p:spPr>
+            <a:xfrm>
+              <a:off x="6627517" y="3379256"/>
+              <a:ext cx="525386" cy="281103"/>
+            </a:xfrm>
+            <a:prstGeom prst="rect">
+              <a:avLst/>
+            </a:prstGeom>
+            <a:solidFill>
+              <a:schemeClr val="tx1"/>
+            </a:solidFill>
+          </p:spPr>
+          <p:txBody>
+            <a:bodyPr wrap="square" lIns="0" tIns="0" rIns="0" bIns="0" rtlCol="0">
+              <a:spAutoFit/>
+            </a:bodyPr>
+            <a:lstStyle/>
+            <a:p>
+              <a:pPr marL="0" marR="0" indent="0" algn="l" defTabSz="914400" rtl="0" eaLnBrk="1" fontAlgn="auto" latinLnBrk="0" hangingPunct="1">
+                <a:lnSpc>
+                  <a:spcPct val="110000"/>
+                </a:lnSpc>
+                <a:spcBef>
+                  <a:spcPts val="0"/>
+                </a:spcBef>
+                <a:spcAft>
+                  <a:spcPts val="1200"/>
+                </a:spcAft>
+                <a:buClrTx/>
+                <a:buSzTx/>
+                <a:buFont typeface="Arial" panose="020B0604020202020204" pitchFamily="34" charset="0"/>
+                <a:buNone/>
+                <a:tabLst/>
+              </a:pPr>
+              <a:r>
+                <a:rPr lang="en-US" dirty="0">
+                  <a:solidFill>
+                    <a:srgbClr val="000000"/>
+                  </a:solidFill>
+                </a:rPr>
+                <a:t>Loss</a:t>
+              </a:r>
+            </a:p>
+          </p:txBody>
+        </p:sp>
+        <p:sp>
+          <p:nvSpPr>
+            <p:cNvPr id="10" name="TextBox 9">
+              <a:extLst>
+                <a:ext uri="{FF2B5EF4-FFF2-40B4-BE49-F238E27FC236}">
+                  <a16:creationId xmlns:a16="http://schemas.microsoft.com/office/drawing/2014/main" id="{41717850-7853-4868-51FF-2025B99849A7}"/>
+                </a:ext>
+              </a:extLst>
+            </p:cNvPr>
+            <p:cNvSpPr txBox="1"/>
+            <p:nvPr/>
+          </p:nvSpPr>
+          <p:spPr>
+            <a:xfrm>
+              <a:off x="7313647" y="1964113"/>
+              <a:ext cx="1426592" cy="281103"/>
+            </a:xfrm>
+            <a:prstGeom prst="rect">
+              <a:avLst/>
+            </a:prstGeom>
+            <a:solidFill>
+              <a:schemeClr val="tx1"/>
+            </a:solidFill>
+          </p:spPr>
+          <p:txBody>
+            <a:bodyPr wrap="square" lIns="0" tIns="0" rIns="0" bIns="0" rtlCol="0">
+              <a:spAutoFit/>
+            </a:bodyPr>
+            <a:lstStyle/>
+            <a:p>
+              <a:pPr marL="0" marR="0" indent="0" algn="ctr" defTabSz="914400" rtl="0" eaLnBrk="1" fontAlgn="auto" latinLnBrk="0" hangingPunct="1">
+                <a:lnSpc>
+                  <a:spcPct val="110000"/>
+                </a:lnSpc>
+                <a:spcBef>
+                  <a:spcPts val="0"/>
+                </a:spcBef>
+                <a:spcAft>
+                  <a:spcPts val="1200"/>
+                </a:spcAft>
+                <a:buClrTx/>
+                <a:buSzTx/>
+                <a:buFont typeface="Arial" panose="020B0604020202020204" pitchFamily="34" charset="0"/>
+                <a:buNone/>
+                <a:tabLst/>
+              </a:pPr>
+              <a:r>
+                <a:rPr lang="en-US" dirty="0">
+                  <a:solidFill>
+                    <a:srgbClr val="000000"/>
+                  </a:solidFill>
+                </a:rPr>
+                <a:t>Underfitting</a:t>
+              </a:r>
+            </a:p>
+          </p:txBody>
+        </p:sp>
+        <p:sp>
+          <p:nvSpPr>
+            <p:cNvPr id="11" name="TextBox 10">
+              <a:extLst>
+                <a:ext uri="{FF2B5EF4-FFF2-40B4-BE49-F238E27FC236}">
+                  <a16:creationId xmlns:a16="http://schemas.microsoft.com/office/drawing/2014/main" id="{49B4442D-14C1-5362-048B-A1AA77036813}"/>
+                </a:ext>
+              </a:extLst>
+            </p:cNvPr>
+            <p:cNvSpPr txBox="1"/>
+            <p:nvPr/>
+          </p:nvSpPr>
+          <p:spPr>
+            <a:xfrm>
+              <a:off x="9179366" y="1980673"/>
+              <a:ext cx="1426592" cy="281103"/>
+            </a:xfrm>
+            <a:prstGeom prst="rect">
+              <a:avLst/>
+            </a:prstGeom>
+            <a:solidFill>
+              <a:schemeClr val="tx1"/>
+            </a:solidFill>
+          </p:spPr>
+          <p:txBody>
+            <a:bodyPr wrap="square" lIns="0" tIns="0" rIns="0" bIns="0" rtlCol="0">
+              <a:spAutoFit/>
+            </a:bodyPr>
+            <a:lstStyle/>
+            <a:p>
+              <a:pPr marL="0" marR="0" indent="0" algn="l" defTabSz="914400" rtl="0" eaLnBrk="1" fontAlgn="auto" latinLnBrk="0" hangingPunct="1">
+                <a:lnSpc>
+                  <a:spcPct val="110000"/>
+                </a:lnSpc>
+                <a:spcBef>
+                  <a:spcPts val="0"/>
+                </a:spcBef>
+                <a:spcAft>
+                  <a:spcPts val="1200"/>
+                </a:spcAft>
+                <a:buClrTx/>
+                <a:buSzTx/>
+                <a:buFont typeface="Arial" panose="020B0604020202020204" pitchFamily="34" charset="0"/>
+                <a:buNone/>
+                <a:tabLst/>
+              </a:pPr>
+              <a:r>
+                <a:rPr lang="en-US" dirty="0">
+                  <a:solidFill>
+                    <a:srgbClr val="000000"/>
+                  </a:solidFill>
+                </a:rPr>
+                <a:t>Overfitting</a:t>
+              </a:r>
+            </a:p>
+          </p:txBody>
+        </p:sp>
+        <p:sp>
+          <p:nvSpPr>
+            <p:cNvPr id="12" name="TextBox 11">
+              <a:extLst>
+                <a:ext uri="{FF2B5EF4-FFF2-40B4-BE49-F238E27FC236}">
+                  <a16:creationId xmlns:a16="http://schemas.microsoft.com/office/drawing/2014/main" id="{4CF22FD4-7FDC-A24D-A3A5-D7033D31E6D5}"/>
+                </a:ext>
+              </a:extLst>
+            </p:cNvPr>
+            <p:cNvSpPr txBox="1"/>
+            <p:nvPr/>
+          </p:nvSpPr>
+          <p:spPr>
+            <a:xfrm>
+              <a:off x="9606978" y="5245967"/>
+              <a:ext cx="1426592" cy="281103"/>
+            </a:xfrm>
+            <a:prstGeom prst="rect">
+              <a:avLst/>
+            </a:prstGeom>
+            <a:solidFill>
+              <a:schemeClr val="tx1"/>
+            </a:solidFill>
+          </p:spPr>
+          <p:txBody>
+            <a:bodyPr wrap="square" lIns="0" tIns="0" rIns="0" bIns="0" rtlCol="0">
+              <a:spAutoFit/>
+            </a:bodyPr>
+            <a:lstStyle/>
+            <a:p>
+              <a:pPr marL="0" marR="0" indent="0" algn="l" defTabSz="914400" rtl="0" eaLnBrk="1" fontAlgn="auto" latinLnBrk="0" hangingPunct="1">
+                <a:lnSpc>
+                  <a:spcPct val="110000"/>
+                </a:lnSpc>
+                <a:spcBef>
+                  <a:spcPts val="0"/>
+                </a:spcBef>
+                <a:spcAft>
+                  <a:spcPts val="1200"/>
+                </a:spcAft>
+                <a:buClrTx/>
+                <a:buSzTx/>
+                <a:buFont typeface="Arial" panose="020B0604020202020204" pitchFamily="34" charset="0"/>
+                <a:buNone/>
+                <a:tabLst/>
+              </a:pPr>
+              <a:r>
+                <a:rPr lang="en-US" dirty="0">
+                  <a:solidFill>
+                    <a:srgbClr val="000000"/>
+                  </a:solidFill>
+                </a:rPr>
+                <a:t>Epochs</a:t>
+              </a:r>
+            </a:p>
+          </p:txBody>
+        </p:sp>
+        <p:sp>
+          <p:nvSpPr>
+            <p:cNvPr id="13" name="TextBox 12">
+              <a:extLst>
+                <a:ext uri="{FF2B5EF4-FFF2-40B4-BE49-F238E27FC236}">
+                  <a16:creationId xmlns:a16="http://schemas.microsoft.com/office/drawing/2014/main" id="{159D81BD-3DBA-25A6-C471-B52E89D6CC9F}"/>
+                </a:ext>
+              </a:extLst>
+            </p:cNvPr>
+            <p:cNvSpPr txBox="1"/>
+            <p:nvPr/>
+          </p:nvSpPr>
+          <p:spPr>
+            <a:xfrm>
+              <a:off x="6480313" y="5366784"/>
+              <a:ext cx="1796788" cy="281103"/>
+            </a:xfrm>
+            <a:prstGeom prst="rect">
+              <a:avLst/>
+            </a:prstGeom>
+            <a:solidFill>
+              <a:schemeClr val="tx1"/>
+            </a:solidFill>
+          </p:spPr>
+          <p:txBody>
+            <a:bodyPr wrap="square" lIns="0" tIns="0" rIns="0" bIns="0" rtlCol="0">
+              <a:spAutoFit/>
+            </a:bodyPr>
+            <a:lstStyle/>
+            <a:p>
+              <a:pPr marL="0" marR="0" indent="0" algn="ctr" defTabSz="914400" rtl="0" eaLnBrk="1" fontAlgn="auto" latinLnBrk="0" hangingPunct="1">
+                <a:lnSpc>
+                  <a:spcPct val="110000"/>
+                </a:lnSpc>
+                <a:spcBef>
+                  <a:spcPts val="0"/>
+                </a:spcBef>
+                <a:spcAft>
+                  <a:spcPts val="1200"/>
+                </a:spcAft>
+                <a:buClrTx/>
+                <a:buSzTx/>
+                <a:buFont typeface="Arial" panose="020B0604020202020204" pitchFamily="34" charset="0"/>
+                <a:buNone/>
+                <a:tabLst/>
+              </a:pPr>
+              <a:r>
+                <a:rPr lang="en-US" dirty="0">
+                  <a:solidFill>
+                    <a:srgbClr val="000000"/>
+                  </a:solidFill>
+                </a:rPr>
+                <a:t>Early stopping</a:t>
+              </a:r>
+            </a:p>
+          </p:txBody>
+        </p:sp>
+        <p:sp>
+          <p:nvSpPr>
+            <p:cNvPr id="14" name="TextBox 13">
+              <a:extLst>
+                <a:ext uri="{FF2B5EF4-FFF2-40B4-BE49-F238E27FC236}">
+                  <a16:creationId xmlns:a16="http://schemas.microsoft.com/office/drawing/2014/main" id="{30B8AFB8-A594-F6E2-180B-D88A993E36F8}"/>
+                </a:ext>
+              </a:extLst>
+            </p:cNvPr>
+            <p:cNvSpPr txBox="1"/>
+            <p:nvPr/>
+          </p:nvSpPr>
+          <p:spPr>
+            <a:xfrm>
+              <a:off x="10712983" y="2979057"/>
+              <a:ext cx="1426592" cy="281103"/>
+            </a:xfrm>
+            <a:prstGeom prst="rect">
+              <a:avLst/>
+            </a:prstGeom>
+            <a:solidFill>
+              <a:schemeClr val="tx1"/>
+            </a:solidFill>
+          </p:spPr>
+          <p:txBody>
+            <a:bodyPr wrap="square" lIns="0" tIns="0" rIns="0" bIns="0" rtlCol="0">
+              <a:spAutoFit/>
+            </a:bodyPr>
+            <a:lstStyle/>
+            <a:p>
+              <a:pPr marL="0" marR="0" indent="0" algn="l" defTabSz="914400" rtl="0" eaLnBrk="1" fontAlgn="auto" latinLnBrk="0" hangingPunct="1">
+                <a:lnSpc>
+                  <a:spcPct val="110000"/>
+                </a:lnSpc>
+                <a:spcBef>
+                  <a:spcPts val="0"/>
+                </a:spcBef>
+                <a:spcAft>
+                  <a:spcPts val="1200"/>
+                </a:spcAft>
+                <a:buClrTx/>
+                <a:buSzTx/>
+                <a:buFont typeface="Arial" panose="020B0604020202020204" pitchFamily="34" charset="0"/>
+                <a:buNone/>
+                <a:tabLst/>
+              </a:pPr>
+              <a:r>
+                <a:rPr lang="en-US" dirty="0">
+                  <a:solidFill>
+                    <a:srgbClr val="FA9321"/>
+                  </a:solidFill>
+                </a:rPr>
+                <a:t>Validation</a:t>
+              </a:r>
+            </a:p>
+          </p:txBody>
+        </p:sp>
+        <p:sp>
+          <p:nvSpPr>
+            <p:cNvPr id="15" name="TextBox 14">
+              <a:extLst>
+                <a:ext uri="{FF2B5EF4-FFF2-40B4-BE49-F238E27FC236}">
+                  <a16:creationId xmlns:a16="http://schemas.microsoft.com/office/drawing/2014/main" id="{8D10C852-A8B4-3895-4B9D-AFB591F65E71}"/>
+                </a:ext>
+              </a:extLst>
+            </p:cNvPr>
+            <p:cNvSpPr txBox="1"/>
+            <p:nvPr/>
+          </p:nvSpPr>
+          <p:spPr>
+            <a:xfrm>
+              <a:off x="10722879" y="4556496"/>
+              <a:ext cx="1426592" cy="281103"/>
+            </a:xfrm>
+            <a:prstGeom prst="rect">
+              <a:avLst/>
+            </a:prstGeom>
+            <a:solidFill>
+              <a:schemeClr val="tx1"/>
+            </a:solidFill>
+          </p:spPr>
+          <p:txBody>
+            <a:bodyPr wrap="square" lIns="0" tIns="0" rIns="0" bIns="0" rtlCol="0">
+              <a:spAutoFit/>
+            </a:bodyPr>
+            <a:lstStyle/>
+            <a:p>
+              <a:pPr marL="0" marR="0" indent="0" algn="l" defTabSz="914400" rtl="0" eaLnBrk="1" fontAlgn="auto" latinLnBrk="0" hangingPunct="1">
+                <a:lnSpc>
+                  <a:spcPct val="110000"/>
+                </a:lnSpc>
+                <a:spcBef>
+                  <a:spcPts val="0"/>
+                </a:spcBef>
+                <a:spcAft>
+                  <a:spcPts val="1200"/>
+                </a:spcAft>
+                <a:buClrTx/>
+                <a:buSzTx/>
+                <a:buFont typeface="Arial" panose="020B0604020202020204" pitchFamily="34" charset="0"/>
+                <a:buNone/>
+                <a:tabLst/>
+              </a:pPr>
+              <a:r>
+                <a:rPr lang="en-US" dirty="0">
+                  <a:solidFill>
+                    <a:srgbClr val="5593C4"/>
+                  </a:solidFill>
+                </a:rPr>
+                <a:t>Training</a:t>
+              </a:r>
+            </a:p>
+          </p:txBody>
+        </p:sp>
+      </p:grpSp>
     </p:spTree>
     <p:extLst>
       <p:ext uri="{BB962C8B-B14F-4D97-AF65-F5344CB8AC3E}">
@@ -13176,8 +14025,8 @@
           <a:lstStyle/>
           <a:p>
             <a:r>
-              <a:rPr lang="LID4096"/>
-              <a:t>12/01/2023</a:t>
+              <a:rPr lang="en-US"/>
+              <a:t>19/01/2023</a:t>
             </a:r>
             <a:endParaRPr lang="de-DE" dirty="0"/>
           </a:p>
@@ -13525,7 +14374,7 @@
           <a:p>
             <a:r>
               <a:rPr lang="en-US" dirty="0"/>
-              <a:t>Better performance with higher learning rate and less layers</a:t>
+              <a:t>Better training performance with higher learning rate and less layers</a:t>
             </a:r>
           </a:p>
           <a:p>
@@ -13651,6 +14500,120 @@
           </a:prstGeom>
         </p:spPr>
       </p:pic>
+      <p:sp>
+        <p:nvSpPr>
+          <p:cNvPr id="11" name="TextBox 10">
+            <a:extLst>
+              <a:ext uri="{FF2B5EF4-FFF2-40B4-BE49-F238E27FC236}">
+                <a16:creationId xmlns:a16="http://schemas.microsoft.com/office/drawing/2014/main" id="{531DFC5F-ED2A-E5F2-09F0-EA0807D6F898}"/>
+              </a:ext>
+            </a:extLst>
+          </p:cNvPr>
+          <p:cNvSpPr txBox="1"/>
+          <p:nvPr/>
+        </p:nvSpPr>
+        <p:spPr>
+          <a:xfrm rot="16200000">
+            <a:off x="-355715" y="3687024"/>
+            <a:ext cx="1559152" cy="281103"/>
+          </a:xfrm>
+          <a:prstGeom prst="rect">
+            <a:avLst/>
+          </a:prstGeom>
+          <a:solidFill>
+            <a:schemeClr val="tx1"/>
+          </a:solidFill>
+        </p:spPr>
+        <p:txBody>
+          <a:bodyPr wrap="square" lIns="0" tIns="0" rIns="0" bIns="0" rtlCol="0">
+            <a:spAutoFit/>
+          </a:bodyPr>
+          <a:lstStyle/>
+          <a:p>
+            <a:pPr marL="0" marR="0" indent="0" algn="l" defTabSz="914400" rtl="0" eaLnBrk="1" fontAlgn="auto" latinLnBrk="0" hangingPunct="1">
+              <a:lnSpc>
+                <a:spcPct val="110000"/>
+              </a:lnSpc>
+              <a:spcBef>
+                <a:spcPts val="0"/>
+              </a:spcBef>
+              <a:spcAft>
+                <a:spcPts val="1200"/>
+              </a:spcAft>
+              <a:buClrTx/>
+              <a:buSzTx/>
+              <a:buFont typeface="Arial" panose="020B0604020202020204" pitchFamily="34" charset="0"/>
+              <a:buNone/>
+              <a:tabLst/>
+            </a:pPr>
+            <a:r>
+              <a:rPr lang="en-US" dirty="0">
+                <a:solidFill>
+                  <a:srgbClr val="000000"/>
+                </a:solidFill>
+              </a:rPr>
+              <a:t>Validation loss</a:t>
+            </a:r>
+          </a:p>
+        </p:txBody>
+      </p:sp>
+      <p:sp>
+        <p:nvSpPr>
+          <p:cNvPr id="12" name="TextBox 11">
+            <a:extLst>
+              <a:ext uri="{FF2B5EF4-FFF2-40B4-BE49-F238E27FC236}">
+                <a16:creationId xmlns:a16="http://schemas.microsoft.com/office/drawing/2014/main" id="{CB1462E7-0ABA-CD84-4528-01BFC8AB5559}"/>
+              </a:ext>
+            </a:extLst>
+          </p:cNvPr>
+          <p:cNvSpPr txBox="1"/>
+          <p:nvPr/>
+        </p:nvSpPr>
+        <p:spPr>
+          <a:xfrm rot="16200000">
+            <a:off x="5397915" y="3687025"/>
+            <a:ext cx="1559152" cy="281103"/>
+          </a:xfrm>
+          <a:prstGeom prst="rect">
+            <a:avLst/>
+          </a:prstGeom>
+          <a:solidFill>
+            <a:schemeClr val="tx1"/>
+          </a:solidFill>
+        </p:spPr>
+        <p:txBody>
+          <a:bodyPr wrap="square" lIns="0" tIns="0" rIns="0" bIns="0" rtlCol="0">
+            <a:spAutoFit/>
+          </a:bodyPr>
+          <a:lstStyle/>
+          <a:p>
+            <a:pPr marL="0" marR="0" indent="0" algn="l" defTabSz="914400" rtl="0" eaLnBrk="1" fontAlgn="auto" latinLnBrk="0" hangingPunct="1">
+              <a:lnSpc>
+                <a:spcPct val="110000"/>
+              </a:lnSpc>
+              <a:spcBef>
+                <a:spcPts val="0"/>
+              </a:spcBef>
+              <a:spcAft>
+                <a:spcPts val="1200"/>
+              </a:spcAft>
+              <a:buClrTx/>
+              <a:buSzTx/>
+              <a:buFont typeface="Arial" panose="020B0604020202020204" pitchFamily="34" charset="0"/>
+              <a:buNone/>
+              <a:tabLst/>
+            </a:pPr>
+            <a:r>
+              <a:rPr lang="en-US" dirty="0">
+                <a:solidFill>
+                  <a:srgbClr val="000000"/>
+                </a:solidFill>
+              </a:rPr>
+              <a:t>Validation loss</a:t>
+            </a:r>
+          </a:p>
+        </p:txBody>
+      </p:sp>
     </p:spTree>
     <p:extLst>
       <p:ext uri="{BB962C8B-B14F-4D97-AF65-F5344CB8AC3E}">
@@ -13703,8 +14666,8 @@
           <a:lstStyle/>
           <a:p>
             <a:r>
-              <a:rPr lang="LID4096"/>
-              <a:t>12/01/2023</a:t>
+              <a:rPr lang="en-US"/>
+              <a:t>19/01/2023</a:t>
             </a:r>
             <a:endParaRPr lang="de-DE" dirty="0"/>
           </a:p>
@@ -14114,7 +15077,7 @@
           <p:nvPr/>
         </p:nvPicPr>
         <p:blipFill>
-          <a:blip r:embed="rId2">
+          <a:blip r:embed="rId3">
             <a:extLst>
               <a:ext uri="{28A0092B-C50C-407E-A947-70E740481C1C}">
                 <a14:useLocalDpi xmlns:a14="http://schemas.microsoft.com/office/drawing/2010/main" val="0"/>
@@ -14150,7 +15113,7 @@
           <p:nvPr/>
         </p:nvPicPr>
         <p:blipFill>
-          <a:blip r:embed="rId3">
+          <a:blip r:embed="rId4">
             <a:extLst>
               <a:ext uri="{28A0092B-C50C-407E-A947-70E740481C1C}">
                 <a14:useLocalDpi xmlns:a14="http://schemas.microsoft.com/office/drawing/2010/main" val="0"/>
@@ -14251,6 +15214,63 @@
           </a:p>
         </p:txBody>
       </p:sp>
+      <p:sp>
+        <p:nvSpPr>
+          <p:cNvPr id="6" name="TextBox 5">
+            <a:extLst>
+              <a:ext uri="{FF2B5EF4-FFF2-40B4-BE49-F238E27FC236}">
+                <a16:creationId xmlns:a16="http://schemas.microsoft.com/office/drawing/2014/main" id="{43C30A0C-311A-686A-15E6-2091DFAE7DB4}"/>
+              </a:ext>
+            </a:extLst>
+          </p:cNvPr>
+          <p:cNvSpPr txBox="1"/>
+          <p:nvPr/>
+        </p:nvSpPr>
+        <p:spPr>
+          <a:xfrm rot="16200000">
+            <a:off x="-249409" y="3758743"/>
+            <a:ext cx="1559152" cy="281103"/>
+          </a:xfrm>
+          <a:prstGeom prst="rect">
+            <a:avLst/>
+          </a:prstGeom>
+          <a:solidFill>
+            <a:schemeClr val="tx1"/>
+          </a:solidFill>
+        </p:spPr>
+        <p:txBody>
+          <a:bodyPr wrap="square" lIns="0" tIns="0" rIns="0" bIns="0" rtlCol="0">
+            <a:spAutoFit/>
+          </a:bodyPr>
+          <a:lstStyle/>
+          <a:p>
+            <a:pPr marL="0" marR="0" indent="0" algn="l" defTabSz="914400" rtl="0" eaLnBrk="1" fontAlgn="auto" latinLnBrk="0" hangingPunct="1">
+              <a:lnSpc>
+                <a:spcPct val="110000"/>
+              </a:lnSpc>
+              <a:spcBef>
+                <a:spcPts val="0"/>
+              </a:spcBef>
+              <a:spcAft>
+                <a:spcPts val="1200"/>
+              </a:spcAft>
+              <a:buClrTx/>
+              <a:buSzTx/>
+              <a:buFont typeface="Arial" panose="020B0604020202020204" pitchFamily="34" charset="0"/>
+              <a:buNone/>
+              <a:tabLst/>
+            </a:pPr>
+            <a:r>
+              <a:rPr lang="en-US" dirty="0">
+                <a:solidFill>
+                  <a:srgbClr val="000000"/>
+                </a:solidFill>
+              </a:rPr>
+              <a:t>Validation loss</a:t>
+            </a:r>
+          </a:p>
+        </p:txBody>
+      </p:sp>
     </p:spTree>
     <p:extLst>
       <p:ext uri="{BB962C8B-B14F-4D97-AF65-F5344CB8AC3E}">
@@ -14341,8 +15361,8 @@
           <a:lstStyle/>
           <a:p>
             <a:r>
-              <a:rPr lang="LID4096"/>
-              <a:t>12/01/2023</a:t>
+              <a:rPr lang="en-US"/>
+              <a:t>19/01/2023</a:t>
             </a:r>
             <a:endParaRPr lang="de-DE" dirty="0"/>
           </a:p>
@@ -14459,8 +15479,8 @@
           <a:lstStyle/>
           <a:p>
             <a:r>
-              <a:rPr lang="LID4096"/>
-              <a:t>12/01/2023</a:t>
+              <a:rPr lang="en-US"/>
+              <a:t>19/01/2023</a:t>
             </a:r>
             <a:endParaRPr lang="de-DE" dirty="0"/>
           </a:p>
@@ -14548,7 +15568,7 @@
           <a:p>
             <a:r>
               <a:rPr lang="en-US" dirty="0"/>
-              <a:t>Evaluation</a:t>
+              <a:t>Evaluation - Pendulum</a:t>
             </a:r>
           </a:p>
         </p:txBody>
@@ -14602,7 +15622,7 @@
           <p:nvPr/>
         </p:nvPicPr>
         <p:blipFill>
-          <a:blip r:embed="rId2">
+          <a:blip r:embed="rId3">
             <a:extLst>
               <a:ext uri="{28A0092B-C50C-407E-A947-70E740481C1C}">
                 <a14:useLocalDpi xmlns:a14="http://schemas.microsoft.com/office/drawing/2010/main" val="0"/>
@@ -14625,10 +15645,226 @@
       </p:pic>
       <p:pic>
         <p:nvPicPr>
+          <p:cNvPr id="10" name="Picture 9" descr="Chart&#10;&#10;Description automatically generated with medium confidence">
+            <a:extLst>
+              <a:ext uri="{FF2B5EF4-FFF2-40B4-BE49-F238E27FC236}">
+                <a16:creationId xmlns:a16="http://schemas.microsoft.com/office/drawing/2014/main" id="{3A4F2FAE-1744-7824-57F2-CD71F9806406}"/>
+              </a:ext>
+            </a:extLst>
+          </p:cNvPr>
+          <p:cNvPicPr>
+            <a:picLocks noChangeAspect="1"/>
+          </p:cNvPicPr>
+          <p:nvPr/>
+        </p:nvPicPr>
+        <p:blipFill>
+          <a:blip r:embed="rId4">
+            <a:extLst>
+              <a:ext uri="{28A0092B-C50C-407E-A947-70E740481C1C}">
+                <a14:useLocalDpi xmlns:a14="http://schemas.microsoft.com/office/drawing/2010/main" val="0"/>
+              </a:ext>
+            </a:extLst>
+          </a:blip>
+          <a:stretch>
+            <a:fillRect/>
+          </a:stretch>
+        </p:blipFill>
+        <p:spPr>
+          <a:xfrm>
+            <a:off x="6072585" y="2667966"/>
+            <a:ext cx="4720522" cy="3540392"/>
+          </a:xfrm>
+          <a:prstGeom prst="rect">
+            <a:avLst/>
+          </a:prstGeom>
+        </p:spPr>
+      </p:pic>
+    </p:spTree>
+    <p:extLst>
+      <p:ext uri="{BB962C8B-B14F-4D97-AF65-F5344CB8AC3E}">
+        <p14:creationId xmlns:p14="http://schemas.microsoft.com/office/powerpoint/2010/main" val="2043880044"/>
+      </p:ext>
+    </p:extLst>
+  </p:cSld>
+  <p:clrMapOvr>
+    <a:masterClrMapping/>
+  </p:clrMapOvr>
+</p:sld>
+</file>
+
+<file path=ppt/slides/slide17.xml><?xml version="1.0" encoding="utf-8"?>
+<p:sld xmlns:a="http://schemas.openxmlformats.org/drawingml/2006/main" xmlns:r="http://schemas.openxmlformats.org/officeDocument/2006/relationships" xmlns:p="http://schemas.openxmlformats.org/presentationml/2006/main">
+  <p:cSld>
+    <p:spTree>
+      <p:nvGrpSpPr>
+        <p:cNvPr id="1" name=""/>
+        <p:cNvGrpSpPr/>
+        <p:nvPr/>
+      </p:nvGrpSpPr>
+      <p:grpSpPr>
+        <a:xfrm>
+          <a:off x="0" y="0"/>
+          <a:ext cx="0" cy="0"/>
+          <a:chOff x="0" y="0"/>
+          <a:chExt cx="0" cy="0"/>
+        </a:xfrm>
+      </p:grpSpPr>
+      <p:sp>
+        <p:nvSpPr>
+          <p:cNvPr id="2" name="Date Placeholder 1">
+            <a:extLst>
+              <a:ext uri="{FF2B5EF4-FFF2-40B4-BE49-F238E27FC236}">
+                <a16:creationId xmlns:a16="http://schemas.microsoft.com/office/drawing/2014/main" id="{AD982C11-459E-F2E2-54A8-C7E6FF62B191}"/>
+              </a:ext>
+            </a:extLst>
+          </p:cNvPr>
+          <p:cNvSpPr>
+            <a:spLocks noGrp="1"/>
+          </p:cNvSpPr>
+          <p:nvPr>
+            <p:ph type="dt" sz="half" idx="10"/>
+          </p:nvPr>
+        </p:nvSpPr>
+        <p:spPr/>
+        <p:txBody>
+          <a:bodyPr/>
+          <a:lstStyle/>
+          <a:p>
+            <a:r>
+              <a:rPr lang="en-US"/>
+              <a:t>19/01/2023</a:t>
+            </a:r>
+            <a:endParaRPr lang="de-DE" dirty="0"/>
+          </a:p>
+        </p:txBody>
+      </p:sp>
+      <p:sp>
+        <p:nvSpPr>
+          <p:cNvPr id="3" name="Footer Placeholder 2">
+            <a:extLst>
+              <a:ext uri="{FF2B5EF4-FFF2-40B4-BE49-F238E27FC236}">
+                <a16:creationId xmlns:a16="http://schemas.microsoft.com/office/drawing/2014/main" id="{7C371FA2-146A-4A9D-CF30-D639A2334EBD}"/>
+              </a:ext>
+            </a:extLst>
+          </p:cNvPr>
+          <p:cNvSpPr>
+            <a:spLocks noGrp="1"/>
+          </p:cNvSpPr>
+          <p:nvPr>
+            <p:ph type="ftr" sz="quarter" idx="11"/>
+          </p:nvPr>
+        </p:nvSpPr>
+        <p:spPr/>
+        <p:txBody>
+          <a:bodyPr/>
+          <a:lstStyle/>
+          <a:p>
+            <a:r>
+              <a:rPr lang="en-US"/>
+              <a:t>Modeling of nonlinear Systems with LSTMs | Sebastian Hirt</a:t>
+            </a:r>
+            <a:endParaRPr lang="de-DE" dirty="0"/>
+          </a:p>
+        </p:txBody>
+      </p:sp>
+      <p:sp>
+        <p:nvSpPr>
+          <p:cNvPr id="4" name="Slide Number Placeholder 3">
+            <a:extLst>
+              <a:ext uri="{FF2B5EF4-FFF2-40B4-BE49-F238E27FC236}">
+                <a16:creationId xmlns:a16="http://schemas.microsoft.com/office/drawing/2014/main" id="{6B14FF3F-10B4-3EA1-6DA7-3B5694A9C786}"/>
+              </a:ext>
+            </a:extLst>
+          </p:cNvPr>
+          <p:cNvSpPr>
+            <a:spLocks noGrp="1"/>
+          </p:cNvSpPr>
+          <p:nvPr>
+            <p:ph type="sldNum" sz="quarter" idx="12"/>
+          </p:nvPr>
+        </p:nvSpPr>
+        <p:spPr/>
+        <p:txBody>
+          <a:bodyPr/>
+          <a:lstStyle/>
+          <a:p>
+            <a:fld id="{D949F9DF-37BD-4CD6-BF49-65BA579E1D7A}" type="slidenum">
+              <a:rPr lang="de-DE" smtClean="0"/>
+              <a:pPr/>
+              <a:t>17</a:t>
+            </a:fld>
+            <a:endParaRPr lang="de-DE"/>
+          </a:p>
+        </p:txBody>
+      </p:sp>
+      <p:sp>
+        <p:nvSpPr>
+          <p:cNvPr id="5" name="Title 4">
+            <a:extLst>
+              <a:ext uri="{FF2B5EF4-FFF2-40B4-BE49-F238E27FC236}">
+                <a16:creationId xmlns:a16="http://schemas.microsoft.com/office/drawing/2014/main" id="{B1AFF16D-CB3E-E86C-0447-A1A6B9145D79}"/>
+              </a:ext>
+            </a:extLst>
+          </p:cNvPr>
+          <p:cNvSpPr>
+            <a:spLocks noGrp="1"/>
+          </p:cNvSpPr>
+          <p:nvPr>
+            <p:ph type="title"/>
+          </p:nvPr>
+        </p:nvSpPr>
+        <p:spPr/>
+        <p:txBody>
+          <a:bodyPr/>
+          <a:lstStyle/>
+          <a:p>
+            <a:r>
+              <a:rPr lang="en-US" dirty="0"/>
+              <a:t>Evaluation - Drag</a:t>
+            </a:r>
+          </a:p>
+        </p:txBody>
+      </p:sp>
+      <p:sp>
+        <p:nvSpPr>
+          <p:cNvPr id="6" name="Text Placeholder 5">
+            <a:extLst>
+              <a:ext uri="{FF2B5EF4-FFF2-40B4-BE49-F238E27FC236}">
+                <a16:creationId xmlns:a16="http://schemas.microsoft.com/office/drawing/2014/main" id="{975C342D-23F0-CCD6-9C51-E402B43C2473}"/>
+              </a:ext>
+            </a:extLst>
+          </p:cNvPr>
+          <p:cNvSpPr>
+            <a:spLocks noGrp="1"/>
+          </p:cNvSpPr>
+          <p:nvPr>
+            <p:ph type="body" sz="quarter" idx="17"/>
+          </p:nvPr>
+        </p:nvSpPr>
+        <p:spPr/>
+        <p:txBody>
+          <a:bodyPr/>
+          <a:lstStyle/>
+          <a:p>
+            <a:r>
+              <a:rPr lang="en-US" dirty="0"/>
+              <a:t>Rare large error</a:t>
+            </a:r>
+          </a:p>
+          <a:p>
+            <a:r>
+              <a:rPr lang="en-US" dirty="0"/>
+              <a:t>Error spikes on input change</a:t>
+            </a:r>
+          </a:p>
+        </p:txBody>
+      </p:sp>
+      <p:pic>
+        <p:nvPicPr>
           <p:cNvPr id="9" name="Picture 8" descr="Chart&#10;&#10;Description automatically generated">
             <a:extLst>
               <a:ext uri="{FF2B5EF4-FFF2-40B4-BE49-F238E27FC236}">
-                <a16:creationId xmlns:a16="http://schemas.microsoft.com/office/drawing/2014/main" id="{97DDA645-0A83-1DCD-CCAC-7B0C599571E7}"/>
+                <a16:creationId xmlns:a16="http://schemas.microsoft.com/office/drawing/2014/main" id="{94B6A63C-4024-530C-760E-7AE2FF305212}"/>
               </a:ext>
             </a:extLst>
           </p:cNvPr>
@@ -14651,128 +15887,54 @@
         </p:blipFill>
         <p:spPr>
           <a:xfrm>
-            <a:off x="6694462" y="2871008"/>
-            <a:ext cx="4193555" cy="3145166"/>
+            <a:off x="1253414" y="2870931"/>
+            <a:ext cx="4168610" cy="3126457"/>
           </a:xfrm>
           <a:prstGeom prst="rect">
             <a:avLst/>
           </a:prstGeom>
         </p:spPr>
       </p:pic>
-      <p:sp>
-        <p:nvSpPr>
-          <p:cNvPr id="11" name="TextBox 10">
+      <p:pic>
+        <p:nvPicPr>
+          <p:cNvPr id="12" name="Picture 11" descr="Chart&#10;&#10;Description automatically generated with medium confidence">
             <a:extLst>
               <a:ext uri="{FF2B5EF4-FFF2-40B4-BE49-F238E27FC236}">
-                <a16:creationId xmlns:a16="http://schemas.microsoft.com/office/drawing/2014/main" id="{EB813A85-6E76-E8E5-1F00-6E5497570469}"/>
+                <a16:creationId xmlns:a16="http://schemas.microsoft.com/office/drawing/2014/main" id="{885FADF7-6D2D-F7D1-FBBF-8FDF06E6D45B}"/>
               </a:ext>
             </a:extLst>
           </p:cNvPr>
-          <p:cNvSpPr txBox="1"/>
+          <p:cNvPicPr>
+            <a:picLocks noChangeAspect="1"/>
+          </p:cNvPicPr>
           <p:nvPr/>
-        </p:nvSpPr>
+        </p:nvPicPr>
+        <p:blipFill>
+          <a:blip r:embed="rId4">
+            <a:extLst>
+              <a:ext uri="{28A0092B-C50C-407E-A947-70E740481C1C}">
+                <a14:useLocalDpi xmlns:a14="http://schemas.microsoft.com/office/drawing/2010/main" val="0"/>
+              </a:ext>
+            </a:extLst>
+          </a:blip>
+          <a:stretch>
+            <a:fillRect/>
+          </a:stretch>
+        </p:blipFill>
         <p:spPr>
           <a:xfrm>
-            <a:off x="2817505" y="6094310"/>
-            <a:ext cx="2887714" cy="281103"/>
+            <a:off x="6723146" y="2870931"/>
+            <a:ext cx="4168610" cy="3126458"/>
           </a:xfrm>
           <a:prstGeom prst="rect">
             <a:avLst/>
           </a:prstGeom>
-          <a:noFill/>
         </p:spPr>
-        <p:txBody>
-          <a:bodyPr wrap="square" lIns="0" tIns="0" rIns="0" bIns="0" rtlCol="0">
-            <a:spAutoFit/>
-          </a:bodyPr>
-          <a:lstStyle/>
-          <a:p>
-            <a:pPr marL="0" marR="0" indent="0" algn="l" defTabSz="914400" rtl="0" eaLnBrk="1" fontAlgn="auto" latinLnBrk="0" hangingPunct="1">
-              <a:lnSpc>
-                <a:spcPct val="110000"/>
-              </a:lnSpc>
-              <a:spcBef>
-                <a:spcPts val="0"/>
-              </a:spcBef>
-              <a:spcAft>
-                <a:spcPts val="1200"/>
-              </a:spcAft>
-              <a:buClrTx/>
-              <a:buSzTx/>
-              <a:buFont typeface="Arial" panose="020B0604020202020204" pitchFamily="34" charset="0"/>
-              <a:buNone/>
-              <a:tabLst/>
-            </a:pPr>
-            <a:r>
-              <a:rPr lang="en-US" dirty="0">
-                <a:solidFill>
-                  <a:srgbClr val="000000"/>
-                </a:solidFill>
-              </a:rPr>
-              <a:t>Pendulum</a:t>
-            </a:r>
-          </a:p>
-        </p:txBody>
-      </p:sp>
-      <p:sp>
-        <p:nvSpPr>
-          <p:cNvPr id="12" name="TextBox 11">
-            <a:extLst>
-              <a:ext uri="{FF2B5EF4-FFF2-40B4-BE49-F238E27FC236}">
-                <a16:creationId xmlns:a16="http://schemas.microsoft.com/office/drawing/2014/main" id="{3478B29F-98F2-562D-659C-FCC7E3B278EC}"/>
-              </a:ext>
-            </a:extLst>
-          </p:cNvPr>
-          <p:cNvSpPr txBox="1"/>
-          <p:nvPr/>
-        </p:nvSpPr>
-        <p:spPr>
-          <a:xfrm>
-            <a:off x="8686558" y="6094310"/>
-            <a:ext cx="2887714" cy="281103"/>
-          </a:xfrm>
-          <a:prstGeom prst="rect">
-            <a:avLst/>
-          </a:prstGeom>
-          <a:noFill/>
-        </p:spPr>
-        <p:txBody>
-          <a:bodyPr wrap="square" lIns="0" tIns="0" rIns="0" bIns="0" rtlCol="0">
-            <a:spAutoFit/>
-          </a:bodyPr>
-          <a:lstStyle/>
-          <a:p>
-            <a:pPr marL="0" marR="0" indent="0" algn="l" defTabSz="914400" rtl="0" eaLnBrk="1" fontAlgn="auto" latinLnBrk="0" hangingPunct="1">
-              <a:lnSpc>
-                <a:spcPct val="110000"/>
-              </a:lnSpc>
-              <a:spcBef>
-                <a:spcPts val="0"/>
-              </a:spcBef>
-              <a:spcAft>
-                <a:spcPts val="1200"/>
-              </a:spcAft>
-              <a:buClrTx/>
-              <a:buSzTx/>
-              <a:buFont typeface="Arial" panose="020B0604020202020204" pitchFamily="34" charset="0"/>
-              <a:buNone/>
-              <a:tabLst/>
-            </a:pPr>
-            <a:r>
-              <a:rPr lang="en-US" dirty="0">
-                <a:solidFill>
-                  <a:srgbClr val="000000"/>
-                </a:solidFill>
-              </a:rPr>
-              <a:t>Drag</a:t>
-            </a:r>
-          </a:p>
-        </p:txBody>
-      </p:sp>
+      </p:pic>
     </p:spTree>
     <p:extLst>
       <p:ext uri="{BB962C8B-B14F-4D97-AF65-F5344CB8AC3E}">
-        <p14:creationId xmlns:p14="http://schemas.microsoft.com/office/powerpoint/2010/main" val="2043880044"/>
+        <p14:creationId xmlns:p14="http://schemas.microsoft.com/office/powerpoint/2010/main" val="1315076204"/>
       </p:ext>
     </p:extLst>
   </p:cSld>
@@ -14782,7 +15944,7 @@
 </p:sld>
 </file>
 
-<file path=ppt/slides/slide17.xml><?xml version="1.0" encoding="utf-8"?>
+<file path=ppt/slides/slide18.xml><?xml version="1.0" encoding="utf-8"?>
 <p:sld xmlns:a="http://schemas.openxmlformats.org/drawingml/2006/main" xmlns:r="http://schemas.openxmlformats.org/officeDocument/2006/relationships" xmlns:p="http://schemas.openxmlformats.org/presentationml/2006/main">
   <p:cSld>
     <p:spTree>
@@ -14821,8 +15983,8 @@
           <a:lstStyle/>
           <a:p>
             <a:r>
-              <a:rPr lang="LID4096"/>
-              <a:t>12/01/2023</a:t>
+              <a:rPr lang="en-US"/>
+              <a:t>19/01/2023</a:t>
             </a:r>
             <a:endParaRPr lang="de-DE" dirty="0"/>
           </a:p>
@@ -14881,7 +16043,7 @@
             <a:fld id="{D949F9DF-37BD-4CD6-BF49-65BA579E1D7A}" type="slidenum">
               <a:rPr lang="de-DE" smtClean="0"/>
               <a:pPr/>
-              <a:t>17</a:t>
+              <a:t>18</a:t>
             </a:fld>
             <a:endParaRPr lang="de-DE"/>
           </a:p>
@@ -14938,36 +16100,46 @@
           <a:p>
             <a:r>
               <a:rPr lang="en-US" dirty="0"/>
+              <a:t>Conclusion</a:t>
+            </a:r>
+          </a:p>
+          <a:p>
+            <a:pPr lvl="1"/>
+            <a:r>
+              <a:rPr lang="en-US" dirty="0"/>
               <a:t>Training difficulties with larger models</a:t>
             </a:r>
           </a:p>
           <a:p>
+            <a:pPr lvl="1"/>
             <a:r>
               <a:rPr lang="en-US" dirty="0"/>
               <a:t>Error spikes on input change</a:t>
             </a:r>
           </a:p>
           <a:p>
+            <a:pPr lvl="1"/>
             <a:r>
               <a:rPr lang="en-US" dirty="0"/>
               <a:t>Clear ability to predict nonlinear dynamic system</a:t>
             </a:r>
           </a:p>
           <a:p>
+            <a:pPr lvl="1"/>
             <a:r>
               <a:rPr lang="en-US" dirty="0"/>
               <a:t>Recommendation:</a:t>
             </a:r>
           </a:p>
           <a:p>
-            <a:pPr lvl="1"/>
+            <a:pPr lvl="2"/>
             <a:r>
               <a:rPr lang="en-US" dirty="0"/>
               <a:t>2 LSTM layers with 32/64 nodes and learning rate of 0.01 for similar systems</a:t>
             </a:r>
           </a:p>
           <a:p>
-            <a:pPr lvl="1"/>
+            <a:pPr lvl="2"/>
             <a:r>
               <a:rPr lang="en-US" dirty="0"/>
               <a:t>New hyperparameter search for different/more complex systems</a:t>
@@ -14976,16 +16148,25 @@
           <a:p>
             <a:r>
               <a:rPr lang="en-US" dirty="0"/>
+              <a:t>Future Work</a:t>
+            </a:r>
+          </a:p>
+          <a:p>
+            <a:pPr lvl="1"/>
+            <a:r>
+              <a:rPr lang="en-US" dirty="0"/>
               <a:t>Deeper look into training instabilities with larger models necessary</a:t>
             </a:r>
           </a:p>
           <a:p>
+            <a:pPr lvl="1"/>
             <a:r>
               <a:rPr lang="en-US" dirty="0"/>
               <a:t>Testing for more complex ordinary differential equations</a:t>
             </a:r>
           </a:p>
           <a:p>
+            <a:pPr lvl="1"/>
             <a:r>
               <a:rPr lang="en-US" dirty="0"/>
               <a:t>Analysis on what and how much training data is necessary to achieve good results</a:t>
@@ -15031,7 +16212,7 @@
 </p:sld>
 </file>
 
-<file path=ppt/slides/slide18.xml><?xml version="1.0" encoding="utf-8"?>
+<file path=ppt/slides/slide19.xml><?xml version="1.0" encoding="utf-8"?>
 <p:sld xmlns:a="http://schemas.openxmlformats.org/drawingml/2006/main" xmlns:r="http://schemas.openxmlformats.org/officeDocument/2006/relationships" xmlns:p="http://schemas.openxmlformats.org/presentationml/2006/main">
   <p:cSld>
     <p:spTree>
@@ -15097,245 +16278,6 @@
     <p:extLst>
       <p:ext uri="{BB962C8B-B14F-4D97-AF65-F5344CB8AC3E}">
         <p14:creationId xmlns:p14="http://schemas.microsoft.com/office/powerpoint/2010/main" val="1185948968"/>
-      </p:ext>
-    </p:extLst>
-  </p:cSld>
-  <p:clrMapOvr>
-    <a:masterClrMapping/>
-  </p:clrMapOvr>
-</p:sld>
-</file>
-
-<file path=ppt/slides/slide19.xml><?xml version="1.0" encoding="utf-8"?>
-<p:sld xmlns:a="http://schemas.openxmlformats.org/drawingml/2006/main" xmlns:r="http://schemas.openxmlformats.org/officeDocument/2006/relationships" xmlns:p="http://schemas.openxmlformats.org/presentationml/2006/main">
-  <p:cSld>
-    <p:spTree>
-      <p:nvGrpSpPr>
-        <p:cNvPr id="1" name=""/>
-        <p:cNvGrpSpPr/>
-        <p:nvPr/>
-      </p:nvGrpSpPr>
-      <p:grpSpPr>
-        <a:xfrm>
-          <a:off x="0" y="0"/>
-          <a:ext cx="0" cy="0"/>
-          <a:chOff x="0" y="0"/>
-          <a:chExt cx="0" cy="0"/>
-        </a:xfrm>
-      </p:grpSpPr>
-      <p:sp>
-        <p:nvSpPr>
-          <p:cNvPr id="2" name="Date Placeholder 1">
-            <a:extLst>
-              <a:ext uri="{FF2B5EF4-FFF2-40B4-BE49-F238E27FC236}">
-                <a16:creationId xmlns:a16="http://schemas.microsoft.com/office/drawing/2014/main" id="{CFFCB9CD-02EF-89B5-BC22-FE06DFC282FC}"/>
-              </a:ext>
-            </a:extLst>
-          </p:cNvPr>
-          <p:cNvSpPr>
-            <a:spLocks noGrp="1"/>
-          </p:cNvSpPr>
-          <p:nvPr>
-            <p:ph type="dt" sz="half" idx="10"/>
-          </p:nvPr>
-        </p:nvSpPr>
-        <p:spPr/>
-        <p:txBody>
-          <a:bodyPr/>
-          <a:lstStyle/>
-          <a:p>
-            <a:r>
-              <a:rPr lang="LID4096"/>
-              <a:t>12/01/2023</a:t>
-            </a:r>
-            <a:endParaRPr lang="de-DE" dirty="0"/>
-          </a:p>
-        </p:txBody>
-      </p:sp>
-      <p:sp>
-        <p:nvSpPr>
-          <p:cNvPr id="3" name="Footer Placeholder 2">
-            <a:extLst>
-              <a:ext uri="{FF2B5EF4-FFF2-40B4-BE49-F238E27FC236}">
-                <a16:creationId xmlns:a16="http://schemas.microsoft.com/office/drawing/2014/main" id="{91240B7B-08A4-CDC7-F299-7C5FC62E8760}"/>
-              </a:ext>
-            </a:extLst>
-          </p:cNvPr>
-          <p:cNvSpPr>
-            <a:spLocks noGrp="1"/>
-          </p:cNvSpPr>
-          <p:nvPr>
-            <p:ph type="ftr" sz="quarter" idx="11"/>
-          </p:nvPr>
-        </p:nvSpPr>
-        <p:spPr/>
-        <p:txBody>
-          <a:bodyPr/>
-          <a:lstStyle/>
-          <a:p>
-            <a:r>
-              <a:rPr lang="en-US"/>
-              <a:t>Modeling of nonlinear Systems with LSTMs | Sebastian Hirt</a:t>
-            </a:r>
-            <a:endParaRPr lang="de-DE" dirty="0"/>
-          </a:p>
-        </p:txBody>
-      </p:sp>
-      <p:sp>
-        <p:nvSpPr>
-          <p:cNvPr id="4" name="Slide Number Placeholder 3">
-            <a:extLst>
-              <a:ext uri="{FF2B5EF4-FFF2-40B4-BE49-F238E27FC236}">
-                <a16:creationId xmlns:a16="http://schemas.microsoft.com/office/drawing/2014/main" id="{0ADF7B76-53F5-97A1-747F-EA440E26684D}"/>
-              </a:ext>
-            </a:extLst>
-          </p:cNvPr>
-          <p:cNvSpPr>
-            <a:spLocks noGrp="1"/>
-          </p:cNvSpPr>
-          <p:nvPr>
-            <p:ph type="sldNum" sz="quarter" idx="12"/>
-          </p:nvPr>
-        </p:nvSpPr>
-        <p:spPr/>
-        <p:txBody>
-          <a:bodyPr/>
-          <a:lstStyle/>
-          <a:p>
-            <a:fld id="{D949F9DF-37BD-4CD6-BF49-65BA579E1D7A}" type="slidenum">
-              <a:rPr lang="de-DE" smtClean="0"/>
-              <a:pPr/>
-              <a:t>19</a:t>
-            </a:fld>
-            <a:endParaRPr lang="de-DE"/>
-          </a:p>
-        </p:txBody>
-      </p:sp>
-      <p:sp>
-        <p:nvSpPr>
-          <p:cNvPr id="5" name="Title 4">
-            <a:extLst>
-              <a:ext uri="{FF2B5EF4-FFF2-40B4-BE49-F238E27FC236}">
-                <a16:creationId xmlns:a16="http://schemas.microsoft.com/office/drawing/2014/main" id="{BE0068B1-646F-6A77-8AD6-118E6571CA36}"/>
-              </a:ext>
-            </a:extLst>
-          </p:cNvPr>
-          <p:cNvSpPr>
-            <a:spLocks noGrp="1"/>
-          </p:cNvSpPr>
-          <p:nvPr>
-            <p:ph type="title"/>
-          </p:nvPr>
-        </p:nvSpPr>
-        <p:spPr/>
-        <p:txBody>
-          <a:bodyPr/>
-          <a:lstStyle/>
-          <a:p>
-            <a:r>
-              <a:rPr lang="en-US" dirty="0"/>
-              <a:t>References</a:t>
-            </a:r>
-          </a:p>
-        </p:txBody>
-      </p:sp>
-      <p:sp>
-        <p:nvSpPr>
-          <p:cNvPr id="6" name="Text Placeholder 5">
-            <a:extLst>
-              <a:ext uri="{FF2B5EF4-FFF2-40B4-BE49-F238E27FC236}">
-                <a16:creationId xmlns:a16="http://schemas.microsoft.com/office/drawing/2014/main" id="{184522D3-9A27-7215-1F56-189F29A0E890}"/>
-              </a:ext>
-            </a:extLst>
-          </p:cNvPr>
-          <p:cNvSpPr>
-            <a:spLocks noGrp="1"/>
-          </p:cNvSpPr>
-          <p:nvPr>
-            <p:ph type="body" sz="quarter" idx="17"/>
-          </p:nvPr>
-        </p:nvSpPr>
-        <p:spPr>
-          <a:xfrm>
-            <a:off x="518319" y="1498060"/>
-            <a:ext cx="11358942" cy="4721156"/>
-          </a:xfrm>
-        </p:spPr>
-        <p:txBody>
-          <a:bodyPr/>
-          <a:lstStyle/>
-          <a:p>
-            <a:pPr fontAlgn="base"/>
-            <a:r>
-              <a:rPr lang="en-US" b="0" i="0" dirty="0">
-                <a:solidFill>
-                  <a:srgbClr val="21262B"/>
-                </a:solidFill>
-                <a:effectLst/>
-                <a:latin typeface="inherit"/>
-              </a:rPr>
-              <a:t>Yu, Y., Si, X., Hu, C., &amp; Zhang, J. (2019). A review of recurrent neural networks: LSTM cells and network architectures. </a:t>
-            </a:r>
-            <a:r>
-              <a:rPr lang="en-US" b="0" i="1" dirty="0">
-                <a:solidFill>
-                  <a:srgbClr val="21262B"/>
-                </a:solidFill>
-                <a:effectLst/>
-                <a:latin typeface="inherit"/>
-              </a:rPr>
-              <a:t>Neural Computation</a:t>
-            </a:r>
-            <a:r>
-              <a:rPr lang="en-US" b="0" i="0" dirty="0">
-                <a:solidFill>
-                  <a:srgbClr val="21262B"/>
-                </a:solidFill>
-                <a:effectLst/>
-                <a:latin typeface="inherit"/>
-              </a:rPr>
-              <a:t>, </a:t>
-            </a:r>
-            <a:r>
-              <a:rPr lang="en-US" b="0" i="1" dirty="0">
-                <a:solidFill>
-                  <a:srgbClr val="21262B"/>
-                </a:solidFill>
-                <a:effectLst/>
-                <a:latin typeface="inherit"/>
-              </a:rPr>
-              <a:t>31</a:t>
-            </a:r>
-            <a:r>
-              <a:rPr lang="en-US" b="0" i="0" dirty="0">
-                <a:solidFill>
-                  <a:srgbClr val="21262B"/>
-                </a:solidFill>
-                <a:effectLst/>
-                <a:latin typeface="inherit"/>
-              </a:rPr>
-              <a:t>(7), 1235–1270.</a:t>
-            </a:r>
-          </a:p>
-          <a:p>
-            <a:pPr fontAlgn="base"/>
-            <a:r>
-              <a:rPr lang="en-US" b="0" i="0" dirty="0">
-                <a:solidFill>
-                  <a:srgbClr val="21262B"/>
-                </a:solidFill>
-                <a:effectLst/>
-                <a:latin typeface="inherit"/>
-              </a:rPr>
-              <a:t>Holbrook, R., &amp;amp; Cook, A. (2022, May 5). Overfitting and underfitting. Kaggle. Retrieved January 12, 2023, from https://www.kaggle.com/code/ryanholbrook/overfitting-and-underfitting/tutorial </a:t>
-            </a:r>
-          </a:p>
-        </p:txBody>
-      </p:sp>
-    </p:spTree>
-    <p:extLst>
-      <p:ext uri="{BB962C8B-B14F-4D97-AF65-F5344CB8AC3E}">
-        <p14:creationId xmlns:p14="http://schemas.microsoft.com/office/powerpoint/2010/main" val="2739666088"/>
       </p:ext>
     </p:extLst>
   </p:cSld>
@@ -15384,8 +16326,8 @@
           <a:lstStyle/>
           <a:p>
             <a:r>
-              <a:rPr lang="LID4096"/>
-              <a:t>12/01/2023</a:t>
+              <a:rPr lang="en-US"/>
+              <a:t>19/01/2023</a:t>
             </a:r>
             <a:endParaRPr lang="de-DE" dirty="0"/>
           </a:p>
@@ -15501,16 +16443,38 @@
           <a:p>
             <a:r>
               <a:rPr lang="en-US" dirty="0"/>
+              <a:t>Problem:</a:t>
+            </a:r>
+          </a:p>
+          <a:p>
+            <a:pPr lvl="1"/>
+            <a:r>
+              <a:rPr lang="en-US" dirty="0"/>
               <a:t>Complex System without analytic form</a:t>
             </a:r>
           </a:p>
           <a:p>
+            <a:pPr lvl="1"/>
+            <a:r>
+              <a:rPr lang="en-US" dirty="0"/>
+              <a:t>Example: Pendulum with unknown friction model</a:t>
+            </a:r>
+          </a:p>
+          <a:p>
+            <a:r>
+              <a:rPr lang="en-US" dirty="0"/>
+              <a:t>Solution</a:t>
+            </a:r>
+          </a:p>
+          <a:p>
+            <a:pPr lvl="1"/>
             <a:r>
               <a:rPr lang="en-US" dirty="0"/>
               <a:t>Train a model with measured data</a:t>
             </a:r>
           </a:p>
           <a:p>
+            <a:pPr lvl="1"/>
             <a:r>
               <a:rPr lang="en-US" dirty="0"/>
               <a:t>Prediction of future states with model</a:t>
@@ -16349,6 +17313,245 @@
           <p:cNvPr id="2" name="Date Placeholder 1">
             <a:extLst>
               <a:ext uri="{FF2B5EF4-FFF2-40B4-BE49-F238E27FC236}">
+                <a16:creationId xmlns:a16="http://schemas.microsoft.com/office/drawing/2014/main" id="{CFFCB9CD-02EF-89B5-BC22-FE06DFC282FC}"/>
+              </a:ext>
+            </a:extLst>
+          </p:cNvPr>
+          <p:cNvSpPr>
+            <a:spLocks noGrp="1"/>
+          </p:cNvSpPr>
+          <p:nvPr>
+            <p:ph type="dt" sz="half" idx="10"/>
+          </p:nvPr>
+        </p:nvSpPr>
+        <p:spPr/>
+        <p:txBody>
+          <a:bodyPr/>
+          <a:lstStyle/>
+          <a:p>
+            <a:r>
+              <a:rPr lang="en-US"/>
+              <a:t>19/01/2023</a:t>
+            </a:r>
+            <a:endParaRPr lang="de-DE" dirty="0"/>
+          </a:p>
+        </p:txBody>
+      </p:sp>
+      <p:sp>
+        <p:nvSpPr>
+          <p:cNvPr id="3" name="Footer Placeholder 2">
+            <a:extLst>
+              <a:ext uri="{FF2B5EF4-FFF2-40B4-BE49-F238E27FC236}">
+                <a16:creationId xmlns:a16="http://schemas.microsoft.com/office/drawing/2014/main" id="{91240B7B-08A4-CDC7-F299-7C5FC62E8760}"/>
+              </a:ext>
+            </a:extLst>
+          </p:cNvPr>
+          <p:cNvSpPr>
+            <a:spLocks noGrp="1"/>
+          </p:cNvSpPr>
+          <p:nvPr>
+            <p:ph type="ftr" sz="quarter" idx="11"/>
+          </p:nvPr>
+        </p:nvSpPr>
+        <p:spPr/>
+        <p:txBody>
+          <a:bodyPr/>
+          <a:lstStyle/>
+          <a:p>
+            <a:r>
+              <a:rPr lang="en-US"/>
+              <a:t>Modeling of nonlinear Systems with LSTMs | Sebastian Hirt</a:t>
+            </a:r>
+            <a:endParaRPr lang="de-DE" dirty="0"/>
+          </a:p>
+        </p:txBody>
+      </p:sp>
+      <p:sp>
+        <p:nvSpPr>
+          <p:cNvPr id="4" name="Slide Number Placeholder 3">
+            <a:extLst>
+              <a:ext uri="{FF2B5EF4-FFF2-40B4-BE49-F238E27FC236}">
+                <a16:creationId xmlns:a16="http://schemas.microsoft.com/office/drawing/2014/main" id="{0ADF7B76-53F5-97A1-747F-EA440E26684D}"/>
+              </a:ext>
+            </a:extLst>
+          </p:cNvPr>
+          <p:cNvSpPr>
+            <a:spLocks noGrp="1"/>
+          </p:cNvSpPr>
+          <p:nvPr>
+            <p:ph type="sldNum" sz="quarter" idx="12"/>
+          </p:nvPr>
+        </p:nvSpPr>
+        <p:spPr/>
+        <p:txBody>
+          <a:bodyPr/>
+          <a:lstStyle/>
+          <a:p>
+            <a:fld id="{D949F9DF-37BD-4CD6-BF49-65BA579E1D7A}" type="slidenum">
+              <a:rPr lang="de-DE" smtClean="0"/>
+              <a:pPr/>
+              <a:t>20</a:t>
+            </a:fld>
+            <a:endParaRPr lang="de-DE"/>
+          </a:p>
+        </p:txBody>
+      </p:sp>
+      <p:sp>
+        <p:nvSpPr>
+          <p:cNvPr id="5" name="Title 4">
+            <a:extLst>
+              <a:ext uri="{FF2B5EF4-FFF2-40B4-BE49-F238E27FC236}">
+                <a16:creationId xmlns:a16="http://schemas.microsoft.com/office/drawing/2014/main" id="{BE0068B1-646F-6A77-8AD6-118E6571CA36}"/>
+              </a:ext>
+            </a:extLst>
+          </p:cNvPr>
+          <p:cNvSpPr>
+            <a:spLocks noGrp="1"/>
+          </p:cNvSpPr>
+          <p:nvPr>
+            <p:ph type="title"/>
+          </p:nvPr>
+        </p:nvSpPr>
+        <p:spPr/>
+        <p:txBody>
+          <a:bodyPr/>
+          <a:lstStyle/>
+          <a:p>
+            <a:r>
+              <a:rPr lang="en-US" dirty="0"/>
+              <a:t>References</a:t>
+            </a:r>
+          </a:p>
+        </p:txBody>
+      </p:sp>
+      <p:sp>
+        <p:nvSpPr>
+          <p:cNvPr id="6" name="Text Placeholder 5">
+            <a:extLst>
+              <a:ext uri="{FF2B5EF4-FFF2-40B4-BE49-F238E27FC236}">
+                <a16:creationId xmlns:a16="http://schemas.microsoft.com/office/drawing/2014/main" id="{184522D3-9A27-7215-1F56-189F29A0E890}"/>
+              </a:ext>
+            </a:extLst>
+          </p:cNvPr>
+          <p:cNvSpPr>
+            <a:spLocks noGrp="1"/>
+          </p:cNvSpPr>
+          <p:nvPr>
+            <p:ph type="body" sz="quarter" idx="17"/>
+          </p:nvPr>
+        </p:nvSpPr>
+        <p:spPr>
+          <a:xfrm>
+            <a:off x="518319" y="1498060"/>
+            <a:ext cx="11358942" cy="4721156"/>
+          </a:xfrm>
+        </p:spPr>
+        <p:txBody>
+          <a:bodyPr/>
+          <a:lstStyle/>
+          <a:p>
+            <a:pPr fontAlgn="base"/>
+            <a:r>
+              <a:rPr lang="en-US" b="0" i="0" dirty="0">
+                <a:solidFill>
+                  <a:srgbClr val="21262B"/>
+                </a:solidFill>
+                <a:effectLst/>
+                <a:latin typeface="inherit"/>
+              </a:rPr>
+              <a:t>Yu, Y., Si, X., Hu, C., &amp; Zhang, J. (2019). A review of recurrent neural networks: LSTM cells and network architectures. </a:t>
+            </a:r>
+            <a:r>
+              <a:rPr lang="en-US" b="0" i="1" dirty="0">
+                <a:solidFill>
+                  <a:srgbClr val="21262B"/>
+                </a:solidFill>
+                <a:effectLst/>
+                <a:latin typeface="inherit"/>
+              </a:rPr>
+              <a:t>Neural Computation</a:t>
+            </a:r>
+            <a:r>
+              <a:rPr lang="en-US" b="0" i="0" dirty="0">
+                <a:solidFill>
+                  <a:srgbClr val="21262B"/>
+                </a:solidFill>
+                <a:effectLst/>
+                <a:latin typeface="inherit"/>
+              </a:rPr>
+              <a:t>, </a:t>
+            </a:r>
+            <a:r>
+              <a:rPr lang="en-US" b="0" i="1" dirty="0">
+                <a:solidFill>
+                  <a:srgbClr val="21262B"/>
+                </a:solidFill>
+                <a:effectLst/>
+                <a:latin typeface="inherit"/>
+              </a:rPr>
+              <a:t>31</a:t>
+            </a:r>
+            <a:r>
+              <a:rPr lang="en-US" b="0" i="0" dirty="0">
+                <a:solidFill>
+                  <a:srgbClr val="21262B"/>
+                </a:solidFill>
+                <a:effectLst/>
+                <a:latin typeface="inherit"/>
+              </a:rPr>
+              <a:t>(7), 1235–1270.</a:t>
+            </a:r>
+          </a:p>
+          <a:p>
+            <a:pPr fontAlgn="base"/>
+            <a:r>
+              <a:rPr lang="en-US" b="0" i="0" dirty="0">
+                <a:solidFill>
+                  <a:srgbClr val="21262B"/>
+                </a:solidFill>
+                <a:effectLst/>
+                <a:latin typeface="inherit"/>
+              </a:rPr>
+              <a:t>Holbrook, R., &amp;amp; Cook, A. (2022, May 5). Overfitting and underfitting. Kaggle. Retrieved January 12, 2023, from https://www.kaggle.com/code/ryanholbrook/overfitting-and-underfitting/tutorial </a:t>
+            </a:r>
+          </a:p>
+        </p:txBody>
+      </p:sp>
+    </p:spTree>
+    <p:extLst>
+      <p:ext uri="{BB962C8B-B14F-4D97-AF65-F5344CB8AC3E}">
+        <p14:creationId xmlns:p14="http://schemas.microsoft.com/office/powerpoint/2010/main" val="2739666088"/>
+      </p:ext>
+    </p:extLst>
+  </p:cSld>
+  <p:clrMapOvr>
+    <a:masterClrMapping/>
+  </p:clrMapOvr>
+</p:sld>
+</file>
+
+<file path=ppt/slides/slide21.xml><?xml version="1.0" encoding="utf-8"?>
+<p:sld xmlns:a="http://schemas.openxmlformats.org/drawingml/2006/main" xmlns:r="http://schemas.openxmlformats.org/officeDocument/2006/relationships" xmlns:p="http://schemas.openxmlformats.org/presentationml/2006/main">
+  <p:cSld>
+    <p:spTree>
+      <p:nvGrpSpPr>
+        <p:cNvPr id="1" name=""/>
+        <p:cNvGrpSpPr/>
+        <p:nvPr/>
+      </p:nvGrpSpPr>
+      <p:grpSpPr>
+        <a:xfrm>
+          <a:off x="0" y="0"/>
+          <a:ext cx="0" cy="0"/>
+          <a:chOff x="0" y="0"/>
+          <a:chExt cx="0" cy="0"/>
+        </a:xfrm>
+      </p:grpSpPr>
+      <p:sp>
+        <p:nvSpPr>
+          <p:cNvPr id="2" name="Date Placeholder 1">
+            <a:extLst>
+              <a:ext uri="{FF2B5EF4-FFF2-40B4-BE49-F238E27FC236}">
                 <a16:creationId xmlns:a16="http://schemas.microsoft.com/office/drawing/2014/main" id="{2B8CAAFC-F0E6-F31E-198A-AA24CC49C316}"/>
               </a:ext>
             </a:extLst>
@@ -16366,8 +17569,8 @@
           <a:lstStyle/>
           <a:p>
             <a:r>
-              <a:rPr lang="LID4096"/>
-              <a:t>12/01/2023</a:t>
+              <a:rPr lang="en-US"/>
+              <a:t>19/01/2023</a:t>
             </a:r>
             <a:endParaRPr lang="de-DE" dirty="0"/>
           </a:p>
@@ -16426,7 +17629,7 @@
             <a:fld id="{D949F9DF-37BD-4CD6-BF49-65BA579E1D7A}" type="slidenum">
               <a:rPr lang="de-DE" smtClean="0"/>
               <a:pPr/>
-              <a:t>20</a:t>
+              <a:t>21</a:t>
             </a:fld>
             <a:endParaRPr lang="de-DE"/>
           </a:p>
@@ -16921,7 +18124,7 @@
 </p:sld>
 </file>
 
-<file path=ppt/slides/slide21.xml><?xml version="1.0" encoding="utf-8"?>
+<file path=ppt/slides/slide22.xml><?xml version="1.0" encoding="utf-8"?>
 <p:sld xmlns:a="http://schemas.openxmlformats.org/drawingml/2006/main" xmlns:r="http://schemas.openxmlformats.org/officeDocument/2006/relationships" xmlns:p="http://schemas.openxmlformats.org/presentationml/2006/main">
   <p:cSld>
     <p:spTree>
@@ -16960,8 +18163,8 @@
           <a:lstStyle/>
           <a:p>
             <a:r>
-              <a:rPr lang="LID4096"/>
-              <a:t>12/01/2023</a:t>
+              <a:rPr lang="en-US"/>
+              <a:t>19/01/2023</a:t>
             </a:r>
             <a:endParaRPr lang="de-DE" dirty="0"/>
           </a:p>
@@ -17020,7 +18223,7 @@
             <a:fld id="{D949F9DF-37BD-4CD6-BF49-65BA579E1D7A}" type="slidenum">
               <a:rPr lang="de-DE" smtClean="0"/>
               <a:pPr/>
-              <a:t>21</a:t>
+              <a:t>22</a:t>
             </a:fld>
             <a:endParaRPr lang="de-DE"/>
           </a:p>
@@ -17763,8 +18966,8 @@
           <a:lstStyle/>
           <a:p>
             <a:r>
-              <a:rPr lang="LID4096"/>
-              <a:t>12/01/2023</a:t>
+              <a:rPr lang="en-US"/>
+              <a:t>19/01/2023</a:t>
             </a:r>
             <a:endParaRPr lang="de-DE" dirty="0"/>
           </a:p>
@@ -17881,8 +19084,8 @@
           <a:lstStyle/>
           <a:p>
             <a:r>
-              <a:rPr lang="LID4096"/>
-              <a:t>12/01/2023</a:t>
+              <a:rPr lang="en-US"/>
+              <a:t>19/01/2023</a:t>
             </a:r>
             <a:endParaRPr lang="de-DE" dirty="0"/>
           </a:p>
@@ -17975,8 +19178,8 @@
           </a:p>
         </p:txBody>
       </p:sp>
-      <mc:AlternateContent xmlns:mc="http://schemas.openxmlformats.org/markup-compatibility/2006">
-        <mc:Choice xmlns:a14="http://schemas.microsoft.com/office/drawing/2010/main" Requires="a14">
+      <mc:AlternateContent xmlns:mc="http://schemas.openxmlformats.org/markup-compatibility/2006" xmlns:a14="http://schemas.microsoft.com/office/drawing/2010/main">
+        <mc:Choice Requires="a14">
           <p:sp>
             <p:nvSpPr>
               <p:cNvPr id="6" name="Text Placeholder 5">
@@ -18056,7 +19259,7 @@
             </p:txBody>
           </p:sp>
         </mc:Choice>
-        <mc:Fallback>
+        <mc:Fallback xmlns="">
           <p:sp>
             <p:nvSpPr>
               <p:cNvPr id="6" name="Text Placeholder 5">
@@ -18096,36 +19299,6 @@
           </p:sp>
         </mc:Fallback>
       </mc:AlternateContent>
-      <p:pic>
-        <p:nvPicPr>
-          <p:cNvPr id="7" name="Picture 6">
-            <a:extLst>
-              <a:ext uri="{FF2B5EF4-FFF2-40B4-BE49-F238E27FC236}">
-                <a16:creationId xmlns:a16="http://schemas.microsoft.com/office/drawing/2014/main" id="{A854B0A0-6814-789B-5CFC-6341AEB4C7B7}"/>
-              </a:ext>
-            </a:extLst>
-          </p:cNvPr>
-          <p:cNvPicPr>
-            <a:picLocks noChangeAspect="1"/>
-          </p:cNvPicPr>
-          <p:nvPr/>
-        </p:nvPicPr>
-        <p:blipFill>
-          <a:blip r:embed="rId4"/>
-          <a:stretch>
-            <a:fillRect/>
-          </a:stretch>
-        </p:blipFill>
-        <p:spPr>
-          <a:xfrm>
-            <a:off x="5604567" y="1713209"/>
-            <a:ext cx="5796196" cy="4107464"/>
-          </a:xfrm>
-          <a:prstGeom prst="rect">
-            <a:avLst/>
-          </a:prstGeom>
-        </p:spPr>
-      </p:pic>
       <p:sp>
         <p:nvSpPr>
           <p:cNvPr id="8" name="TextBox 7">
@@ -18181,6 +19354,36 @@
           </a:p>
         </p:txBody>
       </p:sp>
+      <p:pic>
+        <p:nvPicPr>
+          <p:cNvPr id="10" name="Picture 9">
+            <a:extLst>
+              <a:ext uri="{FF2B5EF4-FFF2-40B4-BE49-F238E27FC236}">
+                <a16:creationId xmlns:a16="http://schemas.microsoft.com/office/drawing/2014/main" id="{15940DF3-6768-3841-83D6-088332689AE2}"/>
+              </a:ext>
+            </a:extLst>
+          </p:cNvPr>
+          <p:cNvPicPr>
+            <a:picLocks noChangeAspect="1"/>
+          </p:cNvPicPr>
+          <p:nvPr/>
+        </p:nvPicPr>
+        <p:blipFill>
+          <a:blip r:embed="rId4"/>
+          <a:stretch>
+            <a:fillRect/>
+          </a:stretch>
+        </p:blipFill>
+        <p:spPr>
+          <a:xfrm>
+            <a:off x="6072585" y="1400123"/>
+            <a:ext cx="5548244" cy="4242298"/>
+          </a:xfrm>
+          <a:prstGeom prst="rect">
+            <a:avLst/>
+          </a:prstGeom>
+        </p:spPr>
+      </p:pic>
     </p:spTree>
     <p:extLst>
       <p:ext uri="{BB962C8B-B14F-4D97-AF65-F5344CB8AC3E}">
@@ -18233,8 +19436,8 @@
           <a:lstStyle/>
           <a:p>
             <a:r>
-              <a:rPr lang="LID4096"/>
-              <a:t>12/01/2023</a:t>
+              <a:rPr lang="en-US"/>
+              <a:t>19/01/2023</a:t>
             </a:r>
             <a:endParaRPr lang="de-DE" dirty="0"/>
           </a:p>
@@ -18395,10 +19598,10 @@
       </p:sp>
       <p:pic>
         <p:nvPicPr>
-          <p:cNvPr id="9" name="Picture 8">
+          <p:cNvPr id="8" name="Picture 7">
             <a:extLst>
               <a:ext uri="{FF2B5EF4-FFF2-40B4-BE49-F238E27FC236}">
-                <a16:creationId xmlns:a16="http://schemas.microsoft.com/office/drawing/2014/main" id="{7EEEB40A-886B-CC26-4063-1B0D979CE05C}"/>
+                <a16:creationId xmlns:a16="http://schemas.microsoft.com/office/drawing/2014/main" id="{AD31D452-B49A-79A4-D118-45BC8B8F55C7}"/>
               </a:ext>
             </a:extLst>
           </p:cNvPr>
@@ -18415,14 +19618,97 @@
         </p:blipFill>
         <p:spPr>
           <a:xfrm>
-            <a:off x="5845685" y="1357988"/>
-            <a:ext cx="6183259" cy="4780546"/>
+            <a:off x="5843553" y="1319765"/>
+            <a:ext cx="6033708" cy="4899451"/>
           </a:xfrm>
           <a:prstGeom prst="rect">
             <a:avLst/>
           </a:prstGeom>
         </p:spPr>
       </p:pic>
+      <p:sp>
+        <p:nvSpPr>
+          <p:cNvPr id="10" name="Arrow: Down 9">
+            <a:extLst>
+              <a:ext uri="{FF2B5EF4-FFF2-40B4-BE49-F238E27FC236}">
+                <a16:creationId xmlns:a16="http://schemas.microsoft.com/office/drawing/2014/main" id="{12F87501-AC9F-7791-52C2-8378709A95AF}"/>
+              </a:ext>
+            </a:extLst>
+          </p:cNvPr>
+          <p:cNvSpPr/>
+          <p:nvPr/>
+        </p:nvSpPr>
+        <p:spPr>
+          <a:xfrm>
+            <a:off x="5632882" y="1730188"/>
+            <a:ext cx="421341" cy="4489028"/>
+          </a:xfrm>
+          <a:prstGeom prst="downArrow">
+            <a:avLst/>
+          </a:prstGeom>
+          <a:solidFill>
+            <a:schemeClr val="accent6"/>
+          </a:solidFill>
+          <a:ln>
+            <a:noFill/>
+          </a:ln>
+        </p:spPr>
+        <p:style>
+          <a:lnRef idx="2">
+            <a:schemeClr val="accent1">
+              <a:shade val="50000"/>
+            </a:schemeClr>
+          </a:lnRef>
+          <a:fillRef idx="1">
+            <a:schemeClr val="accent1"/>
+          </a:fillRef>
+          <a:effectRef idx="0">
+            <a:schemeClr val="accent1"/>
+          </a:effectRef>
+          <a:fontRef idx="minor">
+            <a:schemeClr val="lt1"/>
+          </a:fontRef>
+        </p:style>
+        <p:txBody>
+          <a:bodyPr lIns="180000" tIns="180000" rIns="180000" bIns="180000" rtlCol="0" anchor="ctr"/>
+          <a:lstStyle/>
+          <a:p>
+            <a:pPr marL="0" marR="0" indent="0" algn="ctr" defTabSz="914400" rtl="0" eaLnBrk="1" fontAlgn="auto" latinLnBrk="0" hangingPunct="1">
+              <a:lnSpc>
+                <a:spcPct val="110000"/>
+              </a:lnSpc>
+              <a:spcBef>
+                <a:spcPts val="0"/>
+              </a:spcBef>
+              <a:spcAft>
+                <a:spcPts val="1200"/>
+              </a:spcAft>
+              <a:buClrTx/>
+              <a:buSzTx/>
+              <a:buFont typeface="Arial" panose="020B0604020202020204" pitchFamily="34" charset="0"/>
+              <a:buNone/>
+              <a:tabLst/>
+            </a:pPr>
+            <a:r>
+              <a:rPr kumimoji="0" lang="en-US" sz="1600" b="0" i="0" u="none" strike="noStrike" kern="1200" cap="none" spc="0" normalizeH="0" baseline="0" noProof="0" dirty="0">
+                <a:ln>
+                  <a:noFill/>
+                </a:ln>
+                <a:solidFill>
+                  <a:schemeClr val="bg1"/>
+                </a:solidFill>
+                <a:effectLst/>
+                <a:uLnTx/>
+                <a:uFillTx/>
+                <a:latin typeface="Arial"/>
+                <a:ea typeface="+mn-ea"/>
+                <a:cs typeface="+mn-cs"/>
+              </a:rPr>
+              <a:t>t</a:t>
+            </a:r>
+          </a:p>
+        </p:txBody>
+      </p:sp>
     </p:spTree>
     <p:extLst>
       <p:ext uri="{BB962C8B-B14F-4D97-AF65-F5344CB8AC3E}">
@@ -18513,8 +19799,8 @@
           <a:lstStyle/>
           <a:p>
             <a:r>
-              <a:rPr lang="LID4096"/>
-              <a:t>12/01/2023</a:t>
+              <a:rPr lang="en-US"/>
+              <a:t>19/01/2023</a:t>
             </a:r>
             <a:endParaRPr lang="de-DE" dirty="0"/>
           </a:p>
@@ -18631,8 +19917,8 @@
           <a:lstStyle/>
           <a:p>
             <a:r>
-              <a:rPr lang="LID4096"/>
-              <a:t>12/01/2023</a:t>
+              <a:rPr lang="en-US"/>
+              <a:t>19/01/2023</a:t>
             </a:r>
             <a:endParaRPr lang="de-DE" dirty="0"/>
           </a:p>
@@ -18725,8 +20011,8 @@
           </a:p>
         </p:txBody>
       </p:sp>
-      <mc:AlternateContent xmlns:mc="http://schemas.openxmlformats.org/markup-compatibility/2006">
-        <mc:Choice xmlns:a14="http://schemas.microsoft.com/office/drawing/2010/main" Requires="a14">
+      <mc:AlternateContent xmlns:mc="http://schemas.openxmlformats.org/markup-compatibility/2006" xmlns:a14="http://schemas.microsoft.com/office/drawing/2010/main">
+        <mc:Choice Requires="a14">
           <p:sp>
             <p:nvSpPr>
               <p:cNvPr id="6" name="Text Placeholder 5">
@@ -18766,7 +20052,7 @@
                     <a:ea typeface="Calibri" panose="020F0502020204030204" pitchFamily="34" charset="0"/>
                     <a:cs typeface="Arial" panose="020B0604020202020204" pitchFamily="34" charset="0"/>
                   </a:rPr>
-                  <a:t>Friction due to air</a:t>
+                  <a:t>Dampened due to friction</a:t>
                 </a:r>
               </a:p>
               <a:p>
@@ -18781,23 +20067,64 @@
                 </a:r>
                 <a14:m>
                   <m:oMath xmlns:m="http://schemas.openxmlformats.org/officeDocument/2006/math">
-                    <m:r>
-                      <a:rPr kumimoji="0" lang="en-US" b="0" i="1" u="none" strike="noStrike" kern="1200" cap="none" spc="0" normalizeH="0" baseline="0" noProof="0" smtClean="0">
-                        <a:ln>
-                          <a:noFill/>
-                        </a:ln>
-                        <a:solidFill>
-                          <a:prstClr val="black"/>
-                        </a:solidFill>
-                        <a:effectLst/>
-                        <a:uLnTx/>
-                        <a:uFillTx/>
-                        <a:latin typeface="Cambria Math" panose="02040503050406030204" pitchFamily="18" charset="0"/>
-                        <a:ea typeface="+mn-ea"/>
-                        <a:cs typeface="+mn-cs"/>
-                      </a:rPr>
-                      <m:t>𝐹</m:t>
-                    </m:r>
+                    <m:sSub>
+                      <m:sSubPr>
+                        <m:ctrlPr>
+                          <a:rPr kumimoji="0" lang="en-US" b="0" i="1" u="none" strike="noStrike" kern="1200" cap="none" spc="0" normalizeH="0" baseline="0" noProof="0" smtClean="0">
+                            <a:ln>
+                              <a:noFill/>
+                            </a:ln>
+                            <a:solidFill>
+                              <a:prstClr val="black"/>
+                            </a:solidFill>
+                            <a:effectLst/>
+                            <a:uLnTx/>
+                            <a:uFillTx/>
+                            <a:latin typeface="Cambria Math" panose="02040503050406030204" pitchFamily="18" charset="0"/>
+                            <a:ea typeface="+mn-ea"/>
+                            <a:cs typeface="+mn-cs"/>
+                          </a:rPr>
+                        </m:ctrlPr>
+                      </m:sSubPr>
+                      <m:e>
+                        <m:r>
+                          <a:rPr kumimoji="0" lang="en-US" b="0" i="1" u="none" strike="noStrike" kern="1200" cap="none" spc="0" normalizeH="0" baseline="0" noProof="0" smtClean="0">
+                            <a:ln>
+                              <a:noFill/>
+                            </a:ln>
+                            <a:solidFill>
+                              <a:prstClr val="black"/>
+                            </a:solidFill>
+                            <a:effectLst/>
+                            <a:uLnTx/>
+                            <a:uFillTx/>
+                            <a:latin typeface="Cambria Math" panose="02040503050406030204" pitchFamily="18" charset="0"/>
+                            <a:ea typeface="+mn-ea"/>
+                            <a:cs typeface="+mn-cs"/>
+                          </a:rPr>
+                          <m:t>𝐹</m:t>
+                        </m:r>
+                      </m:e>
+                      <m:sub>
+                        <m:r>
+                          <a:rPr kumimoji="0" lang="en-US" b="0" i="1" u="none" strike="noStrike" kern="1200" cap="none" spc="0" normalizeH="0" baseline="0" noProof="0" smtClean="0">
+                            <a:ln>
+                              <a:noFill/>
+                            </a:ln>
+                            <a:solidFill>
+                              <a:prstClr val="black"/>
+                            </a:solidFill>
+                            <a:effectLst/>
+                            <a:uLnTx/>
+                            <a:uFillTx/>
+                            <a:latin typeface="Cambria Math" panose="02040503050406030204" pitchFamily="18" charset="0"/>
+                            <a:ea typeface="+mn-ea"/>
+                            <a:cs typeface="+mn-cs"/>
+                          </a:rPr>
+                          <m:t>𝑝</m:t>
+                        </m:r>
+                      </m:sub>
+                    </m:sSub>
                     <m:d>
                       <m:dPr>
                         <m:ctrlPr>
@@ -18866,7 +20193,7 @@
             </p:txBody>
           </p:sp>
         </mc:Choice>
-        <mc:Fallback>
+        <mc:Fallback xmlns="">
           <p:sp>
             <p:nvSpPr>
               <p:cNvPr id="6" name="Text Placeholder 5">
@@ -18936,8 +20263,8 @@
           </a:prstGeom>
         </p:spPr>
       </p:pic>
-      <mc:AlternateContent xmlns:mc="http://schemas.openxmlformats.org/markup-compatibility/2006">
-        <mc:Choice xmlns:a14="http://schemas.microsoft.com/office/drawing/2010/main" Requires="a14">
+      <mc:AlternateContent xmlns:mc="http://schemas.openxmlformats.org/markup-compatibility/2006" xmlns:a14="http://schemas.microsoft.com/office/drawing/2010/main">
+        <mc:Choice Requires="a14">
           <p:sp>
             <p:nvSpPr>
               <p:cNvPr id="8" name="TextBox 7">
@@ -19226,23 +20553,64 @@
                           </m:ctrlPr>
                         </m:fPr>
                         <m:num>
-                          <m:r>
-                            <a:rPr kumimoji="0" lang="en-US" b="0" i="1" u="none" strike="noStrike" kern="1200" cap="none" spc="0" normalizeH="0" baseline="0" noProof="0" smtClean="0">
-                              <a:ln>
-                                <a:noFill/>
-                              </a:ln>
-                              <a:solidFill>
-                                <a:prstClr val="black"/>
-                              </a:solidFill>
-                              <a:effectLst/>
-                              <a:uLnTx/>
-                              <a:uFillTx/>
-                              <a:latin typeface="Cambria Math" panose="02040503050406030204" pitchFamily="18" charset="0"/>
-                              <a:ea typeface="+mn-ea"/>
-                              <a:cs typeface="+mn-cs"/>
-                            </a:rPr>
-                            <m:t>𝐹</m:t>
-                          </m:r>
+                          <m:sSub>
+                            <m:sSubPr>
+                              <m:ctrlPr>
+                                <a:rPr kumimoji="0" lang="en-US" b="0" i="1" u="none" strike="noStrike" kern="1200" cap="none" spc="0" normalizeH="0" baseline="0" noProof="0" smtClean="0">
+                                  <a:ln>
+                                    <a:noFill/>
+                                  </a:ln>
+                                  <a:solidFill>
+                                    <a:prstClr val="black"/>
+                                  </a:solidFill>
+                                  <a:effectLst/>
+                                  <a:uLnTx/>
+                                  <a:uFillTx/>
+                                  <a:latin typeface="Cambria Math" panose="02040503050406030204" pitchFamily="18" charset="0"/>
+                                  <a:ea typeface="+mn-ea"/>
+                                  <a:cs typeface="+mn-cs"/>
+                                </a:rPr>
+                              </m:ctrlPr>
+                            </m:sSubPr>
+                            <m:e>
+                              <m:r>
+                                <a:rPr kumimoji="0" lang="en-US" b="0" i="1" u="none" strike="noStrike" kern="1200" cap="none" spc="0" normalizeH="0" baseline="0" noProof="0" smtClean="0">
+                                  <a:ln>
+                                    <a:noFill/>
+                                  </a:ln>
+                                  <a:solidFill>
+                                    <a:prstClr val="black"/>
+                                  </a:solidFill>
+                                  <a:effectLst/>
+                                  <a:uLnTx/>
+                                  <a:uFillTx/>
+                                  <a:latin typeface="Cambria Math" panose="02040503050406030204" pitchFamily="18" charset="0"/>
+                                  <a:ea typeface="+mn-ea"/>
+                                  <a:cs typeface="+mn-cs"/>
+                                </a:rPr>
+                                <m:t>𝐹</m:t>
+                              </m:r>
+                            </m:e>
+                            <m:sub>
+                              <m:r>
+                                <a:rPr kumimoji="0" lang="en-US" b="0" i="1" u="none" strike="noStrike" kern="1200" cap="none" spc="0" normalizeH="0" baseline="0" noProof="0" smtClean="0">
+                                  <a:ln>
+                                    <a:noFill/>
+                                  </a:ln>
+                                  <a:solidFill>
+                                    <a:prstClr val="black"/>
+                                  </a:solidFill>
+                                  <a:effectLst/>
+                                  <a:uLnTx/>
+                                  <a:uFillTx/>
+                                  <a:latin typeface="Cambria Math" panose="02040503050406030204" pitchFamily="18" charset="0"/>
+                                  <a:ea typeface="+mn-ea"/>
+                                  <a:cs typeface="+mn-cs"/>
+                                </a:rPr>
+                                <m:t>𝑝</m:t>
+                              </m:r>
+                            </m:sub>
+                          </m:sSub>
                           <m:d>
                             <m:dPr>
                               <m:ctrlPr>
@@ -19553,7 +20921,7 @@
             </p:txBody>
           </p:sp>
         </mc:Choice>
-        <mc:Fallback>
+        <mc:Fallback xmlns="">
           <p:sp>
             <p:nvSpPr>
               <p:cNvPr id="8" name="TextBox 7">
@@ -19650,8 +21018,8 @@
           <a:lstStyle/>
           <a:p>
             <a:r>
-              <a:rPr lang="LID4096"/>
-              <a:t>12/01/2023</a:t>
+              <a:rPr lang="en-US"/>
+              <a:t>19/01/2023</a:t>
             </a:r>
             <a:endParaRPr lang="de-DE" dirty="0"/>
           </a:p>
@@ -19744,8 +21112,8 @@
           </a:p>
         </p:txBody>
       </p:sp>
-      <mc:AlternateContent xmlns:mc="http://schemas.openxmlformats.org/markup-compatibility/2006">
-        <mc:Choice xmlns:a14="http://schemas.microsoft.com/office/drawing/2010/main" Requires="a14">
+      <mc:AlternateContent xmlns:mc="http://schemas.openxmlformats.org/markup-compatibility/2006" xmlns:a14="http://schemas.microsoft.com/office/drawing/2010/main">
+        <mc:Choice Requires="a14">
           <p:sp>
             <p:nvSpPr>
               <p:cNvPr id="6" name="Text Placeholder 5">
@@ -19925,7 +21293,7 @@
             </p:txBody>
           </p:sp>
         </mc:Choice>
-        <mc:Fallback>
+        <mc:Fallback xmlns="">
           <p:sp>
             <p:nvSpPr>
               <p:cNvPr id="6" name="Text Placeholder 5">
@@ -19965,8 +21333,8 @@
           </p:sp>
         </mc:Fallback>
       </mc:AlternateContent>
-      <mc:AlternateContent xmlns:mc="http://schemas.openxmlformats.org/markup-compatibility/2006">
-        <mc:Choice xmlns:a14="http://schemas.microsoft.com/office/drawing/2010/main" Requires="a14">
+      <mc:AlternateContent xmlns:mc="http://schemas.openxmlformats.org/markup-compatibility/2006" xmlns:a14="http://schemas.microsoft.com/office/drawing/2010/main">
+        <mc:Choice Requires="a14">
           <p:sp>
             <p:nvSpPr>
               <p:cNvPr id="9" name="TextBox 8">
@@ -20437,7 +21805,7 @@
             </p:txBody>
           </p:sp>
         </mc:Choice>
-        <mc:Fallback>
+        <mc:Fallback xmlns="">
           <p:sp>
             <p:nvSpPr>
               <p:cNvPr id="9" name="TextBox 8">
@@ -20570,8 +21938,8 @@
           <a:lstStyle/>
           <a:p>
             <a:r>
-              <a:rPr lang="LID4096"/>
-              <a:t>12/01/2023</a:t>
+              <a:rPr lang="en-US"/>
+              <a:t>19/01/2023</a:t>
             </a:r>
             <a:endParaRPr lang="de-DE" dirty="0"/>
           </a:p>
@@ -21027,8 +22395,8 @@
           </a:p>
         </p:txBody>
       </p:sp>
-      <mc:AlternateContent xmlns:mc="http://schemas.openxmlformats.org/markup-compatibility/2006">
-        <mc:Choice xmlns:a14="http://schemas.microsoft.com/office/drawing/2010/main" Requires="a14">
+      <mc:AlternateContent xmlns:mc="http://schemas.openxmlformats.org/markup-compatibility/2006" xmlns:a14="http://schemas.microsoft.com/office/drawing/2010/main">
+        <mc:Choice Requires="a14">
           <p:sp>
             <p:nvSpPr>
               <p:cNvPr id="11" name="TextBox 10">
@@ -21044,7 +22412,7 @@
             <p:spPr>
               <a:xfrm>
                 <a:off x="2666352" y="4096757"/>
-                <a:ext cx="1863267" cy="1674946"/>
+                <a:ext cx="2024849" cy="1674946"/>
               </a:xfrm>
               <a:prstGeom prst="rect">
                 <a:avLst/>
@@ -21101,16 +22469,10 @@
                         </a:rPr>
                         <m:t>=</m:t>
                       </m:r>
-                      <m:m>
-                        <m:mPr>
-                          <m:mcs>
-                            <m:mc>
-                              <m:mcPr>
-                                <m:count m:val="3"/>
-                                <m:mcJc m:val="center"/>
-                              </m:mcPr>
-                            </m:mc>
-                          </m:mcs>
+                      <m:d>
+                        <m:dPr>
+                          <m:begChr m:val="["/>
+                          <m:endChr m:val="]"/>
                           <m:ctrlPr>
                             <a:rPr kumimoji="0" lang="en-US" b="0" i="1" u="none" strike="noStrike" kern="1200" cap="none" spc="0" normalizeH="0" baseline="0" noProof="0" smtClean="0">
                               <a:ln>
@@ -21125,79 +22487,31 @@
                               <a:latin typeface="Cambria Math" panose="02040503050406030204" pitchFamily="18" charset="0"/>
                             </a:rPr>
                           </m:ctrlPr>
-                        </m:mPr>
-                        <m:mr>
-                          <m:e>
-                            <m:sSub>
-                              <m:sSubPr>
-                                <m:ctrlPr>
-                                  <a:rPr kumimoji="0" lang="en-US" b="0" i="1" u="none" strike="noStrike" kern="1200" cap="none" spc="0" normalizeH="0" baseline="0" noProof="0" smtClean="0">
-                                    <a:ln>
-                                      <a:noFill/>
-                                    </a:ln>
-                                    <a:solidFill>
-                                      <a:prstClr val="black"/>
-                                    </a:solidFill>
-                                    <a:effectLst/>
-                                    <a:uLnTx/>
-                                    <a:uFillTx/>
-                                    <a:latin typeface="Cambria Math" panose="02040503050406030204" pitchFamily="18" charset="0"/>
-                                  </a:rPr>
-                                </m:ctrlPr>
-                              </m:sSubPr>
+                        </m:dPr>
+                        <m:e>
+                          <m:m>
+                            <m:mPr>
+                              <m:mcs>
+                                <m:mc>
+                                  <m:mcPr>
+                                    <m:count m:val="3"/>
+                                    <m:mcJc m:val="center"/>
+                                  </m:mcPr>
+                                </m:mc>
+                              </m:mcs>
+                              <m:ctrlPr>
+                                <a:rPr lang="en-US" i="1">
+                                  <a:solidFill>
+                                    <a:prstClr val="black"/>
+                                  </a:solidFill>
+                                  <a:latin typeface="Cambria Math" panose="02040503050406030204" pitchFamily="18" charset="0"/>
+                                </a:rPr>
+                              </m:ctrlPr>
+                            </m:mPr>
+                            <m:mr>
                               <m:e>
-                                <m:r>
-                                  <a:rPr kumimoji="0" lang="en-US" b="0" i="1" u="none" strike="noStrike" kern="1200" cap="none" spc="0" normalizeH="0" baseline="0" noProof="0" smtClean="0">
-                                    <a:ln>
-                                      <a:noFill/>
-                                    </a:ln>
-                                    <a:solidFill>
-                                      <a:prstClr val="black"/>
-                                    </a:solidFill>
-                                    <a:effectLst/>
-                                    <a:uLnTx/>
-                                    <a:uFillTx/>
-                                    <a:latin typeface="Cambria Math" panose="02040503050406030204" pitchFamily="18" charset="0"/>
-                                  </a:rPr>
-                                  <m:t>𝜃</m:t>
-                                </m:r>
-                              </m:e>
-                              <m:sub>
-                                <m:r>
-                                  <a:rPr kumimoji="0" lang="en-US" b="0" i="1" u="none" strike="noStrike" kern="1200" cap="none" spc="0" normalizeH="0" baseline="0" noProof="0" smtClean="0">
-                                    <a:ln>
-                                      <a:noFill/>
-                                    </a:ln>
-                                    <a:solidFill>
-                                      <a:prstClr val="black"/>
-                                    </a:solidFill>
-                                    <a:effectLst/>
-                                    <a:uLnTx/>
-                                    <a:uFillTx/>
-                                    <a:latin typeface="Cambria Math" panose="02040503050406030204" pitchFamily="18" charset="0"/>
-                                  </a:rPr>
-                                  <m:t>𝑡</m:t>
-                                </m:r>
-                              </m:sub>
-                            </m:sSub>
-                          </m:e>
-                          <m:e>
-                            <m:sSub>
-                              <m:sSubPr>
-                                <m:ctrlPr>
-                                  <a:rPr lang="en-US" b="0" i="1" smtClean="0">
-                                    <a:solidFill>
-                                      <a:prstClr val="black"/>
-                                    </a:solidFill>
-                                    <a:latin typeface="Cambria Math" panose="02040503050406030204" pitchFamily="18" charset="0"/>
-                                    <a:ea typeface="Cambria Math" panose="02040503050406030204" pitchFamily="18" charset="0"/>
-                                  </a:rPr>
-                                </m:ctrlPr>
-                              </m:sSubPr>
-                              <m:e>
-                                <m:acc>
-                                  <m:accPr>
-                                    <m:chr m:val="̇"/>
+                                <m:sSub>
+                                  <m:sSubPr>
                                     <m:ctrlPr>
                                       <a:rPr lang="en-US" i="1">
                                         <a:solidFill>
@@ -21206,8 +22520,72 @@
                                         <a:latin typeface="Cambria Math" panose="02040503050406030204" pitchFamily="18" charset="0"/>
                                       </a:rPr>
                                     </m:ctrlPr>
-                                  </m:accPr>
+                                  </m:sSubPr>
                                   <m:e>
+                                    <m:r>
+                                      <a:rPr lang="en-US" i="1">
+                                        <a:solidFill>
+                                          <a:prstClr val="black"/>
+                                        </a:solidFill>
+                                        <a:latin typeface="Cambria Math" panose="02040503050406030204" pitchFamily="18" charset="0"/>
+                                      </a:rPr>
+                                      <m:t>𝜃</m:t>
+                                    </m:r>
+                                  </m:e>
+                                  <m:sub>
+                                    <m:r>
+                                      <a:rPr lang="en-US" i="1">
+                                        <a:solidFill>
+                                          <a:prstClr val="black"/>
+                                        </a:solidFill>
+                                        <a:latin typeface="Cambria Math" panose="02040503050406030204" pitchFamily="18" charset="0"/>
+                                      </a:rPr>
+                                      <m:t>𝑡</m:t>
+                                    </m:r>
+                                  </m:sub>
+                                </m:sSub>
+                              </m:e>
+                              <m:e>
+                                <m:sSub>
+                                  <m:sSubPr>
+                                    <m:ctrlPr>
+                                      <a:rPr lang="en-US" i="1">
+                                        <a:solidFill>
+                                          <a:prstClr val="black"/>
+                                        </a:solidFill>
+                                        <a:latin typeface="Cambria Math" panose="02040503050406030204" pitchFamily="18" charset="0"/>
+                                        <a:ea typeface="Cambria Math" panose="02040503050406030204" pitchFamily="18" charset="0"/>
+                                      </a:rPr>
+                                    </m:ctrlPr>
+                                  </m:sSubPr>
+                                  <m:e>
+                                    <m:acc>
+                                      <m:accPr>
+                                        <m:chr m:val="̇"/>
+                                        <m:ctrlPr>
+                                          <a:rPr lang="en-US" i="1">
+                                            <a:solidFill>
+                                              <a:prstClr val="black"/>
+                                            </a:solidFill>
+                                            <a:latin typeface="Cambria Math" panose="02040503050406030204" pitchFamily="18" charset="0"/>
+                                          </a:rPr>
+                                        </m:ctrlPr>
+                                      </m:accPr>
+                                      <m:e>
+                                        <m:r>
+                                          <a:rPr lang="en-US" i="1">
+                                            <a:solidFill>
+                                              <a:prstClr val="black"/>
+                                            </a:solidFill>
+                                            <a:latin typeface="Cambria Math" panose="02040503050406030204" pitchFamily="18" charset="0"/>
+                                            <a:ea typeface="Cambria Math" panose="02040503050406030204" pitchFamily="18" charset="0"/>
+                                          </a:rPr>
+                                          <m:t>𝜃</m:t>
+                                        </m:r>
+                                      </m:e>
+                                    </m:acc>
+                                  </m:e>
+                                  <m:sub>
                                     <m:r>
                                       <a:rPr lang="en-US" i="1">
                                         <a:solidFill>
@@ -21216,232 +22594,49 @@
                                         <a:latin typeface="Cambria Math" panose="02040503050406030204" pitchFamily="18" charset="0"/>
                                         <a:ea typeface="Cambria Math" panose="02040503050406030204" pitchFamily="18" charset="0"/>
                                       </a:rPr>
-                                      <m:t>𝜃</m:t>
+                                      <m:t>𝑡</m:t>
+                                    </m:r>
+                                  </m:sub>
+                                </m:sSub>
+                              </m:e>
+                              <m:e>
+                                <m:sSub>
+                                  <m:sSubPr>
+                                    <m:ctrlPr>
+                                      <a:rPr lang="en-US" i="1">
+                                        <a:solidFill>
+                                          <a:prstClr val="black"/>
+                                        </a:solidFill>
+                                        <a:latin typeface="Cambria Math" panose="02040503050406030204" pitchFamily="18" charset="0"/>
+                                      </a:rPr>
+                                    </m:ctrlPr>
+                                  </m:sSubPr>
+                                  <m:e>
+                                    <m:r>
+                                      <a:rPr lang="en-US" i="1">
+                                        <a:solidFill>
+                                          <a:prstClr val="black"/>
+                                        </a:solidFill>
+                                        <a:latin typeface="Cambria Math" panose="02040503050406030204" pitchFamily="18" charset="0"/>
+                                      </a:rPr>
+                                      <m:t>𝐹</m:t>
                                     </m:r>
                                   </m:e>
-                                </m:acc>
+                                  <m:sub>
+                                    <m:r>
+                                      <a:rPr lang="en-US" i="1">
+                                        <a:solidFill>
+                                          <a:prstClr val="black"/>
+                                        </a:solidFill>
+                                        <a:latin typeface="Cambria Math" panose="02040503050406030204" pitchFamily="18" charset="0"/>
+                                      </a:rPr>
+                                      <m:t>𝑡</m:t>
+                                    </m:r>
+                                  </m:sub>
+                                </m:sSub>
                               </m:e>
-                              <m:sub>
-                                <m:r>
-                                  <a:rPr lang="en-US" b="0" i="1" smtClean="0">
-                                    <a:solidFill>
-                                      <a:prstClr val="black"/>
-                                    </a:solidFill>
-                                    <a:latin typeface="Cambria Math" panose="02040503050406030204" pitchFamily="18" charset="0"/>
-                                    <a:ea typeface="Cambria Math" panose="02040503050406030204" pitchFamily="18" charset="0"/>
-                                  </a:rPr>
-                                  <m:t>𝑡</m:t>
-                                </m:r>
-                              </m:sub>
-                            </m:sSub>
-                          </m:e>
-                          <m:e>
-                            <m:sSub>
-                              <m:sSubPr>
-                                <m:ctrlPr>
-                                  <a:rPr kumimoji="0" lang="en-US" b="0" i="1" u="none" strike="noStrike" kern="1200" cap="none" spc="0" normalizeH="0" baseline="0" noProof="0" smtClean="0">
-                                    <a:ln>
-                                      <a:noFill/>
-                                    </a:ln>
-                                    <a:solidFill>
-                                      <a:prstClr val="black"/>
-                                    </a:solidFill>
-                                    <a:effectLst/>
-                                    <a:uLnTx/>
-                                    <a:uFillTx/>
-                                    <a:latin typeface="Cambria Math" panose="02040503050406030204" pitchFamily="18" charset="0"/>
-                                  </a:rPr>
-                                </m:ctrlPr>
-                              </m:sSubPr>
-                              <m:e>
-                                <m:r>
-                                  <a:rPr kumimoji="0" lang="en-US" b="0" i="1" u="none" strike="noStrike" kern="1200" cap="none" spc="0" normalizeH="0" baseline="0" noProof="0" smtClean="0">
-                                    <a:ln>
-                                      <a:noFill/>
-                                    </a:ln>
-                                    <a:solidFill>
-                                      <a:prstClr val="black"/>
-                                    </a:solidFill>
-                                    <a:effectLst/>
-                                    <a:uLnTx/>
-                                    <a:uFillTx/>
-                                    <a:latin typeface="Cambria Math" panose="02040503050406030204" pitchFamily="18" charset="0"/>
-                                  </a:rPr>
-                                  <m:t>𝐹</m:t>
-                                </m:r>
-                              </m:e>
-                              <m:sub>
-                                <m:r>
-                                  <a:rPr kumimoji="0" lang="en-US" b="0" i="1" u="none" strike="noStrike" kern="1200" cap="none" spc="0" normalizeH="0" baseline="0" noProof="0" smtClean="0">
-                                    <a:ln>
-                                      <a:noFill/>
-                                    </a:ln>
-                                    <a:solidFill>
-                                      <a:prstClr val="black"/>
-                                    </a:solidFill>
-                                    <a:effectLst/>
-                                    <a:uLnTx/>
-                                    <a:uFillTx/>
-                                    <a:latin typeface="Cambria Math" panose="02040503050406030204" pitchFamily="18" charset="0"/>
-                                  </a:rPr>
-                                  <m:t>𝑡</m:t>
-                                </m:r>
-                              </m:sub>
-                            </m:sSub>
-                          </m:e>
-                        </m:mr>
-                        <m:mr>
-                          <m:e>
-                            <m:r>
-                              <a:rPr kumimoji="0" lang="en-US" b="0" i="1" u="none" strike="noStrike" kern="1200" cap="none" spc="0" normalizeH="0" baseline="0" noProof="0" smtClean="0">
-                                <a:ln>
-                                  <a:noFill/>
-                                </a:ln>
-                                <a:solidFill>
-                                  <a:prstClr val="black"/>
-                                </a:solidFill>
-                                <a:effectLst/>
-                                <a:uLnTx/>
-                                <a:uFillTx/>
-                                <a:latin typeface="Cambria Math" panose="02040503050406030204" pitchFamily="18" charset="0"/>
-                              </a:rPr>
-                              <m:t>0</m:t>
-                            </m:r>
-                          </m:e>
-                          <m:e>
-                            <m:r>
-                              <a:rPr kumimoji="0" lang="en-US" b="0" i="1" u="none" strike="noStrike" kern="1200" cap="none" spc="0" normalizeH="0" baseline="0" noProof="0" smtClean="0">
-                                <a:ln>
-                                  <a:noFill/>
-                                </a:ln>
-                                <a:solidFill>
-                                  <a:prstClr val="black"/>
-                                </a:solidFill>
-                                <a:effectLst/>
-                                <a:uLnTx/>
-                                <a:uFillTx/>
-                                <a:latin typeface="Cambria Math" panose="02040503050406030204" pitchFamily="18" charset="0"/>
-                              </a:rPr>
-                              <m:t>0</m:t>
-                            </m:r>
-                          </m:e>
-                          <m:e>
-                            <m:sSub>
-                              <m:sSubPr>
-                                <m:ctrlPr>
-                                  <a:rPr kumimoji="0" lang="en-US" b="0" i="1" u="none" strike="noStrike" kern="1200" cap="none" spc="0" normalizeH="0" baseline="0" noProof="0" smtClean="0">
-                                    <a:ln>
-                                      <a:noFill/>
-                                    </a:ln>
-                                    <a:solidFill>
-                                      <a:prstClr val="black"/>
-                                    </a:solidFill>
-                                    <a:effectLst/>
-                                    <a:uLnTx/>
-                                    <a:uFillTx/>
-                                    <a:latin typeface="Cambria Math" panose="02040503050406030204" pitchFamily="18" charset="0"/>
-                                  </a:rPr>
-                                </m:ctrlPr>
-                              </m:sSubPr>
-                              <m:e>
-                                <m:r>
-                                  <a:rPr kumimoji="0" lang="en-US" b="0" i="1" u="none" strike="noStrike" kern="1200" cap="none" spc="0" normalizeH="0" baseline="0" noProof="0" smtClean="0">
-                                    <a:ln>
-                                      <a:noFill/>
-                                    </a:ln>
-                                    <a:solidFill>
-                                      <a:prstClr val="black"/>
-                                    </a:solidFill>
-                                    <a:effectLst/>
-                                    <a:uLnTx/>
-                                    <a:uFillTx/>
-                                    <a:latin typeface="Cambria Math" panose="02040503050406030204" pitchFamily="18" charset="0"/>
-                                  </a:rPr>
-                                  <m:t>𝐹</m:t>
-                                </m:r>
-                              </m:e>
-                              <m:sub>
-                                <m:r>
-                                  <a:rPr kumimoji="0" lang="en-US" b="0" i="1" u="none" strike="noStrike" kern="1200" cap="none" spc="0" normalizeH="0" baseline="0" noProof="0" smtClean="0">
-                                    <a:ln>
-                                      <a:noFill/>
-                                    </a:ln>
-                                    <a:solidFill>
-                                      <a:prstClr val="black"/>
-                                    </a:solidFill>
-                                    <a:effectLst/>
-                                    <a:uLnTx/>
-                                    <a:uFillTx/>
-                                    <a:latin typeface="Cambria Math" panose="02040503050406030204" pitchFamily="18" charset="0"/>
-                                  </a:rPr>
-                                  <m:t>𝑡</m:t>
-                                </m:r>
-                                <m:r>
-                                  <a:rPr kumimoji="0" lang="en-US" b="0" i="1" u="none" strike="noStrike" kern="1200" cap="none" spc="0" normalizeH="0" baseline="0" noProof="0" smtClean="0">
-                                    <a:ln>
-                                      <a:noFill/>
-                                    </a:ln>
-                                    <a:solidFill>
-                                      <a:prstClr val="black"/>
-                                    </a:solidFill>
-                                    <a:effectLst/>
-                                    <a:uLnTx/>
-                                    <a:uFillTx/>
-                                    <a:latin typeface="Cambria Math" panose="02040503050406030204" pitchFamily="18" charset="0"/>
-                                  </a:rPr>
-                                  <m:t>+1</m:t>
-                                </m:r>
-                              </m:sub>
-                            </m:sSub>
-                          </m:e>
-                        </m:mr>
-                        <m:mr>
-                          <m:e>
-                            <m:r>
-                              <a:rPr kumimoji="0" lang="en-US" b="0" i="1" u="none" strike="noStrike" kern="1200" cap="none" spc="0" normalizeH="0" baseline="0" noProof="0" smtClean="0">
-                                <a:ln>
-                                  <a:noFill/>
-                                </a:ln>
-                                <a:solidFill>
-                                  <a:prstClr val="black"/>
-                                </a:solidFill>
-                                <a:effectLst/>
-                                <a:uLnTx/>
-                                <a:uFillTx/>
-                                <a:latin typeface="Cambria Math" panose="02040503050406030204" pitchFamily="18" charset="0"/>
-                              </a:rPr>
-                              <m:t>0</m:t>
-                            </m:r>
-                          </m:e>
-                          <m:e>
-                            <m:r>
-                              <a:rPr kumimoji="0" lang="en-US" b="0" i="1" u="none" strike="noStrike" kern="1200" cap="none" spc="0" normalizeH="0" baseline="0" noProof="0" smtClean="0">
-                                <a:ln>
-                                  <a:noFill/>
-                                </a:ln>
-                                <a:solidFill>
-                                  <a:prstClr val="black"/>
-                                </a:solidFill>
-                                <a:effectLst/>
-                                <a:uLnTx/>
-                                <a:uFillTx/>
-                                <a:latin typeface="Cambria Math" panose="02040503050406030204" pitchFamily="18" charset="0"/>
-                              </a:rPr>
-                              <m:t>0</m:t>
-                            </m:r>
-                          </m:e>
-                          <m:e>
-                            <m:sSub>
-                              <m:sSubPr>
-                                <m:ctrlPr>
-                                  <a:rPr lang="en-US" i="1">
-                                    <a:solidFill>
-                                      <a:prstClr val="black"/>
-                                    </a:solidFill>
-                                    <a:latin typeface="Cambria Math" panose="02040503050406030204" pitchFamily="18" charset="0"/>
-                                  </a:rPr>
-                                </m:ctrlPr>
-                              </m:sSubPr>
+                            </m:mr>
+                            <m:mr>
                               <m:e>
                                 <m:r>
                                   <a:rPr lang="en-US" i="1">
@@ -21450,120 +22645,9 @@
                                     </a:solidFill>
                                     <a:latin typeface="Cambria Math" panose="02040503050406030204" pitchFamily="18" charset="0"/>
                                   </a:rPr>
-                                  <m:t>𝐹</m:t>
+                                  <m:t>0</m:t>
                                 </m:r>
                               </m:e>
-                              <m:sub>
-                                <m:r>
-                                  <a:rPr lang="en-US" i="1">
-                                    <a:solidFill>
-                                      <a:prstClr val="black"/>
-                                    </a:solidFill>
-                                    <a:latin typeface="Cambria Math" panose="02040503050406030204" pitchFamily="18" charset="0"/>
-                                  </a:rPr>
-                                  <m:t>𝑡</m:t>
-                                </m:r>
-                                <m:r>
-                                  <a:rPr lang="en-US" i="1">
-                                    <a:solidFill>
-                                      <a:prstClr val="black"/>
-                                    </a:solidFill>
-                                    <a:latin typeface="Cambria Math" panose="02040503050406030204" pitchFamily="18" charset="0"/>
-                                  </a:rPr>
-                                  <m:t>+2</m:t>
-                                </m:r>
-                              </m:sub>
-                            </m:sSub>
-                          </m:e>
-                        </m:mr>
-                        <m:mr>
-                          <m:e>
-                            <m:r>
-                              <a:rPr kumimoji="0" lang="en-US" b="0" i="1" u="none" strike="noStrike" kern="1200" cap="none" spc="0" normalizeH="0" baseline="0" noProof="0" smtClean="0">
-                                <a:ln>
-                                  <a:noFill/>
-                                </a:ln>
-                                <a:solidFill>
-                                  <a:prstClr val="black"/>
-                                </a:solidFill>
-                                <a:effectLst/>
-                                <a:uLnTx/>
-                                <a:uFillTx/>
-                                <a:latin typeface="Cambria Math" panose="02040503050406030204" pitchFamily="18" charset="0"/>
-                              </a:rPr>
-                              <m:t>⋮</m:t>
-                            </m:r>
-                          </m:e>
-                          <m:e>
-                            <m:r>
-                              <a:rPr lang="en-US" i="1">
-                                <a:solidFill>
-                                  <a:prstClr val="black"/>
-                                </a:solidFill>
-                                <a:latin typeface="Cambria Math" panose="02040503050406030204" pitchFamily="18" charset="0"/>
-                              </a:rPr>
-                              <m:t>⋮</m:t>
-                            </m:r>
-                          </m:e>
-                          <m:e>
-                            <m:r>
-                              <a:rPr lang="en-US" i="1">
-                                <a:solidFill>
-                                  <a:prstClr val="black"/>
-                                </a:solidFill>
-                                <a:latin typeface="Cambria Math" panose="02040503050406030204" pitchFamily="18" charset="0"/>
-                              </a:rPr>
-                              <m:t>⋮</m:t>
-                            </m:r>
-                          </m:e>
-                        </m:mr>
-                        <m:mr>
-                          <m:e>
-                            <m:r>
-                              <a:rPr kumimoji="0" lang="en-US" b="0" i="1" u="none" strike="noStrike" kern="1200" cap="none" spc="0" normalizeH="0" baseline="0" noProof="0" smtClean="0">
-                                <a:ln>
-                                  <a:noFill/>
-                                </a:ln>
-                                <a:solidFill>
-                                  <a:prstClr val="black"/>
-                                </a:solidFill>
-                                <a:effectLst/>
-                                <a:uLnTx/>
-                                <a:uFillTx/>
-                                <a:latin typeface="Cambria Math" panose="02040503050406030204" pitchFamily="18" charset="0"/>
-                              </a:rPr>
-                              <m:t>0</m:t>
-                            </m:r>
-                          </m:e>
-                          <m:e>
-                            <m:r>
-                              <a:rPr kumimoji="0" lang="en-US" b="0" i="1" u="none" strike="noStrike" kern="1200" cap="none" spc="0" normalizeH="0" baseline="0" noProof="0" smtClean="0">
-                                <a:ln>
-                                  <a:noFill/>
-                                </a:ln>
-                                <a:solidFill>
-                                  <a:prstClr val="black"/>
-                                </a:solidFill>
-                                <a:effectLst/>
-                                <a:uLnTx/>
-                                <a:uFillTx/>
-                                <a:latin typeface="Cambria Math" panose="02040503050406030204" pitchFamily="18" charset="0"/>
-                              </a:rPr>
-                              <m:t>0</m:t>
-                            </m:r>
-                          </m:e>
-                          <m:e>
-                            <m:sSub>
-                              <m:sSubPr>
-                                <m:ctrlPr>
-                                  <a:rPr lang="en-US" i="1">
-                                    <a:solidFill>
-                                      <a:prstClr val="black"/>
-                                    </a:solidFill>
-                                    <a:latin typeface="Cambria Math" panose="02040503050406030204" pitchFamily="18" charset="0"/>
-                                  </a:rPr>
-                                </m:ctrlPr>
-                              </m:sSubPr>
                               <m:e>
                                 <m:r>
                                   <a:rPr lang="en-US" i="1">
@@ -21572,33 +22656,231 @@
                                     </a:solidFill>
                                     <a:latin typeface="Cambria Math" panose="02040503050406030204" pitchFamily="18" charset="0"/>
                                   </a:rPr>
-                                  <m:t>𝐹</m:t>
+                                  <m:t>0</m:t>
                                 </m:r>
                               </m:e>
-                              <m:sub>
+                              <m:e>
+                                <m:sSub>
+                                  <m:sSubPr>
+                                    <m:ctrlPr>
+                                      <a:rPr lang="en-US" i="1">
+                                        <a:solidFill>
+                                          <a:prstClr val="black"/>
+                                        </a:solidFill>
+                                        <a:latin typeface="Cambria Math" panose="02040503050406030204" pitchFamily="18" charset="0"/>
+                                      </a:rPr>
+                                    </m:ctrlPr>
+                                  </m:sSubPr>
+                                  <m:e>
+                                    <m:r>
+                                      <a:rPr lang="en-US" i="1">
+                                        <a:solidFill>
+                                          <a:prstClr val="black"/>
+                                        </a:solidFill>
+                                        <a:latin typeface="Cambria Math" panose="02040503050406030204" pitchFamily="18" charset="0"/>
+                                      </a:rPr>
+                                      <m:t>𝐹</m:t>
+                                    </m:r>
+                                  </m:e>
+                                  <m:sub>
+                                    <m:r>
+                                      <a:rPr lang="en-US" i="1">
+                                        <a:solidFill>
+                                          <a:prstClr val="black"/>
+                                        </a:solidFill>
+                                        <a:latin typeface="Cambria Math" panose="02040503050406030204" pitchFamily="18" charset="0"/>
+                                      </a:rPr>
+                                      <m:t>𝑡</m:t>
+                                    </m:r>
+                                    <m:r>
+                                      <a:rPr lang="en-US" i="1">
+                                        <a:solidFill>
+                                          <a:prstClr val="black"/>
+                                        </a:solidFill>
+                                        <a:latin typeface="Cambria Math" panose="02040503050406030204" pitchFamily="18" charset="0"/>
+                                      </a:rPr>
+                                      <m:t>+1</m:t>
+                                    </m:r>
+                                  </m:sub>
+                                </m:sSub>
+                              </m:e>
+                            </m:mr>
+                            <m:mr>
+                              <m:e>
                                 <m:r>
-                                  <a:rPr lang="en-US" b="0" i="1" smtClean="0">
+                                  <a:rPr lang="en-US" i="1">
                                     <a:solidFill>
                                       <a:prstClr val="black"/>
                                     </a:solidFill>
                                     <a:latin typeface="Cambria Math" panose="02040503050406030204" pitchFamily="18" charset="0"/>
                                   </a:rPr>
-                                  <m:t>𝑇</m:t>
+                                  <m:t>0</m:t>
                                 </m:r>
+                              </m:e>
+                              <m:e>
                                 <m:r>
-                                  <a:rPr lang="en-US" b="0" i="1" smtClean="0">
+                                  <a:rPr lang="en-US" i="1">
                                     <a:solidFill>
                                       <a:prstClr val="black"/>
                                     </a:solidFill>
                                     <a:latin typeface="Cambria Math" panose="02040503050406030204" pitchFamily="18" charset="0"/>
                                   </a:rPr>
-                                  <m:t>−1</m:t>
+                                  <m:t>0</m:t>
                                 </m:r>
-                              </m:sub>
-                            </m:sSub>
-                          </m:e>
-                        </m:mr>
-                      </m:m>
+                              </m:e>
+                              <m:e>
+                                <m:sSub>
+                                  <m:sSubPr>
+                                    <m:ctrlPr>
+                                      <a:rPr lang="en-US" i="1">
+                                        <a:solidFill>
+                                          <a:prstClr val="black"/>
+                                        </a:solidFill>
+                                        <a:latin typeface="Cambria Math" panose="02040503050406030204" pitchFamily="18" charset="0"/>
+                                      </a:rPr>
+                                    </m:ctrlPr>
+                                  </m:sSubPr>
+                                  <m:e>
+                                    <m:r>
+                                      <a:rPr lang="en-US" i="1">
+                                        <a:solidFill>
+                                          <a:prstClr val="black"/>
+                                        </a:solidFill>
+                                        <a:latin typeface="Cambria Math" panose="02040503050406030204" pitchFamily="18" charset="0"/>
+                                      </a:rPr>
+                                      <m:t>𝐹</m:t>
+                                    </m:r>
+                                  </m:e>
+                                  <m:sub>
+                                    <m:r>
+                                      <a:rPr lang="en-US" i="1">
+                                        <a:solidFill>
+                                          <a:prstClr val="black"/>
+                                        </a:solidFill>
+                                        <a:latin typeface="Cambria Math" panose="02040503050406030204" pitchFamily="18" charset="0"/>
+                                      </a:rPr>
+                                      <m:t>𝑡</m:t>
+                                    </m:r>
+                                    <m:r>
+                                      <a:rPr lang="en-US" i="1">
+                                        <a:solidFill>
+                                          <a:prstClr val="black"/>
+                                        </a:solidFill>
+                                        <a:latin typeface="Cambria Math" panose="02040503050406030204" pitchFamily="18" charset="0"/>
+                                      </a:rPr>
+                                      <m:t>+2</m:t>
+                                    </m:r>
+                                  </m:sub>
+                                </m:sSub>
+                              </m:e>
+                            </m:mr>
+                            <m:mr>
+                              <m:e>
+                                <m:r>
+                                  <a:rPr lang="en-US" i="1">
+                                    <a:solidFill>
+                                      <a:prstClr val="black"/>
+                                    </a:solidFill>
+                                    <a:latin typeface="Cambria Math" panose="02040503050406030204" pitchFamily="18" charset="0"/>
+                                  </a:rPr>
+                                  <m:t>⋮</m:t>
+                                </m:r>
+                              </m:e>
+                              <m:e>
+                                <m:r>
+                                  <a:rPr lang="en-US" i="1">
+                                    <a:solidFill>
+                                      <a:prstClr val="black"/>
+                                    </a:solidFill>
+                                    <a:latin typeface="Cambria Math" panose="02040503050406030204" pitchFamily="18" charset="0"/>
+                                  </a:rPr>
+                                  <m:t>⋮</m:t>
+                                </m:r>
+                              </m:e>
+                              <m:e>
+                                <m:r>
+                                  <a:rPr lang="en-US" i="1">
+                                    <a:solidFill>
+                                      <a:prstClr val="black"/>
+                                    </a:solidFill>
+                                    <a:latin typeface="Cambria Math" panose="02040503050406030204" pitchFamily="18" charset="0"/>
+                                  </a:rPr>
+                                  <m:t>⋮</m:t>
+                                </m:r>
+                              </m:e>
+                            </m:mr>
+                            <m:mr>
+                              <m:e>
+                                <m:r>
+                                  <a:rPr lang="en-US" i="1">
+                                    <a:solidFill>
+                                      <a:prstClr val="black"/>
+                                    </a:solidFill>
+                                    <a:latin typeface="Cambria Math" panose="02040503050406030204" pitchFamily="18" charset="0"/>
+                                  </a:rPr>
+                                  <m:t>0</m:t>
+                                </m:r>
+                              </m:e>
+                              <m:e>
+                                <m:r>
+                                  <a:rPr lang="en-US" i="1">
+                                    <a:solidFill>
+                                      <a:prstClr val="black"/>
+                                    </a:solidFill>
+                                    <a:latin typeface="Cambria Math" panose="02040503050406030204" pitchFamily="18" charset="0"/>
+                                  </a:rPr>
+                                  <m:t>0</m:t>
+                                </m:r>
+                              </m:e>
+                              <m:e>
+                                <m:sSub>
+                                  <m:sSubPr>
+                                    <m:ctrlPr>
+                                      <a:rPr lang="en-US" i="1">
+                                        <a:solidFill>
+                                          <a:prstClr val="black"/>
+                                        </a:solidFill>
+                                        <a:latin typeface="Cambria Math" panose="02040503050406030204" pitchFamily="18" charset="0"/>
+                                      </a:rPr>
+                                    </m:ctrlPr>
+                                  </m:sSubPr>
+                                  <m:e>
+                                    <m:r>
+                                      <a:rPr lang="en-US" i="1">
+                                        <a:solidFill>
+                                          <a:prstClr val="black"/>
+                                        </a:solidFill>
+                                        <a:latin typeface="Cambria Math" panose="02040503050406030204" pitchFamily="18" charset="0"/>
+                                      </a:rPr>
+                                      <m:t>𝐹</m:t>
+                                    </m:r>
+                                  </m:e>
+                                  <m:sub>
+                                    <m:r>
+                                      <a:rPr lang="en-US" i="1">
+                                        <a:solidFill>
+                                          <a:prstClr val="black"/>
+                                        </a:solidFill>
+                                        <a:latin typeface="Cambria Math" panose="02040503050406030204" pitchFamily="18" charset="0"/>
+                                      </a:rPr>
+                                      <m:t>𝑇</m:t>
+                                    </m:r>
+                                    <m:r>
+                                      <a:rPr lang="en-US" i="1">
+                                        <a:solidFill>
+                                          <a:prstClr val="black"/>
+                                        </a:solidFill>
+                                        <a:latin typeface="Cambria Math" panose="02040503050406030204" pitchFamily="18" charset="0"/>
+                                      </a:rPr>
+                                      <m:t>−1</m:t>
+                                    </m:r>
+                                  </m:sub>
+                                </m:sSub>
+                              </m:e>
+                            </m:mr>
+                          </m:m>
+                        </m:e>
+                      </m:d>
                     </m:oMath>
                   </m:oMathPara>
                 </a14:m>
@@ -21618,7 +22900,7 @@
             </p:txBody>
           </p:sp>
         </mc:Choice>
-        <mc:Fallback>
+        <mc:Fallback xmlns="">
           <p:sp>
             <p:nvSpPr>
               <p:cNvPr id="11" name="TextBox 10">
@@ -21636,7 +22918,7 @@
             <p:spPr>
               <a:xfrm>
                 <a:off x="2666352" y="4096757"/>
-                <a:ext cx="1863267" cy="1674946"/>
+                <a:ext cx="2024849" cy="1674946"/>
               </a:xfrm>
               <a:prstGeom prst="rect">
                 <a:avLst/>
@@ -21663,8 +22945,8 @@
           </p:sp>
         </mc:Fallback>
       </mc:AlternateContent>
-      <mc:AlternateContent xmlns:mc="http://schemas.openxmlformats.org/markup-compatibility/2006">
-        <mc:Choice xmlns:a14="http://schemas.microsoft.com/office/drawing/2010/main" Requires="a14">
+      <mc:AlternateContent xmlns:mc="http://schemas.openxmlformats.org/markup-compatibility/2006" xmlns:a14="http://schemas.microsoft.com/office/drawing/2010/main">
+        <mc:Choice Requires="a14">
           <p:sp>
             <p:nvSpPr>
               <p:cNvPr id="12" name="TextBox 11">
@@ -21680,7 +22962,7 @@
             <p:spPr>
               <a:xfrm>
                 <a:off x="7126100" y="4096757"/>
-                <a:ext cx="1588320" cy="1793248"/>
+                <a:ext cx="1749903" cy="1793248"/>
               </a:xfrm>
               <a:prstGeom prst="rect">
                 <a:avLst/>
@@ -21737,16 +23019,10 @@
                         </a:rPr>
                         <m:t>=</m:t>
                       </m:r>
-                      <m:m>
-                        <m:mPr>
-                          <m:mcs>
-                            <m:mc>
-                              <m:mcPr>
-                                <m:count m:val="2"/>
-                                <m:mcJc m:val="center"/>
-                              </m:mcPr>
-                            </m:mc>
-                          </m:mcs>
+                      <m:d>
+                        <m:dPr>
+                          <m:begChr m:val="["/>
+                          <m:endChr m:val="]"/>
                           <m:ctrlPr>
                             <a:rPr kumimoji="0" lang="en-US" b="0" i="1" u="none" strike="noStrike" kern="1200" cap="none" spc="0" normalizeH="0" baseline="0" noProof="0" smtClean="0">
                               <a:ln>
@@ -21761,20 +23037,361 @@
                               <a:latin typeface="Cambria Math" panose="02040503050406030204" pitchFamily="18" charset="0"/>
                             </a:rPr>
                           </m:ctrlPr>
-                        </m:mPr>
-                        <m:mr>
-                          <m:e>
-                            <m:sSub>
-                              <m:sSubPr>
-                                <m:ctrlPr>
-                                  <a:rPr lang="en-US" i="1">
-                                    <a:solidFill>
-                                      <a:prstClr val="black"/>
-                                    </a:solidFill>
-                                    <a:latin typeface="Cambria Math" panose="02040503050406030204" pitchFamily="18" charset="0"/>
-                                  </a:rPr>
-                                </m:ctrlPr>
-                              </m:sSubPr>
+                        </m:dPr>
+                        <m:e>
+                          <m:m>
+                            <m:mPr>
+                              <m:mcs>
+                                <m:mc>
+                                  <m:mcPr>
+                                    <m:count m:val="2"/>
+                                    <m:mcJc m:val="center"/>
+                                  </m:mcPr>
+                                </m:mc>
+                              </m:mcs>
+                              <m:ctrlPr>
+                                <a:rPr lang="en-US" i="1">
+                                  <a:solidFill>
+                                    <a:prstClr val="black"/>
+                                  </a:solidFill>
+                                  <a:latin typeface="Cambria Math" panose="02040503050406030204" pitchFamily="18" charset="0"/>
+                                </a:rPr>
+                              </m:ctrlPr>
+                            </m:mPr>
+                            <m:mr>
+                              <m:e>
+                                <m:sSub>
+                                  <m:sSubPr>
+                                    <m:ctrlPr>
+                                      <a:rPr lang="en-US" i="1">
+                                        <a:solidFill>
+                                          <a:prstClr val="black"/>
+                                        </a:solidFill>
+                                        <a:latin typeface="Cambria Math" panose="02040503050406030204" pitchFamily="18" charset="0"/>
+                                      </a:rPr>
+                                    </m:ctrlPr>
+                                  </m:sSubPr>
+                                  <m:e>
+                                    <m:r>
+                                      <a:rPr lang="en-US" i="1">
+                                        <a:solidFill>
+                                          <a:prstClr val="black"/>
+                                        </a:solidFill>
+                                        <a:latin typeface="Cambria Math" panose="02040503050406030204" pitchFamily="18" charset="0"/>
+                                      </a:rPr>
+                                      <m:t>𝜃</m:t>
+                                    </m:r>
+                                  </m:e>
+                                  <m:sub>
+                                    <m:r>
+                                      <a:rPr lang="en-US" i="1">
+                                        <a:solidFill>
+                                          <a:prstClr val="black"/>
+                                        </a:solidFill>
+                                        <a:latin typeface="Cambria Math" panose="02040503050406030204" pitchFamily="18" charset="0"/>
+                                      </a:rPr>
+                                      <m:t>𝑡</m:t>
+                                    </m:r>
+                                    <m:r>
+                                      <a:rPr lang="en-US" i="1">
+                                        <a:solidFill>
+                                          <a:prstClr val="black"/>
+                                        </a:solidFill>
+                                        <a:latin typeface="Cambria Math" panose="02040503050406030204" pitchFamily="18" charset="0"/>
+                                      </a:rPr>
+                                      <m:t>+1</m:t>
+                                    </m:r>
+                                  </m:sub>
+                                </m:sSub>
+                              </m:e>
+                              <m:e>
+                                <m:sSub>
+                                  <m:sSubPr>
+                                    <m:ctrlPr>
+                                      <a:rPr lang="en-US" i="1">
+                                        <a:solidFill>
+                                          <a:prstClr val="black"/>
+                                        </a:solidFill>
+                                        <a:latin typeface="Cambria Math" panose="02040503050406030204" pitchFamily="18" charset="0"/>
+                                        <a:ea typeface="Cambria Math" panose="02040503050406030204" pitchFamily="18" charset="0"/>
+                                      </a:rPr>
+                                    </m:ctrlPr>
+                                  </m:sSubPr>
+                                  <m:e>
+                                    <m:acc>
+                                      <m:accPr>
+                                        <m:chr m:val="̇"/>
+                                        <m:ctrlPr>
+                                          <a:rPr lang="en-US" i="1">
+                                            <a:solidFill>
+                                              <a:prstClr val="black"/>
+                                            </a:solidFill>
+                                            <a:latin typeface="Cambria Math" panose="02040503050406030204" pitchFamily="18" charset="0"/>
+                                          </a:rPr>
+                                        </m:ctrlPr>
+                                      </m:accPr>
+                                      <m:e>
+                                        <m:r>
+                                          <a:rPr lang="en-US" i="1">
+                                            <a:solidFill>
+                                              <a:prstClr val="black"/>
+                                            </a:solidFill>
+                                            <a:latin typeface="Cambria Math" panose="02040503050406030204" pitchFamily="18" charset="0"/>
+                                            <a:ea typeface="Cambria Math" panose="02040503050406030204" pitchFamily="18" charset="0"/>
+                                          </a:rPr>
+                                          <m:t>𝜃</m:t>
+                                        </m:r>
+                                      </m:e>
+                                    </m:acc>
+                                  </m:e>
+                                  <m:sub>
+                                    <m:r>
+                                      <a:rPr lang="en-US" i="1">
+                                        <a:solidFill>
+                                          <a:prstClr val="black"/>
+                                        </a:solidFill>
+                                        <a:latin typeface="Cambria Math" panose="02040503050406030204" pitchFamily="18" charset="0"/>
+                                        <a:ea typeface="Cambria Math" panose="02040503050406030204" pitchFamily="18" charset="0"/>
+                                      </a:rPr>
+                                      <m:t>𝑡</m:t>
+                                    </m:r>
+                                    <m:r>
+                                      <a:rPr lang="en-US" i="1">
+                                        <a:solidFill>
+                                          <a:prstClr val="black"/>
+                                        </a:solidFill>
+                                        <a:latin typeface="Cambria Math" panose="02040503050406030204" pitchFamily="18" charset="0"/>
+                                        <a:ea typeface="Cambria Math" panose="02040503050406030204" pitchFamily="18" charset="0"/>
+                                      </a:rPr>
+                                      <m:t>+1</m:t>
+                                    </m:r>
+                                  </m:sub>
+                                </m:sSub>
+                              </m:e>
+                            </m:mr>
+                            <m:mr>
+                              <m:e>
+                                <m:sSub>
+                                  <m:sSubPr>
+                                    <m:ctrlPr>
+                                      <a:rPr lang="en-US" i="1">
+                                        <a:solidFill>
+                                          <a:prstClr val="black"/>
+                                        </a:solidFill>
+                                        <a:latin typeface="Cambria Math" panose="02040503050406030204" pitchFamily="18" charset="0"/>
+                                      </a:rPr>
+                                    </m:ctrlPr>
+                                  </m:sSubPr>
+                                  <m:e>
+                                    <m:r>
+                                      <a:rPr lang="en-US" i="1">
+                                        <a:solidFill>
+                                          <a:prstClr val="black"/>
+                                        </a:solidFill>
+                                        <a:latin typeface="Cambria Math" panose="02040503050406030204" pitchFamily="18" charset="0"/>
+                                      </a:rPr>
+                                      <m:t>𝜃</m:t>
+                                    </m:r>
+                                  </m:e>
+                                  <m:sub>
+                                    <m:r>
+                                      <a:rPr lang="en-US" i="1">
+                                        <a:solidFill>
+                                          <a:prstClr val="black"/>
+                                        </a:solidFill>
+                                        <a:latin typeface="Cambria Math" panose="02040503050406030204" pitchFamily="18" charset="0"/>
+                                      </a:rPr>
+                                      <m:t>𝑡</m:t>
+                                    </m:r>
+                                    <m:r>
+                                      <a:rPr lang="en-US" i="1">
+                                        <a:solidFill>
+                                          <a:prstClr val="black"/>
+                                        </a:solidFill>
+                                        <a:latin typeface="Cambria Math" panose="02040503050406030204" pitchFamily="18" charset="0"/>
+                                      </a:rPr>
+                                      <m:t>+2</m:t>
+                                    </m:r>
+                                  </m:sub>
+                                </m:sSub>
+                              </m:e>
+                              <m:e>
+                                <m:sSub>
+                                  <m:sSubPr>
+                                    <m:ctrlPr>
+                                      <a:rPr lang="en-US" i="1">
+                                        <a:solidFill>
+                                          <a:prstClr val="black"/>
+                                        </a:solidFill>
+                                        <a:latin typeface="Cambria Math" panose="02040503050406030204" pitchFamily="18" charset="0"/>
+                                        <a:ea typeface="Cambria Math" panose="02040503050406030204" pitchFamily="18" charset="0"/>
+                                      </a:rPr>
+                                    </m:ctrlPr>
+                                  </m:sSubPr>
+                                  <m:e>
+                                    <m:acc>
+                                      <m:accPr>
+                                        <m:chr m:val="̇"/>
+                                        <m:ctrlPr>
+                                          <a:rPr lang="en-US" i="1">
+                                            <a:solidFill>
+                                              <a:prstClr val="black"/>
+                                            </a:solidFill>
+                                            <a:latin typeface="Cambria Math" panose="02040503050406030204" pitchFamily="18" charset="0"/>
+                                          </a:rPr>
+                                        </m:ctrlPr>
+                                      </m:accPr>
+                                      <m:e>
+                                        <m:r>
+                                          <a:rPr lang="en-US" i="1">
+                                            <a:solidFill>
+                                              <a:prstClr val="black"/>
+                                            </a:solidFill>
+                                            <a:latin typeface="Cambria Math" panose="02040503050406030204" pitchFamily="18" charset="0"/>
+                                            <a:ea typeface="Cambria Math" panose="02040503050406030204" pitchFamily="18" charset="0"/>
+                                          </a:rPr>
+                                          <m:t>𝜃</m:t>
+                                        </m:r>
+                                      </m:e>
+                                    </m:acc>
+                                  </m:e>
+                                  <m:sub>
+                                    <m:r>
+                                      <a:rPr lang="en-US" i="1">
+                                        <a:solidFill>
+                                          <a:prstClr val="black"/>
+                                        </a:solidFill>
+                                        <a:latin typeface="Cambria Math" panose="02040503050406030204" pitchFamily="18" charset="0"/>
+                                        <a:ea typeface="Cambria Math" panose="02040503050406030204" pitchFamily="18" charset="0"/>
+                                      </a:rPr>
+                                      <m:t>𝑡</m:t>
+                                    </m:r>
+                                    <m:r>
+                                      <a:rPr lang="en-US" i="1">
+                                        <a:solidFill>
+                                          <a:prstClr val="black"/>
+                                        </a:solidFill>
+                                        <a:latin typeface="Cambria Math" panose="02040503050406030204" pitchFamily="18" charset="0"/>
+                                        <a:ea typeface="Cambria Math" panose="02040503050406030204" pitchFamily="18" charset="0"/>
+                                      </a:rPr>
+                                      <m:t>+2</m:t>
+                                    </m:r>
+                                  </m:sub>
+                                </m:sSub>
+                              </m:e>
+                            </m:mr>
+                            <m:mr>
+                              <m:e>
+                                <m:sSub>
+                                  <m:sSubPr>
+                                    <m:ctrlPr>
+                                      <a:rPr lang="en-US" i="1">
+                                        <a:solidFill>
+                                          <a:prstClr val="black"/>
+                                        </a:solidFill>
+                                        <a:latin typeface="Cambria Math" panose="02040503050406030204" pitchFamily="18" charset="0"/>
+                                      </a:rPr>
+                                    </m:ctrlPr>
+                                  </m:sSubPr>
+                                  <m:e>
+                                    <m:r>
+                                      <a:rPr lang="en-US" i="1">
+                                        <a:solidFill>
+                                          <a:prstClr val="black"/>
+                                        </a:solidFill>
+                                        <a:latin typeface="Cambria Math" panose="02040503050406030204" pitchFamily="18" charset="0"/>
+                                      </a:rPr>
+                                      <m:t>𝜃</m:t>
+                                    </m:r>
+                                  </m:e>
+                                  <m:sub>
+                                    <m:r>
+                                      <a:rPr lang="en-US" i="1">
+                                        <a:solidFill>
+                                          <a:prstClr val="black"/>
+                                        </a:solidFill>
+                                        <a:latin typeface="Cambria Math" panose="02040503050406030204" pitchFamily="18" charset="0"/>
+                                      </a:rPr>
+                                      <m:t>𝑡</m:t>
+                                    </m:r>
+                                    <m:r>
+                                      <a:rPr lang="en-US" i="1">
+                                        <a:solidFill>
+                                          <a:prstClr val="black"/>
+                                        </a:solidFill>
+                                        <a:latin typeface="Cambria Math" panose="02040503050406030204" pitchFamily="18" charset="0"/>
+                                      </a:rPr>
+                                      <m:t>+3</m:t>
+                                    </m:r>
+                                  </m:sub>
+                                </m:sSub>
+                              </m:e>
+                              <m:e>
+                                <m:sSub>
+                                  <m:sSubPr>
+                                    <m:ctrlPr>
+                                      <a:rPr lang="en-US" i="1">
+                                        <a:solidFill>
+                                          <a:prstClr val="black"/>
+                                        </a:solidFill>
+                                        <a:latin typeface="Cambria Math" panose="02040503050406030204" pitchFamily="18" charset="0"/>
+                                        <a:ea typeface="Cambria Math" panose="02040503050406030204" pitchFamily="18" charset="0"/>
+                                      </a:rPr>
+                                    </m:ctrlPr>
+                                  </m:sSubPr>
+                                  <m:e>
+                                    <m:acc>
+                                      <m:accPr>
+                                        <m:chr m:val="̇"/>
+                                        <m:ctrlPr>
+                                          <a:rPr lang="en-US" i="1">
+                                            <a:solidFill>
+                                              <a:prstClr val="black"/>
+                                            </a:solidFill>
+                                            <a:latin typeface="Cambria Math" panose="02040503050406030204" pitchFamily="18" charset="0"/>
+                                          </a:rPr>
+                                        </m:ctrlPr>
+                                      </m:accPr>
+                                      <m:e>
+                                        <m:r>
+                                          <a:rPr lang="en-US" i="1">
+                                            <a:solidFill>
+                                              <a:prstClr val="black"/>
+                                            </a:solidFill>
+                                            <a:latin typeface="Cambria Math" panose="02040503050406030204" pitchFamily="18" charset="0"/>
+                                            <a:ea typeface="Cambria Math" panose="02040503050406030204" pitchFamily="18" charset="0"/>
+                                          </a:rPr>
+                                          <m:t>𝜃</m:t>
+                                        </m:r>
+                                      </m:e>
+                                    </m:acc>
+                                  </m:e>
+                                  <m:sub>
+                                    <m:r>
+                                      <a:rPr lang="en-US" i="1">
+                                        <a:solidFill>
+                                          <a:prstClr val="black"/>
+                                        </a:solidFill>
+                                        <a:latin typeface="Cambria Math" panose="02040503050406030204" pitchFamily="18" charset="0"/>
+                                        <a:ea typeface="Cambria Math" panose="02040503050406030204" pitchFamily="18" charset="0"/>
+                                      </a:rPr>
+                                      <m:t>𝑡</m:t>
+                                    </m:r>
+                                    <m:r>
+                                      <a:rPr lang="en-US" i="1">
+                                        <a:solidFill>
+                                          <a:prstClr val="black"/>
+                                        </a:solidFill>
+                                        <a:latin typeface="Cambria Math" panose="02040503050406030204" pitchFamily="18" charset="0"/>
+                                        <a:ea typeface="Cambria Math" panose="02040503050406030204" pitchFamily="18" charset="0"/>
+                                      </a:rPr>
+                                      <m:t>+3</m:t>
+                                    </m:r>
+                                  </m:sub>
+                                </m:sSub>
+                              </m:e>
+                            </m:mr>
+                            <m:mr>
                               <m:e>
                                 <m:r>
                                   <a:rPr lang="en-US" i="1">
@@ -21783,10 +23400,10 @@
                                     </a:solidFill>
                                     <a:latin typeface="Cambria Math" panose="02040503050406030204" pitchFamily="18" charset="0"/>
                                   </a:rPr>
-                                  <m:t>𝜃</m:t>
+                                  <m:t>⋮</m:t>
                                 </m:r>
                               </m:e>
-                              <m:sub>
+                              <m:e>
                                 <m:r>
                                   <a:rPr lang="en-US" i="1">
                                     <a:solidFill>
@@ -21794,37 +23411,14 @@
                                     </a:solidFill>
                                     <a:latin typeface="Cambria Math" panose="02040503050406030204" pitchFamily="18" charset="0"/>
                                   </a:rPr>
-                                  <m:t>𝑡</m:t>
+                                  <m:t>⋮</m:t>
                                 </m:r>
-                                <m:r>
-                                  <a:rPr lang="en-US" b="0" i="1" smtClean="0">
-                                    <a:solidFill>
-                                      <a:prstClr val="black"/>
-                                    </a:solidFill>
-                                    <a:latin typeface="Cambria Math" panose="02040503050406030204" pitchFamily="18" charset="0"/>
-                                  </a:rPr>
-                                  <m:t>+1</m:t>
-                                </m:r>
-                              </m:sub>
-                            </m:sSub>
-                          </m:e>
-                          <m:e>
-                            <m:sSub>
-                              <m:sSubPr>
-                                <m:ctrlPr>
-                                  <a:rPr lang="en-US" i="1">
-                                    <a:solidFill>
-                                      <a:prstClr val="black"/>
-                                    </a:solidFill>
-                                    <a:latin typeface="Cambria Math" panose="02040503050406030204" pitchFamily="18" charset="0"/>
-                                    <a:ea typeface="Cambria Math" panose="02040503050406030204" pitchFamily="18" charset="0"/>
-                                  </a:rPr>
-                                </m:ctrlPr>
-                              </m:sSubPr>
+                              </m:e>
+                            </m:mr>
+                            <m:mr>
                               <m:e>
-                                <m:acc>
-                                  <m:accPr>
-                                    <m:chr m:val="̇"/>
+                                <m:sSub>
+                                  <m:sSubPr>
                                     <m:ctrlPr>
                                       <a:rPr lang="en-US" i="1">
                                         <a:solidFill>
@@ -21833,8 +23427,72 @@
                                         <a:latin typeface="Cambria Math" panose="02040503050406030204" pitchFamily="18" charset="0"/>
                                       </a:rPr>
                                     </m:ctrlPr>
-                                  </m:accPr>
+                                  </m:sSubPr>
                                   <m:e>
+                                    <m:r>
+                                      <a:rPr lang="en-US" i="1">
+                                        <a:solidFill>
+                                          <a:prstClr val="black"/>
+                                        </a:solidFill>
+                                        <a:latin typeface="Cambria Math" panose="02040503050406030204" pitchFamily="18" charset="0"/>
+                                      </a:rPr>
+                                      <m:t>𝜃</m:t>
+                                    </m:r>
+                                  </m:e>
+                                  <m:sub>
+                                    <m:r>
+                                      <a:rPr lang="en-US" i="1">
+                                        <a:solidFill>
+                                          <a:prstClr val="black"/>
+                                        </a:solidFill>
+                                        <a:latin typeface="Cambria Math" panose="02040503050406030204" pitchFamily="18" charset="0"/>
+                                      </a:rPr>
+                                      <m:t>𝑇</m:t>
+                                    </m:r>
+                                  </m:sub>
+                                </m:sSub>
+                              </m:e>
+                              <m:e>
+                                <m:sSub>
+                                  <m:sSubPr>
+                                    <m:ctrlPr>
+                                      <a:rPr lang="en-US" i="1">
+                                        <a:solidFill>
+                                          <a:prstClr val="black"/>
+                                        </a:solidFill>
+                                        <a:latin typeface="Cambria Math" panose="02040503050406030204" pitchFamily="18" charset="0"/>
+                                        <a:ea typeface="Cambria Math" panose="02040503050406030204" pitchFamily="18" charset="0"/>
+                                      </a:rPr>
+                                    </m:ctrlPr>
+                                  </m:sSubPr>
+                                  <m:e>
+                                    <m:acc>
+                                      <m:accPr>
+                                        <m:chr m:val="̇"/>
+                                        <m:ctrlPr>
+                                          <a:rPr lang="en-US" i="1">
+                                            <a:solidFill>
+                                              <a:prstClr val="black"/>
+                                            </a:solidFill>
+                                            <a:latin typeface="Cambria Math" panose="02040503050406030204" pitchFamily="18" charset="0"/>
+                                          </a:rPr>
+                                        </m:ctrlPr>
+                                      </m:accPr>
+                                      <m:e>
+                                        <m:r>
+                                          <a:rPr lang="en-US" i="1">
+                                            <a:solidFill>
+                                              <a:prstClr val="black"/>
+                                            </a:solidFill>
+                                            <a:latin typeface="Cambria Math" panose="02040503050406030204" pitchFamily="18" charset="0"/>
+                                            <a:ea typeface="Cambria Math" panose="02040503050406030204" pitchFamily="18" charset="0"/>
+                                          </a:rPr>
+                                          <m:t>𝜃</m:t>
+                                        </m:r>
+                                      </m:e>
+                                    </m:acc>
+                                  </m:e>
+                                  <m:sub>
                                     <m:r>
                                       <a:rPr lang="en-US" i="1">
                                         <a:solidFill>
@@ -21843,413 +23501,15 @@
                                         <a:latin typeface="Cambria Math" panose="02040503050406030204" pitchFamily="18" charset="0"/>
                                         <a:ea typeface="Cambria Math" panose="02040503050406030204" pitchFamily="18" charset="0"/>
                                       </a:rPr>
-                                      <m:t>𝜃</m:t>
+                                      <m:t>𝑇</m:t>
                                     </m:r>
-                                  </m:e>
-                                </m:acc>
+                                  </m:sub>
+                                </m:sSub>
                               </m:e>
-                              <m:sub>
-                                <m:r>
-                                  <a:rPr lang="en-US" i="1">
-                                    <a:solidFill>
-                                      <a:prstClr val="black"/>
-                                    </a:solidFill>
-                                    <a:latin typeface="Cambria Math" panose="02040503050406030204" pitchFamily="18" charset="0"/>
-                                    <a:ea typeface="Cambria Math" panose="02040503050406030204" pitchFamily="18" charset="0"/>
-                                  </a:rPr>
-                                  <m:t>𝑡</m:t>
-                                </m:r>
-                                <m:r>
-                                  <a:rPr lang="en-US" b="0" i="1" smtClean="0">
-                                    <a:solidFill>
-                                      <a:prstClr val="black"/>
-                                    </a:solidFill>
-                                    <a:latin typeface="Cambria Math" panose="02040503050406030204" pitchFamily="18" charset="0"/>
-                                    <a:ea typeface="Cambria Math" panose="02040503050406030204" pitchFamily="18" charset="0"/>
-                                  </a:rPr>
-                                  <m:t>+1</m:t>
-                                </m:r>
-                              </m:sub>
-                            </m:sSub>
-                          </m:e>
-                        </m:mr>
-                        <m:mr>
-                          <m:e>
-                            <m:sSub>
-                              <m:sSubPr>
-                                <m:ctrlPr>
-                                  <a:rPr lang="en-US" i="1">
-                                    <a:solidFill>
-                                      <a:prstClr val="black"/>
-                                    </a:solidFill>
-                                    <a:latin typeface="Cambria Math" panose="02040503050406030204" pitchFamily="18" charset="0"/>
-                                  </a:rPr>
-                                </m:ctrlPr>
-                              </m:sSubPr>
-                              <m:e>
-                                <m:r>
-                                  <a:rPr lang="en-US" i="1">
-                                    <a:solidFill>
-                                      <a:prstClr val="black"/>
-                                    </a:solidFill>
-                                    <a:latin typeface="Cambria Math" panose="02040503050406030204" pitchFamily="18" charset="0"/>
-                                  </a:rPr>
-                                  <m:t>𝜃</m:t>
-                                </m:r>
-                              </m:e>
-                              <m:sub>
-                                <m:r>
-                                  <a:rPr lang="en-US" i="1">
-                                    <a:solidFill>
-                                      <a:prstClr val="black"/>
-                                    </a:solidFill>
-                                    <a:latin typeface="Cambria Math" panose="02040503050406030204" pitchFamily="18" charset="0"/>
-                                  </a:rPr>
-                                  <m:t>𝑡</m:t>
-                                </m:r>
-                                <m:r>
-                                  <a:rPr lang="en-US" i="1">
-                                    <a:solidFill>
-                                      <a:prstClr val="black"/>
-                                    </a:solidFill>
-                                    <a:latin typeface="Cambria Math" panose="02040503050406030204" pitchFamily="18" charset="0"/>
-                                  </a:rPr>
-                                  <m:t>+</m:t>
-                                </m:r>
-                                <m:r>
-                                  <a:rPr lang="en-US" b="0" i="1" smtClean="0">
-                                    <a:solidFill>
-                                      <a:prstClr val="black"/>
-                                    </a:solidFill>
-                                    <a:latin typeface="Cambria Math" panose="02040503050406030204" pitchFamily="18" charset="0"/>
-                                  </a:rPr>
-                                  <m:t>2</m:t>
-                                </m:r>
-                              </m:sub>
-                            </m:sSub>
-                          </m:e>
-                          <m:e>
-                            <m:sSub>
-                              <m:sSubPr>
-                                <m:ctrlPr>
-                                  <a:rPr lang="en-US" i="1">
-                                    <a:solidFill>
-                                      <a:prstClr val="black"/>
-                                    </a:solidFill>
-                                    <a:latin typeface="Cambria Math" panose="02040503050406030204" pitchFamily="18" charset="0"/>
-                                    <a:ea typeface="Cambria Math" panose="02040503050406030204" pitchFamily="18" charset="0"/>
-                                  </a:rPr>
-                                </m:ctrlPr>
-                              </m:sSubPr>
-                              <m:e>
-                                <m:acc>
-                                  <m:accPr>
-                                    <m:chr m:val="̇"/>
-                                    <m:ctrlPr>
-                                      <a:rPr lang="en-US" i="1">
-                                        <a:solidFill>
-                                          <a:prstClr val="black"/>
-                                        </a:solidFill>
-                                        <a:latin typeface="Cambria Math" panose="02040503050406030204" pitchFamily="18" charset="0"/>
-                                      </a:rPr>
-                                    </m:ctrlPr>
-                                  </m:accPr>
-                                  <m:e>
-                                    <m:r>
-                                      <a:rPr lang="en-US" i="1">
-                                        <a:solidFill>
-                                          <a:prstClr val="black"/>
-                                        </a:solidFill>
-                                        <a:latin typeface="Cambria Math" panose="02040503050406030204" pitchFamily="18" charset="0"/>
-                                        <a:ea typeface="Cambria Math" panose="02040503050406030204" pitchFamily="18" charset="0"/>
-                                      </a:rPr>
-                                      <m:t>𝜃</m:t>
-                                    </m:r>
-                                  </m:e>
-                                </m:acc>
-                              </m:e>
-                              <m:sub>
-                                <m:r>
-                                  <a:rPr lang="en-US" i="1">
-                                    <a:solidFill>
-                                      <a:prstClr val="black"/>
-                                    </a:solidFill>
-                                    <a:latin typeface="Cambria Math" panose="02040503050406030204" pitchFamily="18" charset="0"/>
-                                    <a:ea typeface="Cambria Math" panose="02040503050406030204" pitchFamily="18" charset="0"/>
-                                  </a:rPr>
-                                  <m:t>𝑡</m:t>
-                                </m:r>
-                                <m:r>
-                                  <a:rPr lang="en-US" i="1">
-                                    <a:solidFill>
-                                      <a:prstClr val="black"/>
-                                    </a:solidFill>
-                                    <a:latin typeface="Cambria Math" panose="02040503050406030204" pitchFamily="18" charset="0"/>
-                                    <a:ea typeface="Cambria Math" panose="02040503050406030204" pitchFamily="18" charset="0"/>
-                                  </a:rPr>
-                                  <m:t>+</m:t>
-                                </m:r>
-                                <m:r>
-                                  <a:rPr lang="en-US" b="0" i="1" smtClean="0">
-                                    <a:solidFill>
-                                      <a:prstClr val="black"/>
-                                    </a:solidFill>
-                                    <a:latin typeface="Cambria Math" panose="02040503050406030204" pitchFamily="18" charset="0"/>
-                                    <a:ea typeface="Cambria Math" panose="02040503050406030204" pitchFamily="18" charset="0"/>
-                                  </a:rPr>
-                                  <m:t>2</m:t>
-                                </m:r>
-                              </m:sub>
-                            </m:sSub>
-                          </m:e>
-                        </m:mr>
-                        <m:mr>
-                          <m:e>
-                            <m:sSub>
-                              <m:sSubPr>
-                                <m:ctrlPr>
-                                  <a:rPr lang="en-US" i="1">
-                                    <a:solidFill>
-                                      <a:prstClr val="black"/>
-                                    </a:solidFill>
-                                    <a:latin typeface="Cambria Math" panose="02040503050406030204" pitchFamily="18" charset="0"/>
-                                  </a:rPr>
-                                </m:ctrlPr>
-                              </m:sSubPr>
-                              <m:e>
-                                <m:r>
-                                  <a:rPr lang="en-US" i="1">
-                                    <a:solidFill>
-                                      <a:prstClr val="black"/>
-                                    </a:solidFill>
-                                    <a:latin typeface="Cambria Math" panose="02040503050406030204" pitchFamily="18" charset="0"/>
-                                  </a:rPr>
-                                  <m:t>𝜃</m:t>
-                                </m:r>
-                              </m:e>
-                              <m:sub>
-                                <m:r>
-                                  <a:rPr lang="en-US" i="1">
-                                    <a:solidFill>
-                                      <a:prstClr val="black"/>
-                                    </a:solidFill>
-                                    <a:latin typeface="Cambria Math" panose="02040503050406030204" pitchFamily="18" charset="0"/>
-                                  </a:rPr>
-                                  <m:t>𝑡</m:t>
-                                </m:r>
-                                <m:r>
-                                  <a:rPr lang="en-US" i="1">
-                                    <a:solidFill>
-                                      <a:prstClr val="black"/>
-                                    </a:solidFill>
-                                    <a:latin typeface="Cambria Math" panose="02040503050406030204" pitchFamily="18" charset="0"/>
-                                  </a:rPr>
-                                  <m:t>+</m:t>
-                                </m:r>
-                                <m:r>
-                                  <a:rPr lang="en-US" b="0" i="1" smtClean="0">
-                                    <a:solidFill>
-                                      <a:prstClr val="black"/>
-                                    </a:solidFill>
-                                    <a:latin typeface="Cambria Math" panose="02040503050406030204" pitchFamily="18" charset="0"/>
-                                  </a:rPr>
-                                  <m:t>3</m:t>
-                                </m:r>
-                              </m:sub>
-                            </m:sSub>
-                          </m:e>
-                          <m:e>
-                            <m:sSub>
-                              <m:sSubPr>
-                                <m:ctrlPr>
-                                  <a:rPr lang="en-US" i="1">
-                                    <a:solidFill>
-                                      <a:prstClr val="black"/>
-                                    </a:solidFill>
-                                    <a:latin typeface="Cambria Math" panose="02040503050406030204" pitchFamily="18" charset="0"/>
-                                    <a:ea typeface="Cambria Math" panose="02040503050406030204" pitchFamily="18" charset="0"/>
-                                  </a:rPr>
-                                </m:ctrlPr>
-                              </m:sSubPr>
-                              <m:e>
-                                <m:acc>
-                                  <m:accPr>
-                                    <m:chr m:val="̇"/>
-                                    <m:ctrlPr>
-                                      <a:rPr lang="en-US" i="1">
-                                        <a:solidFill>
-                                          <a:prstClr val="black"/>
-                                        </a:solidFill>
-                                        <a:latin typeface="Cambria Math" panose="02040503050406030204" pitchFamily="18" charset="0"/>
-                                      </a:rPr>
-                                    </m:ctrlPr>
-                                  </m:accPr>
-                                  <m:e>
-                                    <m:r>
-                                      <a:rPr lang="en-US" i="1">
-                                        <a:solidFill>
-                                          <a:prstClr val="black"/>
-                                        </a:solidFill>
-                                        <a:latin typeface="Cambria Math" panose="02040503050406030204" pitchFamily="18" charset="0"/>
-                                        <a:ea typeface="Cambria Math" panose="02040503050406030204" pitchFamily="18" charset="0"/>
-                                      </a:rPr>
-                                      <m:t>𝜃</m:t>
-                                    </m:r>
-                                  </m:e>
-                                </m:acc>
-                              </m:e>
-                              <m:sub>
-                                <m:r>
-                                  <a:rPr lang="en-US" i="1">
-                                    <a:solidFill>
-                                      <a:prstClr val="black"/>
-                                    </a:solidFill>
-                                    <a:latin typeface="Cambria Math" panose="02040503050406030204" pitchFamily="18" charset="0"/>
-                                    <a:ea typeface="Cambria Math" panose="02040503050406030204" pitchFamily="18" charset="0"/>
-                                  </a:rPr>
-                                  <m:t>𝑡</m:t>
-                                </m:r>
-                                <m:r>
-                                  <a:rPr lang="en-US" i="1">
-                                    <a:solidFill>
-                                      <a:prstClr val="black"/>
-                                    </a:solidFill>
-                                    <a:latin typeface="Cambria Math" panose="02040503050406030204" pitchFamily="18" charset="0"/>
-                                    <a:ea typeface="Cambria Math" panose="02040503050406030204" pitchFamily="18" charset="0"/>
-                                  </a:rPr>
-                                  <m:t>+</m:t>
-                                </m:r>
-                                <m:r>
-                                  <a:rPr lang="en-US" b="0" i="1" smtClean="0">
-                                    <a:solidFill>
-                                      <a:prstClr val="black"/>
-                                    </a:solidFill>
-                                    <a:latin typeface="Cambria Math" panose="02040503050406030204" pitchFamily="18" charset="0"/>
-                                    <a:ea typeface="Cambria Math" panose="02040503050406030204" pitchFamily="18" charset="0"/>
-                                  </a:rPr>
-                                  <m:t>3</m:t>
-                                </m:r>
-                              </m:sub>
-                            </m:sSub>
-                          </m:e>
-                        </m:mr>
-                        <m:mr>
-                          <m:e>
-                            <m:r>
-                              <a:rPr lang="en-US" i="1">
-                                <a:solidFill>
-                                  <a:prstClr val="black"/>
-                                </a:solidFill>
-                                <a:latin typeface="Cambria Math" panose="02040503050406030204" pitchFamily="18" charset="0"/>
-                              </a:rPr>
-                              <m:t>⋮</m:t>
-                            </m:r>
-                          </m:e>
-                          <m:e>
-                            <m:r>
-                              <a:rPr lang="en-US" i="1">
-                                <a:solidFill>
-                                  <a:prstClr val="black"/>
-                                </a:solidFill>
-                                <a:latin typeface="Cambria Math" panose="02040503050406030204" pitchFamily="18" charset="0"/>
-                              </a:rPr>
-                              <m:t>⋮</m:t>
-                            </m:r>
-                          </m:e>
-                        </m:mr>
-                        <m:mr>
-                          <m:e>
-                            <m:sSub>
-                              <m:sSubPr>
-                                <m:ctrlPr>
-                                  <a:rPr lang="en-US" i="1">
-                                    <a:solidFill>
-                                      <a:prstClr val="black"/>
-                                    </a:solidFill>
-                                    <a:latin typeface="Cambria Math" panose="02040503050406030204" pitchFamily="18" charset="0"/>
-                                  </a:rPr>
-                                </m:ctrlPr>
-                              </m:sSubPr>
-                              <m:e>
-                                <m:r>
-                                  <a:rPr lang="en-US" i="1">
-                                    <a:solidFill>
-                                      <a:prstClr val="black"/>
-                                    </a:solidFill>
-                                    <a:latin typeface="Cambria Math" panose="02040503050406030204" pitchFamily="18" charset="0"/>
-                                  </a:rPr>
-                                  <m:t>𝜃</m:t>
-                                </m:r>
-                              </m:e>
-                              <m:sub>
-                                <m:r>
-                                  <a:rPr lang="en-US" b="0" i="1" smtClean="0">
-                                    <a:solidFill>
-                                      <a:prstClr val="black"/>
-                                    </a:solidFill>
-                                    <a:latin typeface="Cambria Math" panose="02040503050406030204" pitchFamily="18" charset="0"/>
-                                  </a:rPr>
-                                  <m:t>𝑇</m:t>
-                                </m:r>
-                              </m:sub>
-                            </m:sSub>
-                          </m:e>
-                          <m:e>
-                            <m:sSub>
-                              <m:sSubPr>
-                                <m:ctrlPr>
-                                  <a:rPr lang="en-US" i="1">
-                                    <a:solidFill>
-                                      <a:prstClr val="black"/>
-                                    </a:solidFill>
-                                    <a:latin typeface="Cambria Math" panose="02040503050406030204" pitchFamily="18" charset="0"/>
-                                    <a:ea typeface="Cambria Math" panose="02040503050406030204" pitchFamily="18" charset="0"/>
-                                  </a:rPr>
-                                </m:ctrlPr>
-                              </m:sSubPr>
-                              <m:e>
-                                <m:acc>
-                                  <m:accPr>
-                                    <m:chr m:val="̇"/>
-                                    <m:ctrlPr>
-                                      <a:rPr lang="en-US" i="1">
-                                        <a:solidFill>
-                                          <a:prstClr val="black"/>
-                                        </a:solidFill>
-                                        <a:latin typeface="Cambria Math" panose="02040503050406030204" pitchFamily="18" charset="0"/>
-                                      </a:rPr>
-                                    </m:ctrlPr>
-                                  </m:accPr>
-                                  <m:e>
-                                    <m:r>
-                                      <a:rPr lang="en-US" i="1">
-                                        <a:solidFill>
-                                          <a:prstClr val="black"/>
-                                        </a:solidFill>
-                                        <a:latin typeface="Cambria Math" panose="02040503050406030204" pitchFamily="18" charset="0"/>
-                                        <a:ea typeface="Cambria Math" panose="02040503050406030204" pitchFamily="18" charset="0"/>
-                                      </a:rPr>
-                                      <m:t>𝜃</m:t>
-                                    </m:r>
-                                  </m:e>
-                                </m:acc>
-                              </m:e>
-                              <m:sub>
-                                <m:r>
-                                  <a:rPr lang="en-US" b="0" i="1" smtClean="0">
-                                    <a:solidFill>
-                                      <a:prstClr val="black"/>
-                                    </a:solidFill>
-                                    <a:latin typeface="Cambria Math" panose="02040503050406030204" pitchFamily="18" charset="0"/>
-                                    <a:ea typeface="Cambria Math" panose="02040503050406030204" pitchFamily="18" charset="0"/>
-                                  </a:rPr>
-                                  <m:t>𝑇</m:t>
-                                </m:r>
-                              </m:sub>
-                            </m:sSub>
-                          </m:e>
-                        </m:mr>
-                      </m:m>
+                            </m:mr>
+                          </m:m>
+                        </m:e>
+                      </m:d>
                     </m:oMath>
                   </m:oMathPara>
                 </a14:m>
@@ -22269,7 +23529,7 @@
             </p:txBody>
           </p:sp>
         </mc:Choice>
-        <mc:Fallback>
+        <mc:Fallback xmlns="">
           <p:sp>
             <p:nvSpPr>
               <p:cNvPr id="12" name="TextBox 11">
@@ -22287,7 +23547,7 @@
             <p:spPr>
               <a:xfrm>
                 <a:off x="7126100" y="4096757"/>
-                <a:ext cx="1588320" cy="1793248"/>
+                <a:ext cx="1749903" cy="1793248"/>
               </a:xfrm>
               <a:prstGeom prst="rect">
                 <a:avLst/>
@@ -23492,16 +24752,16 @@
 <file path=customXml/itemProps2.xml><?xml version="1.0" encoding="utf-8"?>
 <ds:datastoreItem xmlns:ds="http://schemas.openxmlformats.org/officeDocument/2006/customXml" ds:itemID="{CC1A7FE3-81F7-4596-A188-3EE8D4188E1F}">
   <ds:schemaRefs>
+    <ds:schemaRef ds:uri="e1a9e197-d112-4abb-aa0c-4ed035d690a3"/>
+    <ds:schemaRef ds:uri="5d4c14f1-5e26-4315-944b-e10ebb29e5be"/>
     <ds:schemaRef ds:uri="http://schemas.microsoft.com/office/2006/documentManagement/types"/>
+    <ds:schemaRef ds:uri="http://purl.org/dc/terms/"/>
+    <ds:schemaRef ds:uri="http://purl.org/dc/elements/1.1/"/>
+    <ds:schemaRef ds:uri="http://schemas.openxmlformats.org/package/2006/metadata/core-properties"/>
     <ds:schemaRef ds:uri="http://www.w3.org/XML/1998/namespace"/>
-    <ds:schemaRef ds:uri="http://purl.org/dc/terms/"/>
-    <ds:schemaRef ds:uri="http://schemas.openxmlformats.org/package/2006/metadata/core-properties"/>
-    <ds:schemaRef ds:uri="e1a9e197-d112-4abb-aa0c-4ed035d690a3"/>
-    <ds:schemaRef ds:uri="http://purl.org/dc/elements/1.1/"/>
+    <ds:schemaRef ds:uri="http://purl.org/dc/dcmitype/"/>
     <ds:schemaRef ds:uri="http://schemas.microsoft.com/office/infopath/2007/PartnerControls"/>
-    <ds:schemaRef ds:uri="5d4c14f1-5e26-4315-944b-e10ebb29e5be"/>
     <ds:schemaRef ds:uri="http://schemas.microsoft.com/office/2006/metadata/properties"/>
-    <ds:schemaRef ds:uri="http://purl.org/dc/dcmitype/"/>
   </ds:schemaRefs>
 </ds:datastoreItem>
 </file>

--- a/presentation/nonlinearLSTM_slides.pptx
+++ b/presentation/nonlinearLSTM_slides.pptx
@@ -236,7 +236,7 @@
           <a:p>
             <a:fld id="{C88CE87A-16FF-4C7D-8292-0CB980715C8B}" type="datetimeFigureOut">
               <a:rPr lang="de-DE" smtClean="0"/>
-              <a:t>18.01.2023</a:t>
+              <a:t>19.01.2023</a:t>
             </a:fld>
             <a:endParaRPr lang="de-DE"/>
           </a:p>
@@ -413,7 +413,7 @@
           <a:p>
             <a:fld id="{9DECA62E-2216-4960-A875-4D2633F4A404}" type="datetimeFigureOut">
               <a:rPr lang="de-DE" smtClean="0"/>
-              <a:t>18.01.2023</a:t>
+              <a:t>19.01.2023</a:t>
             </a:fld>
             <a:endParaRPr lang="de-DE"/>
           </a:p>
@@ -764,6 +764,453 @@
 </p:notes>
 </file>
 
+<file path=ppt/notesSlides/notesSlide10.xml><?xml version="1.0" encoding="utf-8"?>
+<p:notes xmlns:a="http://schemas.openxmlformats.org/drawingml/2006/main" xmlns:r="http://schemas.openxmlformats.org/officeDocument/2006/relationships" xmlns:p="http://schemas.openxmlformats.org/presentationml/2006/main">
+  <p:cSld>
+    <p:spTree>
+      <p:nvGrpSpPr>
+        <p:cNvPr id="1" name=""/>
+        <p:cNvGrpSpPr/>
+        <p:nvPr/>
+      </p:nvGrpSpPr>
+      <p:grpSpPr>
+        <a:xfrm>
+          <a:off x="0" y="0"/>
+          <a:ext cx="0" cy="0"/>
+          <a:chOff x="0" y="0"/>
+          <a:chExt cx="0" cy="0"/>
+        </a:xfrm>
+      </p:grpSpPr>
+      <p:sp>
+        <p:nvSpPr>
+          <p:cNvPr id="2" name="Slide Image Placeholder 1"/>
+          <p:cNvSpPr>
+            <a:spLocks noGrp="1" noRot="1" noChangeAspect="1"/>
+          </p:cNvSpPr>
+          <p:nvPr>
+            <p:ph type="sldImg"/>
+          </p:nvPr>
+        </p:nvSpPr>
+        <p:spPr/>
+      </p:sp>
+      <p:sp>
+        <p:nvSpPr>
+          <p:cNvPr id="3" name="Notes Placeholder 2"/>
+          <p:cNvSpPr>
+            <a:spLocks noGrp="1"/>
+          </p:cNvSpPr>
+          <p:nvPr>
+            <p:ph type="body" idx="1"/>
+          </p:nvPr>
+        </p:nvSpPr>
+        <p:spPr/>
+        <p:txBody>
+          <a:bodyPr/>
+          <a:lstStyle/>
+          <a:p>
+            <a:pPr marL="171450" indent="-171450">
+              <a:buFontTx/>
+              <a:buChar char="-"/>
+            </a:pPr>
+            <a:r>
+              <a:rPr lang="en-US" dirty="0"/>
+              <a:t>No training sample too similar </a:t>
+            </a:r>
+            <a:r>
+              <a:rPr lang="en-US" dirty="0">
+                <a:sym typeface="Wingdings" panose="05000000000000000000" pitchFamily="2" charset="2"/>
+              </a:rPr>
+              <a:t> not overfitted.</a:t>
+            </a:r>
+          </a:p>
+          <a:p>
+            <a:pPr marL="171450" indent="-171450">
+              <a:buFontTx/>
+              <a:buChar char="-"/>
+            </a:pPr>
+            <a:r>
+              <a:rPr lang="en-US" dirty="0">
+                <a:sym typeface="Wingdings" panose="05000000000000000000" pitchFamily="2" charset="2"/>
+              </a:rPr>
+              <a:t>Error at input change sources:</a:t>
+            </a:r>
+          </a:p>
+          <a:p>
+            <a:pPr marL="628650" lvl="1" indent="-171450">
+              <a:buFontTx/>
+              <a:buChar char="-"/>
+            </a:pPr>
+            <a:r>
+              <a:rPr lang="en-US" dirty="0">
+                <a:sym typeface="Wingdings" panose="05000000000000000000" pitchFamily="2" charset="2"/>
+              </a:rPr>
+              <a:t>Function itself is easiest to learn, </a:t>
+            </a:r>
+            <a:r>
+              <a:rPr lang="en-US" dirty="0" err="1">
+                <a:sym typeface="Wingdings" panose="05000000000000000000" pitchFamily="2" charset="2"/>
+              </a:rPr>
+              <a:t>bc</a:t>
+            </a:r>
+            <a:r>
+              <a:rPr lang="en-US" dirty="0">
+                <a:sym typeface="Wingdings" panose="05000000000000000000" pitchFamily="2" charset="2"/>
+              </a:rPr>
+              <a:t> it happens in every training sample similarly, but change is different in every sample so if learns the worst</a:t>
+            </a:r>
+          </a:p>
+          <a:p>
+            <a:pPr marL="628650" lvl="1" indent="-171450">
+              <a:buFontTx/>
+              <a:buChar char="-"/>
+            </a:pPr>
+            <a:r>
+              <a:rPr lang="en-US" dirty="0">
+                <a:sym typeface="Wingdings" panose="05000000000000000000" pitchFamily="2" charset="2"/>
+              </a:rPr>
+              <a:t>Still possible to get “back on track” after error due to long term dependencies (more context), error doesn’t need to accumulate</a:t>
+            </a:r>
+          </a:p>
+          <a:p>
+            <a:pPr marL="628650" lvl="1" indent="-171450">
+              <a:buFontTx/>
+              <a:buChar char="-"/>
+            </a:pPr>
+            <a:r>
+              <a:rPr lang="en-US" dirty="0">
+                <a:sym typeface="Wingdings" panose="05000000000000000000" pitchFamily="2" charset="2"/>
+              </a:rPr>
+              <a:t>Maybe difficult to learn larger changes in hidden/cell states</a:t>
+            </a:r>
+          </a:p>
+          <a:p>
+            <a:pPr marL="628650" lvl="1" indent="-171450">
+              <a:buFontTx/>
+              <a:buChar char="-"/>
+            </a:pPr>
+            <a:endParaRPr lang="en-US" dirty="0">
+              <a:sym typeface="Wingdings" panose="05000000000000000000" pitchFamily="2" charset="2"/>
+            </a:endParaRPr>
+          </a:p>
+          <a:p>
+            <a:pPr marL="171450" lvl="0" indent="-171450">
+              <a:buFontTx/>
+              <a:buChar char="-"/>
+            </a:pPr>
+            <a:r>
+              <a:rPr lang="en-US" dirty="0">
+                <a:sym typeface="Wingdings" panose="05000000000000000000" pitchFamily="2" charset="2"/>
+              </a:rPr>
+              <a:t>Large error: Just not enough training data (only 12 training samples)</a:t>
+            </a:r>
+          </a:p>
+          <a:p>
+            <a:pPr marL="171450" lvl="0" indent="-171450">
+              <a:buFontTx/>
+              <a:buChar char="-"/>
+            </a:pPr>
+            <a:r>
+              <a:rPr lang="en-US" dirty="0">
+                <a:sym typeface="Wingdings" panose="05000000000000000000" pitchFamily="2" charset="2"/>
+              </a:rPr>
+              <a:t>Drag-simple </a:t>
+            </a:r>
+            <a:r>
+              <a:rPr lang="en-US" dirty="0" err="1">
+                <a:sym typeface="Wingdings" panose="05000000000000000000" pitchFamily="2" charset="2"/>
+              </a:rPr>
+              <a:t>mse</a:t>
+            </a:r>
+            <a:r>
+              <a:rPr lang="en-US" dirty="0">
+                <a:sym typeface="Wingdings" panose="05000000000000000000" pitchFamily="2" charset="2"/>
+              </a:rPr>
+              <a:t> = 3828 * 10-4 m^2/s^2</a:t>
+            </a:r>
+          </a:p>
+          <a:p>
+            <a:pPr marL="171450" marR="0" lvl="0" indent="-171450" algn="l" defTabSz="914400" rtl="0" eaLnBrk="1" fontAlgn="auto" latinLnBrk="0" hangingPunct="1">
+              <a:lnSpc>
+                <a:spcPct val="100000"/>
+              </a:lnSpc>
+              <a:spcBef>
+                <a:spcPts val="0"/>
+              </a:spcBef>
+              <a:spcAft>
+                <a:spcPts val="0"/>
+              </a:spcAft>
+              <a:buClrTx/>
+              <a:buSzTx/>
+              <a:buFontTx/>
+              <a:buChar char="-"/>
+              <a:tabLst/>
+              <a:defRPr/>
+            </a:pPr>
+            <a:r>
+              <a:rPr lang="en-US" dirty="0">
+                <a:sym typeface="Wingdings" panose="05000000000000000000" pitchFamily="2" charset="2"/>
+              </a:rPr>
+              <a:t>Drag-complex </a:t>
+            </a:r>
+            <a:r>
+              <a:rPr lang="en-US" dirty="0" err="1">
+                <a:sym typeface="Wingdings" panose="05000000000000000000" pitchFamily="2" charset="2"/>
+              </a:rPr>
+              <a:t>mse</a:t>
+            </a:r>
+            <a:r>
+              <a:rPr lang="en-US" dirty="0">
+                <a:sym typeface="Wingdings" panose="05000000000000000000" pitchFamily="2" charset="2"/>
+              </a:rPr>
+              <a:t> = 5 * 10-4 m^2/s^2</a:t>
+            </a:r>
+            <a:endParaRPr lang="en-US" dirty="0"/>
+          </a:p>
+          <a:p>
+            <a:pPr marL="171450" lvl="0" indent="-171450">
+              <a:buFontTx/>
+              <a:buChar char="-"/>
+            </a:pPr>
+            <a:endParaRPr lang="en-US" dirty="0"/>
+          </a:p>
+        </p:txBody>
+      </p:sp>
+      <p:sp>
+        <p:nvSpPr>
+          <p:cNvPr id="4" name="Slide Number Placeholder 3"/>
+          <p:cNvSpPr>
+            <a:spLocks noGrp="1"/>
+          </p:cNvSpPr>
+          <p:nvPr>
+            <p:ph type="sldNum" sz="quarter" idx="5"/>
+          </p:nvPr>
+        </p:nvSpPr>
+        <p:spPr/>
+        <p:txBody>
+          <a:bodyPr/>
+          <a:lstStyle/>
+          <a:p>
+            <a:fld id="{E1F93703-73BA-47D5-8B02-C172375928DA}" type="slidenum">
+              <a:rPr lang="de-DE" smtClean="0"/>
+              <a:t>17</a:t>
+            </a:fld>
+            <a:endParaRPr lang="de-DE"/>
+          </a:p>
+        </p:txBody>
+      </p:sp>
+    </p:spTree>
+    <p:extLst>
+      <p:ext uri="{BB962C8B-B14F-4D97-AF65-F5344CB8AC3E}">
+        <p14:creationId xmlns:p14="http://schemas.microsoft.com/office/powerpoint/2010/main" val="4067223537"/>
+      </p:ext>
+    </p:extLst>
+  </p:cSld>
+  <p:clrMapOvr>
+    <a:masterClrMapping/>
+  </p:clrMapOvr>
+</p:notes>
+</file>
+
+<file path=ppt/notesSlides/notesSlide11.xml><?xml version="1.0" encoding="utf-8"?>
+<p:notes xmlns:a="http://schemas.openxmlformats.org/drawingml/2006/main" xmlns:r="http://schemas.openxmlformats.org/officeDocument/2006/relationships" xmlns:p="http://schemas.openxmlformats.org/presentationml/2006/main">
+  <p:cSld>
+    <p:spTree>
+      <p:nvGrpSpPr>
+        <p:cNvPr id="1" name=""/>
+        <p:cNvGrpSpPr/>
+        <p:nvPr/>
+      </p:nvGrpSpPr>
+      <p:grpSpPr>
+        <a:xfrm>
+          <a:off x="0" y="0"/>
+          <a:ext cx="0" cy="0"/>
+          <a:chOff x="0" y="0"/>
+          <a:chExt cx="0" cy="0"/>
+        </a:xfrm>
+      </p:grpSpPr>
+      <p:sp>
+        <p:nvSpPr>
+          <p:cNvPr id="2" name="Folienbildplatzhalter 1"/>
+          <p:cNvSpPr>
+            <a:spLocks noGrp="1" noRot="1" noChangeAspect="1"/>
+          </p:cNvSpPr>
+          <p:nvPr>
+            <p:ph type="sldImg"/>
+          </p:nvPr>
+        </p:nvSpPr>
+        <p:spPr/>
+      </p:sp>
+      <p:sp>
+        <p:nvSpPr>
+          <p:cNvPr id="3" name="Notizenplatzhalter 2"/>
+          <p:cNvSpPr>
+            <a:spLocks noGrp="1"/>
+          </p:cNvSpPr>
+          <p:nvPr>
+            <p:ph type="body" idx="1"/>
+          </p:nvPr>
+        </p:nvSpPr>
+        <p:spPr/>
+        <p:txBody>
+          <a:bodyPr/>
+          <a:lstStyle/>
+          <a:p>
+            <a:pPr marL="171450" marR="0" lvl="0" indent="-171450" algn="l" defTabSz="914400" rtl="0" eaLnBrk="1" fontAlgn="auto" latinLnBrk="0" hangingPunct="1">
+              <a:lnSpc>
+                <a:spcPct val="100000"/>
+              </a:lnSpc>
+              <a:spcBef>
+                <a:spcPts val="0"/>
+              </a:spcBef>
+              <a:spcAft>
+                <a:spcPts val="0"/>
+              </a:spcAft>
+              <a:buClrTx/>
+              <a:buSzTx/>
+              <a:buFont typeface="Arial" panose="020B0604020202020204" pitchFamily="34" charset="0"/>
+              <a:buChar char="•"/>
+              <a:tabLst/>
+              <a:defRPr/>
+            </a:pPr>
+            <a:r>
+              <a:rPr lang="en-US" dirty="0"/>
+              <a:t>Requirements for more complex systems:</a:t>
+            </a:r>
+          </a:p>
+          <a:p>
+            <a:pPr marL="628650" marR="0" lvl="1" indent="-171450" algn="l" defTabSz="914400" rtl="0" eaLnBrk="1" fontAlgn="auto" latinLnBrk="0" hangingPunct="1">
+              <a:lnSpc>
+                <a:spcPct val="100000"/>
+              </a:lnSpc>
+              <a:spcBef>
+                <a:spcPts val="0"/>
+              </a:spcBef>
+              <a:spcAft>
+                <a:spcPts val="0"/>
+              </a:spcAft>
+              <a:buClrTx/>
+              <a:buSzTx/>
+              <a:buFont typeface="Arial" panose="020B0604020202020204" pitchFamily="34" charset="0"/>
+              <a:buChar char="•"/>
+              <a:tabLst/>
+              <a:defRPr/>
+            </a:pPr>
+            <a:r>
+              <a:rPr lang="en-US" dirty="0"/>
+              <a:t>Stabilize training for larger models</a:t>
+            </a:r>
+          </a:p>
+          <a:p>
+            <a:pPr marL="628650" marR="0" lvl="1" indent="-171450" algn="l" defTabSz="914400" rtl="0" eaLnBrk="1" fontAlgn="auto" latinLnBrk="0" hangingPunct="1">
+              <a:lnSpc>
+                <a:spcPct val="100000"/>
+              </a:lnSpc>
+              <a:spcBef>
+                <a:spcPts val="0"/>
+              </a:spcBef>
+              <a:spcAft>
+                <a:spcPts val="0"/>
+              </a:spcAft>
+              <a:buClrTx/>
+              <a:buSzTx/>
+              <a:buFont typeface="Arial" panose="020B0604020202020204" pitchFamily="34" charset="0"/>
+              <a:buChar char="•"/>
+              <a:tabLst/>
+              <a:defRPr/>
+            </a:pPr>
+            <a:r>
+              <a:rPr lang="en-US" dirty="0"/>
+              <a:t>Size and type of datasets</a:t>
+            </a:r>
+          </a:p>
+          <a:p>
+            <a:pPr marL="628650" marR="0" lvl="1" indent="-171450" algn="l" defTabSz="914400" rtl="0" eaLnBrk="1" fontAlgn="auto" latinLnBrk="0" hangingPunct="1">
+              <a:lnSpc>
+                <a:spcPct val="100000"/>
+              </a:lnSpc>
+              <a:spcBef>
+                <a:spcPts val="0"/>
+              </a:spcBef>
+              <a:spcAft>
+                <a:spcPts val="0"/>
+              </a:spcAft>
+              <a:buClrTx/>
+              <a:buSzTx/>
+              <a:buFont typeface="Arial" panose="020B0604020202020204" pitchFamily="34" charset="0"/>
+              <a:buChar char="•"/>
+              <a:tabLst/>
+              <a:defRPr/>
+            </a:pPr>
+            <a:r>
+              <a:rPr lang="en-US" dirty="0"/>
+              <a:t>Further testing for specific situations</a:t>
+            </a:r>
+          </a:p>
+          <a:p>
+            <a:pPr marL="171450" marR="0" lvl="0" indent="-171450" algn="l" defTabSz="914400" rtl="0" eaLnBrk="1" fontAlgn="auto" latinLnBrk="0" hangingPunct="1">
+              <a:lnSpc>
+                <a:spcPct val="100000"/>
+              </a:lnSpc>
+              <a:spcBef>
+                <a:spcPts val="0"/>
+              </a:spcBef>
+              <a:spcAft>
+                <a:spcPts val="0"/>
+              </a:spcAft>
+              <a:buClrTx/>
+              <a:buSzTx/>
+              <a:buFont typeface="Arial" panose="020B0604020202020204" pitchFamily="34" charset="0"/>
+              <a:buChar char="•"/>
+              <a:tabLst/>
+              <a:defRPr/>
+            </a:pPr>
+            <a:r>
+              <a:rPr lang="en-US" dirty="0"/>
+              <a:t>Create better dataset to test specific situations</a:t>
+            </a:r>
+            <a:br>
+              <a:rPr lang="en-US" dirty="0"/>
+            </a:br>
+            <a:endParaRPr lang="en-US" dirty="0"/>
+          </a:p>
+        </p:txBody>
+      </p:sp>
+      <p:sp>
+        <p:nvSpPr>
+          <p:cNvPr id="4" name="Foliennummernplatzhalter 3"/>
+          <p:cNvSpPr>
+            <a:spLocks noGrp="1"/>
+          </p:cNvSpPr>
+          <p:nvPr>
+            <p:ph type="sldNum" sz="quarter" idx="5"/>
+          </p:nvPr>
+        </p:nvSpPr>
+        <p:spPr/>
+        <p:txBody>
+          <a:bodyPr/>
+          <a:lstStyle/>
+          <a:p>
+            <a:fld id="{E1F93703-73BA-47D5-8B02-C172375928DA}" type="slidenum">
+              <a:rPr lang="de-DE" smtClean="0"/>
+              <a:t>18</a:t>
+            </a:fld>
+            <a:endParaRPr lang="de-DE"/>
+          </a:p>
+        </p:txBody>
+      </p:sp>
+    </p:spTree>
+    <p:extLst>
+      <p:ext uri="{BB962C8B-B14F-4D97-AF65-F5344CB8AC3E}">
+        <p14:creationId xmlns:p14="http://schemas.microsoft.com/office/powerpoint/2010/main" val="238023975"/>
+      </p:ext>
+    </p:extLst>
+  </p:cSld>
+  <p:clrMapOvr>
+    <a:masterClrMapping/>
+  </p:clrMapOvr>
+</p:notes>
+</file>
+
 <file path=ppt/notesSlides/notesSlide2.xml><?xml version="1.0" encoding="utf-8"?>
 <p:notes xmlns:a="http://schemas.openxmlformats.org/drawingml/2006/main" xmlns:r="http://schemas.openxmlformats.org/officeDocument/2006/relationships" xmlns:p="http://schemas.openxmlformats.org/presentationml/2006/main">
   <p:cSld>
@@ -808,64 +1255,47 @@
           <a:bodyPr/>
           <a:lstStyle/>
           <a:p>
+            <a:pPr marL="171450" indent="-171450">
+              <a:buFontTx/>
+              <a:buChar char="-"/>
+            </a:pPr>
             <a:r>
               <a:rPr lang="en-US" dirty="0"/>
-              <a:t>q = c/m = 1</a:t>
-            </a:r>
-          </a:p>
-          <a:p>
-            <a:pPr marL="0" marR="0" lvl="0" indent="0" algn="l" defTabSz="914400" rtl="0" eaLnBrk="1" fontAlgn="auto" latinLnBrk="0" hangingPunct="1">
-              <a:lnSpc>
-                <a:spcPct val="100000"/>
-              </a:lnSpc>
-              <a:spcBef>
-                <a:spcPts val="0"/>
-              </a:spcBef>
-              <a:spcAft>
-                <a:spcPts val="0"/>
-              </a:spcAft>
-              <a:buClrTx/>
-              <a:buSzTx/>
+              <a:t>“nodes” only visually nodes; its just matrices, but 32 different weights at each gate.</a:t>
+            </a:r>
+          </a:p>
+          <a:p>
+            <a:pPr marL="171450" indent="-171450">
               <a:buFontTx/>
-              <a:buNone/>
-              <a:tabLst/>
-              <a:defRPr/>
+              <a:buChar char="-"/>
             </a:pPr>
             <a:r>
               <a:rPr lang="en-US" dirty="0"/>
-              <a:t>l = 1m, g = 9.81, m = 1, c = 1, f = 2</a:t>
-            </a:r>
-          </a:p>
-          <a:p>
-            <a:pPr marL="0" marR="0" lvl="0" indent="0" algn="l" defTabSz="914400" rtl="0" eaLnBrk="1" fontAlgn="auto" latinLnBrk="0" hangingPunct="1">
-              <a:lnSpc>
-                <a:spcPct val="100000"/>
-              </a:lnSpc>
-              <a:spcBef>
-                <a:spcPts val="0"/>
-              </a:spcBef>
-              <a:spcAft>
-                <a:spcPts val="0"/>
-              </a:spcAft>
-              <a:buClrTx/>
-              <a:buSzTx/>
+              <a:t>Possible to train only one step ahead, but unclear what effects it would have</a:t>
+            </a:r>
+          </a:p>
+          <a:p>
+            <a:pPr marL="171450" indent="-171450">
               <a:buFontTx/>
-              <a:buNone/>
-              <a:tabLst/>
-              <a:defRPr/>
+              <a:buChar char="-"/>
             </a:pPr>
             <a:r>
               <a:rPr lang="en-US" dirty="0"/>
-              <a:t>F(t) should be divided by ml, but nothing changes, </a:t>
+              <a:t>Weight </a:t>
             </a:r>
             <a:r>
               <a:rPr lang="en-US" dirty="0" err="1"/>
-              <a:t>bc</a:t>
+              <a:t>init</a:t>
             </a:r>
             <a:r>
               <a:rPr lang="en-US" dirty="0"/>
-              <a:t> both are 1.</a:t>
-            </a:r>
+              <a:t>: uniform (-sqrt(k), sqrt(k)) with k = 1/</a:t>
+            </a:r>
+            <a:r>
+              <a:rPr lang="en-US" dirty="0" err="1"/>
+              <a:t>hidden_size</a:t>
+            </a:r>
+            <a:endParaRPr lang="en-US" dirty="0"/>
           </a:p>
         </p:txBody>
       </p:sp>
@@ -886,7 +1316,7 @@
           <a:p>
             <a:fld id="{E1F93703-73BA-47D5-8B02-C172375928DA}" type="slidenum">
               <a:rPr lang="de-DE" smtClean="0"/>
-              <a:t>7</a:t>
+              <a:t>5</a:t>
             </a:fld>
             <a:endParaRPr lang="de-DE"/>
           </a:p>
@@ -895,7 +1325,7 @@
     </p:spTree>
     <p:extLst>
       <p:ext uri="{BB962C8B-B14F-4D97-AF65-F5344CB8AC3E}">
-        <p14:creationId xmlns:p14="http://schemas.microsoft.com/office/powerpoint/2010/main" val="1197647167"/>
+        <p14:creationId xmlns:p14="http://schemas.microsoft.com/office/powerpoint/2010/main" val="1779546697"/>
       </p:ext>
     </p:extLst>
   </p:cSld>
@@ -951,15 +1381,298 @@
           <a:p>
             <a:r>
               <a:rPr lang="en-US" dirty="0"/>
-              <a:t>b = ½ * rho(density) * </a:t>
+              <a:t>q = c/m = 1</a:t>
+            </a:r>
+          </a:p>
+          <a:p>
+            <a:pPr marL="0" marR="0" lvl="0" indent="0" algn="l" defTabSz="914400" rtl="0" eaLnBrk="1" fontAlgn="auto" latinLnBrk="0" hangingPunct="1">
+              <a:lnSpc>
+                <a:spcPct val="100000"/>
+              </a:lnSpc>
+              <a:spcBef>
+                <a:spcPts val="0"/>
+              </a:spcBef>
+              <a:spcAft>
+                <a:spcPts val="0"/>
+              </a:spcAft>
+              <a:buClrTx/>
+              <a:buSzTx/>
+              <a:buFontTx/>
+              <a:buNone/>
+              <a:tabLst/>
+              <a:defRPr/>
+            </a:pPr>
+            <a:r>
+              <a:rPr lang="en-US" dirty="0"/>
+              <a:t>l = 1m, g = 9.81, m = 1, c = 1, f = 2</a:t>
+            </a:r>
+          </a:p>
+          <a:p>
+            <a:pPr marL="0" marR="0" lvl="0" indent="0" algn="l" defTabSz="914400" rtl="0" eaLnBrk="1" fontAlgn="auto" latinLnBrk="0" hangingPunct="1">
+              <a:lnSpc>
+                <a:spcPct val="100000"/>
+              </a:lnSpc>
+              <a:spcBef>
+                <a:spcPts val="0"/>
+              </a:spcBef>
+              <a:spcAft>
+                <a:spcPts val="0"/>
+              </a:spcAft>
+              <a:buClrTx/>
+              <a:buSzTx/>
+              <a:buFontTx/>
+              <a:buNone/>
+              <a:tabLst/>
+              <a:defRPr/>
+            </a:pPr>
+            <a:r>
+              <a:rPr lang="en-US" dirty="0"/>
+              <a:t>F(t) should be divided by ml, but nothing changes, </a:t>
             </a:r>
             <a:r>
               <a:rPr lang="en-US" dirty="0" err="1"/>
-              <a:t>C_d</a:t>
+              <a:t>bc</a:t>
             </a:r>
             <a:r>
               <a:rPr lang="en-US" dirty="0"/>
-              <a:t>(drag coefficient) * A(Area)</a:t>
+              <a:t> both are 1.</a:t>
+            </a:r>
+          </a:p>
+          <a:p>
+            <a:pPr marL="171450" marR="0" lvl="0" indent="-171450" algn="l" defTabSz="914400" rtl="0" eaLnBrk="1" fontAlgn="auto" latinLnBrk="0" hangingPunct="1">
+              <a:lnSpc>
+                <a:spcPct val="100000"/>
+              </a:lnSpc>
+              <a:spcBef>
+                <a:spcPts val="0"/>
+              </a:spcBef>
+              <a:spcAft>
+                <a:spcPts val="0"/>
+              </a:spcAft>
+              <a:buClrTx/>
+              <a:buSzTx/>
+              <a:buFontTx/>
+              <a:buChar char="-"/>
+              <a:tabLst/>
+              <a:defRPr/>
+            </a:pPr>
+            <a:endParaRPr lang="en-US" dirty="0"/>
+          </a:p>
+          <a:p>
+            <a:pPr marL="171450" marR="0" lvl="0" indent="-171450" algn="l" defTabSz="914400" rtl="0" eaLnBrk="1" fontAlgn="auto" latinLnBrk="0" hangingPunct="1">
+              <a:lnSpc>
+                <a:spcPct val="100000"/>
+              </a:lnSpc>
+              <a:spcBef>
+                <a:spcPts val="0"/>
+              </a:spcBef>
+              <a:spcAft>
+                <a:spcPts val="0"/>
+              </a:spcAft>
+              <a:buClrTx/>
+              <a:buSzTx/>
+              <a:buFontTx/>
+              <a:buChar char="-"/>
+              <a:tabLst/>
+              <a:defRPr/>
+            </a:pPr>
+            <a:r>
+              <a:rPr lang="en-US" dirty="0"/>
+              <a:t>Pend-simple variety:</a:t>
+            </a:r>
+          </a:p>
+          <a:p>
+            <a:pPr marL="628650" marR="0" lvl="1" indent="-171450" algn="l" defTabSz="914400" rtl="0" eaLnBrk="1" fontAlgn="auto" latinLnBrk="0" hangingPunct="1">
+              <a:lnSpc>
+                <a:spcPct val="100000"/>
+              </a:lnSpc>
+              <a:spcBef>
+                <a:spcPts val="0"/>
+              </a:spcBef>
+              <a:spcAft>
+                <a:spcPts val="0"/>
+              </a:spcAft>
+              <a:buClrTx/>
+              <a:buSzTx/>
+              <a:buFontTx/>
+              <a:buChar char="-"/>
+              <a:tabLst/>
+              <a:defRPr/>
+            </a:pPr>
+            <a:r>
+              <a:rPr lang="en-US" dirty="0"/>
+              <a:t>Spikes height, but fixed positions</a:t>
+            </a:r>
+          </a:p>
+          <a:p>
+            <a:pPr marL="628650" marR="0" lvl="1" indent="-171450" algn="l" defTabSz="914400" rtl="0" eaLnBrk="1" fontAlgn="auto" latinLnBrk="0" hangingPunct="1">
+              <a:lnSpc>
+                <a:spcPct val="100000"/>
+              </a:lnSpc>
+              <a:spcBef>
+                <a:spcPts val="0"/>
+              </a:spcBef>
+              <a:spcAft>
+                <a:spcPts val="0"/>
+              </a:spcAft>
+              <a:buClrTx/>
+              <a:buSzTx/>
+              <a:buFontTx/>
+              <a:buChar char="-"/>
+              <a:tabLst/>
+              <a:defRPr/>
+            </a:pPr>
+            <a:r>
+              <a:rPr lang="en-US" dirty="0"/>
+              <a:t>Initial condition of </a:t>
+            </a:r>
+            <a:r>
+              <a:rPr lang="en-US" dirty="0" err="1"/>
+              <a:t>angle_v</a:t>
+            </a:r>
+            <a:endParaRPr lang="en-US" dirty="0"/>
+          </a:p>
+          <a:p>
+            <a:pPr marL="628650" marR="0" lvl="1" indent="-171450" algn="l" defTabSz="914400" rtl="0" eaLnBrk="1" fontAlgn="auto" latinLnBrk="0" hangingPunct="1">
+              <a:lnSpc>
+                <a:spcPct val="100000"/>
+              </a:lnSpc>
+              <a:spcBef>
+                <a:spcPts val="0"/>
+              </a:spcBef>
+              <a:spcAft>
+                <a:spcPts val="0"/>
+              </a:spcAft>
+              <a:buClrTx/>
+              <a:buSzTx/>
+              <a:buFontTx/>
+              <a:buChar char="-"/>
+              <a:tabLst/>
+              <a:defRPr/>
+            </a:pPr>
+            <a:r>
+              <a:rPr lang="en-US" dirty="0"/>
+              <a:t>45 series</a:t>
+            </a:r>
+          </a:p>
+          <a:p>
+            <a:pPr marL="171450" marR="0" lvl="0" indent="-171450" algn="l" defTabSz="914400" rtl="0" eaLnBrk="1" fontAlgn="auto" latinLnBrk="0" hangingPunct="1">
+              <a:lnSpc>
+                <a:spcPct val="100000"/>
+              </a:lnSpc>
+              <a:spcBef>
+                <a:spcPts val="0"/>
+              </a:spcBef>
+              <a:spcAft>
+                <a:spcPts val="0"/>
+              </a:spcAft>
+              <a:buClrTx/>
+              <a:buSzTx/>
+              <a:buFontTx/>
+              <a:buChar char="-"/>
+              <a:tabLst/>
+              <a:defRPr/>
+            </a:pPr>
+            <a:r>
+              <a:rPr lang="en-US" dirty="0"/>
+              <a:t>Pend-complex variety:</a:t>
+            </a:r>
+          </a:p>
+          <a:p>
+            <a:pPr marL="628650" marR="0" lvl="1" indent="-171450" algn="l" defTabSz="914400" rtl="0" eaLnBrk="1" fontAlgn="auto" latinLnBrk="0" hangingPunct="1">
+              <a:lnSpc>
+                <a:spcPct val="100000"/>
+              </a:lnSpc>
+              <a:spcBef>
+                <a:spcPts val="0"/>
+              </a:spcBef>
+              <a:spcAft>
+                <a:spcPts val="0"/>
+              </a:spcAft>
+              <a:buClrTx/>
+              <a:buSzTx/>
+              <a:buFontTx/>
+              <a:buChar char="-"/>
+              <a:tabLst/>
+              <a:defRPr/>
+            </a:pPr>
+            <a:r>
+              <a:rPr lang="en-US" dirty="0"/>
+              <a:t>Spikes height and position</a:t>
+            </a:r>
+          </a:p>
+          <a:p>
+            <a:pPr marL="628650" marR="0" lvl="1" indent="-171450" algn="l" defTabSz="914400" rtl="0" eaLnBrk="1" fontAlgn="auto" latinLnBrk="0" hangingPunct="1">
+              <a:lnSpc>
+                <a:spcPct val="100000"/>
+              </a:lnSpc>
+              <a:spcBef>
+                <a:spcPts val="0"/>
+              </a:spcBef>
+              <a:spcAft>
+                <a:spcPts val="0"/>
+              </a:spcAft>
+              <a:buClrTx/>
+              <a:buSzTx/>
+              <a:buFontTx/>
+              <a:buChar char="-"/>
+              <a:tabLst/>
+              <a:defRPr/>
+            </a:pPr>
+            <a:r>
+              <a:rPr lang="en-US" dirty="0"/>
+              <a:t>Steps height and position</a:t>
+            </a:r>
+          </a:p>
+          <a:p>
+            <a:pPr marL="628650" marR="0" lvl="1" indent="-171450" algn="l" defTabSz="914400" rtl="0" eaLnBrk="1" fontAlgn="auto" latinLnBrk="0" hangingPunct="1">
+              <a:lnSpc>
+                <a:spcPct val="100000"/>
+              </a:lnSpc>
+              <a:spcBef>
+                <a:spcPts val="0"/>
+              </a:spcBef>
+              <a:spcAft>
+                <a:spcPts val="0"/>
+              </a:spcAft>
+              <a:buClrTx/>
+              <a:buSzTx/>
+              <a:buFontTx/>
+              <a:buChar char="-"/>
+              <a:tabLst/>
+              <a:defRPr/>
+            </a:pPr>
+            <a:r>
+              <a:rPr lang="en-US" dirty="0"/>
+              <a:t>Initial condition of </a:t>
+            </a:r>
+            <a:r>
+              <a:rPr lang="en-US" dirty="0" err="1"/>
+              <a:t>angle_v</a:t>
+            </a:r>
+            <a:endParaRPr lang="en-US" dirty="0"/>
+          </a:p>
+          <a:p>
+            <a:pPr marL="628650" marR="0" lvl="1" indent="-171450" algn="l" defTabSz="914400" rtl="0" eaLnBrk="1" fontAlgn="auto" latinLnBrk="0" hangingPunct="1">
+              <a:lnSpc>
+                <a:spcPct val="100000"/>
+              </a:lnSpc>
+              <a:spcBef>
+                <a:spcPts val="0"/>
+              </a:spcBef>
+              <a:spcAft>
+                <a:spcPts val="0"/>
+              </a:spcAft>
+              <a:buClrTx/>
+              <a:buSzTx/>
+              <a:buFontTx/>
+              <a:buChar char="-"/>
+              <a:tabLst/>
+              <a:defRPr/>
+            </a:pPr>
+            <a:r>
+              <a:rPr lang="en-US" dirty="0"/>
+              <a:t>200 series</a:t>
             </a:r>
           </a:p>
         </p:txBody>
@@ -981,7 +1694,7 @@
           <a:p>
             <a:fld id="{E1F93703-73BA-47D5-8B02-C172375928DA}" type="slidenum">
               <a:rPr lang="de-DE" smtClean="0"/>
-              <a:t>8</a:t>
+              <a:t>7</a:t>
             </a:fld>
             <a:endParaRPr lang="de-DE"/>
           </a:p>
@@ -990,7 +1703,7 @@
     </p:spTree>
     <p:extLst>
       <p:ext uri="{BB962C8B-B14F-4D97-AF65-F5344CB8AC3E}">
-        <p14:creationId xmlns:p14="http://schemas.microsoft.com/office/powerpoint/2010/main" val="551786030"/>
+        <p14:creationId xmlns:p14="http://schemas.microsoft.com/office/powerpoint/2010/main" val="1197647167"/>
       </p:ext>
     </p:extLst>
   </p:cSld>
@@ -1044,42 +1757,181 @@
           <a:bodyPr/>
           <a:lstStyle/>
           <a:p>
-            <a:pPr marL="171450" indent="-171450">
-              <a:buFont typeface="Arial" panose="020B0604020202020204" pitchFamily="34" charset="0"/>
-              <a:buChar char="•"/>
+            <a:r>
+              <a:rPr lang="en-US" dirty="0"/>
+              <a:t>b = ½ * rho(density) * </a:t>
+            </a:r>
+            <a:r>
+              <a:rPr lang="en-US" dirty="0" err="1"/>
+              <a:t>C_d</a:t>
+            </a:r>
+            <a:r>
+              <a:rPr lang="en-US" dirty="0"/>
+              <a:t>(drag coefficient) * A(Area)</a:t>
+            </a:r>
+          </a:p>
+          <a:p>
+            <a:endParaRPr lang="en-US" dirty="0"/>
+          </a:p>
+          <a:p>
+            <a:pPr marL="171450" marR="0" lvl="0" indent="-171450" algn="l" defTabSz="914400" rtl="0" eaLnBrk="1" fontAlgn="auto" latinLnBrk="0" hangingPunct="1">
+              <a:lnSpc>
+                <a:spcPct val="100000"/>
+              </a:lnSpc>
+              <a:spcBef>
+                <a:spcPts val="0"/>
+              </a:spcBef>
+              <a:spcAft>
+                <a:spcPts val="0"/>
+              </a:spcAft>
+              <a:buClrTx/>
+              <a:buSzTx/>
+              <a:buFontTx/>
+              <a:buChar char="-"/>
+              <a:tabLst/>
+              <a:defRPr/>
             </a:pPr>
             <a:r>
               <a:rPr lang="en-US" dirty="0"/>
-              <a:t>For all batches of dataset:</a:t>
-            </a:r>
-          </a:p>
-          <a:p>
-            <a:pPr marL="628650" lvl="1" indent="-171450">
-              <a:buFont typeface="Arial" panose="020B0604020202020204" pitchFamily="34" charset="0"/>
-              <a:buChar char="•"/>
+              <a:t>Drag-simple variety:</a:t>
+            </a:r>
+          </a:p>
+          <a:p>
+            <a:pPr marL="628650" marR="0" lvl="1" indent="-171450" algn="l" defTabSz="914400" rtl="0" eaLnBrk="1" fontAlgn="auto" latinLnBrk="0" hangingPunct="1">
+              <a:lnSpc>
+                <a:spcPct val="100000"/>
+              </a:lnSpc>
+              <a:spcBef>
+                <a:spcPts val="0"/>
+              </a:spcBef>
+              <a:spcAft>
+                <a:spcPts val="0"/>
+              </a:spcAft>
+              <a:buClrTx/>
+              <a:buSzTx/>
+              <a:buFontTx/>
+              <a:buChar char="-"/>
+              <a:tabLst/>
+              <a:defRPr/>
             </a:pPr>
             <a:r>
               <a:rPr lang="en-US" dirty="0"/>
-              <a:t>Add squared error over time steps (mean of different variables)</a:t>
-            </a:r>
-          </a:p>
-          <a:p>
-            <a:pPr marL="628650" lvl="1" indent="-171450">
-              <a:buFont typeface="Arial" panose="020B0604020202020204" pitchFamily="34" charset="0"/>
-              <a:buChar char="•"/>
+              <a:t>Step heights, but fixed positions</a:t>
+            </a:r>
+          </a:p>
+          <a:p>
+            <a:pPr marL="628650" marR="0" lvl="1" indent="-171450" algn="l" defTabSz="914400" rtl="0" eaLnBrk="1" fontAlgn="auto" latinLnBrk="0" hangingPunct="1">
+              <a:lnSpc>
+                <a:spcPct val="100000"/>
+              </a:lnSpc>
+              <a:spcBef>
+                <a:spcPts val="0"/>
+              </a:spcBef>
+              <a:spcAft>
+                <a:spcPts val="0"/>
+              </a:spcAft>
+              <a:buClrTx/>
+              <a:buSzTx/>
+              <a:buFontTx/>
+              <a:buChar char="-"/>
+              <a:tabLst/>
+              <a:defRPr/>
             </a:pPr>
             <a:r>
               <a:rPr lang="en-US" dirty="0"/>
-              <a:t>Mean over batch</a:t>
-            </a:r>
-          </a:p>
-          <a:p>
-            <a:endParaRPr lang="en-US" dirty="0"/>
-          </a:p>
-          <a:p>
+              <a:t>20 series</a:t>
+            </a:r>
+          </a:p>
+          <a:p>
+            <a:pPr marL="171450" marR="0" lvl="0" indent="-171450" algn="l" defTabSz="914400" rtl="0" eaLnBrk="1" fontAlgn="auto" latinLnBrk="0" hangingPunct="1">
+              <a:lnSpc>
+                <a:spcPct val="100000"/>
+              </a:lnSpc>
+              <a:spcBef>
+                <a:spcPts val="0"/>
+              </a:spcBef>
+              <a:spcAft>
+                <a:spcPts val="0"/>
+              </a:spcAft>
+              <a:buClrTx/>
+              <a:buSzTx/>
+              <a:buFontTx/>
+              <a:buChar char="-"/>
+              <a:tabLst/>
+              <a:defRPr/>
+            </a:pPr>
             <a:r>
               <a:rPr lang="en-US" dirty="0"/>
-              <a:t>Then for multiple epochs</a:t>
+              <a:t>Drag-complex variety:</a:t>
+            </a:r>
+          </a:p>
+          <a:p>
+            <a:pPr marL="628650" marR="0" lvl="1" indent="-171450" algn="l" defTabSz="914400" rtl="0" eaLnBrk="1" fontAlgn="auto" latinLnBrk="0" hangingPunct="1">
+              <a:lnSpc>
+                <a:spcPct val="100000"/>
+              </a:lnSpc>
+              <a:spcBef>
+                <a:spcPts val="0"/>
+              </a:spcBef>
+              <a:spcAft>
+                <a:spcPts val="0"/>
+              </a:spcAft>
+              <a:buClrTx/>
+              <a:buSzTx/>
+              <a:buFontTx/>
+              <a:buChar char="-"/>
+              <a:tabLst/>
+              <a:defRPr/>
+            </a:pPr>
+            <a:r>
+              <a:rPr lang="en-US" dirty="0"/>
+              <a:t>Step heights (+and-) and positions</a:t>
+            </a:r>
+          </a:p>
+          <a:p>
+            <a:pPr marL="628650" marR="0" lvl="1" indent="-171450" algn="l" defTabSz="914400" rtl="0" eaLnBrk="1" fontAlgn="auto" latinLnBrk="0" hangingPunct="1">
+              <a:lnSpc>
+                <a:spcPct val="100000"/>
+              </a:lnSpc>
+              <a:spcBef>
+                <a:spcPts val="0"/>
+              </a:spcBef>
+              <a:spcAft>
+                <a:spcPts val="0"/>
+              </a:spcAft>
+              <a:buClrTx/>
+              <a:buSzTx/>
+              <a:buFontTx/>
+              <a:buChar char="-"/>
+              <a:tabLst/>
+              <a:defRPr/>
+            </a:pPr>
+            <a:r>
+              <a:rPr lang="en-US" dirty="0"/>
+              <a:t>Slopes heights (+and-) and positions</a:t>
+            </a:r>
+          </a:p>
+          <a:p>
+            <a:pPr marL="628650" marR="0" lvl="1" indent="-171450" algn="l" defTabSz="914400" rtl="0" eaLnBrk="1" fontAlgn="auto" latinLnBrk="0" hangingPunct="1">
+              <a:lnSpc>
+                <a:spcPct val="100000"/>
+              </a:lnSpc>
+              <a:spcBef>
+                <a:spcPts val="0"/>
+              </a:spcBef>
+              <a:spcAft>
+                <a:spcPts val="0"/>
+              </a:spcAft>
+              <a:buClrTx/>
+              <a:buSzTx/>
+              <a:buFontTx/>
+              <a:buChar char="-"/>
+              <a:tabLst/>
+              <a:defRPr/>
+            </a:pPr>
+            <a:r>
+              <a:rPr lang="en-US" dirty="0"/>
+              <a:t>40 series</a:t>
             </a:r>
           </a:p>
         </p:txBody>
@@ -1101,7 +1953,7 @@
           <a:p>
             <a:fld id="{E1F93703-73BA-47D5-8B02-C172375928DA}" type="slidenum">
               <a:rPr lang="de-DE" smtClean="0"/>
-              <a:t>10</a:t>
+              <a:t>8</a:t>
             </a:fld>
             <a:endParaRPr lang="de-DE"/>
           </a:p>
@@ -1110,7 +1962,7 @@
     </p:spTree>
     <p:extLst>
       <p:ext uri="{BB962C8B-B14F-4D97-AF65-F5344CB8AC3E}">
-        <p14:creationId xmlns:p14="http://schemas.microsoft.com/office/powerpoint/2010/main" val="677770846"/>
+        <p14:creationId xmlns:p14="http://schemas.microsoft.com/office/powerpoint/2010/main" val="551786030"/>
       </p:ext>
     </p:extLst>
   </p:cSld>
@@ -1165,12 +2017,32 @@
           <a:lstStyle/>
           <a:p>
             <a:pPr marL="171450" indent="-171450">
-              <a:buFontTx/>
-              <a:buChar char="-"/>
+              <a:buFont typeface="Arial" panose="020B0604020202020204" pitchFamily="34" charset="0"/>
+              <a:buChar char="•"/>
             </a:pPr>
             <a:r>
               <a:rPr lang="en-US" dirty="0"/>
-              <a:t>Could use automatic hyperparameter search as well</a:t>
+              <a:t>For all batches of dataset:</a:t>
+            </a:r>
+          </a:p>
+          <a:p>
+            <a:pPr marL="628650" lvl="1" indent="-171450">
+              <a:buFont typeface="Arial" panose="020B0604020202020204" pitchFamily="34" charset="0"/>
+              <a:buChar char="•"/>
+            </a:pPr>
+            <a:r>
+              <a:rPr lang="en-US" dirty="0"/>
+              <a:t>Add squared error over time steps (mean of different variables)</a:t>
+            </a:r>
+          </a:p>
+          <a:p>
+            <a:pPr marL="628650" lvl="1" indent="-171450">
+              <a:buFont typeface="Arial" panose="020B0604020202020204" pitchFamily="34" charset="0"/>
+              <a:buChar char="•"/>
+            </a:pPr>
+            <a:r>
+              <a:rPr lang="en-US" dirty="0"/>
+              <a:t>Mean over batch</a:t>
             </a:r>
           </a:p>
           <a:p>
@@ -1180,15 +2052,7 @@
             </a:pPr>
             <a:r>
               <a:rPr lang="en-US" dirty="0"/>
-              <a:t>Training times on </a:t>
-            </a:r>
-            <a:r>
-              <a:rPr lang="en-US" dirty="0" err="1"/>
-              <a:t>gtx</a:t>
-            </a:r>
-            <a:r>
-              <a:rPr lang="en-US" dirty="0"/>
-              <a:t> 1060 3gb</a:t>
+              <a:t>Loss depends on all timesteps (to get time dependency)</a:t>
             </a:r>
           </a:p>
           <a:p>
@@ -1198,75 +2062,7 @@
             </a:pPr>
             <a:r>
               <a:rPr lang="en-US" dirty="0"/>
-              <a:t>120 timeseries, 3000 timesteps, 500 epochs</a:t>
-            </a:r>
-          </a:p>
-          <a:p>
-            <a:pPr marL="1085850" lvl="2" indent="-171450">
-              <a:buFontTx/>
-              <a:buChar char="-"/>
-            </a:pPr>
-            <a:r>
-              <a:rPr lang="en-US" dirty="0"/>
-              <a:t>Five layer 30 min</a:t>
-            </a:r>
-          </a:p>
-          <a:p>
-            <a:pPr marL="1085850" lvl="2" indent="-171450">
-              <a:buFontTx/>
-              <a:buChar char="-"/>
-            </a:pPr>
-            <a:r>
-              <a:rPr lang="en-US" dirty="0"/>
-              <a:t>Two layer 15 min</a:t>
-            </a:r>
-          </a:p>
-          <a:p>
-            <a:pPr marL="1085850" lvl="2" indent="-171450">
-              <a:buFontTx/>
-              <a:buChar char="-"/>
-            </a:pPr>
-            <a:r>
-              <a:rPr lang="en-US" dirty="0"/>
-              <a:t>Nodes, </a:t>
-            </a:r>
-            <a:r>
-              <a:rPr lang="en-US" dirty="0" err="1"/>
-              <a:t>lr</a:t>
-            </a:r>
-            <a:r>
-              <a:rPr lang="en-US" dirty="0"/>
-              <a:t> not rly affecting time much</a:t>
-            </a:r>
-          </a:p>
-          <a:p>
-            <a:pPr marL="1085850" lvl="2" indent="-171450">
-              <a:buFontTx/>
-              <a:buChar char="-"/>
-            </a:pPr>
-            <a:r>
-              <a:rPr lang="en-US" dirty="0"/>
-              <a:t>two layers, 32 nodes, 5000 epochs ~2h</a:t>
-            </a:r>
-          </a:p>
-          <a:p>
-            <a:pPr marL="0" lvl="0" indent="0">
-              <a:buFontTx/>
-              <a:buNone/>
-            </a:pPr>
-            <a:r>
-              <a:rPr lang="en-US" dirty="0"/>
-              <a:t>- inference times:</a:t>
-            </a:r>
-          </a:p>
-          <a:p>
-            <a:pPr marL="171450" lvl="0" indent="-171450">
-              <a:buFontTx/>
-              <a:buChar char="-"/>
-            </a:pPr>
-            <a:r>
-              <a:rPr lang="en-US" dirty="0"/>
-              <a:t>2 layer 64 nodes, 1000 length:</a:t>
+              <a:t>Then calculate gradient with regard to each weight</a:t>
             </a:r>
           </a:p>
           <a:p>
@@ -1276,7 +2072,7 @@
             </a:pPr>
             <a:r>
               <a:rPr lang="en-US" dirty="0"/>
-              <a:t>0.035 s</a:t>
+              <a:t>Sum those gradients over all samples in the batch</a:t>
             </a:r>
           </a:p>
           <a:p>
@@ -1286,7 +2082,7 @@
             </a:pPr>
             <a:r>
               <a:rPr lang="en-US" dirty="0"/>
-              <a:t>--&gt; for one step: 0.000035 s (0.035ms, 35µs)</a:t>
+              <a:t>Then update once</a:t>
             </a:r>
           </a:p>
           <a:p>
@@ -1295,16 +2091,18 @@
               <a:buChar char="-"/>
             </a:pPr>
             <a:r>
+              <a:rPr lang="en-US" dirty="0">
+                <a:sym typeface="Wingdings" panose="05000000000000000000" pitchFamily="2" charset="2"/>
+              </a:rPr>
+              <a:t> next batch</a:t>
+            </a:r>
+            <a:endParaRPr lang="en-US" dirty="0"/>
+          </a:p>
+          <a:p>
+            <a:r>
               <a:rPr lang="en-US" dirty="0"/>
-              <a:t>fps (one step): 1/0.000035 = 28571.428571428572</a:t>
-            </a:r>
-          </a:p>
-          <a:p>
-            <a:pPr marL="171450" lvl="0" indent="-171450">
-              <a:buFontTx/>
-              <a:buChar char="-"/>
-            </a:pPr>
-            <a:endParaRPr lang="en-US" dirty="0"/>
+              <a:t>Then for multiple epochs</a:t>
+            </a:r>
           </a:p>
         </p:txBody>
       </p:sp>
@@ -1325,7 +2123,7 @@
           <a:p>
             <a:fld id="{E1F93703-73BA-47D5-8B02-C172375928DA}" type="slidenum">
               <a:rPr lang="de-DE" smtClean="0"/>
-              <a:t>12</a:t>
+              <a:t>10</a:t>
             </a:fld>
             <a:endParaRPr lang="de-DE"/>
           </a:p>
@@ -1334,7 +2132,7 @@
     </p:spTree>
     <p:extLst>
       <p:ext uri="{BB962C8B-B14F-4D97-AF65-F5344CB8AC3E}">
-        <p14:creationId xmlns:p14="http://schemas.microsoft.com/office/powerpoint/2010/main" val="2730930353"/>
+        <p14:creationId xmlns:p14="http://schemas.microsoft.com/office/powerpoint/2010/main" val="677770846"/>
       </p:ext>
     </p:extLst>
   </p:cSld>
@@ -1394,7 +2192,15 @@
             </a:pPr>
             <a:r>
               <a:rPr lang="en-US" dirty="0"/>
-              <a:t>Larger models more difficult to train</a:t>
+              <a:t>Could use automatic hyperparameter search as well (</a:t>
+            </a:r>
+            <a:r>
+              <a:rPr lang="en-US" dirty="0" err="1"/>
+              <a:t>raytune</a:t>
+            </a:r>
+            <a:r>
+              <a:rPr lang="en-US" dirty="0"/>
+              <a:t>)</a:t>
             </a:r>
           </a:p>
           <a:p>
@@ -1404,12 +2210,130 @@
             </a:pPr>
             <a:r>
               <a:rPr lang="en-US" dirty="0"/>
-              <a:t>Only training, not final performance, bigger models might get better later, have higher(lower) </a:t>
-            </a:r>
-            <a:r>
-              <a:rPr lang="en-US"/>
-              <a:t>performance ceiling</a:t>
-            </a:r>
+              <a:t>Training times on </a:t>
+            </a:r>
+            <a:r>
+              <a:rPr lang="en-US" dirty="0" err="1"/>
+              <a:t>gtx</a:t>
+            </a:r>
+            <a:r>
+              <a:rPr lang="en-US" dirty="0"/>
+              <a:t> 1060 3gb</a:t>
+            </a:r>
+          </a:p>
+          <a:p>
+            <a:pPr marL="628650" lvl="1" indent="-171450">
+              <a:buFontTx/>
+              <a:buChar char="-"/>
+            </a:pPr>
+            <a:r>
+              <a:rPr lang="en-US" dirty="0"/>
+              <a:t>120 timeseries, 3000 timesteps, 500 epochs</a:t>
+            </a:r>
+          </a:p>
+          <a:p>
+            <a:pPr marL="1085850" lvl="2" indent="-171450">
+              <a:buFontTx/>
+              <a:buChar char="-"/>
+            </a:pPr>
+            <a:r>
+              <a:rPr lang="en-US" dirty="0"/>
+              <a:t>Five layer 30 min</a:t>
+            </a:r>
+          </a:p>
+          <a:p>
+            <a:pPr marL="1085850" lvl="2" indent="-171450">
+              <a:buFontTx/>
+              <a:buChar char="-"/>
+            </a:pPr>
+            <a:r>
+              <a:rPr lang="en-US" dirty="0"/>
+              <a:t>Two layer 15 min</a:t>
+            </a:r>
+          </a:p>
+          <a:p>
+            <a:pPr marL="1085850" lvl="2" indent="-171450">
+              <a:buFontTx/>
+              <a:buChar char="-"/>
+            </a:pPr>
+            <a:r>
+              <a:rPr lang="en-US" dirty="0"/>
+              <a:t>Nodes, </a:t>
+            </a:r>
+            <a:r>
+              <a:rPr lang="en-US" dirty="0" err="1"/>
+              <a:t>lr</a:t>
+            </a:r>
+            <a:r>
+              <a:rPr lang="en-US" dirty="0"/>
+              <a:t> not rly affecting time much</a:t>
+            </a:r>
+          </a:p>
+          <a:p>
+            <a:pPr marL="1085850" lvl="2" indent="-171450">
+              <a:buFontTx/>
+              <a:buChar char="-"/>
+            </a:pPr>
+            <a:r>
+              <a:rPr lang="en-US" dirty="0"/>
+              <a:t>two layers, 32 nodes, 5000 epochs ~2h</a:t>
+            </a:r>
+          </a:p>
+          <a:p>
+            <a:pPr marL="0" lvl="0" indent="0">
+              <a:buFontTx/>
+              <a:buNone/>
+            </a:pPr>
+            <a:r>
+              <a:rPr lang="en-US" dirty="0"/>
+              <a:t>- inference times:</a:t>
+            </a:r>
+          </a:p>
+          <a:p>
+            <a:pPr marL="171450" lvl="0" indent="-171450">
+              <a:buFontTx/>
+              <a:buChar char="-"/>
+            </a:pPr>
+            <a:r>
+              <a:rPr lang="en-US" dirty="0"/>
+              <a:t>2 layer 64 nodes, 1000 length:</a:t>
+            </a:r>
+          </a:p>
+          <a:p>
+            <a:pPr marL="628650" lvl="1" indent="-171450">
+              <a:buFontTx/>
+              <a:buChar char="-"/>
+            </a:pPr>
+            <a:r>
+              <a:rPr lang="en-US" dirty="0"/>
+              <a:t>0.035 s</a:t>
+            </a:r>
+          </a:p>
+          <a:p>
+            <a:pPr marL="628650" lvl="1" indent="-171450">
+              <a:buFontTx/>
+              <a:buChar char="-"/>
+            </a:pPr>
+            <a:r>
+              <a:rPr lang="en-US" dirty="0"/>
+              <a:t>--&gt; for one step: 0.000035 s (0.035ms, 35µs)</a:t>
+            </a:r>
+          </a:p>
+          <a:p>
+            <a:pPr marL="628650" lvl="1" indent="-171450">
+              <a:buFontTx/>
+              <a:buChar char="-"/>
+            </a:pPr>
+            <a:r>
+              <a:rPr lang="en-US" dirty="0"/>
+              <a:t>fps (one step): 1/0.000035 = 28571.428571428572</a:t>
+            </a:r>
+          </a:p>
+          <a:p>
+            <a:pPr marL="171450" lvl="0" indent="-171450">
+              <a:buFontTx/>
+              <a:buChar char="-"/>
+            </a:pPr>
             <a:endParaRPr lang="en-US" dirty="0"/>
           </a:p>
         </p:txBody>
@@ -1431,7 +2355,7 @@
           <a:p>
             <a:fld id="{E1F93703-73BA-47D5-8B02-C172375928DA}" type="slidenum">
               <a:rPr lang="de-DE" smtClean="0"/>
-              <a:t>14</a:t>
+              <a:t>12</a:t>
             </a:fld>
             <a:endParaRPr lang="de-DE"/>
           </a:p>
@@ -1440,7 +2364,7 @@
     </p:spTree>
     <p:extLst>
       <p:ext uri="{BB962C8B-B14F-4D97-AF65-F5344CB8AC3E}">
-        <p14:creationId xmlns:p14="http://schemas.microsoft.com/office/powerpoint/2010/main" val="3227534281"/>
+        <p14:creationId xmlns:p14="http://schemas.microsoft.com/office/powerpoint/2010/main" val="2730930353"/>
       </p:ext>
     </p:extLst>
   </p:cSld>
@@ -1494,6 +2418,83 @@
           <a:bodyPr/>
           <a:lstStyle/>
           <a:p>
+            <a:pPr marL="171450" indent="-171450">
+              <a:buFontTx/>
+              <a:buChar char="-"/>
+            </a:pPr>
+            <a:r>
+              <a:rPr lang="en-US" dirty="0"/>
+              <a:t>Worse training for large </a:t>
+            </a:r>
+            <a:r>
+              <a:rPr lang="en-US" dirty="0" err="1"/>
+              <a:t>modles</a:t>
+            </a:r>
+            <a:r>
+              <a:rPr lang="en-US" dirty="0"/>
+              <a:t> sources:</a:t>
+            </a:r>
+          </a:p>
+          <a:p>
+            <a:pPr marL="628650" lvl="1" indent="-171450">
+              <a:buFontTx/>
+              <a:buChar char="-"/>
+            </a:pPr>
+            <a:r>
+              <a:rPr lang="en-US" dirty="0"/>
+              <a:t>Maybe vanishing/exploding gradient for deeper models (small gradients [-1,1] get multiplied and get smaller and smaller)</a:t>
+            </a:r>
+          </a:p>
+          <a:p>
+            <a:pPr marL="628650" lvl="1" indent="-171450">
+              <a:buFontTx/>
+              <a:buChar char="-"/>
+            </a:pPr>
+            <a:r>
+              <a:rPr lang="en-US" dirty="0"/>
+              <a:t>Sometimes even no training at all, </a:t>
+            </a:r>
+            <a:r>
+              <a:rPr lang="en-US" dirty="0" err="1"/>
+              <a:t>NaN</a:t>
+            </a:r>
+            <a:r>
+              <a:rPr lang="en-US" dirty="0"/>
+              <a:t> values</a:t>
+            </a:r>
+          </a:p>
+          <a:p>
+            <a:pPr marL="1085850" lvl="2" indent="-171450">
+              <a:buFontTx/>
+              <a:buChar char="-"/>
+            </a:pPr>
+            <a:r>
+              <a:rPr lang="en-US" dirty="0"/>
+              <a:t>Possibility of bug</a:t>
+            </a:r>
+          </a:p>
+          <a:p>
+            <a:pPr marL="1085850" lvl="2" indent="-171450">
+              <a:buFontTx/>
+              <a:buChar char="-"/>
+            </a:pPr>
+            <a:r>
+              <a:rPr lang="en-US" dirty="0"/>
+              <a:t>Numerical instability, try different initialization of weights</a:t>
+            </a:r>
+          </a:p>
+          <a:p>
+            <a:pPr marL="628650" lvl="1" indent="-171450">
+              <a:buFontTx/>
+              <a:buChar char="-"/>
+            </a:pPr>
+            <a:endParaRPr lang="en-US" dirty="0"/>
+          </a:p>
+          <a:p>
+            <a:pPr marL="628650" lvl="1" indent="-171450">
+              <a:buFontTx/>
+              <a:buChar char="-"/>
+            </a:pPr>
             <a:endParaRPr lang="en-US" dirty="0"/>
           </a:p>
         </p:txBody>
@@ -1515,7 +2516,7 @@
           <a:p>
             <a:fld id="{E1F93703-73BA-47D5-8B02-C172375928DA}" type="slidenum">
               <a:rPr lang="de-DE" smtClean="0"/>
-              <a:t>16</a:t>
+              <a:t>13</a:t>
             </a:fld>
             <a:endParaRPr lang="de-DE"/>
           </a:p>
@@ -1524,7 +2525,7 @@
     </p:spTree>
     <p:extLst>
       <p:ext uri="{BB962C8B-B14F-4D97-AF65-F5344CB8AC3E}">
-        <p14:creationId xmlns:p14="http://schemas.microsoft.com/office/powerpoint/2010/main" val="3181399750"/>
+        <p14:creationId xmlns:p14="http://schemas.microsoft.com/office/powerpoint/2010/main" val="1808838013"/>
       </p:ext>
     </p:extLst>
   </p:cSld>
@@ -1584,13 +2585,7 @@
             </a:pPr>
             <a:r>
               <a:rPr lang="en-US" dirty="0"/>
-              <a:t>No training sample too similar </a:t>
-            </a:r>
-            <a:r>
-              <a:rPr lang="en-US" dirty="0">
-                <a:sym typeface="Wingdings" panose="05000000000000000000" pitchFamily="2" charset="2"/>
-              </a:rPr>
-              <a:t> not overfitted.</a:t>
+              <a:t>Larger models more difficult to train</a:t>
             </a:r>
           </a:p>
           <a:p>
@@ -1599,24 +2594,9 @@
               <a:buChar char="-"/>
             </a:pPr>
             <a:r>
-              <a:rPr lang="en-US" dirty="0">
-                <a:sym typeface="Wingdings" panose="05000000000000000000" pitchFamily="2" charset="2"/>
-              </a:rPr>
-              <a:t>Error at input change sources:</a:t>
-            </a:r>
-          </a:p>
-          <a:p>
-            <a:pPr marL="628650" lvl="1" indent="-171450">
-              <a:buFontTx/>
-              <a:buChar char="-"/>
-            </a:pPr>
-            <a:r>
-              <a:rPr lang="en-US" dirty="0">
-                <a:sym typeface="Wingdings" panose="05000000000000000000" pitchFamily="2" charset="2"/>
-              </a:rPr>
-              <a:t>Maybe difficult to learn larger changes in hidden/cell states</a:t>
-            </a:r>
-            <a:endParaRPr lang="en-US" dirty="0"/>
+              <a:rPr lang="en-US" dirty="0"/>
+              <a:t>Only training, not final performance, bigger models might get better later, have higher(lower) performance ceiling</a:t>
+            </a:r>
           </a:p>
         </p:txBody>
       </p:sp>
@@ -1637,7 +2617,7 @@
           <a:p>
             <a:fld id="{E1F93703-73BA-47D5-8B02-C172375928DA}" type="slidenum">
               <a:rPr lang="de-DE" smtClean="0"/>
-              <a:t>17</a:t>
+              <a:t>14</a:t>
             </a:fld>
             <a:endParaRPr lang="de-DE"/>
           </a:p>
@@ -1646,7 +2626,7 @@
     </p:spTree>
     <p:extLst>
       <p:ext uri="{BB962C8B-B14F-4D97-AF65-F5344CB8AC3E}">
-        <p14:creationId xmlns:p14="http://schemas.microsoft.com/office/powerpoint/2010/main" val="4067223537"/>
+        <p14:creationId xmlns:p14="http://schemas.microsoft.com/office/powerpoint/2010/main" val="3227534281"/>
       </p:ext>
     </p:extLst>
   </p:cSld>
@@ -1675,7 +2655,7 @@
       </p:grpSpPr>
       <p:sp>
         <p:nvSpPr>
-          <p:cNvPr id="2" name="Folienbildplatzhalter 1"/>
+          <p:cNvPr id="2" name="Slide Image Placeholder 1"/>
           <p:cNvSpPr>
             <a:spLocks noGrp="1" noRot="1" noChangeAspect="1"/>
           </p:cNvSpPr>
@@ -1687,7 +2667,7 @@
       </p:sp>
       <p:sp>
         <p:nvSpPr>
-          <p:cNvPr id="3" name="Notizenplatzhalter 2"/>
+          <p:cNvPr id="3" name="Notes Placeholder 2"/>
           <p:cNvSpPr>
             <a:spLocks noGrp="1"/>
           </p:cNvSpPr>
@@ -1700,129 +2680,78 @@
           <a:bodyPr/>
           <a:lstStyle/>
           <a:p>
-            <a:pPr marL="171450" marR="0" lvl="0" indent="-171450" algn="l" defTabSz="914400" rtl="0" eaLnBrk="1" fontAlgn="auto" latinLnBrk="0" hangingPunct="1">
-              <a:lnSpc>
-                <a:spcPct val="100000"/>
-              </a:lnSpc>
-              <a:spcBef>
-                <a:spcPts val="0"/>
-              </a:spcBef>
-              <a:spcAft>
-                <a:spcPts val="0"/>
-              </a:spcAft>
-              <a:buClrTx/>
-              <a:buSzTx/>
-              <a:buFont typeface="Arial" panose="020B0604020202020204" pitchFamily="34" charset="0"/>
-              <a:buChar char="•"/>
-              <a:tabLst/>
-              <a:defRPr/>
+            <a:pPr marL="171450" indent="-171450">
+              <a:buFontTx/>
+              <a:buChar char="-"/>
             </a:pPr>
             <a:r>
               <a:rPr lang="en-US" dirty="0"/>
-              <a:t>Requirements for more complex systems:</a:t>
-            </a:r>
-          </a:p>
-          <a:p>
-            <a:pPr marL="628650" marR="0" lvl="1" indent="-171450" algn="l" defTabSz="914400" rtl="0" eaLnBrk="1" fontAlgn="auto" latinLnBrk="0" hangingPunct="1">
-              <a:lnSpc>
-                <a:spcPct val="100000"/>
-              </a:lnSpc>
-              <a:spcBef>
-                <a:spcPts val="0"/>
-              </a:spcBef>
-              <a:spcAft>
-                <a:spcPts val="0"/>
-              </a:spcAft>
-              <a:buClrTx/>
-              <a:buSzTx/>
-              <a:buFont typeface="Arial" panose="020B0604020202020204" pitchFamily="34" charset="0"/>
-              <a:buChar char="•"/>
-              <a:tabLst/>
-              <a:defRPr/>
+              <a:t>pend-simple MSE</a:t>
+            </a:r>
+          </a:p>
+          <a:p>
+            <a:pPr marL="628650" lvl="1" indent="-171450">
+              <a:buFontTx/>
+              <a:buChar char="-"/>
             </a:pPr>
             <a:r>
               <a:rPr lang="en-US" dirty="0"/>
-              <a:t>Stabilize training for larger models</a:t>
-            </a:r>
-          </a:p>
-          <a:p>
-            <a:pPr marL="628650" marR="0" lvl="1" indent="-171450" algn="l" defTabSz="914400" rtl="0" eaLnBrk="1" fontAlgn="auto" latinLnBrk="0" hangingPunct="1">
-              <a:lnSpc>
-                <a:spcPct val="100000"/>
-              </a:lnSpc>
-              <a:spcBef>
-                <a:spcPts val="0"/>
-              </a:spcBef>
-              <a:spcAft>
-                <a:spcPts val="0"/>
-              </a:spcAft>
-              <a:buClrTx/>
-              <a:buSzTx/>
-              <a:buFont typeface="Arial" panose="020B0604020202020204" pitchFamily="34" charset="0"/>
-              <a:buChar char="•"/>
-              <a:tabLst/>
-              <a:defRPr/>
+              <a:t>Angle 20×10−6 rad^2</a:t>
+            </a:r>
+          </a:p>
+          <a:p>
+            <a:pPr marL="628650" lvl="1" indent="-171450">
+              <a:buFontTx/>
+              <a:buChar char="-"/>
             </a:pPr>
             <a:r>
+              <a:rPr lang="en-US" dirty="0" err="1"/>
+              <a:t>Angle_v</a:t>
+            </a:r>
+            <a:r>
               <a:rPr lang="en-US" dirty="0"/>
-              <a:t>Size and type of datasets</a:t>
-            </a:r>
-          </a:p>
-          <a:p>
-            <a:pPr marL="628650" marR="0" lvl="1" indent="-171450" algn="l" defTabSz="914400" rtl="0" eaLnBrk="1" fontAlgn="auto" latinLnBrk="0" hangingPunct="1">
-              <a:lnSpc>
-                <a:spcPct val="100000"/>
-              </a:lnSpc>
-              <a:spcBef>
-                <a:spcPts val="0"/>
-              </a:spcBef>
-              <a:spcAft>
-                <a:spcPts val="0"/>
-              </a:spcAft>
-              <a:buClrTx/>
-              <a:buSzTx/>
-              <a:buFont typeface="Arial" panose="020B0604020202020204" pitchFamily="34" charset="0"/>
-              <a:buChar char="•"/>
-              <a:tabLst/>
-              <a:defRPr/>
+              <a:t> 200×10−6 rad^2/s^2</a:t>
+            </a:r>
+          </a:p>
+          <a:p>
+            <a:pPr marL="171450" indent="-171450">
+              <a:buFontTx/>
+              <a:buChar char="-"/>
             </a:pPr>
             <a:r>
               <a:rPr lang="en-US" dirty="0"/>
-              <a:t>Further testing for specific situations</a:t>
-            </a:r>
-          </a:p>
-          <a:p>
-            <a:pPr marL="171450" marR="0" lvl="0" indent="-171450" algn="l" defTabSz="914400" rtl="0" eaLnBrk="1" fontAlgn="auto" latinLnBrk="0" hangingPunct="1">
-              <a:lnSpc>
-                <a:spcPct val="100000"/>
-              </a:lnSpc>
-              <a:spcBef>
-                <a:spcPts val="0"/>
-              </a:spcBef>
-              <a:spcAft>
-                <a:spcPts val="0"/>
-              </a:spcAft>
-              <a:buClrTx/>
-              <a:buSzTx/>
-              <a:buFont typeface="Arial" panose="020B0604020202020204" pitchFamily="34" charset="0"/>
-              <a:buChar char="•"/>
-              <a:tabLst/>
-              <a:defRPr/>
+              <a:t>pend-complex MSE</a:t>
+            </a:r>
+          </a:p>
+          <a:p>
+            <a:pPr marL="628650" lvl="1" indent="-171450">
+              <a:buFontTx/>
+              <a:buChar char="-"/>
             </a:pPr>
             <a:r>
               <a:rPr lang="en-US" dirty="0"/>
-              <a:t>Create better dataset to test specific situations</a:t>
-            </a:r>
-            <a:br>
+              <a:t>Angle 4*10−6 rad^2</a:t>
+            </a:r>
+          </a:p>
+          <a:p>
+            <a:pPr marL="628650" lvl="1" indent="-171450">
+              <a:buFontTx/>
+              <a:buChar char="-"/>
+            </a:pPr>
+            <a:r>
+              <a:rPr lang="en-US" dirty="0" err="1"/>
+              <a:t>Angle_v</a:t>
+            </a:r>
+            <a:r>
               <a:rPr lang="en-US" dirty="0"/>
-            </a:br>
-            <a:endParaRPr lang="en-US" dirty="0"/>
+              <a:t> 29*10−6 rad^2/s^2</a:t>
+            </a:r>
           </a:p>
         </p:txBody>
       </p:sp>
       <p:sp>
         <p:nvSpPr>
-          <p:cNvPr id="4" name="Foliennummernplatzhalter 3"/>
+          <p:cNvPr id="4" name="Slide Number Placeholder 3"/>
           <p:cNvSpPr>
             <a:spLocks noGrp="1"/>
           </p:cNvSpPr>
@@ -1837,7 +2766,7 @@
           <a:p>
             <a:fld id="{E1F93703-73BA-47D5-8B02-C172375928DA}" type="slidenum">
               <a:rPr lang="de-DE" smtClean="0"/>
-              <a:t>18</a:t>
+              <a:t>16</a:t>
             </a:fld>
             <a:endParaRPr lang="de-DE"/>
           </a:p>
@@ -1846,7 +2775,7 @@
     </p:spTree>
     <p:extLst>
       <p:ext uri="{BB962C8B-B14F-4D97-AF65-F5344CB8AC3E}">
-        <p14:creationId xmlns:p14="http://schemas.microsoft.com/office/powerpoint/2010/main" val="238023975"/>
+        <p14:creationId xmlns:p14="http://schemas.microsoft.com/office/powerpoint/2010/main" val="3181399750"/>
       </p:ext>
     </p:extLst>
   </p:cSld>
@@ -14443,7 +15372,7 @@
           <p:nvPr/>
         </p:nvPicPr>
         <p:blipFill>
-          <a:blip r:embed="rId2">
+          <a:blip r:embed="rId3">
             <a:extLst>
               <a:ext uri="{28A0092B-C50C-407E-A947-70E740481C1C}">
                 <a14:useLocalDpi xmlns:a14="http://schemas.microsoft.com/office/drawing/2010/main" val="0"/>
@@ -14479,7 +15408,7 @@
           <p:nvPr/>
         </p:nvPicPr>
         <p:blipFill>
-          <a:blip r:embed="rId3">
+          <a:blip r:embed="rId4">
             <a:extLst>
               <a:ext uri="{28A0092B-C50C-407E-A947-70E740481C1C}">
                 <a14:useLocalDpi xmlns:a14="http://schemas.microsoft.com/office/drawing/2010/main" val="0"/>
@@ -17512,7 +18441,7 @@
                 <a:effectLst/>
                 <a:latin typeface="inherit"/>
               </a:rPr>
-              <a:t>Holbrook, R., &amp;amp; Cook, A. (2022, May 5). Overfitting and underfitting. Kaggle. Retrieved January 12, 2023, from https://www.kaggle.com/code/ryanholbrook/overfitting-and-underfitting/tutorial </a:t>
+              <a:t>Holbrook, R.; Cook, A. (2022, May 5). Overfitting and underfitting. Kaggle. Retrieved January 12, 2023, from https://www.kaggle.com/code/ryanholbrook/overfitting-and-underfitting/tutorial </a:t>
             </a:r>
           </a:p>
         </p:txBody>
@@ -19611,7 +20540,7 @@
           <p:nvPr/>
         </p:nvPicPr>
         <p:blipFill>
-          <a:blip r:embed="rId2"/>
+          <a:blip r:embed="rId3"/>
           <a:stretch>
             <a:fillRect/>
           </a:stretch>
@@ -24513,12 +25442,6 @@
 </file>
 
 <file path=customXml/item2.xml><?xml version="1.0" encoding="utf-8"?>
-<p:properties xmlns:p="http://schemas.microsoft.com/office/2006/metadata/properties" xmlns:xsi="http://www.w3.org/2001/XMLSchema-instance" xmlns:pc="http://schemas.microsoft.com/office/infopath/2007/PartnerControls">
-  <documentManagement/>
-</p:properties>
-</file>
-
-<file path=customXml/item3.xml><?xml version="1.0" encoding="utf-8"?>
 <ct:contentTypeSchema xmlns:ct="http://schemas.microsoft.com/office/2006/metadata/contentType" xmlns:ma="http://schemas.microsoft.com/office/2006/metadata/properties/metaAttributes" ct:_="" ma:_="" ma:contentTypeName="Dokument" ma:contentTypeID="0x010100B7C64748B88E4F4A81E78C320064AA18" ma:contentTypeVersion="13" ma:contentTypeDescription="Ein neues Dokument erstellen." ma:contentTypeScope="" ma:versionID="7d7fe78eff81fbacf66dc0ff6aeec5a3">
   <xsd:schema xmlns:xsd="http://www.w3.org/2001/XMLSchema" xmlns:xs="http://www.w3.org/2001/XMLSchema" xmlns:p="http://schemas.microsoft.com/office/2006/metadata/properties" xmlns:ns2="e1a9e197-d112-4abb-aa0c-4ed035d690a3" xmlns:ns3="5d4c14f1-5e26-4315-944b-e10ebb29e5be" targetNamespace="http://schemas.microsoft.com/office/2006/metadata/properties" ma:root="true" ma:fieldsID="798e591f6d3205a21a5c8f3fdff7cfef" ns2:_="" ns3:_="">
     <xsd:import namespace="e1a9e197-d112-4abb-aa0c-4ed035d690a3"/>
@@ -24741,6 +25664,12 @@
 </ct:contentTypeSchema>
 </file>
 
+<file path=customXml/item3.xml><?xml version="1.0" encoding="utf-8"?>
+<p:properties xmlns:p="http://schemas.microsoft.com/office/2006/metadata/properties" xmlns:xsi="http://www.w3.org/2001/XMLSchema-instance" xmlns:pc="http://schemas.microsoft.com/office/infopath/2007/PartnerControls">
+  <documentManagement/>
+</p:properties>
+</file>
+
 <file path=customXml/itemProps1.xml><?xml version="1.0" encoding="utf-8"?>
 <ds:datastoreItem xmlns:ds="http://schemas.openxmlformats.org/officeDocument/2006/customXml" ds:itemID="{E457329C-FB5F-4A4D-B331-82D30E9A7432}">
   <ds:schemaRefs>
@@ -24750,23 +25679,6 @@
 </file>
 
 <file path=customXml/itemProps2.xml><?xml version="1.0" encoding="utf-8"?>
-<ds:datastoreItem xmlns:ds="http://schemas.openxmlformats.org/officeDocument/2006/customXml" ds:itemID="{CC1A7FE3-81F7-4596-A188-3EE8D4188E1F}">
-  <ds:schemaRefs>
-    <ds:schemaRef ds:uri="e1a9e197-d112-4abb-aa0c-4ed035d690a3"/>
-    <ds:schemaRef ds:uri="5d4c14f1-5e26-4315-944b-e10ebb29e5be"/>
-    <ds:schemaRef ds:uri="http://schemas.microsoft.com/office/2006/documentManagement/types"/>
-    <ds:schemaRef ds:uri="http://purl.org/dc/terms/"/>
-    <ds:schemaRef ds:uri="http://purl.org/dc/elements/1.1/"/>
-    <ds:schemaRef ds:uri="http://schemas.openxmlformats.org/package/2006/metadata/core-properties"/>
-    <ds:schemaRef ds:uri="http://www.w3.org/XML/1998/namespace"/>
-    <ds:schemaRef ds:uri="http://purl.org/dc/dcmitype/"/>
-    <ds:schemaRef ds:uri="http://schemas.microsoft.com/office/infopath/2007/PartnerControls"/>
-    <ds:schemaRef ds:uri="http://schemas.microsoft.com/office/2006/metadata/properties"/>
-  </ds:schemaRefs>
-</ds:datastoreItem>
-</file>
-
-<file path=customXml/itemProps3.xml><?xml version="1.0" encoding="utf-8"?>
 <ds:datastoreItem xmlns:ds="http://schemas.openxmlformats.org/officeDocument/2006/customXml" ds:itemID="{CDFBE955-EBBF-441B-94AE-DC551CE16727}">
   <ds:schemaRefs>
     <ds:schemaRef ds:uri="http://schemas.microsoft.com/office/2006/metadata/contentType"/>
@@ -24783,4 +25695,21 @@
     <ds:schemaRef ds:uri="http://schemas.microsoft.com/internal/obd"/>
   </ds:schemaRefs>
 </ds:datastoreItem>
+</file>
+
+<file path=customXml/itemProps3.xml><?xml version="1.0" encoding="utf-8"?>
+<ds:datastoreItem xmlns:ds="http://schemas.openxmlformats.org/officeDocument/2006/customXml" ds:itemID="{CC1A7FE3-81F7-4596-A188-3EE8D4188E1F}">
+  <ds:schemaRefs>
+    <ds:schemaRef ds:uri="e1a9e197-d112-4abb-aa0c-4ed035d690a3"/>
+    <ds:schemaRef ds:uri="5d4c14f1-5e26-4315-944b-e10ebb29e5be"/>
+    <ds:schemaRef ds:uri="http://schemas.microsoft.com/office/2006/documentManagement/types"/>
+    <ds:schemaRef ds:uri="http://purl.org/dc/terms/"/>
+    <ds:schemaRef ds:uri="http://purl.org/dc/elements/1.1/"/>
+    <ds:schemaRef ds:uri="http://schemas.openxmlformats.org/package/2006/metadata/core-properties"/>
+    <ds:schemaRef ds:uri="http://www.w3.org/XML/1998/namespace"/>
+    <ds:schemaRef ds:uri="http://purl.org/dc/dcmitype/"/>
+    <ds:schemaRef ds:uri="http://schemas.microsoft.com/office/infopath/2007/PartnerControls"/>
+    <ds:schemaRef ds:uri="http://schemas.microsoft.com/office/2006/metadata/properties"/>
+  </ds:schemaRefs>
+</ds:datastoreItem>
 </file>